--- a/Images/CrossSec_Diagram.pptx
+++ b/Images/CrossSec_Diagram.pptx
@@ -260,7 +260,7 @@
           <a:p>
             <a:fld id="{3495E59A-800C-44EA-8AE9-5D64286AA9F4}" type="datetimeFigureOut">
               <a:rPr lang="en-US" smtClean="0"/>
-              <a:t>5/27/2021</a:t>
+              <a:t>5/28/2021</a:t>
             </a:fld>
             <a:endParaRPr lang="en-US"/>
           </a:p>
@@ -458,7 +458,7 @@
           <a:p>
             <a:fld id="{3495E59A-800C-44EA-8AE9-5D64286AA9F4}" type="datetimeFigureOut">
               <a:rPr lang="en-US" smtClean="0"/>
-              <a:t>5/27/2021</a:t>
+              <a:t>5/28/2021</a:t>
             </a:fld>
             <a:endParaRPr lang="en-US"/>
           </a:p>
@@ -666,7 +666,7 @@
           <a:p>
             <a:fld id="{3495E59A-800C-44EA-8AE9-5D64286AA9F4}" type="datetimeFigureOut">
               <a:rPr lang="en-US" smtClean="0"/>
-              <a:t>5/27/2021</a:t>
+              <a:t>5/28/2021</a:t>
             </a:fld>
             <a:endParaRPr lang="en-US"/>
           </a:p>
@@ -864,7 +864,7 @@
           <a:p>
             <a:fld id="{3495E59A-800C-44EA-8AE9-5D64286AA9F4}" type="datetimeFigureOut">
               <a:rPr lang="en-US" smtClean="0"/>
-              <a:t>5/27/2021</a:t>
+              <a:t>5/28/2021</a:t>
             </a:fld>
             <a:endParaRPr lang="en-US"/>
           </a:p>
@@ -1139,7 +1139,7 @@
           <a:p>
             <a:fld id="{3495E59A-800C-44EA-8AE9-5D64286AA9F4}" type="datetimeFigureOut">
               <a:rPr lang="en-US" smtClean="0"/>
-              <a:t>5/27/2021</a:t>
+              <a:t>5/28/2021</a:t>
             </a:fld>
             <a:endParaRPr lang="en-US"/>
           </a:p>
@@ -1404,7 +1404,7 @@
           <a:p>
             <a:fld id="{3495E59A-800C-44EA-8AE9-5D64286AA9F4}" type="datetimeFigureOut">
               <a:rPr lang="en-US" smtClean="0"/>
-              <a:t>5/27/2021</a:t>
+              <a:t>5/28/2021</a:t>
             </a:fld>
             <a:endParaRPr lang="en-US"/>
           </a:p>
@@ -1816,7 +1816,7 @@
           <a:p>
             <a:fld id="{3495E59A-800C-44EA-8AE9-5D64286AA9F4}" type="datetimeFigureOut">
               <a:rPr lang="en-US" smtClean="0"/>
-              <a:t>5/27/2021</a:t>
+              <a:t>5/28/2021</a:t>
             </a:fld>
             <a:endParaRPr lang="en-US"/>
           </a:p>
@@ -1957,7 +1957,7 @@
           <a:p>
             <a:fld id="{3495E59A-800C-44EA-8AE9-5D64286AA9F4}" type="datetimeFigureOut">
               <a:rPr lang="en-US" smtClean="0"/>
-              <a:t>5/27/2021</a:t>
+              <a:t>5/28/2021</a:t>
             </a:fld>
             <a:endParaRPr lang="en-US"/>
           </a:p>
@@ -2070,7 +2070,7 @@
           <a:p>
             <a:fld id="{3495E59A-800C-44EA-8AE9-5D64286AA9F4}" type="datetimeFigureOut">
               <a:rPr lang="en-US" smtClean="0"/>
-              <a:t>5/27/2021</a:t>
+              <a:t>5/28/2021</a:t>
             </a:fld>
             <a:endParaRPr lang="en-US"/>
           </a:p>
@@ -2381,7 +2381,7 @@
           <a:p>
             <a:fld id="{3495E59A-800C-44EA-8AE9-5D64286AA9F4}" type="datetimeFigureOut">
               <a:rPr lang="en-US" smtClean="0"/>
-              <a:t>5/27/2021</a:t>
+              <a:t>5/28/2021</a:t>
             </a:fld>
             <a:endParaRPr lang="en-US"/>
           </a:p>
@@ -2669,7 +2669,7 @@
           <a:p>
             <a:fld id="{3495E59A-800C-44EA-8AE9-5D64286AA9F4}" type="datetimeFigureOut">
               <a:rPr lang="en-US" smtClean="0"/>
-              <a:t>5/27/2021</a:t>
+              <a:t>5/28/2021</a:t>
             </a:fld>
             <a:endParaRPr lang="en-US"/>
           </a:p>
@@ -2910,7 +2910,7 @@
           <a:p>
             <a:fld id="{3495E59A-800C-44EA-8AE9-5D64286AA9F4}" type="datetimeFigureOut">
               <a:rPr lang="en-US" smtClean="0"/>
-              <a:t>5/27/2021</a:t>
+              <a:t>5/28/2021</a:t>
             </a:fld>
             <a:endParaRPr lang="en-US"/>
           </a:p>
@@ -9097,12 +9097,723 @@
           <a:chExt cx="0" cy="0"/>
         </a:xfrm>
       </p:grpSpPr>
+      <p:sp>
+        <p:nvSpPr>
+          <p:cNvPr id="4" name="Rectangle: Top Corners Rounded 3">
+            <a:extLst>
+              <a:ext uri="{FF2B5EF4-FFF2-40B4-BE49-F238E27FC236}">
+                <a16:creationId xmlns:a16="http://schemas.microsoft.com/office/drawing/2014/main" id="{D09F38BE-5BE1-4EBA-AE19-0C457820D54F}"/>
+              </a:ext>
+            </a:extLst>
+          </p:cNvPr>
+          <p:cNvSpPr/>
+          <p:nvPr/>
+        </p:nvSpPr>
+        <p:spPr>
+          <a:xfrm>
+            <a:off x="3206370" y="2025297"/>
+            <a:ext cx="4854804" cy="3789575"/>
+          </a:xfrm>
+          <a:prstGeom prst="round2SameRect">
+            <a:avLst/>
+          </a:prstGeom>
+          <a:solidFill>
+            <a:schemeClr val="bg2"/>
+          </a:solidFill>
+          <a:ln>
+            <a:solidFill>
+              <a:schemeClr val="tx1">
+                <a:lumMod val="85000"/>
+                <a:lumOff val="15000"/>
+              </a:schemeClr>
+            </a:solidFill>
+          </a:ln>
+        </p:spPr>
+        <p:style>
+          <a:lnRef idx="2">
+            <a:schemeClr val="accent1">
+              <a:shade val="50000"/>
+            </a:schemeClr>
+          </a:lnRef>
+          <a:fillRef idx="1">
+            <a:schemeClr val="accent1"/>
+          </a:fillRef>
+          <a:effectRef idx="0">
+            <a:schemeClr val="accent1"/>
+          </a:effectRef>
+          <a:fontRef idx="minor">
+            <a:schemeClr val="lt1"/>
+          </a:fontRef>
+        </p:style>
+        <p:txBody>
+          <a:bodyPr rtlCol="0" anchor="ctr"/>
+          <a:lstStyle/>
+          <a:p>
+            <a:pPr algn="ctr"/>
+            <a:endParaRPr lang="en-US"/>
+          </a:p>
+        </p:txBody>
+      </p:sp>
+      <p:sp>
+        <p:nvSpPr>
+          <p:cNvPr id="5" name="Double Wave 4">
+            <a:extLst>
+              <a:ext uri="{FF2B5EF4-FFF2-40B4-BE49-F238E27FC236}">
+                <a16:creationId xmlns:a16="http://schemas.microsoft.com/office/drawing/2014/main" id="{9B70DCAD-4583-475D-8DA3-CF8FEFDCA1E1}"/>
+              </a:ext>
+            </a:extLst>
+          </p:cNvPr>
+          <p:cNvSpPr/>
+          <p:nvPr/>
+        </p:nvSpPr>
+        <p:spPr>
+          <a:xfrm>
+            <a:off x="3206370" y="3099952"/>
+            <a:ext cx="4854804" cy="2432116"/>
+          </a:xfrm>
+          <a:prstGeom prst="doubleWave">
+            <a:avLst/>
+          </a:prstGeom>
+          <a:solidFill>
+            <a:schemeClr val="accent4">
+              <a:lumMod val="60000"/>
+              <a:lumOff val="40000"/>
+            </a:schemeClr>
+          </a:solidFill>
+        </p:spPr>
+        <p:style>
+          <a:lnRef idx="2">
+            <a:schemeClr val="accent1">
+              <a:shade val="50000"/>
+            </a:schemeClr>
+          </a:lnRef>
+          <a:fillRef idx="1">
+            <a:schemeClr val="accent1"/>
+          </a:fillRef>
+          <a:effectRef idx="0">
+            <a:schemeClr val="accent1"/>
+          </a:effectRef>
+          <a:fontRef idx="minor">
+            <a:schemeClr val="lt1"/>
+          </a:fontRef>
+        </p:style>
+        <p:txBody>
+          <a:bodyPr rtlCol="0" anchor="ctr"/>
+          <a:lstStyle/>
+          <a:p>
+            <a:pPr algn="ctr"/>
+            <a:endParaRPr lang="en-US"/>
+          </a:p>
+        </p:txBody>
+      </p:sp>
+      <p:sp>
+        <p:nvSpPr>
+          <p:cNvPr id="6" name="Rectangle 5">
+            <a:extLst>
+              <a:ext uri="{FF2B5EF4-FFF2-40B4-BE49-F238E27FC236}">
+                <a16:creationId xmlns:a16="http://schemas.microsoft.com/office/drawing/2014/main" id="{872C931D-D676-4D79-AB71-5F12665BD0D7}"/>
+              </a:ext>
+            </a:extLst>
+          </p:cNvPr>
+          <p:cNvSpPr/>
+          <p:nvPr/>
+        </p:nvSpPr>
+        <p:spPr>
+          <a:xfrm>
+            <a:off x="3211830" y="3846476"/>
+            <a:ext cx="4841724" cy="1960776"/>
+          </a:xfrm>
+          <a:prstGeom prst="rect">
+            <a:avLst/>
+          </a:prstGeom>
+          <a:solidFill>
+            <a:schemeClr val="accent4">
+              <a:lumMod val="60000"/>
+              <a:lumOff val="40000"/>
+            </a:schemeClr>
+          </a:solidFill>
+          <a:ln>
+            <a:noFill/>
+          </a:ln>
+        </p:spPr>
+        <p:style>
+          <a:lnRef idx="2">
+            <a:schemeClr val="accent1">
+              <a:shade val="50000"/>
+            </a:schemeClr>
+          </a:lnRef>
+          <a:fillRef idx="1">
+            <a:schemeClr val="accent1"/>
+          </a:fillRef>
+          <a:effectRef idx="0">
+            <a:schemeClr val="accent1"/>
+          </a:effectRef>
+          <a:fontRef idx="minor">
+            <a:schemeClr val="lt1"/>
+          </a:fontRef>
+        </p:style>
+        <p:txBody>
+          <a:bodyPr rtlCol="0" anchor="ctr"/>
+          <a:lstStyle/>
+          <a:p>
+            <a:pPr algn="ctr"/>
+            <a:endParaRPr lang="en-US"/>
+          </a:p>
+        </p:txBody>
+      </p:sp>
+      <p:sp>
+        <p:nvSpPr>
+          <p:cNvPr id="29" name="Rectangle 28">
+            <a:extLst>
+              <a:ext uri="{FF2B5EF4-FFF2-40B4-BE49-F238E27FC236}">
+                <a16:creationId xmlns:a16="http://schemas.microsoft.com/office/drawing/2014/main" id="{4718CA53-D06B-464B-9596-57EE81E228A8}"/>
+              </a:ext>
+            </a:extLst>
+          </p:cNvPr>
+          <p:cNvSpPr/>
+          <p:nvPr/>
+        </p:nvSpPr>
+        <p:spPr>
+          <a:xfrm>
+            <a:off x="2697323" y="2901989"/>
+            <a:ext cx="509047" cy="2905263"/>
+          </a:xfrm>
+          <a:prstGeom prst="rect">
+            <a:avLst/>
+          </a:prstGeom>
+          <a:solidFill>
+            <a:schemeClr val="bg1">
+              <a:lumMod val="65000"/>
+            </a:schemeClr>
+          </a:solidFill>
+          <a:ln>
+            <a:solidFill>
+              <a:schemeClr val="tx1"/>
+            </a:solidFill>
+          </a:ln>
+        </p:spPr>
+        <p:style>
+          <a:lnRef idx="2">
+            <a:schemeClr val="accent1">
+              <a:shade val="50000"/>
+            </a:schemeClr>
+          </a:lnRef>
+          <a:fillRef idx="1">
+            <a:schemeClr val="accent1"/>
+          </a:fillRef>
+          <a:effectRef idx="0">
+            <a:schemeClr val="accent1"/>
+          </a:effectRef>
+          <a:fontRef idx="minor">
+            <a:schemeClr val="lt1"/>
+          </a:fontRef>
+        </p:style>
+        <p:txBody>
+          <a:bodyPr rtlCol="0" anchor="ctr"/>
+          <a:lstStyle/>
+          <a:p>
+            <a:pPr algn="ctr"/>
+            <a:endParaRPr lang="en-US"/>
+          </a:p>
+        </p:txBody>
+      </p:sp>
+      <p:sp>
+        <p:nvSpPr>
+          <p:cNvPr id="30" name="Rectangle 29">
+            <a:extLst>
+              <a:ext uri="{FF2B5EF4-FFF2-40B4-BE49-F238E27FC236}">
+                <a16:creationId xmlns:a16="http://schemas.microsoft.com/office/drawing/2014/main" id="{92EAEC3C-B4F6-45B2-902F-A50FCD21E7CA}"/>
+              </a:ext>
+            </a:extLst>
+          </p:cNvPr>
+          <p:cNvSpPr/>
+          <p:nvPr/>
+        </p:nvSpPr>
+        <p:spPr>
+          <a:xfrm>
+            <a:off x="8061174" y="2901989"/>
+            <a:ext cx="509047" cy="2905263"/>
+          </a:xfrm>
+          <a:prstGeom prst="rect">
+            <a:avLst/>
+          </a:prstGeom>
+          <a:solidFill>
+            <a:schemeClr val="bg1">
+              <a:lumMod val="65000"/>
+            </a:schemeClr>
+          </a:solidFill>
+          <a:ln>
+            <a:solidFill>
+              <a:schemeClr val="tx1"/>
+            </a:solidFill>
+          </a:ln>
+        </p:spPr>
+        <p:style>
+          <a:lnRef idx="2">
+            <a:schemeClr val="accent1">
+              <a:shade val="50000"/>
+            </a:schemeClr>
+          </a:lnRef>
+          <a:fillRef idx="1">
+            <a:schemeClr val="accent1"/>
+          </a:fillRef>
+          <a:effectRef idx="0">
+            <a:schemeClr val="accent1"/>
+          </a:effectRef>
+          <a:fontRef idx="minor">
+            <a:schemeClr val="lt1"/>
+          </a:fontRef>
+        </p:style>
+        <p:txBody>
+          <a:bodyPr rtlCol="0" anchor="ctr"/>
+          <a:lstStyle/>
+          <a:p>
+            <a:pPr algn="ctr"/>
+            <a:endParaRPr lang="en-US"/>
+          </a:p>
+        </p:txBody>
+      </p:sp>
+      <p:sp>
+        <p:nvSpPr>
+          <p:cNvPr id="36" name="Rectangle 35">
+            <a:extLst>
+              <a:ext uri="{FF2B5EF4-FFF2-40B4-BE49-F238E27FC236}">
+                <a16:creationId xmlns:a16="http://schemas.microsoft.com/office/drawing/2014/main" id="{566820EE-B694-4BD9-A730-D5D6BDE08EB0}"/>
+              </a:ext>
+            </a:extLst>
+          </p:cNvPr>
+          <p:cNvSpPr/>
+          <p:nvPr/>
+        </p:nvSpPr>
+        <p:spPr>
+          <a:xfrm>
+            <a:off x="5593603" y="1918931"/>
+            <a:ext cx="82295" cy="3245150"/>
+          </a:xfrm>
+          <a:prstGeom prst="rect">
+            <a:avLst/>
+          </a:prstGeom>
+          <a:solidFill>
+            <a:schemeClr val="tx1"/>
+          </a:solidFill>
+          <a:ln>
+            <a:solidFill>
+              <a:schemeClr val="tx1"/>
+            </a:solidFill>
+          </a:ln>
+        </p:spPr>
+        <p:style>
+          <a:lnRef idx="2">
+            <a:schemeClr val="accent1">
+              <a:shade val="50000"/>
+            </a:schemeClr>
+          </a:lnRef>
+          <a:fillRef idx="1">
+            <a:schemeClr val="accent1"/>
+          </a:fillRef>
+          <a:effectRef idx="0">
+            <a:schemeClr val="accent1"/>
+          </a:effectRef>
+          <a:fontRef idx="minor">
+            <a:schemeClr val="lt1"/>
+          </a:fontRef>
+        </p:style>
+        <p:txBody>
+          <a:bodyPr rtlCol="0" anchor="ctr"/>
+          <a:lstStyle/>
+          <a:p>
+            <a:pPr algn="ctr"/>
+            <a:endParaRPr lang="en-US"/>
+          </a:p>
+        </p:txBody>
+      </p:sp>
+      <p:sp>
+        <p:nvSpPr>
+          <p:cNvPr id="37" name="Rectangle 36">
+            <a:extLst>
+              <a:ext uri="{FF2B5EF4-FFF2-40B4-BE49-F238E27FC236}">
+                <a16:creationId xmlns:a16="http://schemas.microsoft.com/office/drawing/2014/main" id="{DB2E1E27-CF47-4A0F-9B29-0A344E9188B2}"/>
+              </a:ext>
+            </a:extLst>
+          </p:cNvPr>
+          <p:cNvSpPr/>
+          <p:nvPr/>
+        </p:nvSpPr>
+        <p:spPr>
+          <a:xfrm rot="3556515">
+            <a:off x="4669043" y="3489908"/>
+            <a:ext cx="91440" cy="2164080"/>
+          </a:xfrm>
+          <a:prstGeom prst="rect">
+            <a:avLst/>
+          </a:prstGeom>
+          <a:solidFill>
+            <a:schemeClr val="tx1"/>
+          </a:solidFill>
+          <a:ln>
+            <a:solidFill>
+              <a:schemeClr val="tx1"/>
+            </a:solidFill>
+          </a:ln>
+        </p:spPr>
+        <p:style>
+          <a:lnRef idx="2">
+            <a:schemeClr val="accent1">
+              <a:shade val="50000"/>
+            </a:schemeClr>
+          </a:lnRef>
+          <a:fillRef idx="1">
+            <a:schemeClr val="accent1"/>
+          </a:fillRef>
+          <a:effectRef idx="0">
+            <a:schemeClr val="accent1"/>
+          </a:effectRef>
+          <a:fontRef idx="minor">
+            <a:schemeClr val="lt1"/>
+          </a:fontRef>
+        </p:style>
+        <p:txBody>
+          <a:bodyPr rtlCol="0" anchor="ctr"/>
+          <a:lstStyle/>
+          <a:p>
+            <a:pPr algn="ctr"/>
+            <a:endParaRPr lang="en-US"/>
+          </a:p>
+        </p:txBody>
+      </p:sp>
+      <p:sp>
+        <p:nvSpPr>
+          <p:cNvPr id="38" name="Rectangle 37">
+            <a:extLst>
+              <a:ext uri="{FF2B5EF4-FFF2-40B4-BE49-F238E27FC236}">
+                <a16:creationId xmlns:a16="http://schemas.microsoft.com/office/drawing/2014/main" id="{7D62E783-5ABA-4E04-9535-2AF734F62289}"/>
+              </a:ext>
+            </a:extLst>
+          </p:cNvPr>
+          <p:cNvSpPr/>
+          <p:nvPr/>
+        </p:nvSpPr>
+        <p:spPr>
+          <a:xfrm rot="18043485" flipH="1">
+            <a:off x="6526797" y="3479747"/>
+            <a:ext cx="91440" cy="2164080"/>
+          </a:xfrm>
+          <a:prstGeom prst="rect">
+            <a:avLst/>
+          </a:prstGeom>
+          <a:solidFill>
+            <a:schemeClr val="tx1"/>
+          </a:solidFill>
+          <a:ln>
+            <a:solidFill>
+              <a:schemeClr val="tx1"/>
+            </a:solidFill>
+          </a:ln>
+        </p:spPr>
+        <p:style>
+          <a:lnRef idx="2">
+            <a:schemeClr val="accent1">
+              <a:shade val="50000"/>
+            </a:schemeClr>
+          </a:lnRef>
+          <a:fillRef idx="1">
+            <a:schemeClr val="accent1"/>
+          </a:fillRef>
+          <a:effectRef idx="0">
+            <a:schemeClr val="accent1"/>
+          </a:effectRef>
+          <a:fontRef idx="minor">
+            <a:schemeClr val="lt1"/>
+          </a:fontRef>
+        </p:style>
+        <p:txBody>
+          <a:bodyPr rtlCol="0" anchor="ctr"/>
+          <a:lstStyle/>
+          <a:p>
+            <a:pPr algn="ctr"/>
+            <a:endParaRPr lang="en-US"/>
+          </a:p>
+        </p:txBody>
+      </p:sp>
+      <p:sp>
+        <p:nvSpPr>
+          <p:cNvPr id="39" name="Rectangle 38">
+            <a:extLst>
+              <a:ext uri="{FF2B5EF4-FFF2-40B4-BE49-F238E27FC236}">
+                <a16:creationId xmlns:a16="http://schemas.microsoft.com/office/drawing/2014/main" id="{9A2F3BF1-A1DB-4121-8630-BA945BCB12BA}"/>
+              </a:ext>
+            </a:extLst>
+          </p:cNvPr>
+          <p:cNvSpPr/>
+          <p:nvPr/>
+        </p:nvSpPr>
+        <p:spPr>
+          <a:xfrm rot="16200000">
+            <a:off x="5594848" y="3232894"/>
+            <a:ext cx="97586" cy="3764785"/>
+          </a:xfrm>
+          <a:prstGeom prst="rect">
+            <a:avLst/>
+          </a:prstGeom>
+          <a:solidFill>
+            <a:schemeClr val="tx1"/>
+          </a:solidFill>
+          <a:ln>
+            <a:solidFill>
+              <a:schemeClr val="tx1"/>
+            </a:solidFill>
+          </a:ln>
+        </p:spPr>
+        <p:style>
+          <a:lnRef idx="2">
+            <a:schemeClr val="accent1">
+              <a:shade val="50000"/>
+            </a:schemeClr>
+          </a:lnRef>
+          <a:fillRef idx="1">
+            <a:schemeClr val="accent1"/>
+          </a:fillRef>
+          <a:effectRef idx="0">
+            <a:schemeClr val="accent1"/>
+          </a:effectRef>
+          <a:fontRef idx="minor">
+            <a:schemeClr val="lt1"/>
+          </a:fontRef>
+        </p:style>
+        <p:txBody>
+          <a:bodyPr rtlCol="0" anchor="ctr"/>
+          <a:lstStyle/>
+          <a:p>
+            <a:pPr algn="ctr"/>
+            <a:endParaRPr lang="en-US"/>
+          </a:p>
+        </p:txBody>
+      </p:sp>
+      <p:sp>
+        <p:nvSpPr>
+          <p:cNvPr id="45" name="Freeform: Shape 44">
+            <a:extLst>
+              <a:ext uri="{FF2B5EF4-FFF2-40B4-BE49-F238E27FC236}">
+                <a16:creationId xmlns:a16="http://schemas.microsoft.com/office/drawing/2014/main" id="{55EA7CAD-78ED-4B67-9FB2-5DF3B6FE11CF}"/>
+              </a:ext>
+            </a:extLst>
+          </p:cNvPr>
+          <p:cNvSpPr/>
+          <p:nvPr/>
+        </p:nvSpPr>
+        <p:spPr>
+          <a:xfrm>
+            <a:off x="5281205" y="2409921"/>
+            <a:ext cx="675594" cy="160045"/>
+          </a:xfrm>
+          <a:custGeom>
+            <a:avLst/>
+            <a:gdLst>
+              <a:gd name="connsiteX0" fmla="*/ 320041 w 842145"/>
+              <a:gd name="connsiteY0" fmla="*/ 0 h 160045"/>
+              <a:gd name="connsiteX1" fmla="*/ 1 w 842145"/>
+              <a:gd name="connsiteY1" fmla="*/ 83820 h 160045"/>
+              <a:gd name="connsiteX2" fmla="*/ 316231 w 842145"/>
+              <a:gd name="connsiteY2" fmla="*/ 160020 h 160045"/>
+              <a:gd name="connsiteX3" fmla="*/ 834391 w 842145"/>
+              <a:gd name="connsiteY3" fmla="*/ 91440 h 160045"/>
+              <a:gd name="connsiteX4" fmla="*/ 579121 w 842145"/>
+              <a:gd name="connsiteY4" fmla="*/ 15240 h 160045"/>
+            </a:gdLst>
+            <a:ahLst/>
+            <a:cxnLst>
+              <a:cxn ang="0">
+                <a:pos x="connsiteX0" y="connsiteY0"/>
+              </a:cxn>
+              <a:cxn ang="0">
+                <a:pos x="connsiteX1" y="connsiteY1"/>
+              </a:cxn>
+              <a:cxn ang="0">
+                <a:pos x="connsiteX2" y="connsiteY2"/>
+              </a:cxn>
+              <a:cxn ang="0">
+                <a:pos x="connsiteX3" y="connsiteY3"/>
+              </a:cxn>
+              <a:cxn ang="0">
+                <a:pos x="connsiteX4" y="connsiteY4"/>
+              </a:cxn>
+            </a:cxnLst>
+            <a:rect l="l" t="t" r="r" b="b"/>
+            <a:pathLst>
+              <a:path w="842145" h="160045">
+                <a:moveTo>
+                  <a:pt x="320041" y="0"/>
+                </a:moveTo>
+                <a:cubicBezTo>
+                  <a:pt x="160338" y="28575"/>
+                  <a:pt x="636" y="57150"/>
+                  <a:pt x="1" y="83820"/>
+                </a:cubicBezTo>
+                <a:cubicBezTo>
+                  <a:pt x="-634" y="110490"/>
+                  <a:pt x="177166" y="158750"/>
+                  <a:pt x="316231" y="160020"/>
+                </a:cubicBezTo>
+                <a:cubicBezTo>
+                  <a:pt x="455296" y="161290"/>
+                  <a:pt x="790576" y="115570"/>
+                  <a:pt x="834391" y="91440"/>
+                </a:cubicBezTo>
+                <a:cubicBezTo>
+                  <a:pt x="878206" y="67310"/>
+                  <a:pt x="728663" y="41275"/>
+                  <a:pt x="579121" y="15240"/>
+                </a:cubicBezTo>
+              </a:path>
+            </a:pathLst>
+          </a:custGeom>
+          <a:noFill/>
+          <a:ln>
+            <a:headEnd type="triangle" w="med" len="med"/>
+            <a:tailEnd type="none" w="med" len="med"/>
+          </a:ln>
+        </p:spPr>
+        <p:style>
+          <a:lnRef idx="2">
+            <a:schemeClr val="accent1">
+              <a:shade val="50000"/>
+            </a:schemeClr>
+          </a:lnRef>
+          <a:fillRef idx="1">
+            <a:schemeClr val="accent1"/>
+          </a:fillRef>
+          <a:effectRef idx="0">
+            <a:schemeClr val="accent1"/>
+          </a:effectRef>
+          <a:fontRef idx="minor">
+            <a:schemeClr val="lt1"/>
+          </a:fontRef>
+        </p:style>
+        <p:txBody>
+          <a:bodyPr rtlCol="0" anchor="ctr"/>
+          <a:lstStyle/>
+          <a:p>
+            <a:pPr algn="ctr"/>
+            <a:endParaRPr lang="en-US"/>
+          </a:p>
+        </p:txBody>
+      </p:sp>
+      <p:sp>
+        <p:nvSpPr>
+          <p:cNvPr id="46" name="Rectangle: Top Corners Snipped 45">
+            <a:extLst>
+              <a:ext uri="{FF2B5EF4-FFF2-40B4-BE49-F238E27FC236}">
+                <a16:creationId xmlns:a16="http://schemas.microsoft.com/office/drawing/2014/main" id="{589CF656-2345-4D0E-BAB6-3FBA80DE4D6D}"/>
+              </a:ext>
+            </a:extLst>
+          </p:cNvPr>
+          <p:cNvSpPr/>
+          <p:nvPr/>
+        </p:nvSpPr>
+        <p:spPr>
+          <a:xfrm rot="10800000">
+            <a:off x="5354635" y="1199770"/>
+            <a:ext cx="566442" cy="758857"/>
+          </a:xfrm>
+          <a:prstGeom prst="snip2SameRect">
+            <a:avLst/>
+          </a:prstGeom>
+          <a:solidFill>
+            <a:schemeClr val="bg1">
+              <a:lumMod val="85000"/>
+            </a:schemeClr>
+          </a:solidFill>
+          <a:ln>
+            <a:solidFill>
+              <a:schemeClr val="tx1"/>
+            </a:solidFill>
+          </a:ln>
+        </p:spPr>
+        <p:style>
+          <a:lnRef idx="2">
+            <a:schemeClr val="accent1">
+              <a:shade val="50000"/>
+            </a:schemeClr>
+          </a:lnRef>
+          <a:fillRef idx="1">
+            <a:schemeClr val="accent1"/>
+          </a:fillRef>
+          <a:effectRef idx="0">
+            <a:schemeClr val="accent1"/>
+          </a:effectRef>
+          <a:fontRef idx="minor">
+            <a:schemeClr val="lt1"/>
+          </a:fontRef>
+        </p:style>
+        <p:txBody>
+          <a:bodyPr rtlCol="0" anchor="ctr"/>
+          <a:lstStyle/>
+          <a:p>
+            <a:pPr algn="ctr"/>
+            <a:endParaRPr lang="en-US"/>
+          </a:p>
+        </p:txBody>
+      </p:sp>
+      <p:sp>
+        <p:nvSpPr>
+          <p:cNvPr id="47" name="Rectangle 46">
+            <a:extLst>
+              <a:ext uri="{FF2B5EF4-FFF2-40B4-BE49-F238E27FC236}">
+                <a16:creationId xmlns:a16="http://schemas.microsoft.com/office/drawing/2014/main" id="{8FD11471-5493-419F-BE32-D69397A0D5FF}"/>
+              </a:ext>
+            </a:extLst>
+          </p:cNvPr>
+          <p:cNvSpPr/>
+          <p:nvPr/>
+        </p:nvSpPr>
+        <p:spPr>
+          <a:xfrm>
+            <a:off x="5354635" y="1199769"/>
+            <a:ext cx="566442" cy="189176"/>
+          </a:xfrm>
+          <a:prstGeom prst="rect">
+            <a:avLst/>
+          </a:prstGeom>
+          <a:solidFill>
+            <a:schemeClr val="tx1"/>
+          </a:solidFill>
+          <a:ln>
+            <a:solidFill>
+              <a:schemeClr val="tx1"/>
+            </a:solidFill>
+          </a:ln>
+        </p:spPr>
+        <p:style>
+          <a:lnRef idx="2">
+            <a:schemeClr val="accent1">
+              <a:shade val="50000"/>
+            </a:schemeClr>
+          </a:lnRef>
+          <a:fillRef idx="1">
+            <a:schemeClr val="accent1"/>
+          </a:fillRef>
+          <a:effectRef idx="0">
+            <a:schemeClr val="accent1"/>
+          </a:effectRef>
+          <a:fontRef idx="minor">
+            <a:schemeClr val="lt1"/>
+          </a:fontRef>
+        </p:style>
+        <p:txBody>
+          <a:bodyPr rtlCol="0" anchor="ctr"/>
+          <a:lstStyle/>
+          <a:p>
+            <a:pPr algn="ctr"/>
+            <a:endParaRPr lang="en-US"/>
+          </a:p>
+        </p:txBody>
+      </p:sp>
       <p:grpSp>
         <p:nvGrpSpPr>
-          <p:cNvPr id="7" name="Group 6">
+          <p:cNvPr id="72" name="Group 71">
             <a:extLst>
               <a:ext uri="{FF2B5EF4-FFF2-40B4-BE49-F238E27FC236}">
-                <a16:creationId xmlns:a16="http://schemas.microsoft.com/office/drawing/2014/main" id="{8066F68E-6AD7-4882-9C0E-EAC2540E4BC0}"/>
+                <a16:creationId xmlns:a16="http://schemas.microsoft.com/office/drawing/2014/main" id="{FEE009C3-680B-46E2-82F0-4FFAF0E288E9}"/>
               </a:ext>
             </a:extLst>
           </p:cNvPr>
@@ -9111,18 +9822,18 @@
         </p:nvGrpSpPr>
         <p:grpSpPr>
           <a:xfrm>
-            <a:off x="1751085" y="509275"/>
-            <a:ext cx="7844297" cy="5305597"/>
-            <a:chOff x="1751085" y="509275"/>
-            <a:chExt cx="7844297" cy="5305597"/>
+            <a:off x="3784600" y="1013460"/>
+            <a:ext cx="82295" cy="2739968"/>
+            <a:chOff x="4028440" y="1033780"/>
+            <a:chExt cx="82295" cy="1556506"/>
           </a:xfrm>
         </p:grpSpPr>
         <p:sp>
           <p:nvSpPr>
-            <p:cNvPr id="4" name="Rectangle: Top Corners Rounded 3">
+            <p:cNvPr id="65" name="Rectangle 64">
               <a:extLst>
                 <a:ext uri="{FF2B5EF4-FFF2-40B4-BE49-F238E27FC236}">
-                  <a16:creationId xmlns:a16="http://schemas.microsoft.com/office/drawing/2014/main" id="{D09F38BE-5BE1-4EBA-AE19-0C457820D54F}"/>
+                  <a16:creationId xmlns:a16="http://schemas.microsoft.com/office/drawing/2014/main" id="{868217F6-9EC6-4E35-9150-7120A688D524}"/>
                 </a:ext>
               </a:extLst>
             </p:cNvPr>
@@ -9131,4345 +9842,8 @@
           </p:nvSpPr>
           <p:spPr>
             <a:xfrm>
-              <a:off x="3206370" y="2025297"/>
-              <a:ext cx="4854804" cy="3789575"/>
-            </a:xfrm>
-            <a:prstGeom prst="round2SameRect">
-              <a:avLst/>
-            </a:prstGeom>
-            <a:solidFill>
-              <a:schemeClr val="bg2"/>
-            </a:solidFill>
-            <a:ln>
-              <a:solidFill>
-                <a:schemeClr val="tx1">
-                  <a:lumMod val="85000"/>
-                  <a:lumOff val="15000"/>
-                </a:schemeClr>
-              </a:solidFill>
-            </a:ln>
-          </p:spPr>
-          <p:style>
-            <a:lnRef idx="2">
-              <a:schemeClr val="accent1">
-                <a:shade val="50000"/>
-              </a:schemeClr>
-            </a:lnRef>
-            <a:fillRef idx="1">
-              <a:schemeClr val="accent1"/>
-            </a:fillRef>
-            <a:effectRef idx="0">
-              <a:schemeClr val="accent1"/>
-            </a:effectRef>
-            <a:fontRef idx="minor">
-              <a:schemeClr val="lt1"/>
-            </a:fontRef>
-          </p:style>
-          <p:txBody>
-            <a:bodyPr rtlCol="0" anchor="ctr"/>
-            <a:lstStyle/>
-            <a:p>
-              <a:pPr algn="ctr"/>
-              <a:endParaRPr lang="en-US"/>
-            </a:p>
-          </p:txBody>
-        </p:sp>
-        <p:sp>
-          <p:nvSpPr>
-            <p:cNvPr id="5" name="Double Wave 4">
-              <a:extLst>
-                <a:ext uri="{FF2B5EF4-FFF2-40B4-BE49-F238E27FC236}">
-                  <a16:creationId xmlns:a16="http://schemas.microsoft.com/office/drawing/2014/main" id="{9B70DCAD-4583-475D-8DA3-CF8FEFDCA1E1}"/>
-                </a:ext>
-              </a:extLst>
-            </p:cNvPr>
-            <p:cNvSpPr/>
-            <p:nvPr/>
-          </p:nvSpPr>
-          <p:spPr>
-            <a:xfrm>
-              <a:off x="3206370" y="3099952"/>
-              <a:ext cx="4854804" cy="2432116"/>
-            </a:xfrm>
-            <a:prstGeom prst="doubleWave">
-              <a:avLst/>
-            </a:prstGeom>
-            <a:solidFill>
-              <a:schemeClr val="accent4">
-                <a:lumMod val="60000"/>
-                <a:lumOff val="40000"/>
-              </a:schemeClr>
-            </a:solidFill>
-          </p:spPr>
-          <p:style>
-            <a:lnRef idx="2">
-              <a:schemeClr val="accent1">
-                <a:shade val="50000"/>
-              </a:schemeClr>
-            </a:lnRef>
-            <a:fillRef idx="1">
-              <a:schemeClr val="accent1"/>
-            </a:fillRef>
-            <a:effectRef idx="0">
-              <a:schemeClr val="accent1"/>
-            </a:effectRef>
-            <a:fontRef idx="minor">
-              <a:schemeClr val="lt1"/>
-            </a:fontRef>
-          </p:style>
-          <p:txBody>
-            <a:bodyPr rtlCol="0" anchor="ctr"/>
-            <a:lstStyle/>
-            <a:p>
-              <a:pPr algn="ctr"/>
-              <a:endParaRPr lang="en-US"/>
-            </a:p>
-          </p:txBody>
-        </p:sp>
-        <p:sp>
-          <p:nvSpPr>
-            <p:cNvPr id="6" name="Rectangle 5">
-              <a:extLst>
-                <a:ext uri="{FF2B5EF4-FFF2-40B4-BE49-F238E27FC236}">
-                  <a16:creationId xmlns:a16="http://schemas.microsoft.com/office/drawing/2014/main" id="{872C931D-D676-4D79-AB71-5F12665BD0D7}"/>
-                </a:ext>
-              </a:extLst>
-            </p:cNvPr>
-            <p:cNvSpPr/>
-            <p:nvPr/>
-          </p:nvSpPr>
-          <p:spPr>
-            <a:xfrm>
-              <a:off x="3211830" y="3846476"/>
-              <a:ext cx="4841724" cy="1960776"/>
-            </a:xfrm>
-            <a:prstGeom prst="rect">
-              <a:avLst/>
-            </a:prstGeom>
-            <a:solidFill>
-              <a:schemeClr val="accent4">
-                <a:lumMod val="60000"/>
-                <a:lumOff val="40000"/>
-              </a:schemeClr>
-            </a:solidFill>
-            <a:ln>
-              <a:noFill/>
-            </a:ln>
-          </p:spPr>
-          <p:style>
-            <a:lnRef idx="2">
-              <a:schemeClr val="accent1">
-                <a:shade val="50000"/>
-              </a:schemeClr>
-            </a:lnRef>
-            <a:fillRef idx="1">
-              <a:schemeClr val="accent1"/>
-            </a:fillRef>
-            <a:effectRef idx="0">
-              <a:schemeClr val="accent1"/>
-            </a:effectRef>
-            <a:fontRef idx="minor">
-              <a:schemeClr val="lt1"/>
-            </a:fontRef>
-          </p:style>
-          <p:txBody>
-            <a:bodyPr rtlCol="0" anchor="ctr"/>
-            <a:lstStyle/>
-            <a:p>
-              <a:pPr algn="ctr"/>
-              <a:endParaRPr lang="en-US"/>
-            </a:p>
-          </p:txBody>
-        </p:sp>
-        <p:sp>
-          <p:nvSpPr>
-            <p:cNvPr id="29" name="Rectangle 28">
-              <a:extLst>
-                <a:ext uri="{FF2B5EF4-FFF2-40B4-BE49-F238E27FC236}">
-                  <a16:creationId xmlns:a16="http://schemas.microsoft.com/office/drawing/2014/main" id="{4718CA53-D06B-464B-9596-57EE81E228A8}"/>
-                </a:ext>
-              </a:extLst>
-            </p:cNvPr>
-            <p:cNvSpPr/>
-            <p:nvPr/>
-          </p:nvSpPr>
-          <p:spPr>
-            <a:xfrm>
-              <a:off x="2697323" y="2901989"/>
-              <a:ext cx="509047" cy="2905263"/>
-            </a:xfrm>
-            <a:prstGeom prst="rect">
-              <a:avLst/>
-            </a:prstGeom>
-            <a:solidFill>
-              <a:schemeClr val="bg1">
-                <a:lumMod val="65000"/>
-              </a:schemeClr>
-            </a:solidFill>
-            <a:ln>
-              <a:solidFill>
-                <a:schemeClr val="tx1"/>
-              </a:solidFill>
-            </a:ln>
-          </p:spPr>
-          <p:style>
-            <a:lnRef idx="2">
-              <a:schemeClr val="accent1">
-                <a:shade val="50000"/>
-              </a:schemeClr>
-            </a:lnRef>
-            <a:fillRef idx="1">
-              <a:schemeClr val="accent1"/>
-            </a:fillRef>
-            <a:effectRef idx="0">
-              <a:schemeClr val="accent1"/>
-            </a:effectRef>
-            <a:fontRef idx="minor">
-              <a:schemeClr val="lt1"/>
-            </a:fontRef>
-          </p:style>
-          <p:txBody>
-            <a:bodyPr rtlCol="0" anchor="ctr"/>
-            <a:lstStyle/>
-            <a:p>
-              <a:pPr algn="ctr"/>
-              <a:endParaRPr lang="en-US"/>
-            </a:p>
-          </p:txBody>
-        </p:sp>
-        <p:sp>
-          <p:nvSpPr>
-            <p:cNvPr id="30" name="Rectangle 29">
-              <a:extLst>
-                <a:ext uri="{FF2B5EF4-FFF2-40B4-BE49-F238E27FC236}">
-                  <a16:creationId xmlns:a16="http://schemas.microsoft.com/office/drawing/2014/main" id="{92EAEC3C-B4F6-45B2-902F-A50FCD21E7CA}"/>
-                </a:ext>
-              </a:extLst>
-            </p:cNvPr>
-            <p:cNvSpPr/>
-            <p:nvPr/>
-          </p:nvSpPr>
-          <p:spPr>
-            <a:xfrm>
-              <a:off x="8061174" y="2901989"/>
-              <a:ext cx="509047" cy="2905263"/>
-            </a:xfrm>
-            <a:prstGeom prst="rect">
-              <a:avLst/>
-            </a:prstGeom>
-            <a:solidFill>
-              <a:schemeClr val="bg1">
-                <a:lumMod val="65000"/>
-              </a:schemeClr>
-            </a:solidFill>
-            <a:ln>
-              <a:solidFill>
-                <a:schemeClr val="tx1"/>
-              </a:solidFill>
-            </a:ln>
-          </p:spPr>
-          <p:style>
-            <a:lnRef idx="2">
-              <a:schemeClr val="accent1">
-                <a:shade val="50000"/>
-              </a:schemeClr>
-            </a:lnRef>
-            <a:fillRef idx="1">
-              <a:schemeClr val="accent1"/>
-            </a:fillRef>
-            <a:effectRef idx="0">
-              <a:schemeClr val="accent1"/>
-            </a:effectRef>
-            <a:fontRef idx="minor">
-              <a:schemeClr val="lt1"/>
-            </a:fontRef>
-          </p:style>
-          <p:txBody>
-            <a:bodyPr rtlCol="0" anchor="ctr"/>
-            <a:lstStyle/>
-            <a:p>
-              <a:pPr algn="ctr"/>
-              <a:endParaRPr lang="en-US"/>
-            </a:p>
-          </p:txBody>
-        </p:sp>
-        <p:sp>
-          <p:nvSpPr>
-            <p:cNvPr id="36" name="Rectangle 35">
-              <a:extLst>
-                <a:ext uri="{FF2B5EF4-FFF2-40B4-BE49-F238E27FC236}">
-                  <a16:creationId xmlns:a16="http://schemas.microsoft.com/office/drawing/2014/main" id="{566820EE-B694-4BD9-A730-D5D6BDE08EB0}"/>
-                </a:ext>
-              </a:extLst>
-            </p:cNvPr>
-            <p:cNvSpPr/>
-            <p:nvPr/>
-          </p:nvSpPr>
-          <p:spPr>
-            <a:xfrm>
-              <a:off x="5593603" y="1918931"/>
-              <a:ext cx="82295" cy="3245150"/>
-            </a:xfrm>
-            <a:prstGeom prst="rect">
-              <a:avLst/>
-            </a:prstGeom>
-            <a:solidFill>
-              <a:schemeClr val="tx1"/>
-            </a:solidFill>
-            <a:ln>
-              <a:solidFill>
-                <a:schemeClr val="tx1"/>
-              </a:solidFill>
-            </a:ln>
-          </p:spPr>
-          <p:style>
-            <a:lnRef idx="2">
-              <a:schemeClr val="accent1">
-                <a:shade val="50000"/>
-              </a:schemeClr>
-            </a:lnRef>
-            <a:fillRef idx="1">
-              <a:schemeClr val="accent1"/>
-            </a:fillRef>
-            <a:effectRef idx="0">
-              <a:schemeClr val="accent1"/>
-            </a:effectRef>
-            <a:fontRef idx="minor">
-              <a:schemeClr val="lt1"/>
-            </a:fontRef>
-          </p:style>
-          <p:txBody>
-            <a:bodyPr rtlCol="0" anchor="ctr"/>
-            <a:lstStyle/>
-            <a:p>
-              <a:pPr algn="ctr"/>
-              <a:endParaRPr lang="en-US"/>
-            </a:p>
-          </p:txBody>
-        </p:sp>
-        <p:sp>
-          <p:nvSpPr>
-            <p:cNvPr id="37" name="Rectangle 36">
-              <a:extLst>
-                <a:ext uri="{FF2B5EF4-FFF2-40B4-BE49-F238E27FC236}">
-                  <a16:creationId xmlns:a16="http://schemas.microsoft.com/office/drawing/2014/main" id="{DB2E1E27-CF47-4A0F-9B29-0A344E9188B2}"/>
-                </a:ext>
-              </a:extLst>
-            </p:cNvPr>
-            <p:cNvSpPr/>
-            <p:nvPr/>
-          </p:nvSpPr>
-          <p:spPr>
-            <a:xfrm rot="3556515">
-              <a:off x="4669043" y="3489908"/>
-              <a:ext cx="91440" cy="2164080"/>
-            </a:xfrm>
-            <a:prstGeom prst="rect">
-              <a:avLst/>
-            </a:prstGeom>
-            <a:solidFill>
-              <a:schemeClr val="tx1"/>
-            </a:solidFill>
-            <a:ln>
-              <a:solidFill>
-                <a:schemeClr val="tx1"/>
-              </a:solidFill>
-            </a:ln>
-          </p:spPr>
-          <p:style>
-            <a:lnRef idx="2">
-              <a:schemeClr val="accent1">
-                <a:shade val="50000"/>
-              </a:schemeClr>
-            </a:lnRef>
-            <a:fillRef idx="1">
-              <a:schemeClr val="accent1"/>
-            </a:fillRef>
-            <a:effectRef idx="0">
-              <a:schemeClr val="accent1"/>
-            </a:effectRef>
-            <a:fontRef idx="minor">
-              <a:schemeClr val="lt1"/>
-            </a:fontRef>
-          </p:style>
-          <p:txBody>
-            <a:bodyPr rtlCol="0" anchor="ctr"/>
-            <a:lstStyle/>
-            <a:p>
-              <a:pPr algn="ctr"/>
-              <a:endParaRPr lang="en-US"/>
-            </a:p>
-          </p:txBody>
-        </p:sp>
-        <p:sp>
-          <p:nvSpPr>
-            <p:cNvPr id="38" name="Rectangle 37">
-              <a:extLst>
-                <a:ext uri="{FF2B5EF4-FFF2-40B4-BE49-F238E27FC236}">
-                  <a16:creationId xmlns:a16="http://schemas.microsoft.com/office/drawing/2014/main" id="{7D62E783-5ABA-4E04-9535-2AF734F62289}"/>
-                </a:ext>
-              </a:extLst>
-            </p:cNvPr>
-            <p:cNvSpPr/>
-            <p:nvPr/>
-          </p:nvSpPr>
-          <p:spPr>
-            <a:xfrm rot="18043485" flipH="1">
-              <a:off x="6526797" y="3479747"/>
-              <a:ext cx="91440" cy="2164080"/>
-            </a:xfrm>
-            <a:prstGeom prst="rect">
-              <a:avLst/>
-            </a:prstGeom>
-            <a:solidFill>
-              <a:schemeClr val="tx1"/>
-            </a:solidFill>
-            <a:ln>
-              <a:solidFill>
-                <a:schemeClr val="tx1"/>
-              </a:solidFill>
-            </a:ln>
-          </p:spPr>
-          <p:style>
-            <a:lnRef idx="2">
-              <a:schemeClr val="accent1">
-                <a:shade val="50000"/>
-              </a:schemeClr>
-            </a:lnRef>
-            <a:fillRef idx="1">
-              <a:schemeClr val="accent1"/>
-            </a:fillRef>
-            <a:effectRef idx="0">
-              <a:schemeClr val="accent1"/>
-            </a:effectRef>
-            <a:fontRef idx="minor">
-              <a:schemeClr val="lt1"/>
-            </a:fontRef>
-          </p:style>
-          <p:txBody>
-            <a:bodyPr rtlCol="0" anchor="ctr"/>
-            <a:lstStyle/>
-            <a:p>
-              <a:pPr algn="ctr"/>
-              <a:endParaRPr lang="en-US"/>
-            </a:p>
-          </p:txBody>
-        </p:sp>
-        <p:sp>
-          <p:nvSpPr>
-            <p:cNvPr id="39" name="Rectangle 38">
-              <a:extLst>
-                <a:ext uri="{FF2B5EF4-FFF2-40B4-BE49-F238E27FC236}">
-                  <a16:creationId xmlns:a16="http://schemas.microsoft.com/office/drawing/2014/main" id="{9A2F3BF1-A1DB-4121-8630-BA945BCB12BA}"/>
-                </a:ext>
-              </a:extLst>
-            </p:cNvPr>
-            <p:cNvSpPr/>
-            <p:nvPr/>
-          </p:nvSpPr>
-          <p:spPr>
-            <a:xfrm rot="16200000">
-              <a:off x="5594848" y="3232894"/>
-              <a:ext cx="97586" cy="3764785"/>
-            </a:xfrm>
-            <a:prstGeom prst="rect">
-              <a:avLst/>
-            </a:prstGeom>
-            <a:solidFill>
-              <a:schemeClr val="tx1"/>
-            </a:solidFill>
-            <a:ln>
-              <a:solidFill>
-                <a:schemeClr val="tx1"/>
-              </a:solidFill>
-            </a:ln>
-          </p:spPr>
-          <p:style>
-            <a:lnRef idx="2">
-              <a:schemeClr val="accent1">
-                <a:shade val="50000"/>
-              </a:schemeClr>
-            </a:lnRef>
-            <a:fillRef idx="1">
-              <a:schemeClr val="accent1"/>
-            </a:fillRef>
-            <a:effectRef idx="0">
-              <a:schemeClr val="accent1"/>
-            </a:effectRef>
-            <a:fontRef idx="minor">
-              <a:schemeClr val="lt1"/>
-            </a:fontRef>
-          </p:style>
-          <p:txBody>
-            <a:bodyPr rtlCol="0" anchor="ctr"/>
-            <a:lstStyle/>
-            <a:p>
-              <a:pPr algn="ctr"/>
-              <a:endParaRPr lang="en-US"/>
-            </a:p>
-          </p:txBody>
-        </p:sp>
-        <p:sp>
-          <p:nvSpPr>
-            <p:cNvPr id="45" name="Freeform: Shape 44">
-              <a:extLst>
-                <a:ext uri="{FF2B5EF4-FFF2-40B4-BE49-F238E27FC236}">
-                  <a16:creationId xmlns:a16="http://schemas.microsoft.com/office/drawing/2014/main" id="{55EA7CAD-78ED-4B67-9FB2-5DF3B6FE11CF}"/>
-                </a:ext>
-              </a:extLst>
-            </p:cNvPr>
-            <p:cNvSpPr/>
-            <p:nvPr/>
-          </p:nvSpPr>
-          <p:spPr>
-            <a:xfrm>
-              <a:off x="5281205" y="2409921"/>
-              <a:ext cx="675594" cy="160045"/>
-            </a:xfrm>
-            <a:custGeom>
-              <a:avLst/>
-              <a:gdLst>
-                <a:gd name="connsiteX0" fmla="*/ 320041 w 842145"/>
-                <a:gd name="connsiteY0" fmla="*/ 0 h 160045"/>
-                <a:gd name="connsiteX1" fmla="*/ 1 w 842145"/>
-                <a:gd name="connsiteY1" fmla="*/ 83820 h 160045"/>
-                <a:gd name="connsiteX2" fmla="*/ 316231 w 842145"/>
-                <a:gd name="connsiteY2" fmla="*/ 160020 h 160045"/>
-                <a:gd name="connsiteX3" fmla="*/ 834391 w 842145"/>
-                <a:gd name="connsiteY3" fmla="*/ 91440 h 160045"/>
-                <a:gd name="connsiteX4" fmla="*/ 579121 w 842145"/>
-                <a:gd name="connsiteY4" fmla="*/ 15240 h 160045"/>
-              </a:gdLst>
-              <a:ahLst/>
-              <a:cxnLst>
-                <a:cxn ang="0">
-                  <a:pos x="connsiteX0" y="connsiteY0"/>
-                </a:cxn>
-                <a:cxn ang="0">
-                  <a:pos x="connsiteX1" y="connsiteY1"/>
-                </a:cxn>
-                <a:cxn ang="0">
-                  <a:pos x="connsiteX2" y="connsiteY2"/>
-                </a:cxn>
-                <a:cxn ang="0">
-                  <a:pos x="connsiteX3" y="connsiteY3"/>
-                </a:cxn>
-                <a:cxn ang="0">
-                  <a:pos x="connsiteX4" y="connsiteY4"/>
-                </a:cxn>
-              </a:cxnLst>
-              <a:rect l="l" t="t" r="r" b="b"/>
-              <a:pathLst>
-                <a:path w="842145" h="160045">
-                  <a:moveTo>
-                    <a:pt x="320041" y="0"/>
-                  </a:moveTo>
-                  <a:cubicBezTo>
-                    <a:pt x="160338" y="28575"/>
-                    <a:pt x="636" y="57150"/>
-                    <a:pt x="1" y="83820"/>
-                  </a:cubicBezTo>
-                  <a:cubicBezTo>
-                    <a:pt x="-634" y="110490"/>
-                    <a:pt x="177166" y="158750"/>
-                    <a:pt x="316231" y="160020"/>
-                  </a:cubicBezTo>
-                  <a:cubicBezTo>
-                    <a:pt x="455296" y="161290"/>
-                    <a:pt x="790576" y="115570"/>
-                    <a:pt x="834391" y="91440"/>
-                  </a:cubicBezTo>
-                  <a:cubicBezTo>
-                    <a:pt x="878206" y="67310"/>
-                    <a:pt x="728663" y="41275"/>
-                    <a:pt x="579121" y="15240"/>
-                  </a:cubicBezTo>
-                </a:path>
-              </a:pathLst>
-            </a:custGeom>
-            <a:noFill/>
-            <a:ln>
-              <a:headEnd type="triangle" w="med" len="med"/>
-              <a:tailEnd type="none" w="med" len="med"/>
-            </a:ln>
-          </p:spPr>
-          <p:style>
-            <a:lnRef idx="2">
-              <a:schemeClr val="accent1">
-                <a:shade val="50000"/>
-              </a:schemeClr>
-            </a:lnRef>
-            <a:fillRef idx="1">
-              <a:schemeClr val="accent1"/>
-            </a:fillRef>
-            <a:effectRef idx="0">
-              <a:schemeClr val="accent1"/>
-            </a:effectRef>
-            <a:fontRef idx="minor">
-              <a:schemeClr val="lt1"/>
-            </a:fontRef>
-          </p:style>
-          <p:txBody>
-            <a:bodyPr rtlCol="0" anchor="ctr"/>
-            <a:lstStyle/>
-            <a:p>
-              <a:pPr algn="ctr"/>
-              <a:endParaRPr lang="en-US"/>
-            </a:p>
-          </p:txBody>
-        </p:sp>
-        <p:sp>
-          <p:nvSpPr>
-            <p:cNvPr id="46" name="Rectangle: Top Corners Snipped 45">
-              <a:extLst>
-                <a:ext uri="{FF2B5EF4-FFF2-40B4-BE49-F238E27FC236}">
-                  <a16:creationId xmlns:a16="http://schemas.microsoft.com/office/drawing/2014/main" id="{589CF656-2345-4D0E-BAB6-3FBA80DE4D6D}"/>
-                </a:ext>
-              </a:extLst>
-            </p:cNvPr>
-            <p:cNvSpPr/>
-            <p:nvPr/>
-          </p:nvSpPr>
-          <p:spPr>
-            <a:xfrm rot="10800000">
-              <a:off x="5354635" y="1199770"/>
-              <a:ext cx="566442" cy="758857"/>
-            </a:xfrm>
-            <a:prstGeom prst="snip2SameRect">
-              <a:avLst/>
-            </a:prstGeom>
-            <a:solidFill>
-              <a:schemeClr val="bg1">
-                <a:lumMod val="85000"/>
-              </a:schemeClr>
-            </a:solidFill>
-            <a:ln>
-              <a:solidFill>
-                <a:schemeClr val="tx1"/>
-              </a:solidFill>
-            </a:ln>
-          </p:spPr>
-          <p:style>
-            <a:lnRef idx="2">
-              <a:schemeClr val="accent1">
-                <a:shade val="50000"/>
-              </a:schemeClr>
-            </a:lnRef>
-            <a:fillRef idx="1">
-              <a:schemeClr val="accent1"/>
-            </a:fillRef>
-            <a:effectRef idx="0">
-              <a:schemeClr val="accent1"/>
-            </a:effectRef>
-            <a:fontRef idx="minor">
-              <a:schemeClr val="lt1"/>
-            </a:fontRef>
-          </p:style>
-          <p:txBody>
-            <a:bodyPr rtlCol="0" anchor="ctr"/>
-            <a:lstStyle/>
-            <a:p>
-              <a:pPr algn="ctr"/>
-              <a:endParaRPr lang="en-US"/>
-            </a:p>
-          </p:txBody>
-        </p:sp>
-        <p:sp>
-          <p:nvSpPr>
-            <p:cNvPr id="47" name="Rectangle 46">
-              <a:extLst>
-                <a:ext uri="{FF2B5EF4-FFF2-40B4-BE49-F238E27FC236}">
-                  <a16:creationId xmlns:a16="http://schemas.microsoft.com/office/drawing/2014/main" id="{8FD11471-5493-419F-BE32-D69397A0D5FF}"/>
-                </a:ext>
-              </a:extLst>
-            </p:cNvPr>
-            <p:cNvSpPr/>
-            <p:nvPr/>
-          </p:nvSpPr>
-          <p:spPr>
-            <a:xfrm>
-              <a:off x="5354635" y="1199769"/>
-              <a:ext cx="566442" cy="189176"/>
-            </a:xfrm>
-            <a:prstGeom prst="rect">
-              <a:avLst/>
-            </a:prstGeom>
-            <a:solidFill>
-              <a:schemeClr val="tx1"/>
-            </a:solidFill>
-            <a:ln>
-              <a:solidFill>
-                <a:schemeClr val="tx1"/>
-              </a:solidFill>
-            </a:ln>
-          </p:spPr>
-          <p:style>
-            <a:lnRef idx="2">
-              <a:schemeClr val="accent1">
-                <a:shade val="50000"/>
-              </a:schemeClr>
-            </a:lnRef>
-            <a:fillRef idx="1">
-              <a:schemeClr val="accent1"/>
-            </a:fillRef>
-            <a:effectRef idx="0">
-              <a:schemeClr val="accent1"/>
-            </a:effectRef>
-            <a:fontRef idx="minor">
-              <a:schemeClr val="lt1"/>
-            </a:fontRef>
-          </p:style>
-          <p:txBody>
-            <a:bodyPr rtlCol="0" anchor="ctr"/>
-            <a:lstStyle/>
-            <a:p>
-              <a:pPr algn="ctr"/>
-              <a:endParaRPr lang="en-US"/>
-            </a:p>
-          </p:txBody>
-        </p:sp>
-        <p:grpSp>
-          <p:nvGrpSpPr>
-            <p:cNvPr id="57" name="Group 56">
-              <a:extLst>
-                <a:ext uri="{FF2B5EF4-FFF2-40B4-BE49-F238E27FC236}">
-                  <a16:creationId xmlns:a16="http://schemas.microsoft.com/office/drawing/2014/main" id="{5C4CC512-D2FC-45A1-B56E-2072A67B3925}"/>
-                </a:ext>
-              </a:extLst>
-            </p:cNvPr>
-            <p:cNvGrpSpPr/>
-            <p:nvPr/>
-          </p:nvGrpSpPr>
-          <p:grpSpPr>
-            <a:xfrm>
-              <a:off x="1987041" y="3450934"/>
-              <a:ext cx="714997" cy="2005759"/>
-              <a:chOff x="2230881" y="3471254"/>
-              <a:chExt cx="714997" cy="2005759"/>
-            </a:xfrm>
-          </p:grpSpPr>
-          <p:sp>
-            <p:nvSpPr>
-              <p:cNvPr id="52" name="Freeform: Shape 51">
-                <a:extLst>
-                  <a:ext uri="{FF2B5EF4-FFF2-40B4-BE49-F238E27FC236}">
-                    <a16:creationId xmlns:a16="http://schemas.microsoft.com/office/drawing/2014/main" id="{B0EE8980-F4B6-4ABD-ABE6-FFB58390CB28}"/>
-                  </a:ext>
-                </a:extLst>
-              </p:cNvPr>
-              <p:cNvSpPr/>
-              <p:nvPr/>
-            </p:nvSpPr>
-            <p:spPr>
-              <a:xfrm>
-                <a:off x="2234153" y="5363850"/>
-                <a:ext cx="707010" cy="113163"/>
-              </a:xfrm>
-              <a:custGeom>
-                <a:avLst/>
-                <a:gdLst>
-                  <a:gd name="connsiteX0" fmla="*/ 0 w 707010"/>
-                  <a:gd name="connsiteY0" fmla="*/ 277168 h 456318"/>
-                  <a:gd name="connsiteX1" fmla="*/ 179109 w 707010"/>
-                  <a:gd name="connsiteY1" fmla="*/ 3790 h 456318"/>
-                  <a:gd name="connsiteX2" fmla="*/ 311084 w 707010"/>
-                  <a:gd name="connsiteY2" fmla="*/ 456277 h 456318"/>
-                  <a:gd name="connsiteX3" fmla="*/ 471340 w 707010"/>
-                  <a:gd name="connsiteY3" fmla="*/ 32071 h 456318"/>
-                  <a:gd name="connsiteX4" fmla="*/ 612742 w 707010"/>
-                  <a:gd name="connsiteY4" fmla="*/ 296021 h 456318"/>
-                  <a:gd name="connsiteX5" fmla="*/ 707010 w 707010"/>
-                  <a:gd name="connsiteY5" fmla="*/ 314875 h 456318"/>
-                </a:gdLst>
-                <a:ahLst/>
-                <a:cxnLst>
-                  <a:cxn ang="0">
-                    <a:pos x="connsiteX0" y="connsiteY0"/>
-                  </a:cxn>
-                  <a:cxn ang="0">
-                    <a:pos x="connsiteX1" y="connsiteY1"/>
-                  </a:cxn>
-                  <a:cxn ang="0">
-                    <a:pos x="connsiteX2" y="connsiteY2"/>
-                  </a:cxn>
-                  <a:cxn ang="0">
-                    <a:pos x="connsiteX3" y="connsiteY3"/>
-                  </a:cxn>
-                  <a:cxn ang="0">
-                    <a:pos x="connsiteX4" y="connsiteY4"/>
-                  </a:cxn>
-                  <a:cxn ang="0">
-                    <a:pos x="connsiteX5" y="connsiteY5"/>
-                  </a:cxn>
-                </a:cxnLst>
-                <a:rect l="l" t="t" r="r" b="b"/>
-                <a:pathLst>
-                  <a:path w="707010" h="456318">
-                    <a:moveTo>
-                      <a:pt x="0" y="277168"/>
-                    </a:moveTo>
-                    <a:cubicBezTo>
-                      <a:pt x="63631" y="125553"/>
-                      <a:pt x="127262" y="-26061"/>
-                      <a:pt x="179109" y="3790"/>
-                    </a:cubicBezTo>
-                    <a:cubicBezTo>
-                      <a:pt x="230956" y="33641"/>
-                      <a:pt x="262379" y="451564"/>
-                      <a:pt x="311084" y="456277"/>
-                    </a:cubicBezTo>
-                    <a:cubicBezTo>
-                      <a:pt x="359789" y="460991"/>
-                      <a:pt x="421064" y="58780"/>
-                      <a:pt x="471340" y="32071"/>
-                    </a:cubicBezTo>
-                    <a:cubicBezTo>
-                      <a:pt x="521616" y="5362"/>
-                      <a:pt x="573464" y="248887"/>
-                      <a:pt x="612742" y="296021"/>
-                    </a:cubicBezTo>
-                    <a:cubicBezTo>
-                      <a:pt x="652020" y="343155"/>
-                      <a:pt x="642594" y="311733"/>
-                      <a:pt x="707010" y="314875"/>
-                    </a:cubicBezTo>
-                  </a:path>
-                </a:pathLst>
-              </a:custGeom>
-              <a:noFill/>
-              <a:ln w="19050">
-                <a:solidFill>
-                  <a:srgbClr val="FF0000"/>
-                </a:solidFill>
-                <a:headEnd type="none" w="med" len="med"/>
-                <a:tailEnd type="arrow" w="med" len="med"/>
-              </a:ln>
-            </p:spPr>
-            <p:style>
-              <a:lnRef idx="2">
-                <a:schemeClr val="accent1">
-                  <a:shade val="50000"/>
-                </a:schemeClr>
-              </a:lnRef>
-              <a:fillRef idx="1">
-                <a:schemeClr val="accent1"/>
-              </a:fillRef>
-              <a:effectRef idx="0">
-                <a:schemeClr val="accent1"/>
-              </a:effectRef>
-              <a:fontRef idx="minor">
-                <a:schemeClr val="lt1"/>
-              </a:fontRef>
-            </p:style>
-            <p:txBody>
-              <a:bodyPr rtlCol="0" anchor="ctr"/>
-              <a:lstStyle/>
-              <a:p>
-                <a:pPr algn="ctr"/>
-                <a:endParaRPr lang="en-US"/>
-              </a:p>
-            </p:txBody>
-          </p:sp>
-          <p:sp>
-            <p:nvSpPr>
-              <p:cNvPr id="53" name="Freeform: Shape 52">
-                <a:extLst>
-                  <a:ext uri="{FF2B5EF4-FFF2-40B4-BE49-F238E27FC236}">
-                    <a16:creationId xmlns:a16="http://schemas.microsoft.com/office/drawing/2014/main" id="{B5BF7532-3195-46C9-8F35-F212F4233C72}"/>
-                  </a:ext>
-                </a:extLst>
-              </p:cNvPr>
-              <p:cNvSpPr/>
-              <p:nvPr/>
-            </p:nvSpPr>
-            <p:spPr>
-              <a:xfrm>
-                <a:off x="2238868" y="4890701"/>
-                <a:ext cx="707010" cy="113163"/>
-              </a:xfrm>
-              <a:custGeom>
-                <a:avLst/>
-                <a:gdLst>
-                  <a:gd name="connsiteX0" fmla="*/ 0 w 707010"/>
-                  <a:gd name="connsiteY0" fmla="*/ 277168 h 456318"/>
-                  <a:gd name="connsiteX1" fmla="*/ 179109 w 707010"/>
-                  <a:gd name="connsiteY1" fmla="*/ 3790 h 456318"/>
-                  <a:gd name="connsiteX2" fmla="*/ 311084 w 707010"/>
-                  <a:gd name="connsiteY2" fmla="*/ 456277 h 456318"/>
-                  <a:gd name="connsiteX3" fmla="*/ 471340 w 707010"/>
-                  <a:gd name="connsiteY3" fmla="*/ 32071 h 456318"/>
-                  <a:gd name="connsiteX4" fmla="*/ 612742 w 707010"/>
-                  <a:gd name="connsiteY4" fmla="*/ 296021 h 456318"/>
-                  <a:gd name="connsiteX5" fmla="*/ 707010 w 707010"/>
-                  <a:gd name="connsiteY5" fmla="*/ 314875 h 456318"/>
-                </a:gdLst>
-                <a:ahLst/>
-                <a:cxnLst>
-                  <a:cxn ang="0">
-                    <a:pos x="connsiteX0" y="connsiteY0"/>
-                  </a:cxn>
-                  <a:cxn ang="0">
-                    <a:pos x="connsiteX1" y="connsiteY1"/>
-                  </a:cxn>
-                  <a:cxn ang="0">
-                    <a:pos x="connsiteX2" y="connsiteY2"/>
-                  </a:cxn>
-                  <a:cxn ang="0">
-                    <a:pos x="connsiteX3" y="connsiteY3"/>
-                  </a:cxn>
-                  <a:cxn ang="0">
-                    <a:pos x="connsiteX4" y="connsiteY4"/>
-                  </a:cxn>
-                  <a:cxn ang="0">
-                    <a:pos x="connsiteX5" y="connsiteY5"/>
-                  </a:cxn>
-                </a:cxnLst>
-                <a:rect l="l" t="t" r="r" b="b"/>
-                <a:pathLst>
-                  <a:path w="707010" h="456318">
-                    <a:moveTo>
-                      <a:pt x="0" y="277168"/>
-                    </a:moveTo>
-                    <a:cubicBezTo>
-                      <a:pt x="63631" y="125553"/>
-                      <a:pt x="127262" y="-26061"/>
-                      <a:pt x="179109" y="3790"/>
-                    </a:cubicBezTo>
-                    <a:cubicBezTo>
-                      <a:pt x="230956" y="33641"/>
-                      <a:pt x="262379" y="451564"/>
-                      <a:pt x="311084" y="456277"/>
-                    </a:cubicBezTo>
-                    <a:cubicBezTo>
-                      <a:pt x="359789" y="460991"/>
-                      <a:pt x="421064" y="58780"/>
-                      <a:pt x="471340" y="32071"/>
-                    </a:cubicBezTo>
-                    <a:cubicBezTo>
-                      <a:pt x="521616" y="5362"/>
-                      <a:pt x="573464" y="248887"/>
-                      <a:pt x="612742" y="296021"/>
-                    </a:cubicBezTo>
-                    <a:cubicBezTo>
-                      <a:pt x="652020" y="343155"/>
-                      <a:pt x="642594" y="311733"/>
-                      <a:pt x="707010" y="314875"/>
-                    </a:cubicBezTo>
-                  </a:path>
-                </a:pathLst>
-              </a:custGeom>
-              <a:noFill/>
-              <a:ln w="19050">
-                <a:solidFill>
-                  <a:srgbClr val="FF0000"/>
-                </a:solidFill>
-                <a:headEnd type="none" w="med" len="med"/>
-                <a:tailEnd type="arrow" w="med" len="med"/>
-              </a:ln>
-            </p:spPr>
-            <p:style>
-              <a:lnRef idx="2">
-                <a:schemeClr val="accent1">
-                  <a:shade val="50000"/>
-                </a:schemeClr>
-              </a:lnRef>
-              <a:fillRef idx="1">
-                <a:schemeClr val="accent1"/>
-              </a:fillRef>
-              <a:effectRef idx="0">
-                <a:schemeClr val="accent1"/>
-              </a:effectRef>
-              <a:fontRef idx="minor">
-                <a:schemeClr val="lt1"/>
-              </a:fontRef>
-            </p:style>
-            <p:txBody>
-              <a:bodyPr rtlCol="0" anchor="ctr"/>
-              <a:lstStyle/>
-              <a:p>
-                <a:pPr algn="ctr"/>
-                <a:endParaRPr lang="en-US"/>
-              </a:p>
-            </p:txBody>
-          </p:sp>
-          <p:sp>
-            <p:nvSpPr>
-              <p:cNvPr id="54" name="Freeform: Shape 53">
-                <a:extLst>
-                  <a:ext uri="{FF2B5EF4-FFF2-40B4-BE49-F238E27FC236}">
-                    <a16:creationId xmlns:a16="http://schemas.microsoft.com/office/drawing/2014/main" id="{24D15EB0-D62B-4DFB-983C-FF96007C6506}"/>
-                  </a:ext>
-                </a:extLst>
-              </p:cNvPr>
-              <p:cNvSpPr/>
-              <p:nvPr/>
-            </p:nvSpPr>
-            <p:spPr>
-              <a:xfrm>
-                <a:off x="2230881" y="4417552"/>
-                <a:ext cx="707010" cy="113163"/>
-              </a:xfrm>
-              <a:custGeom>
-                <a:avLst/>
-                <a:gdLst>
-                  <a:gd name="connsiteX0" fmla="*/ 0 w 707010"/>
-                  <a:gd name="connsiteY0" fmla="*/ 277168 h 456318"/>
-                  <a:gd name="connsiteX1" fmla="*/ 179109 w 707010"/>
-                  <a:gd name="connsiteY1" fmla="*/ 3790 h 456318"/>
-                  <a:gd name="connsiteX2" fmla="*/ 311084 w 707010"/>
-                  <a:gd name="connsiteY2" fmla="*/ 456277 h 456318"/>
-                  <a:gd name="connsiteX3" fmla="*/ 471340 w 707010"/>
-                  <a:gd name="connsiteY3" fmla="*/ 32071 h 456318"/>
-                  <a:gd name="connsiteX4" fmla="*/ 612742 w 707010"/>
-                  <a:gd name="connsiteY4" fmla="*/ 296021 h 456318"/>
-                  <a:gd name="connsiteX5" fmla="*/ 707010 w 707010"/>
-                  <a:gd name="connsiteY5" fmla="*/ 314875 h 456318"/>
-                </a:gdLst>
-                <a:ahLst/>
-                <a:cxnLst>
-                  <a:cxn ang="0">
-                    <a:pos x="connsiteX0" y="connsiteY0"/>
-                  </a:cxn>
-                  <a:cxn ang="0">
-                    <a:pos x="connsiteX1" y="connsiteY1"/>
-                  </a:cxn>
-                  <a:cxn ang="0">
-                    <a:pos x="connsiteX2" y="connsiteY2"/>
-                  </a:cxn>
-                  <a:cxn ang="0">
-                    <a:pos x="connsiteX3" y="connsiteY3"/>
-                  </a:cxn>
-                  <a:cxn ang="0">
-                    <a:pos x="connsiteX4" y="connsiteY4"/>
-                  </a:cxn>
-                  <a:cxn ang="0">
-                    <a:pos x="connsiteX5" y="connsiteY5"/>
-                  </a:cxn>
-                </a:cxnLst>
-                <a:rect l="l" t="t" r="r" b="b"/>
-                <a:pathLst>
-                  <a:path w="707010" h="456318">
-                    <a:moveTo>
-                      <a:pt x="0" y="277168"/>
-                    </a:moveTo>
-                    <a:cubicBezTo>
-                      <a:pt x="63631" y="125553"/>
-                      <a:pt x="127262" y="-26061"/>
-                      <a:pt x="179109" y="3790"/>
-                    </a:cubicBezTo>
-                    <a:cubicBezTo>
-                      <a:pt x="230956" y="33641"/>
-                      <a:pt x="262379" y="451564"/>
-                      <a:pt x="311084" y="456277"/>
-                    </a:cubicBezTo>
-                    <a:cubicBezTo>
-                      <a:pt x="359789" y="460991"/>
-                      <a:pt x="421064" y="58780"/>
-                      <a:pt x="471340" y="32071"/>
-                    </a:cubicBezTo>
-                    <a:cubicBezTo>
-                      <a:pt x="521616" y="5362"/>
-                      <a:pt x="573464" y="248887"/>
-                      <a:pt x="612742" y="296021"/>
-                    </a:cubicBezTo>
-                    <a:cubicBezTo>
-                      <a:pt x="652020" y="343155"/>
-                      <a:pt x="642594" y="311733"/>
-                      <a:pt x="707010" y="314875"/>
-                    </a:cubicBezTo>
-                  </a:path>
-                </a:pathLst>
-              </a:custGeom>
-              <a:noFill/>
-              <a:ln w="19050">
-                <a:solidFill>
-                  <a:srgbClr val="FF0000"/>
-                </a:solidFill>
-                <a:headEnd type="none" w="med" len="med"/>
-                <a:tailEnd type="arrow" w="med" len="med"/>
-              </a:ln>
-            </p:spPr>
-            <p:style>
-              <a:lnRef idx="2">
-                <a:schemeClr val="accent1">
-                  <a:shade val="50000"/>
-                </a:schemeClr>
-              </a:lnRef>
-              <a:fillRef idx="1">
-                <a:schemeClr val="accent1"/>
-              </a:fillRef>
-              <a:effectRef idx="0">
-                <a:schemeClr val="accent1"/>
-              </a:effectRef>
-              <a:fontRef idx="minor">
-                <a:schemeClr val="lt1"/>
-              </a:fontRef>
-            </p:style>
-            <p:txBody>
-              <a:bodyPr rtlCol="0" anchor="ctr"/>
-              <a:lstStyle/>
-              <a:p>
-                <a:pPr algn="ctr"/>
-                <a:endParaRPr lang="en-US"/>
-              </a:p>
-            </p:txBody>
-          </p:sp>
-          <p:sp>
-            <p:nvSpPr>
-              <p:cNvPr id="55" name="Freeform: Shape 54">
-                <a:extLst>
-                  <a:ext uri="{FF2B5EF4-FFF2-40B4-BE49-F238E27FC236}">
-                    <a16:creationId xmlns:a16="http://schemas.microsoft.com/office/drawing/2014/main" id="{B607AE90-8C1A-49E1-9CA0-AD2203552A41}"/>
-                  </a:ext>
-                </a:extLst>
-              </p:cNvPr>
-              <p:cNvSpPr/>
-              <p:nvPr/>
-            </p:nvSpPr>
-            <p:spPr>
-              <a:xfrm>
-                <a:off x="2233496" y="3971120"/>
-                <a:ext cx="707010" cy="113163"/>
-              </a:xfrm>
-              <a:custGeom>
-                <a:avLst/>
-                <a:gdLst>
-                  <a:gd name="connsiteX0" fmla="*/ 0 w 707010"/>
-                  <a:gd name="connsiteY0" fmla="*/ 277168 h 456318"/>
-                  <a:gd name="connsiteX1" fmla="*/ 179109 w 707010"/>
-                  <a:gd name="connsiteY1" fmla="*/ 3790 h 456318"/>
-                  <a:gd name="connsiteX2" fmla="*/ 311084 w 707010"/>
-                  <a:gd name="connsiteY2" fmla="*/ 456277 h 456318"/>
-                  <a:gd name="connsiteX3" fmla="*/ 471340 w 707010"/>
-                  <a:gd name="connsiteY3" fmla="*/ 32071 h 456318"/>
-                  <a:gd name="connsiteX4" fmla="*/ 612742 w 707010"/>
-                  <a:gd name="connsiteY4" fmla="*/ 296021 h 456318"/>
-                  <a:gd name="connsiteX5" fmla="*/ 707010 w 707010"/>
-                  <a:gd name="connsiteY5" fmla="*/ 314875 h 456318"/>
-                </a:gdLst>
-                <a:ahLst/>
-                <a:cxnLst>
-                  <a:cxn ang="0">
-                    <a:pos x="connsiteX0" y="connsiteY0"/>
-                  </a:cxn>
-                  <a:cxn ang="0">
-                    <a:pos x="connsiteX1" y="connsiteY1"/>
-                  </a:cxn>
-                  <a:cxn ang="0">
-                    <a:pos x="connsiteX2" y="connsiteY2"/>
-                  </a:cxn>
-                  <a:cxn ang="0">
-                    <a:pos x="connsiteX3" y="connsiteY3"/>
-                  </a:cxn>
-                  <a:cxn ang="0">
-                    <a:pos x="connsiteX4" y="connsiteY4"/>
-                  </a:cxn>
-                  <a:cxn ang="0">
-                    <a:pos x="connsiteX5" y="connsiteY5"/>
-                  </a:cxn>
-                </a:cxnLst>
-                <a:rect l="l" t="t" r="r" b="b"/>
-                <a:pathLst>
-                  <a:path w="707010" h="456318">
-                    <a:moveTo>
-                      <a:pt x="0" y="277168"/>
-                    </a:moveTo>
-                    <a:cubicBezTo>
-                      <a:pt x="63631" y="125553"/>
-                      <a:pt x="127262" y="-26061"/>
-                      <a:pt x="179109" y="3790"/>
-                    </a:cubicBezTo>
-                    <a:cubicBezTo>
-                      <a:pt x="230956" y="33641"/>
-                      <a:pt x="262379" y="451564"/>
-                      <a:pt x="311084" y="456277"/>
-                    </a:cubicBezTo>
-                    <a:cubicBezTo>
-                      <a:pt x="359789" y="460991"/>
-                      <a:pt x="421064" y="58780"/>
-                      <a:pt x="471340" y="32071"/>
-                    </a:cubicBezTo>
-                    <a:cubicBezTo>
-                      <a:pt x="521616" y="5362"/>
-                      <a:pt x="573464" y="248887"/>
-                      <a:pt x="612742" y="296021"/>
-                    </a:cubicBezTo>
-                    <a:cubicBezTo>
-                      <a:pt x="652020" y="343155"/>
-                      <a:pt x="642594" y="311733"/>
-                      <a:pt x="707010" y="314875"/>
-                    </a:cubicBezTo>
-                  </a:path>
-                </a:pathLst>
-              </a:custGeom>
-              <a:noFill/>
-              <a:ln w="19050">
-                <a:solidFill>
-                  <a:srgbClr val="FF0000"/>
-                </a:solidFill>
-                <a:headEnd type="none" w="med" len="med"/>
-                <a:tailEnd type="arrow" w="med" len="med"/>
-              </a:ln>
-            </p:spPr>
-            <p:style>
-              <a:lnRef idx="2">
-                <a:schemeClr val="accent1">
-                  <a:shade val="50000"/>
-                </a:schemeClr>
-              </a:lnRef>
-              <a:fillRef idx="1">
-                <a:schemeClr val="accent1"/>
-              </a:fillRef>
-              <a:effectRef idx="0">
-                <a:schemeClr val="accent1"/>
-              </a:effectRef>
-              <a:fontRef idx="minor">
-                <a:schemeClr val="lt1"/>
-              </a:fontRef>
-            </p:style>
-            <p:txBody>
-              <a:bodyPr rtlCol="0" anchor="ctr"/>
-              <a:lstStyle/>
-              <a:p>
-                <a:pPr algn="ctr"/>
-                <a:endParaRPr lang="en-US"/>
-              </a:p>
-            </p:txBody>
-          </p:sp>
-          <p:sp>
-            <p:nvSpPr>
-              <p:cNvPr id="56" name="Freeform: Shape 55">
-                <a:extLst>
-                  <a:ext uri="{FF2B5EF4-FFF2-40B4-BE49-F238E27FC236}">
-                    <a16:creationId xmlns:a16="http://schemas.microsoft.com/office/drawing/2014/main" id="{DC747761-0C70-4270-A80F-FD2B85516817}"/>
-                  </a:ext>
-                </a:extLst>
-              </p:cNvPr>
-              <p:cNvSpPr/>
-              <p:nvPr/>
-            </p:nvSpPr>
-            <p:spPr>
-              <a:xfrm>
-                <a:off x="2234155" y="3471254"/>
-                <a:ext cx="707010" cy="113163"/>
-              </a:xfrm>
-              <a:custGeom>
-                <a:avLst/>
-                <a:gdLst>
-                  <a:gd name="connsiteX0" fmla="*/ 0 w 707010"/>
-                  <a:gd name="connsiteY0" fmla="*/ 277168 h 456318"/>
-                  <a:gd name="connsiteX1" fmla="*/ 179109 w 707010"/>
-                  <a:gd name="connsiteY1" fmla="*/ 3790 h 456318"/>
-                  <a:gd name="connsiteX2" fmla="*/ 311084 w 707010"/>
-                  <a:gd name="connsiteY2" fmla="*/ 456277 h 456318"/>
-                  <a:gd name="connsiteX3" fmla="*/ 471340 w 707010"/>
-                  <a:gd name="connsiteY3" fmla="*/ 32071 h 456318"/>
-                  <a:gd name="connsiteX4" fmla="*/ 612742 w 707010"/>
-                  <a:gd name="connsiteY4" fmla="*/ 296021 h 456318"/>
-                  <a:gd name="connsiteX5" fmla="*/ 707010 w 707010"/>
-                  <a:gd name="connsiteY5" fmla="*/ 314875 h 456318"/>
-                </a:gdLst>
-                <a:ahLst/>
-                <a:cxnLst>
-                  <a:cxn ang="0">
-                    <a:pos x="connsiteX0" y="connsiteY0"/>
-                  </a:cxn>
-                  <a:cxn ang="0">
-                    <a:pos x="connsiteX1" y="connsiteY1"/>
-                  </a:cxn>
-                  <a:cxn ang="0">
-                    <a:pos x="connsiteX2" y="connsiteY2"/>
-                  </a:cxn>
-                  <a:cxn ang="0">
-                    <a:pos x="connsiteX3" y="connsiteY3"/>
-                  </a:cxn>
-                  <a:cxn ang="0">
-                    <a:pos x="connsiteX4" y="connsiteY4"/>
-                  </a:cxn>
-                  <a:cxn ang="0">
-                    <a:pos x="connsiteX5" y="connsiteY5"/>
-                  </a:cxn>
-                </a:cxnLst>
-                <a:rect l="l" t="t" r="r" b="b"/>
-                <a:pathLst>
-                  <a:path w="707010" h="456318">
-                    <a:moveTo>
-                      <a:pt x="0" y="277168"/>
-                    </a:moveTo>
-                    <a:cubicBezTo>
-                      <a:pt x="63631" y="125553"/>
-                      <a:pt x="127262" y="-26061"/>
-                      <a:pt x="179109" y="3790"/>
-                    </a:cubicBezTo>
-                    <a:cubicBezTo>
-                      <a:pt x="230956" y="33641"/>
-                      <a:pt x="262379" y="451564"/>
-                      <a:pt x="311084" y="456277"/>
-                    </a:cubicBezTo>
-                    <a:cubicBezTo>
-                      <a:pt x="359789" y="460991"/>
-                      <a:pt x="421064" y="58780"/>
-                      <a:pt x="471340" y="32071"/>
-                    </a:cubicBezTo>
-                    <a:cubicBezTo>
-                      <a:pt x="521616" y="5362"/>
-                      <a:pt x="573464" y="248887"/>
-                      <a:pt x="612742" y="296021"/>
-                    </a:cubicBezTo>
-                    <a:cubicBezTo>
-                      <a:pt x="652020" y="343155"/>
-                      <a:pt x="642594" y="311733"/>
-                      <a:pt x="707010" y="314875"/>
-                    </a:cubicBezTo>
-                  </a:path>
-                </a:pathLst>
-              </a:custGeom>
-              <a:noFill/>
-              <a:ln w="19050">
-                <a:solidFill>
-                  <a:srgbClr val="FF0000"/>
-                </a:solidFill>
-                <a:headEnd type="none" w="med" len="med"/>
-                <a:tailEnd type="arrow" w="med" len="med"/>
-              </a:ln>
-            </p:spPr>
-            <p:style>
-              <a:lnRef idx="2">
-                <a:schemeClr val="accent1">
-                  <a:shade val="50000"/>
-                </a:schemeClr>
-              </a:lnRef>
-              <a:fillRef idx="1">
-                <a:schemeClr val="accent1"/>
-              </a:fillRef>
-              <a:effectRef idx="0">
-                <a:schemeClr val="accent1"/>
-              </a:effectRef>
-              <a:fontRef idx="minor">
-                <a:schemeClr val="lt1"/>
-              </a:fontRef>
-            </p:style>
-            <p:txBody>
-              <a:bodyPr rtlCol="0" anchor="ctr"/>
-              <a:lstStyle/>
-              <a:p>
-                <a:pPr algn="ctr"/>
-                <a:endParaRPr lang="en-US"/>
-              </a:p>
-            </p:txBody>
-          </p:sp>
-        </p:grpSp>
-        <p:grpSp>
-          <p:nvGrpSpPr>
-            <p:cNvPr id="58" name="Group 57">
-              <a:extLst>
-                <a:ext uri="{FF2B5EF4-FFF2-40B4-BE49-F238E27FC236}">
-                  <a16:creationId xmlns:a16="http://schemas.microsoft.com/office/drawing/2014/main" id="{44634F83-8F65-4DFE-97B2-3654827898FA}"/>
-                </a:ext>
-              </a:extLst>
-            </p:cNvPr>
-            <p:cNvGrpSpPr/>
-            <p:nvPr/>
-          </p:nvGrpSpPr>
-          <p:grpSpPr>
-            <a:xfrm flipH="1">
-              <a:off x="8577841" y="3450934"/>
-              <a:ext cx="714997" cy="2005759"/>
-              <a:chOff x="2230881" y="3471254"/>
-              <a:chExt cx="714997" cy="2005759"/>
-            </a:xfrm>
-          </p:grpSpPr>
-          <p:sp>
-            <p:nvSpPr>
-              <p:cNvPr id="59" name="Freeform: Shape 58">
-                <a:extLst>
-                  <a:ext uri="{FF2B5EF4-FFF2-40B4-BE49-F238E27FC236}">
-                    <a16:creationId xmlns:a16="http://schemas.microsoft.com/office/drawing/2014/main" id="{43B9EE26-62ED-47A6-90CC-0737875C2951}"/>
-                  </a:ext>
-                </a:extLst>
-              </p:cNvPr>
-              <p:cNvSpPr/>
-              <p:nvPr/>
-            </p:nvSpPr>
-            <p:spPr>
-              <a:xfrm>
-                <a:off x="2234153" y="5363850"/>
-                <a:ext cx="707010" cy="113163"/>
-              </a:xfrm>
-              <a:custGeom>
-                <a:avLst/>
-                <a:gdLst>
-                  <a:gd name="connsiteX0" fmla="*/ 0 w 707010"/>
-                  <a:gd name="connsiteY0" fmla="*/ 277168 h 456318"/>
-                  <a:gd name="connsiteX1" fmla="*/ 179109 w 707010"/>
-                  <a:gd name="connsiteY1" fmla="*/ 3790 h 456318"/>
-                  <a:gd name="connsiteX2" fmla="*/ 311084 w 707010"/>
-                  <a:gd name="connsiteY2" fmla="*/ 456277 h 456318"/>
-                  <a:gd name="connsiteX3" fmla="*/ 471340 w 707010"/>
-                  <a:gd name="connsiteY3" fmla="*/ 32071 h 456318"/>
-                  <a:gd name="connsiteX4" fmla="*/ 612742 w 707010"/>
-                  <a:gd name="connsiteY4" fmla="*/ 296021 h 456318"/>
-                  <a:gd name="connsiteX5" fmla="*/ 707010 w 707010"/>
-                  <a:gd name="connsiteY5" fmla="*/ 314875 h 456318"/>
-                </a:gdLst>
-                <a:ahLst/>
-                <a:cxnLst>
-                  <a:cxn ang="0">
-                    <a:pos x="connsiteX0" y="connsiteY0"/>
-                  </a:cxn>
-                  <a:cxn ang="0">
-                    <a:pos x="connsiteX1" y="connsiteY1"/>
-                  </a:cxn>
-                  <a:cxn ang="0">
-                    <a:pos x="connsiteX2" y="connsiteY2"/>
-                  </a:cxn>
-                  <a:cxn ang="0">
-                    <a:pos x="connsiteX3" y="connsiteY3"/>
-                  </a:cxn>
-                  <a:cxn ang="0">
-                    <a:pos x="connsiteX4" y="connsiteY4"/>
-                  </a:cxn>
-                  <a:cxn ang="0">
-                    <a:pos x="connsiteX5" y="connsiteY5"/>
-                  </a:cxn>
-                </a:cxnLst>
-                <a:rect l="l" t="t" r="r" b="b"/>
-                <a:pathLst>
-                  <a:path w="707010" h="456318">
-                    <a:moveTo>
-                      <a:pt x="0" y="277168"/>
-                    </a:moveTo>
-                    <a:cubicBezTo>
-                      <a:pt x="63631" y="125553"/>
-                      <a:pt x="127262" y="-26061"/>
-                      <a:pt x="179109" y="3790"/>
-                    </a:cubicBezTo>
-                    <a:cubicBezTo>
-                      <a:pt x="230956" y="33641"/>
-                      <a:pt x="262379" y="451564"/>
-                      <a:pt x="311084" y="456277"/>
-                    </a:cubicBezTo>
-                    <a:cubicBezTo>
-                      <a:pt x="359789" y="460991"/>
-                      <a:pt x="421064" y="58780"/>
-                      <a:pt x="471340" y="32071"/>
-                    </a:cubicBezTo>
-                    <a:cubicBezTo>
-                      <a:pt x="521616" y="5362"/>
-                      <a:pt x="573464" y="248887"/>
-                      <a:pt x="612742" y="296021"/>
-                    </a:cubicBezTo>
-                    <a:cubicBezTo>
-                      <a:pt x="652020" y="343155"/>
-                      <a:pt x="642594" y="311733"/>
-                      <a:pt x="707010" y="314875"/>
-                    </a:cubicBezTo>
-                  </a:path>
-                </a:pathLst>
-              </a:custGeom>
-              <a:noFill/>
-              <a:ln w="19050">
-                <a:solidFill>
-                  <a:srgbClr val="FF0000"/>
-                </a:solidFill>
-                <a:headEnd type="none" w="med" len="med"/>
-                <a:tailEnd type="arrow" w="med" len="med"/>
-              </a:ln>
-            </p:spPr>
-            <p:style>
-              <a:lnRef idx="2">
-                <a:schemeClr val="accent1">
-                  <a:shade val="50000"/>
-                </a:schemeClr>
-              </a:lnRef>
-              <a:fillRef idx="1">
-                <a:schemeClr val="accent1"/>
-              </a:fillRef>
-              <a:effectRef idx="0">
-                <a:schemeClr val="accent1"/>
-              </a:effectRef>
-              <a:fontRef idx="minor">
-                <a:schemeClr val="lt1"/>
-              </a:fontRef>
-            </p:style>
-            <p:txBody>
-              <a:bodyPr rtlCol="0" anchor="ctr"/>
-              <a:lstStyle/>
-              <a:p>
-                <a:pPr algn="ctr"/>
-                <a:endParaRPr lang="en-US"/>
-              </a:p>
-            </p:txBody>
-          </p:sp>
-          <p:sp>
-            <p:nvSpPr>
-              <p:cNvPr id="60" name="Freeform: Shape 59">
-                <a:extLst>
-                  <a:ext uri="{FF2B5EF4-FFF2-40B4-BE49-F238E27FC236}">
-                    <a16:creationId xmlns:a16="http://schemas.microsoft.com/office/drawing/2014/main" id="{79656579-5552-4579-8C09-60301802CD0C}"/>
-                  </a:ext>
-                </a:extLst>
-              </p:cNvPr>
-              <p:cNvSpPr/>
-              <p:nvPr/>
-            </p:nvSpPr>
-            <p:spPr>
-              <a:xfrm>
-                <a:off x="2238868" y="4890701"/>
-                <a:ext cx="707010" cy="113163"/>
-              </a:xfrm>
-              <a:custGeom>
-                <a:avLst/>
-                <a:gdLst>
-                  <a:gd name="connsiteX0" fmla="*/ 0 w 707010"/>
-                  <a:gd name="connsiteY0" fmla="*/ 277168 h 456318"/>
-                  <a:gd name="connsiteX1" fmla="*/ 179109 w 707010"/>
-                  <a:gd name="connsiteY1" fmla="*/ 3790 h 456318"/>
-                  <a:gd name="connsiteX2" fmla="*/ 311084 w 707010"/>
-                  <a:gd name="connsiteY2" fmla="*/ 456277 h 456318"/>
-                  <a:gd name="connsiteX3" fmla="*/ 471340 w 707010"/>
-                  <a:gd name="connsiteY3" fmla="*/ 32071 h 456318"/>
-                  <a:gd name="connsiteX4" fmla="*/ 612742 w 707010"/>
-                  <a:gd name="connsiteY4" fmla="*/ 296021 h 456318"/>
-                  <a:gd name="connsiteX5" fmla="*/ 707010 w 707010"/>
-                  <a:gd name="connsiteY5" fmla="*/ 314875 h 456318"/>
-                </a:gdLst>
-                <a:ahLst/>
-                <a:cxnLst>
-                  <a:cxn ang="0">
-                    <a:pos x="connsiteX0" y="connsiteY0"/>
-                  </a:cxn>
-                  <a:cxn ang="0">
-                    <a:pos x="connsiteX1" y="connsiteY1"/>
-                  </a:cxn>
-                  <a:cxn ang="0">
-                    <a:pos x="connsiteX2" y="connsiteY2"/>
-                  </a:cxn>
-                  <a:cxn ang="0">
-                    <a:pos x="connsiteX3" y="connsiteY3"/>
-                  </a:cxn>
-                  <a:cxn ang="0">
-                    <a:pos x="connsiteX4" y="connsiteY4"/>
-                  </a:cxn>
-                  <a:cxn ang="0">
-                    <a:pos x="connsiteX5" y="connsiteY5"/>
-                  </a:cxn>
-                </a:cxnLst>
-                <a:rect l="l" t="t" r="r" b="b"/>
-                <a:pathLst>
-                  <a:path w="707010" h="456318">
-                    <a:moveTo>
-                      <a:pt x="0" y="277168"/>
-                    </a:moveTo>
-                    <a:cubicBezTo>
-                      <a:pt x="63631" y="125553"/>
-                      <a:pt x="127262" y="-26061"/>
-                      <a:pt x="179109" y="3790"/>
-                    </a:cubicBezTo>
-                    <a:cubicBezTo>
-                      <a:pt x="230956" y="33641"/>
-                      <a:pt x="262379" y="451564"/>
-                      <a:pt x="311084" y="456277"/>
-                    </a:cubicBezTo>
-                    <a:cubicBezTo>
-                      <a:pt x="359789" y="460991"/>
-                      <a:pt x="421064" y="58780"/>
-                      <a:pt x="471340" y="32071"/>
-                    </a:cubicBezTo>
-                    <a:cubicBezTo>
-                      <a:pt x="521616" y="5362"/>
-                      <a:pt x="573464" y="248887"/>
-                      <a:pt x="612742" y="296021"/>
-                    </a:cubicBezTo>
-                    <a:cubicBezTo>
-                      <a:pt x="652020" y="343155"/>
-                      <a:pt x="642594" y="311733"/>
-                      <a:pt x="707010" y="314875"/>
-                    </a:cubicBezTo>
-                  </a:path>
-                </a:pathLst>
-              </a:custGeom>
-              <a:noFill/>
-              <a:ln w="19050">
-                <a:solidFill>
-                  <a:srgbClr val="FF0000"/>
-                </a:solidFill>
-                <a:headEnd type="none" w="med" len="med"/>
-                <a:tailEnd type="arrow" w="med" len="med"/>
-              </a:ln>
-            </p:spPr>
-            <p:style>
-              <a:lnRef idx="2">
-                <a:schemeClr val="accent1">
-                  <a:shade val="50000"/>
-                </a:schemeClr>
-              </a:lnRef>
-              <a:fillRef idx="1">
-                <a:schemeClr val="accent1"/>
-              </a:fillRef>
-              <a:effectRef idx="0">
-                <a:schemeClr val="accent1"/>
-              </a:effectRef>
-              <a:fontRef idx="minor">
-                <a:schemeClr val="lt1"/>
-              </a:fontRef>
-            </p:style>
-            <p:txBody>
-              <a:bodyPr rtlCol="0" anchor="ctr"/>
-              <a:lstStyle/>
-              <a:p>
-                <a:pPr algn="ctr"/>
-                <a:endParaRPr lang="en-US"/>
-              </a:p>
-            </p:txBody>
-          </p:sp>
-          <p:sp>
-            <p:nvSpPr>
-              <p:cNvPr id="61" name="Freeform: Shape 60">
-                <a:extLst>
-                  <a:ext uri="{FF2B5EF4-FFF2-40B4-BE49-F238E27FC236}">
-                    <a16:creationId xmlns:a16="http://schemas.microsoft.com/office/drawing/2014/main" id="{59D85B70-CD8C-4ACE-8CAE-582AFC603766}"/>
-                  </a:ext>
-                </a:extLst>
-              </p:cNvPr>
-              <p:cNvSpPr/>
-              <p:nvPr/>
-            </p:nvSpPr>
-            <p:spPr>
-              <a:xfrm>
-                <a:off x="2230881" y="4417552"/>
-                <a:ext cx="707010" cy="113163"/>
-              </a:xfrm>
-              <a:custGeom>
-                <a:avLst/>
-                <a:gdLst>
-                  <a:gd name="connsiteX0" fmla="*/ 0 w 707010"/>
-                  <a:gd name="connsiteY0" fmla="*/ 277168 h 456318"/>
-                  <a:gd name="connsiteX1" fmla="*/ 179109 w 707010"/>
-                  <a:gd name="connsiteY1" fmla="*/ 3790 h 456318"/>
-                  <a:gd name="connsiteX2" fmla="*/ 311084 w 707010"/>
-                  <a:gd name="connsiteY2" fmla="*/ 456277 h 456318"/>
-                  <a:gd name="connsiteX3" fmla="*/ 471340 w 707010"/>
-                  <a:gd name="connsiteY3" fmla="*/ 32071 h 456318"/>
-                  <a:gd name="connsiteX4" fmla="*/ 612742 w 707010"/>
-                  <a:gd name="connsiteY4" fmla="*/ 296021 h 456318"/>
-                  <a:gd name="connsiteX5" fmla="*/ 707010 w 707010"/>
-                  <a:gd name="connsiteY5" fmla="*/ 314875 h 456318"/>
-                </a:gdLst>
-                <a:ahLst/>
-                <a:cxnLst>
-                  <a:cxn ang="0">
-                    <a:pos x="connsiteX0" y="connsiteY0"/>
-                  </a:cxn>
-                  <a:cxn ang="0">
-                    <a:pos x="connsiteX1" y="connsiteY1"/>
-                  </a:cxn>
-                  <a:cxn ang="0">
-                    <a:pos x="connsiteX2" y="connsiteY2"/>
-                  </a:cxn>
-                  <a:cxn ang="0">
-                    <a:pos x="connsiteX3" y="connsiteY3"/>
-                  </a:cxn>
-                  <a:cxn ang="0">
-                    <a:pos x="connsiteX4" y="connsiteY4"/>
-                  </a:cxn>
-                  <a:cxn ang="0">
-                    <a:pos x="connsiteX5" y="connsiteY5"/>
-                  </a:cxn>
-                </a:cxnLst>
-                <a:rect l="l" t="t" r="r" b="b"/>
-                <a:pathLst>
-                  <a:path w="707010" h="456318">
-                    <a:moveTo>
-                      <a:pt x="0" y="277168"/>
-                    </a:moveTo>
-                    <a:cubicBezTo>
-                      <a:pt x="63631" y="125553"/>
-                      <a:pt x="127262" y="-26061"/>
-                      <a:pt x="179109" y="3790"/>
-                    </a:cubicBezTo>
-                    <a:cubicBezTo>
-                      <a:pt x="230956" y="33641"/>
-                      <a:pt x="262379" y="451564"/>
-                      <a:pt x="311084" y="456277"/>
-                    </a:cubicBezTo>
-                    <a:cubicBezTo>
-                      <a:pt x="359789" y="460991"/>
-                      <a:pt x="421064" y="58780"/>
-                      <a:pt x="471340" y="32071"/>
-                    </a:cubicBezTo>
-                    <a:cubicBezTo>
-                      <a:pt x="521616" y="5362"/>
-                      <a:pt x="573464" y="248887"/>
-                      <a:pt x="612742" y="296021"/>
-                    </a:cubicBezTo>
-                    <a:cubicBezTo>
-                      <a:pt x="652020" y="343155"/>
-                      <a:pt x="642594" y="311733"/>
-                      <a:pt x="707010" y="314875"/>
-                    </a:cubicBezTo>
-                  </a:path>
-                </a:pathLst>
-              </a:custGeom>
-              <a:noFill/>
-              <a:ln w="19050">
-                <a:solidFill>
-                  <a:srgbClr val="FF0000"/>
-                </a:solidFill>
-                <a:headEnd type="none" w="med" len="med"/>
-                <a:tailEnd type="arrow" w="med" len="med"/>
-              </a:ln>
-            </p:spPr>
-            <p:style>
-              <a:lnRef idx="2">
-                <a:schemeClr val="accent1">
-                  <a:shade val="50000"/>
-                </a:schemeClr>
-              </a:lnRef>
-              <a:fillRef idx="1">
-                <a:schemeClr val="accent1"/>
-              </a:fillRef>
-              <a:effectRef idx="0">
-                <a:schemeClr val="accent1"/>
-              </a:effectRef>
-              <a:fontRef idx="minor">
-                <a:schemeClr val="lt1"/>
-              </a:fontRef>
-            </p:style>
-            <p:txBody>
-              <a:bodyPr rtlCol="0" anchor="ctr"/>
-              <a:lstStyle/>
-              <a:p>
-                <a:pPr algn="ctr"/>
-                <a:endParaRPr lang="en-US"/>
-              </a:p>
-            </p:txBody>
-          </p:sp>
-          <p:sp>
-            <p:nvSpPr>
-              <p:cNvPr id="62" name="Freeform: Shape 61">
-                <a:extLst>
-                  <a:ext uri="{FF2B5EF4-FFF2-40B4-BE49-F238E27FC236}">
-                    <a16:creationId xmlns:a16="http://schemas.microsoft.com/office/drawing/2014/main" id="{D39B3354-61F5-40FA-AE13-DFB8EEAE4C7E}"/>
-                  </a:ext>
-                </a:extLst>
-              </p:cNvPr>
-              <p:cNvSpPr/>
-              <p:nvPr/>
-            </p:nvSpPr>
-            <p:spPr>
-              <a:xfrm>
-                <a:off x="2233496" y="3971120"/>
-                <a:ext cx="707010" cy="113163"/>
-              </a:xfrm>
-              <a:custGeom>
-                <a:avLst/>
-                <a:gdLst>
-                  <a:gd name="connsiteX0" fmla="*/ 0 w 707010"/>
-                  <a:gd name="connsiteY0" fmla="*/ 277168 h 456318"/>
-                  <a:gd name="connsiteX1" fmla="*/ 179109 w 707010"/>
-                  <a:gd name="connsiteY1" fmla="*/ 3790 h 456318"/>
-                  <a:gd name="connsiteX2" fmla="*/ 311084 w 707010"/>
-                  <a:gd name="connsiteY2" fmla="*/ 456277 h 456318"/>
-                  <a:gd name="connsiteX3" fmla="*/ 471340 w 707010"/>
-                  <a:gd name="connsiteY3" fmla="*/ 32071 h 456318"/>
-                  <a:gd name="connsiteX4" fmla="*/ 612742 w 707010"/>
-                  <a:gd name="connsiteY4" fmla="*/ 296021 h 456318"/>
-                  <a:gd name="connsiteX5" fmla="*/ 707010 w 707010"/>
-                  <a:gd name="connsiteY5" fmla="*/ 314875 h 456318"/>
-                </a:gdLst>
-                <a:ahLst/>
-                <a:cxnLst>
-                  <a:cxn ang="0">
-                    <a:pos x="connsiteX0" y="connsiteY0"/>
-                  </a:cxn>
-                  <a:cxn ang="0">
-                    <a:pos x="connsiteX1" y="connsiteY1"/>
-                  </a:cxn>
-                  <a:cxn ang="0">
-                    <a:pos x="connsiteX2" y="connsiteY2"/>
-                  </a:cxn>
-                  <a:cxn ang="0">
-                    <a:pos x="connsiteX3" y="connsiteY3"/>
-                  </a:cxn>
-                  <a:cxn ang="0">
-                    <a:pos x="connsiteX4" y="connsiteY4"/>
-                  </a:cxn>
-                  <a:cxn ang="0">
-                    <a:pos x="connsiteX5" y="connsiteY5"/>
-                  </a:cxn>
-                </a:cxnLst>
-                <a:rect l="l" t="t" r="r" b="b"/>
-                <a:pathLst>
-                  <a:path w="707010" h="456318">
-                    <a:moveTo>
-                      <a:pt x="0" y="277168"/>
-                    </a:moveTo>
-                    <a:cubicBezTo>
-                      <a:pt x="63631" y="125553"/>
-                      <a:pt x="127262" y="-26061"/>
-                      <a:pt x="179109" y="3790"/>
-                    </a:cubicBezTo>
-                    <a:cubicBezTo>
-                      <a:pt x="230956" y="33641"/>
-                      <a:pt x="262379" y="451564"/>
-                      <a:pt x="311084" y="456277"/>
-                    </a:cubicBezTo>
-                    <a:cubicBezTo>
-                      <a:pt x="359789" y="460991"/>
-                      <a:pt x="421064" y="58780"/>
-                      <a:pt x="471340" y="32071"/>
-                    </a:cubicBezTo>
-                    <a:cubicBezTo>
-                      <a:pt x="521616" y="5362"/>
-                      <a:pt x="573464" y="248887"/>
-                      <a:pt x="612742" y="296021"/>
-                    </a:cubicBezTo>
-                    <a:cubicBezTo>
-                      <a:pt x="652020" y="343155"/>
-                      <a:pt x="642594" y="311733"/>
-                      <a:pt x="707010" y="314875"/>
-                    </a:cubicBezTo>
-                  </a:path>
-                </a:pathLst>
-              </a:custGeom>
-              <a:noFill/>
-              <a:ln w="19050">
-                <a:solidFill>
-                  <a:srgbClr val="FF0000"/>
-                </a:solidFill>
-                <a:headEnd type="none" w="med" len="med"/>
-                <a:tailEnd type="arrow" w="med" len="med"/>
-              </a:ln>
-            </p:spPr>
-            <p:style>
-              <a:lnRef idx="2">
-                <a:schemeClr val="accent1">
-                  <a:shade val="50000"/>
-                </a:schemeClr>
-              </a:lnRef>
-              <a:fillRef idx="1">
-                <a:schemeClr val="accent1"/>
-              </a:fillRef>
-              <a:effectRef idx="0">
-                <a:schemeClr val="accent1"/>
-              </a:effectRef>
-              <a:fontRef idx="minor">
-                <a:schemeClr val="lt1"/>
-              </a:fontRef>
-            </p:style>
-            <p:txBody>
-              <a:bodyPr rtlCol="0" anchor="ctr"/>
-              <a:lstStyle/>
-              <a:p>
-                <a:pPr algn="ctr"/>
-                <a:endParaRPr lang="en-US"/>
-              </a:p>
-            </p:txBody>
-          </p:sp>
-          <p:sp>
-            <p:nvSpPr>
-              <p:cNvPr id="63" name="Freeform: Shape 62">
-                <a:extLst>
-                  <a:ext uri="{FF2B5EF4-FFF2-40B4-BE49-F238E27FC236}">
-                    <a16:creationId xmlns:a16="http://schemas.microsoft.com/office/drawing/2014/main" id="{5E87AC11-C4EE-438A-A8EC-475AE9A19606}"/>
-                  </a:ext>
-                </a:extLst>
-              </p:cNvPr>
-              <p:cNvSpPr/>
-              <p:nvPr/>
-            </p:nvSpPr>
-            <p:spPr>
-              <a:xfrm>
-                <a:off x="2234155" y="3471254"/>
-                <a:ext cx="707010" cy="113163"/>
-              </a:xfrm>
-              <a:custGeom>
-                <a:avLst/>
-                <a:gdLst>
-                  <a:gd name="connsiteX0" fmla="*/ 0 w 707010"/>
-                  <a:gd name="connsiteY0" fmla="*/ 277168 h 456318"/>
-                  <a:gd name="connsiteX1" fmla="*/ 179109 w 707010"/>
-                  <a:gd name="connsiteY1" fmla="*/ 3790 h 456318"/>
-                  <a:gd name="connsiteX2" fmla="*/ 311084 w 707010"/>
-                  <a:gd name="connsiteY2" fmla="*/ 456277 h 456318"/>
-                  <a:gd name="connsiteX3" fmla="*/ 471340 w 707010"/>
-                  <a:gd name="connsiteY3" fmla="*/ 32071 h 456318"/>
-                  <a:gd name="connsiteX4" fmla="*/ 612742 w 707010"/>
-                  <a:gd name="connsiteY4" fmla="*/ 296021 h 456318"/>
-                  <a:gd name="connsiteX5" fmla="*/ 707010 w 707010"/>
-                  <a:gd name="connsiteY5" fmla="*/ 314875 h 456318"/>
-                </a:gdLst>
-                <a:ahLst/>
-                <a:cxnLst>
-                  <a:cxn ang="0">
-                    <a:pos x="connsiteX0" y="connsiteY0"/>
-                  </a:cxn>
-                  <a:cxn ang="0">
-                    <a:pos x="connsiteX1" y="connsiteY1"/>
-                  </a:cxn>
-                  <a:cxn ang="0">
-                    <a:pos x="connsiteX2" y="connsiteY2"/>
-                  </a:cxn>
-                  <a:cxn ang="0">
-                    <a:pos x="connsiteX3" y="connsiteY3"/>
-                  </a:cxn>
-                  <a:cxn ang="0">
-                    <a:pos x="connsiteX4" y="connsiteY4"/>
-                  </a:cxn>
-                  <a:cxn ang="0">
-                    <a:pos x="connsiteX5" y="connsiteY5"/>
-                  </a:cxn>
-                </a:cxnLst>
-                <a:rect l="l" t="t" r="r" b="b"/>
-                <a:pathLst>
-                  <a:path w="707010" h="456318">
-                    <a:moveTo>
-                      <a:pt x="0" y="277168"/>
-                    </a:moveTo>
-                    <a:cubicBezTo>
-                      <a:pt x="63631" y="125553"/>
-                      <a:pt x="127262" y="-26061"/>
-                      <a:pt x="179109" y="3790"/>
-                    </a:cubicBezTo>
-                    <a:cubicBezTo>
-                      <a:pt x="230956" y="33641"/>
-                      <a:pt x="262379" y="451564"/>
-                      <a:pt x="311084" y="456277"/>
-                    </a:cubicBezTo>
-                    <a:cubicBezTo>
-                      <a:pt x="359789" y="460991"/>
-                      <a:pt x="421064" y="58780"/>
-                      <a:pt x="471340" y="32071"/>
-                    </a:cubicBezTo>
-                    <a:cubicBezTo>
-                      <a:pt x="521616" y="5362"/>
-                      <a:pt x="573464" y="248887"/>
-                      <a:pt x="612742" y="296021"/>
-                    </a:cubicBezTo>
-                    <a:cubicBezTo>
-                      <a:pt x="652020" y="343155"/>
-                      <a:pt x="642594" y="311733"/>
-                      <a:pt x="707010" y="314875"/>
-                    </a:cubicBezTo>
-                  </a:path>
-                </a:pathLst>
-              </a:custGeom>
-              <a:noFill/>
-              <a:ln w="19050">
-                <a:solidFill>
-                  <a:srgbClr val="FF0000"/>
-                </a:solidFill>
-                <a:headEnd type="none" w="med" len="med"/>
-                <a:tailEnd type="arrow" w="med" len="med"/>
-              </a:ln>
-            </p:spPr>
-            <p:style>
-              <a:lnRef idx="2">
-                <a:schemeClr val="accent1">
-                  <a:shade val="50000"/>
-                </a:schemeClr>
-              </a:lnRef>
-              <a:fillRef idx="1">
-                <a:schemeClr val="accent1"/>
-              </a:fillRef>
-              <a:effectRef idx="0">
-                <a:schemeClr val="accent1"/>
-              </a:effectRef>
-              <a:fontRef idx="minor">
-                <a:schemeClr val="lt1"/>
-              </a:fontRef>
-            </p:style>
-            <p:txBody>
-              <a:bodyPr rtlCol="0" anchor="ctr"/>
-              <a:lstStyle/>
-              <a:p>
-                <a:pPr algn="ctr"/>
-                <a:endParaRPr lang="en-US"/>
-              </a:p>
-            </p:txBody>
-          </p:sp>
-        </p:grpSp>
-        <p:grpSp>
-          <p:nvGrpSpPr>
-            <p:cNvPr id="72" name="Group 71">
-              <a:extLst>
-                <a:ext uri="{FF2B5EF4-FFF2-40B4-BE49-F238E27FC236}">
-                  <a16:creationId xmlns:a16="http://schemas.microsoft.com/office/drawing/2014/main" id="{FEE009C3-680B-46E2-82F0-4FFAF0E288E9}"/>
-                </a:ext>
-              </a:extLst>
-            </p:cNvPr>
-            <p:cNvGrpSpPr/>
-            <p:nvPr/>
-          </p:nvGrpSpPr>
-          <p:grpSpPr>
-            <a:xfrm>
-              <a:off x="3784600" y="1013460"/>
-              <a:ext cx="82295" cy="2739968"/>
-              <a:chOff x="4028440" y="1033780"/>
-              <a:chExt cx="82295" cy="1556506"/>
-            </a:xfrm>
-          </p:grpSpPr>
-          <p:sp>
-            <p:nvSpPr>
-              <p:cNvPr id="65" name="Rectangle 64">
-                <a:extLst>
-                  <a:ext uri="{FF2B5EF4-FFF2-40B4-BE49-F238E27FC236}">
-                    <a16:creationId xmlns:a16="http://schemas.microsoft.com/office/drawing/2014/main" id="{868217F6-9EC6-4E35-9150-7120A688D524}"/>
-                  </a:ext>
-                </a:extLst>
-              </p:cNvPr>
-              <p:cNvSpPr/>
-              <p:nvPr/>
-            </p:nvSpPr>
-            <p:spPr>
-              <a:xfrm>
-                <a:off x="4028440" y="1033780"/>
-                <a:ext cx="82295" cy="1556506"/>
-              </a:xfrm>
-              <a:prstGeom prst="rect">
-                <a:avLst/>
-              </a:prstGeom>
-              <a:solidFill>
-                <a:schemeClr val="bg2">
-                  <a:lumMod val="75000"/>
-                </a:schemeClr>
-              </a:solidFill>
-              <a:ln>
-                <a:noFill/>
-              </a:ln>
-            </p:spPr>
-            <p:style>
-              <a:lnRef idx="2">
-                <a:schemeClr val="accent1">
-                  <a:shade val="50000"/>
-                </a:schemeClr>
-              </a:lnRef>
-              <a:fillRef idx="1">
-                <a:schemeClr val="accent1"/>
-              </a:fillRef>
-              <a:effectRef idx="0">
-                <a:schemeClr val="accent1"/>
-              </a:effectRef>
-              <a:fontRef idx="minor">
-                <a:schemeClr val="lt1"/>
-              </a:fontRef>
-            </p:style>
-            <p:txBody>
-              <a:bodyPr rtlCol="0" anchor="ctr"/>
-              <a:lstStyle/>
-              <a:p>
-                <a:pPr algn="ctr"/>
-                <a:endParaRPr lang="en-US"/>
-              </a:p>
-            </p:txBody>
-          </p:sp>
-          <p:cxnSp>
-            <p:nvCxnSpPr>
-              <p:cNvPr id="67" name="Straight Connector 66">
-                <a:extLst>
-                  <a:ext uri="{FF2B5EF4-FFF2-40B4-BE49-F238E27FC236}">
-                    <a16:creationId xmlns:a16="http://schemas.microsoft.com/office/drawing/2014/main" id="{0F61186D-03F0-48DF-A093-15EB856E9D57}"/>
-                  </a:ext>
-                </a:extLst>
-              </p:cNvPr>
-              <p:cNvCxnSpPr/>
-              <p:nvPr/>
-            </p:nvCxnSpPr>
-            <p:spPr>
-              <a:xfrm>
-                <a:off x="4110735" y="1033780"/>
-                <a:ext cx="0" cy="1556506"/>
-              </a:xfrm>
-              <a:prstGeom prst="line">
-                <a:avLst/>
-              </a:prstGeom>
-              <a:ln w="19050">
-                <a:solidFill>
-                  <a:schemeClr val="tx1"/>
-                </a:solidFill>
-              </a:ln>
-            </p:spPr>
-            <p:style>
-              <a:lnRef idx="1">
-                <a:schemeClr val="accent1"/>
-              </a:lnRef>
-              <a:fillRef idx="0">
-                <a:schemeClr val="accent1"/>
-              </a:fillRef>
-              <a:effectRef idx="0">
-                <a:schemeClr val="accent1"/>
-              </a:effectRef>
-              <a:fontRef idx="minor">
-                <a:schemeClr val="tx1"/>
-              </a:fontRef>
-            </p:style>
-          </p:cxnSp>
-          <p:cxnSp>
-            <p:nvCxnSpPr>
-              <p:cNvPr id="68" name="Straight Connector 67">
-                <a:extLst>
-                  <a:ext uri="{FF2B5EF4-FFF2-40B4-BE49-F238E27FC236}">
-                    <a16:creationId xmlns:a16="http://schemas.microsoft.com/office/drawing/2014/main" id="{DA2EA3BA-DE5C-4906-AE4E-E67EFB3F6F9D}"/>
-                  </a:ext>
-                </a:extLst>
-              </p:cNvPr>
-              <p:cNvCxnSpPr/>
-              <p:nvPr/>
-            </p:nvCxnSpPr>
-            <p:spPr>
-              <a:xfrm>
-                <a:off x="4028440" y="1033780"/>
-                <a:ext cx="0" cy="1556506"/>
-              </a:xfrm>
-              <a:prstGeom prst="line">
-                <a:avLst/>
-              </a:prstGeom>
-              <a:ln w="19050">
-                <a:solidFill>
-                  <a:schemeClr val="tx1"/>
-                </a:solidFill>
-              </a:ln>
-            </p:spPr>
-            <p:style>
-              <a:lnRef idx="1">
-                <a:schemeClr val="accent1"/>
-              </a:lnRef>
-              <a:fillRef idx="0">
-                <a:schemeClr val="accent1"/>
-              </a:fillRef>
-              <a:effectRef idx="0">
-                <a:schemeClr val="accent1"/>
-              </a:effectRef>
-              <a:fontRef idx="minor">
-                <a:schemeClr val="tx1"/>
-              </a:fontRef>
-            </p:style>
-          </p:cxnSp>
-        </p:grpSp>
-        <p:sp>
-          <p:nvSpPr>
-            <p:cNvPr id="70" name="Freeform: Shape 69">
-              <a:extLst>
-                <a:ext uri="{FF2B5EF4-FFF2-40B4-BE49-F238E27FC236}">
-                  <a16:creationId xmlns:a16="http://schemas.microsoft.com/office/drawing/2014/main" id="{FE9F76F0-1E28-49B4-87EB-9F1EDF1EE002}"/>
-                </a:ext>
-              </a:extLst>
-            </p:cNvPr>
-            <p:cNvSpPr/>
-            <p:nvPr/>
-          </p:nvSpPr>
-          <p:spPr>
-            <a:xfrm rot="10486998" flipH="1" flipV="1">
-              <a:off x="3862833" y="3302145"/>
-              <a:ext cx="342657" cy="45719"/>
-            </a:xfrm>
-            <a:custGeom>
-              <a:avLst/>
-              <a:gdLst>
-                <a:gd name="connsiteX0" fmla="*/ 0 w 707010"/>
-                <a:gd name="connsiteY0" fmla="*/ 277168 h 456318"/>
-                <a:gd name="connsiteX1" fmla="*/ 179109 w 707010"/>
-                <a:gd name="connsiteY1" fmla="*/ 3790 h 456318"/>
-                <a:gd name="connsiteX2" fmla="*/ 311084 w 707010"/>
-                <a:gd name="connsiteY2" fmla="*/ 456277 h 456318"/>
-                <a:gd name="connsiteX3" fmla="*/ 471340 w 707010"/>
-                <a:gd name="connsiteY3" fmla="*/ 32071 h 456318"/>
-                <a:gd name="connsiteX4" fmla="*/ 612742 w 707010"/>
-                <a:gd name="connsiteY4" fmla="*/ 296021 h 456318"/>
-                <a:gd name="connsiteX5" fmla="*/ 707010 w 707010"/>
-                <a:gd name="connsiteY5" fmla="*/ 314875 h 456318"/>
-              </a:gdLst>
-              <a:ahLst/>
-              <a:cxnLst>
-                <a:cxn ang="0">
-                  <a:pos x="connsiteX0" y="connsiteY0"/>
-                </a:cxn>
-                <a:cxn ang="0">
-                  <a:pos x="connsiteX1" y="connsiteY1"/>
-                </a:cxn>
-                <a:cxn ang="0">
-                  <a:pos x="connsiteX2" y="connsiteY2"/>
-                </a:cxn>
-                <a:cxn ang="0">
-                  <a:pos x="connsiteX3" y="connsiteY3"/>
-                </a:cxn>
-                <a:cxn ang="0">
-                  <a:pos x="connsiteX4" y="connsiteY4"/>
-                </a:cxn>
-                <a:cxn ang="0">
-                  <a:pos x="connsiteX5" y="connsiteY5"/>
-                </a:cxn>
-              </a:cxnLst>
-              <a:rect l="l" t="t" r="r" b="b"/>
-              <a:pathLst>
-                <a:path w="707010" h="456318">
-                  <a:moveTo>
-                    <a:pt x="0" y="277168"/>
-                  </a:moveTo>
-                  <a:cubicBezTo>
-                    <a:pt x="63631" y="125553"/>
-                    <a:pt x="127262" y="-26061"/>
-                    <a:pt x="179109" y="3790"/>
-                  </a:cubicBezTo>
-                  <a:cubicBezTo>
-                    <a:pt x="230956" y="33641"/>
-                    <a:pt x="262379" y="451564"/>
-                    <a:pt x="311084" y="456277"/>
-                  </a:cubicBezTo>
-                  <a:cubicBezTo>
-                    <a:pt x="359789" y="460991"/>
-                    <a:pt x="421064" y="58780"/>
-                    <a:pt x="471340" y="32071"/>
-                  </a:cubicBezTo>
-                  <a:cubicBezTo>
-                    <a:pt x="521616" y="5362"/>
-                    <a:pt x="573464" y="248887"/>
-                    <a:pt x="612742" y="296021"/>
-                  </a:cubicBezTo>
-                  <a:cubicBezTo>
-                    <a:pt x="652020" y="343155"/>
-                    <a:pt x="642594" y="311733"/>
-                    <a:pt x="707010" y="314875"/>
-                  </a:cubicBezTo>
-                </a:path>
-              </a:pathLst>
-            </a:custGeom>
-            <a:noFill/>
-            <a:ln w="6350">
-              <a:solidFill>
-                <a:srgbClr val="00B0F0"/>
-              </a:solidFill>
-              <a:headEnd type="none" w="med" len="med"/>
-              <a:tailEnd type="arrow" w="med" len="med"/>
-            </a:ln>
-          </p:spPr>
-          <p:style>
-            <a:lnRef idx="2">
-              <a:schemeClr val="accent1">
-                <a:shade val="50000"/>
-              </a:schemeClr>
-            </a:lnRef>
-            <a:fillRef idx="1">
-              <a:schemeClr val="accent1"/>
-            </a:fillRef>
-            <a:effectRef idx="0">
-              <a:schemeClr val="accent1"/>
-            </a:effectRef>
-            <a:fontRef idx="minor">
-              <a:schemeClr val="lt1"/>
-            </a:fontRef>
-          </p:style>
-          <p:txBody>
-            <a:bodyPr rtlCol="0" anchor="ctr"/>
-            <a:lstStyle/>
-            <a:p>
-              <a:pPr algn="ctr"/>
-              <a:endParaRPr lang="en-US"/>
-            </a:p>
-          </p:txBody>
-        </p:sp>
-        <p:grpSp>
-          <p:nvGrpSpPr>
-            <p:cNvPr id="73" name="Group 72">
-              <a:extLst>
-                <a:ext uri="{FF2B5EF4-FFF2-40B4-BE49-F238E27FC236}">
-                  <a16:creationId xmlns:a16="http://schemas.microsoft.com/office/drawing/2014/main" id="{D71E8256-CA90-4021-94A6-17CC6C76B56B}"/>
-                </a:ext>
-              </a:extLst>
-            </p:cNvPr>
-            <p:cNvGrpSpPr/>
-            <p:nvPr/>
-          </p:nvGrpSpPr>
-          <p:grpSpPr>
-            <a:xfrm>
-              <a:off x="7360129" y="1010107"/>
-              <a:ext cx="82294" cy="3147563"/>
-              <a:chOff x="4028440" y="1033780"/>
-              <a:chExt cx="82295" cy="1556506"/>
-            </a:xfrm>
-          </p:grpSpPr>
-          <p:sp>
-            <p:nvSpPr>
-              <p:cNvPr id="74" name="Rectangle 73">
-                <a:extLst>
-                  <a:ext uri="{FF2B5EF4-FFF2-40B4-BE49-F238E27FC236}">
-                    <a16:creationId xmlns:a16="http://schemas.microsoft.com/office/drawing/2014/main" id="{025086E7-EFDF-4ADE-B8E2-E9434692F08E}"/>
-                  </a:ext>
-                </a:extLst>
-              </p:cNvPr>
-              <p:cNvSpPr/>
-              <p:nvPr/>
-            </p:nvSpPr>
-            <p:spPr>
-              <a:xfrm>
-                <a:off x="4028440" y="1033780"/>
-                <a:ext cx="82295" cy="1556506"/>
-              </a:xfrm>
-              <a:prstGeom prst="rect">
-                <a:avLst/>
-              </a:prstGeom>
-              <a:solidFill>
-                <a:schemeClr val="bg2">
-                  <a:lumMod val="75000"/>
-                </a:schemeClr>
-              </a:solidFill>
-              <a:ln>
-                <a:noFill/>
-              </a:ln>
-            </p:spPr>
-            <p:style>
-              <a:lnRef idx="2">
-                <a:schemeClr val="accent1">
-                  <a:shade val="50000"/>
-                </a:schemeClr>
-              </a:lnRef>
-              <a:fillRef idx="1">
-                <a:schemeClr val="accent1"/>
-              </a:fillRef>
-              <a:effectRef idx="0">
-                <a:schemeClr val="accent1"/>
-              </a:effectRef>
-              <a:fontRef idx="minor">
-                <a:schemeClr val="lt1"/>
-              </a:fontRef>
-            </p:style>
-            <p:txBody>
-              <a:bodyPr rtlCol="0" anchor="ctr"/>
-              <a:lstStyle/>
-              <a:p>
-                <a:pPr algn="ctr"/>
-                <a:endParaRPr lang="en-US"/>
-              </a:p>
-            </p:txBody>
-          </p:sp>
-          <p:cxnSp>
-            <p:nvCxnSpPr>
-              <p:cNvPr id="75" name="Straight Connector 74">
-                <a:extLst>
-                  <a:ext uri="{FF2B5EF4-FFF2-40B4-BE49-F238E27FC236}">
-                    <a16:creationId xmlns:a16="http://schemas.microsoft.com/office/drawing/2014/main" id="{AE8C4D3D-957A-400B-A4F9-95ABD8292955}"/>
-                  </a:ext>
-                </a:extLst>
-              </p:cNvPr>
-              <p:cNvCxnSpPr/>
-              <p:nvPr/>
-            </p:nvCxnSpPr>
-            <p:spPr>
-              <a:xfrm>
-                <a:off x="4110735" y="1033780"/>
-                <a:ext cx="0" cy="1556506"/>
-              </a:xfrm>
-              <a:prstGeom prst="line">
-                <a:avLst/>
-              </a:prstGeom>
-              <a:ln w="19050">
-                <a:solidFill>
-                  <a:schemeClr val="tx1"/>
-                </a:solidFill>
-              </a:ln>
-            </p:spPr>
-            <p:style>
-              <a:lnRef idx="1">
-                <a:schemeClr val="accent1"/>
-              </a:lnRef>
-              <a:fillRef idx="0">
-                <a:schemeClr val="accent1"/>
-              </a:fillRef>
-              <a:effectRef idx="0">
-                <a:schemeClr val="accent1"/>
-              </a:effectRef>
-              <a:fontRef idx="minor">
-                <a:schemeClr val="tx1"/>
-              </a:fontRef>
-            </p:style>
-          </p:cxnSp>
-          <p:cxnSp>
-            <p:nvCxnSpPr>
-              <p:cNvPr id="76" name="Straight Connector 75">
-                <a:extLst>
-                  <a:ext uri="{FF2B5EF4-FFF2-40B4-BE49-F238E27FC236}">
-                    <a16:creationId xmlns:a16="http://schemas.microsoft.com/office/drawing/2014/main" id="{EE56F7EE-C322-47F0-A9C5-1B1E79D19A00}"/>
-                  </a:ext>
-                </a:extLst>
-              </p:cNvPr>
-              <p:cNvCxnSpPr/>
-              <p:nvPr/>
-            </p:nvCxnSpPr>
-            <p:spPr>
-              <a:xfrm>
-                <a:off x="4028440" y="1033780"/>
-                <a:ext cx="0" cy="1556506"/>
-              </a:xfrm>
-              <a:prstGeom prst="line">
-                <a:avLst/>
-              </a:prstGeom>
-              <a:ln w="19050">
-                <a:solidFill>
-                  <a:schemeClr val="tx1"/>
-                </a:solidFill>
-              </a:ln>
-            </p:spPr>
-            <p:style>
-              <a:lnRef idx="1">
-                <a:schemeClr val="accent1"/>
-              </a:lnRef>
-              <a:fillRef idx="0">
-                <a:schemeClr val="accent1"/>
-              </a:fillRef>
-              <a:effectRef idx="0">
-                <a:schemeClr val="accent1"/>
-              </a:effectRef>
-              <a:fontRef idx="minor">
-                <a:schemeClr val="tx1"/>
-              </a:fontRef>
-            </p:style>
-          </p:cxnSp>
-        </p:grpSp>
-        <p:cxnSp>
-          <p:nvCxnSpPr>
-            <p:cNvPr id="78" name="Connector: Curved 77">
-              <a:extLst>
-                <a:ext uri="{FF2B5EF4-FFF2-40B4-BE49-F238E27FC236}">
-                  <a16:creationId xmlns:a16="http://schemas.microsoft.com/office/drawing/2014/main" id="{A4AEBA4F-B7E2-4D60-9332-45A3604E4246}"/>
-                </a:ext>
-              </a:extLst>
-            </p:cNvPr>
-            <p:cNvCxnSpPr>
-              <a:cxnSpLocks/>
-            </p:cNvCxnSpPr>
-            <p:nvPr/>
-          </p:nvCxnSpPr>
-          <p:spPr>
-            <a:xfrm>
-              <a:off x="7401276" y="4156790"/>
-              <a:ext cx="411761" cy="395659"/>
-            </a:xfrm>
-            <a:prstGeom prst="curvedConnector3">
-              <a:avLst>
-                <a:gd name="adj1" fmla="val 20391"/>
-              </a:avLst>
-            </a:prstGeom>
-            <a:ln>
-              <a:solidFill>
-                <a:srgbClr val="00B050"/>
-              </a:solidFill>
-              <a:tailEnd type="triangle"/>
-            </a:ln>
-          </p:spPr>
-          <p:style>
-            <a:lnRef idx="1">
-              <a:schemeClr val="accent1"/>
-            </a:lnRef>
-            <a:fillRef idx="0">
-              <a:schemeClr val="accent1"/>
-            </a:fillRef>
-            <a:effectRef idx="0">
-              <a:schemeClr val="accent1"/>
-            </a:effectRef>
-            <a:fontRef idx="minor">
-              <a:schemeClr val="tx1"/>
-            </a:fontRef>
-          </p:style>
-        </p:cxnSp>
-        <p:cxnSp>
-          <p:nvCxnSpPr>
-            <p:cNvPr id="86" name="Connector: Curved 85">
-              <a:extLst>
-                <a:ext uri="{FF2B5EF4-FFF2-40B4-BE49-F238E27FC236}">
-                  <a16:creationId xmlns:a16="http://schemas.microsoft.com/office/drawing/2014/main" id="{503C4EFC-A307-4D53-A67D-E16BCE10A12F}"/>
-                </a:ext>
-              </a:extLst>
-            </p:cNvPr>
-            <p:cNvCxnSpPr>
-              <a:cxnSpLocks/>
-            </p:cNvCxnSpPr>
-            <p:nvPr/>
-          </p:nvCxnSpPr>
-          <p:spPr>
-            <a:xfrm flipH="1">
-              <a:off x="6995335" y="4137923"/>
-              <a:ext cx="411761" cy="395659"/>
-            </a:xfrm>
-            <a:prstGeom prst="curvedConnector3">
-              <a:avLst>
-                <a:gd name="adj1" fmla="val 20391"/>
-              </a:avLst>
-            </a:prstGeom>
-            <a:ln>
-              <a:solidFill>
-                <a:srgbClr val="00B050"/>
-              </a:solidFill>
-              <a:tailEnd type="triangle"/>
-            </a:ln>
-          </p:spPr>
-          <p:style>
-            <a:lnRef idx="1">
-              <a:schemeClr val="accent1"/>
-            </a:lnRef>
-            <a:fillRef idx="0">
-              <a:schemeClr val="accent1"/>
-            </a:fillRef>
-            <a:effectRef idx="0">
-              <a:schemeClr val="accent1"/>
-            </a:effectRef>
-            <a:fontRef idx="minor">
-              <a:schemeClr val="tx1"/>
-            </a:fontRef>
-          </p:style>
-        </p:cxnSp>
-        <p:cxnSp>
-          <p:nvCxnSpPr>
-            <p:cNvPr id="88" name="Connector: Curved 87">
-              <a:extLst>
-                <a:ext uri="{FF2B5EF4-FFF2-40B4-BE49-F238E27FC236}">
-                  <a16:creationId xmlns:a16="http://schemas.microsoft.com/office/drawing/2014/main" id="{B96A238B-583E-4505-8057-588E50FBE9C0}"/>
-                </a:ext>
-              </a:extLst>
-            </p:cNvPr>
-            <p:cNvCxnSpPr>
-              <a:cxnSpLocks/>
-              <a:stCxn id="74" idx="2"/>
-            </p:cNvCxnSpPr>
-            <p:nvPr/>
-          </p:nvCxnSpPr>
-          <p:spPr>
-            <a:xfrm rot="16200000" flipH="1">
-              <a:off x="7206574" y="4352371"/>
-              <a:ext cx="394779" cy="5375"/>
-            </a:xfrm>
-            <a:prstGeom prst="curvedConnector3">
-              <a:avLst>
-                <a:gd name="adj1" fmla="val 50000"/>
-              </a:avLst>
-            </a:prstGeom>
-            <a:ln>
-              <a:solidFill>
-                <a:srgbClr val="00B050"/>
-              </a:solidFill>
-              <a:tailEnd type="triangle"/>
-            </a:ln>
-          </p:spPr>
-          <p:style>
-            <a:lnRef idx="1">
-              <a:schemeClr val="accent1"/>
-            </a:lnRef>
-            <a:fillRef idx="0">
-              <a:schemeClr val="accent1"/>
-            </a:fillRef>
-            <a:effectRef idx="0">
-              <a:schemeClr val="accent1"/>
-            </a:effectRef>
-            <a:fontRef idx="minor">
-              <a:schemeClr val="tx1"/>
-            </a:fontRef>
-          </p:style>
-        </p:cxnSp>
-        <p:cxnSp>
-          <p:nvCxnSpPr>
-            <p:cNvPr id="92" name="Straight Arrow Connector 91">
-              <a:extLst>
-                <a:ext uri="{FF2B5EF4-FFF2-40B4-BE49-F238E27FC236}">
-                  <a16:creationId xmlns:a16="http://schemas.microsoft.com/office/drawing/2014/main" id="{4DCB1CDB-F033-40AA-8A21-2636709364E6}"/>
-                </a:ext>
-              </a:extLst>
-            </p:cNvPr>
-            <p:cNvCxnSpPr>
-              <a:endCxn id="65" idx="0"/>
-            </p:cNvCxnSpPr>
-            <p:nvPr/>
-          </p:nvCxnSpPr>
-          <p:spPr>
-            <a:xfrm>
-              <a:off x="3825746" y="782320"/>
-              <a:ext cx="2" cy="231140"/>
-            </a:xfrm>
-            <a:prstGeom prst="straightConnector1">
-              <a:avLst/>
-            </a:prstGeom>
-            <a:ln w="28575">
-              <a:solidFill>
-                <a:srgbClr val="00B0F0"/>
-              </a:solidFill>
-              <a:tailEnd type="triangle"/>
-            </a:ln>
-          </p:spPr>
-          <p:style>
-            <a:lnRef idx="1">
-              <a:schemeClr val="accent1"/>
-            </a:lnRef>
-            <a:fillRef idx="0">
-              <a:schemeClr val="accent1"/>
-            </a:fillRef>
-            <a:effectRef idx="0">
-              <a:schemeClr val="accent1"/>
-            </a:effectRef>
-            <a:fontRef idx="minor">
-              <a:schemeClr val="tx1"/>
-            </a:fontRef>
-          </p:style>
-        </p:cxnSp>
-        <p:cxnSp>
-          <p:nvCxnSpPr>
-            <p:cNvPr id="93" name="Straight Arrow Connector 92">
-              <a:extLst>
-                <a:ext uri="{FF2B5EF4-FFF2-40B4-BE49-F238E27FC236}">
-                  <a16:creationId xmlns:a16="http://schemas.microsoft.com/office/drawing/2014/main" id="{8A4B131D-E06C-4269-BCEF-FC1CDB8DE434}"/>
-                </a:ext>
-              </a:extLst>
-            </p:cNvPr>
-            <p:cNvCxnSpPr/>
-            <p:nvPr/>
-          </p:nvCxnSpPr>
-          <p:spPr>
-            <a:xfrm>
-              <a:off x="7401022" y="782320"/>
-              <a:ext cx="2" cy="231140"/>
-            </a:xfrm>
-            <a:prstGeom prst="straightConnector1">
-              <a:avLst/>
-            </a:prstGeom>
-            <a:ln w="28575">
-              <a:solidFill>
-                <a:srgbClr val="00B050"/>
-              </a:solidFill>
-              <a:tailEnd type="triangle"/>
-            </a:ln>
-          </p:spPr>
-          <p:style>
-            <a:lnRef idx="1">
-              <a:schemeClr val="accent1"/>
-            </a:lnRef>
-            <a:fillRef idx="0">
-              <a:schemeClr val="accent1"/>
-            </a:fillRef>
-            <a:effectRef idx="0">
-              <a:schemeClr val="accent1"/>
-            </a:effectRef>
-            <a:fontRef idx="minor">
-              <a:schemeClr val="tx1"/>
-            </a:fontRef>
-          </p:style>
-        </p:cxnSp>
-        <p:sp>
-          <p:nvSpPr>
-            <p:cNvPr id="94" name="TextBox 93">
-              <a:extLst>
-                <a:ext uri="{FF2B5EF4-FFF2-40B4-BE49-F238E27FC236}">
-                  <a16:creationId xmlns:a16="http://schemas.microsoft.com/office/drawing/2014/main" id="{3DEFB653-C809-4F1D-ACEB-9DD9B7DF1AE7}"/>
-                </a:ext>
-              </a:extLst>
-            </p:cNvPr>
-            <p:cNvSpPr txBox="1"/>
-            <p:nvPr/>
-          </p:nvSpPr>
-          <p:spPr>
-            <a:xfrm>
-              <a:off x="2951846" y="509275"/>
-              <a:ext cx="1746694" cy="276999"/>
-            </a:xfrm>
-            <a:prstGeom prst="rect">
-              <a:avLst/>
-            </a:prstGeom>
-            <a:noFill/>
-          </p:spPr>
-          <p:txBody>
-            <a:bodyPr wrap="square" rtlCol="0">
-              <a:spAutoFit/>
-            </a:bodyPr>
-            <a:lstStyle/>
-            <a:p>
-              <a:pPr algn="ctr"/>
-              <a:r>
-                <a:rPr lang="en-US" sz="1200" dirty="0">
-                  <a:solidFill>
-                    <a:srgbClr val="00B0F0"/>
-                  </a:solidFill>
-                  <a:latin typeface="Times New Roman" panose="02020603050405020304" pitchFamily="18" charset="0"/>
-                  <a:cs typeface="Times New Roman" panose="02020603050405020304" pitchFamily="18" charset="0"/>
-                </a:rPr>
-                <a:t>Gaseous Oxygen Input</a:t>
-              </a:r>
-            </a:p>
-          </p:txBody>
-        </p:sp>
-        <p:sp>
-          <p:nvSpPr>
-            <p:cNvPr id="95" name="TextBox 94">
-              <a:extLst>
-                <a:ext uri="{FF2B5EF4-FFF2-40B4-BE49-F238E27FC236}">
-                  <a16:creationId xmlns:a16="http://schemas.microsoft.com/office/drawing/2014/main" id="{969CC644-45D3-4578-AE7C-14F0D2FC4EE2}"/>
-                </a:ext>
-              </a:extLst>
-            </p:cNvPr>
-            <p:cNvSpPr txBox="1"/>
-            <p:nvPr/>
-          </p:nvSpPr>
-          <p:spPr>
-            <a:xfrm>
-              <a:off x="6486782" y="521689"/>
-              <a:ext cx="1904092" cy="276999"/>
-            </a:xfrm>
-            <a:prstGeom prst="rect">
-              <a:avLst/>
-            </a:prstGeom>
-            <a:noFill/>
-          </p:spPr>
-          <p:txBody>
-            <a:bodyPr wrap="square" rtlCol="0">
-              <a:spAutoFit/>
-            </a:bodyPr>
-            <a:lstStyle/>
-            <a:p>
-              <a:pPr algn="ctr"/>
-              <a:r>
-                <a:rPr lang="en-US" sz="1200" dirty="0">
-                  <a:solidFill>
-                    <a:srgbClr val="00B050"/>
-                  </a:solidFill>
-                  <a:latin typeface="Times New Roman" panose="02020603050405020304" pitchFamily="18" charset="0"/>
-                  <a:cs typeface="Times New Roman" panose="02020603050405020304" pitchFamily="18" charset="0"/>
-                </a:rPr>
-                <a:t>pH Balance Feed (NH</a:t>
-              </a:r>
-              <a:r>
-                <a:rPr lang="en-US" sz="1200" baseline="-25000" dirty="0">
-                  <a:solidFill>
-                    <a:srgbClr val="00B050"/>
-                  </a:solidFill>
-                  <a:latin typeface="Times New Roman" panose="02020603050405020304" pitchFamily="18" charset="0"/>
-                  <a:cs typeface="Times New Roman" panose="02020603050405020304" pitchFamily="18" charset="0"/>
-                </a:rPr>
-                <a:t>4</a:t>
-              </a:r>
-              <a:r>
-                <a:rPr lang="en-US" sz="1200" dirty="0">
-                  <a:solidFill>
-                    <a:srgbClr val="00B050"/>
-                  </a:solidFill>
-                  <a:latin typeface="Times New Roman" panose="02020603050405020304" pitchFamily="18" charset="0"/>
-                  <a:cs typeface="Times New Roman" panose="02020603050405020304" pitchFamily="18" charset="0"/>
-                </a:rPr>
-                <a:t>OH)</a:t>
-              </a:r>
-            </a:p>
-          </p:txBody>
-        </p:sp>
-        <p:sp>
-          <p:nvSpPr>
-            <p:cNvPr id="96" name="TextBox 95">
-              <a:extLst>
-                <a:ext uri="{FF2B5EF4-FFF2-40B4-BE49-F238E27FC236}">
-                  <a16:creationId xmlns:a16="http://schemas.microsoft.com/office/drawing/2014/main" id="{E5639229-113F-461E-9B2C-F9E23CB7FD1F}"/>
-                </a:ext>
-              </a:extLst>
-            </p:cNvPr>
-            <p:cNvSpPr txBox="1"/>
-            <p:nvPr/>
-          </p:nvSpPr>
-          <p:spPr>
-            <a:xfrm>
-              <a:off x="4716232" y="937434"/>
-              <a:ext cx="1904092" cy="276999"/>
-            </a:xfrm>
-            <a:prstGeom prst="rect">
-              <a:avLst/>
-            </a:prstGeom>
-            <a:noFill/>
-          </p:spPr>
-          <p:txBody>
-            <a:bodyPr wrap="square" rtlCol="0">
-              <a:spAutoFit/>
-            </a:bodyPr>
-            <a:lstStyle/>
-            <a:p>
-              <a:pPr algn="ctr"/>
-              <a:r>
-                <a:rPr lang="en-US" sz="1200" dirty="0">
-                  <a:solidFill>
-                    <a:schemeClr val="accent1"/>
-                  </a:solidFill>
-                  <a:latin typeface="Times New Roman" panose="02020603050405020304" pitchFamily="18" charset="0"/>
-                  <a:cs typeface="Times New Roman" panose="02020603050405020304" pitchFamily="18" charset="0"/>
-                </a:rPr>
-                <a:t>Agitator Motor</a:t>
-              </a:r>
-            </a:p>
-          </p:txBody>
-        </p:sp>
-        <p:sp>
-          <p:nvSpPr>
-            <p:cNvPr id="97" name="TextBox 96">
-              <a:extLst>
-                <a:ext uri="{FF2B5EF4-FFF2-40B4-BE49-F238E27FC236}">
-                  <a16:creationId xmlns:a16="http://schemas.microsoft.com/office/drawing/2014/main" id="{AD41684C-E4B8-46CF-BA4B-4507AA901565}"/>
-                </a:ext>
-              </a:extLst>
-            </p:cNvPr>
-            <p:cNvSpPr txBox="1"/>
-            <p:nvPr/>
-          </p:nvSpPr>
-          <p:spPr>
-            <a:xfrm rot="5400000">
-              <a:off x="8504837" y="4315314"/>
-              <a:ext cx="1904092" cy="276999"/>
-            </a:xfrm>
-            <a:prstGeom prst="rect">
-              <a:avLst/>
-            </a:prstGeom>
-            <a:noFill/>
-          </p:spPr>
-          <p:txBody>
-            <a:bodyPr wrap="square" rtlCol="0">
-              <a:spAutoFit/>
-            </a:bodyPr>
-            <a:lstStyle/>
-            <a:p>
-              <a:pPr algn="ctr"/>
-              <a:r>
-                <a:rPr lang="en-US" sz="1200" dirty="0">
-                  <a:solidFill>
-                    <a:srgbClr val="FF0000"/>
-                  </a:solidFill>
-                  <a:latin typeface="Times New Roman" panose="02020603050405020304" pitchFamily="18" charset="0"/>
-                  <a:cs typeface="Times New Roman" panose="02020603050405020304" pitchFamily="18" charset="0"/>
-                </a:rPr>
-                <a:t>Peltier Heat</a:t>
-              </a:r>
-            </a:p>
-          </p:txBody>
-        </p:sp>
-        <p:sp>
-          <p:nvSpPr>
-            <p:cNvPr id="98" name="TextBox 97">
-              <a:extLst>
-                <a:ext uri="{FF2B5EF4-FFF2-40B4-BE49-F238E27FC236}">
-                  <a16:creationId xmlns:a16="http://schemas.microsoft.com/office/drawing/2014/main" id="{4591192C-EEE2-4914-9D75-64206F464EC5}"/>
-                </a:ext>
-              </a:extLst>
-            </p:cNvPr>
-            <p:cNvSpPr txBox="1"/>
-            <p:nvPr/>
-          </p:nvSpPr>
-          <p:spPr>
-            <a:xfrm rot="16200000">
-              <a:off x="937539" y="4303635"/>
-              <a:ext cx="1904092" cy="276999"/>
-            </a:xfrm>
-            <a:prstGeom prst="rect">
-              <a:avLst/>
-            </a:prstGeom>
-            <a:noFill/>
-          </p:spPr>
-          <p:txBody>
-            <a:bodyPr wrap="square" rtlCol="0">
-              <a:spAutoFit/>
-            </a:bodyPr>
-            <a:lstStyle/>
-            <a:p>
-              <a:pPr algn="ctr"/>
-              <a:r>
-                <a:rPr lang="en-US" sz="1200" dirty="0">
-                  <a:solidFill>
-                    <a:srgbClr val="FF0000"/>
-                  </a:solidFill>
-                  <a:latin typeface="Times New Roman" panose="02020603050405020304" pitchFamily="18" charset="0"/>
-                  <a:cs typeface="Times New Roman" panose="02020603050405020304" pitchFamily="18" charset="0"/>
-                </a:rPr>
-                <a:t>Peltier Heat</a:t>
-              </a:r>
-            </a:p>
-          </p:txBody>
-        </p:sp>
-        <p:grpSp>
-          <p:nvGrpSpPr>
-            <p:cNvPr id="101" name="Group 100">
-              <a:extLst>
-                <a:ext uri="{FF2B5EF4-FFF2-40B4-BE49-F238E27FC236}">
-                  <a16:creationId xmlns:a16="http://schemas.microsoft.com/office/drawing/2014/main" id="{81F76A85-6DEC-4926-84D2-B6B850242D8E}"/>
-                </a:ext>
-              </a:extLst>
-            </p:cNvPr>
-            <p:cNvGrpSpPr/>
-            <p:nvPr/>
-          </p:nvGrpSpPr>
-          <p:grpSpPr>
-            <a:xfrm>
-              <a:off x="2976142" y="1454699"/>
-              <a:ext cx="472022" cy="1056497"/>
-              <a:chOff x="3219982" y="1475019"/>
-              <a:chExt cx="472022" cy="1056497"/>
-            </a:xfrm>
-          </p:grpSpPr>
-          <p:sp>
-            <p:nvSpPr>
-              <p:cNvPr id="99" name="Freeform: Shape 98">
-                <a:extLst>
-                  <a:ext uri="{FF2B5EF4-FFF2-40B4-BE49-F238E27FC236}">
-                    <a16:creationId xmlns:a16="http://schemas.microsoft.com/office/drawing/2014/main" id="{907E71F0-142F-47A8-B406-FA3D3B01C7AC}"/>
-                  </a:ext>
-                </a:extLst>
-              </p:cNvPr>
-              <p:cNvSpPr/>
-              <p:nvPr/>
-            </p:nvSpPr>
-            <p:spPr>
-              <a:xfrm rot="13738936">
-                <a:off x="2923059" y="2121429"/>
-                <a:ext cx="707010" cy="113163"/>
-              </a:xfrm>
-              <a:custGeom>
-                <a:avLst/>
-                <a:gdLst>
-                  <a:gd name="connsiteX0" fmla="*/ 0 w 707010"/>
-                  <a:gd name="connsiteY0" fmla="*/ 277168 h 456318"/>
-                  <a:gd name="connsiteX1" fmla="*/ 179109 w 707010"/>
-                  <a:gd name="connsiteY1" fmla="*/ 3790 h 456318"/>
-                  <a:gd name="connsiteX2" fmla="*/ 311084 w 707010"/>
-                  <a:gd name="connsiteY2" fmla="*/ 456277 h 456318"/>
-                  <a:gd name="connsiteX3" fmla="*/ 471340 w 707010"/>
-                  <a:gd name="connsiteY3" fmla="*/ 32071 h 456318"/>
-                  <a:gd name="connsiteX4" fmla="*/ 612742 w 707010"/>
-                  <a:gd name="connsiteY4" fmla="*/ 296021 h 456318"/>
-                  <a:gd name="connsiteX5" fmla="*/ 707010 w 707010"/>
-                  <a:gd name="connsiteY5" fmla="*/ 314875 h 456318"/>
-                </a:gdLst>
-                <a:ahLst/>
-                <a:cxnLst>
-                  <a:cxn ang="0">
-                    <a:pos x="connsiteX0" y="connsiteY0"/>
-                  </a:cxn>
-                  <a:cxn ang="0">
-                    <a:pos x="connsiteX1" y="connsiteY1"/>
-                  </a:cxn>
-                  <a:cxn ang="0">
-                    <a:pos x="connsiteX2" y="connsiteY2"/>
-                  </a:cxn>
-                  <a:cxn ang="0">
-                    <a:pos x="connsiteX3" y="connsiteY3"/>
-                  </a:cxn>
-                  <a:cxn ang="0">
-                    <a:pos x="connsiteX4" y="connsiteY4"/>
-                  </a:cxn>
-                  <a:cxn ang="0">
-                    <a:pos x="connsiteX5" y="connsiteY5"/>
-                  </a:cxn>
-                </a:cxnLst>
-                <a:rect l="l" t="t" r="r" b="b"/>
-                <a:pathLst>
-                  <a:path w="707010" h="456318">
-                    <a:moveTo>
-                      <a:pt x="0" y="277168"/>
-                    </a:moveTo>
-                    <a:cubicBezTo>
-                      <a:pt x="63631" y="125553"/>
-                      <a:pt x="127262" y="-26061"/>
-                      <a:pt x="179109" y="3790"/>
-                    </a:cubicBezTo>
-                    <a:cubicBezTo>
-                      <a:pt x="230956" y="33641"/>
-                      <a:pt x="262379" y="451564"/>
-                      <a:pt x="311084" y="456277"/>
-                    </a:cubicBezTo>
-                    <a:cubicBezTo>
-                      <a:pt x="359789" y="460991"/>
-                      <a:pt x="421064" y="58780"/>
-                      <a:pt x="471340" y="32071"/>
-                    </a:cubicBezTo>
-                    <a:cubicBezTo>
-                      <a:pt x="521616" y="5362"/>
-                      <a:pt x="573464" y="248887"/>
-                      <a:pt x="612742" y="296021"/>
-                    </a:cubicBezTo>
-                    <a:cubicBezTo>
-                      <a:pt x="652020" y="343155"/>
-                      <a:pt x="642594" y="311733"/>
-                      <a:pt x="707010" y="314875"/>
-                    </a:cubicBezTo>
-                  </a:path>
-                </a:pathLst>
-              </a:custGeom>
-              <a:noFill/>
-              <a:ln w="19050">
-                <a:solidFill>
-                  <a:schemeClr val="accent2"/>
-                </a:solidFill>
-                <a:headEnd type="none" w="med" len="med"/>
-                <a:tailEnd type="arrow" w="med" len="med"/>
-              </a:ln>
-            </p:spPr>
-            <p:style>
-              <a:lnRef idx="2">
-                <a:schemeClr val="accent1">
-                  <a:shade val="50000"/>
-                </a:schemeClr>
-              </a:lnRef>
-              <a:fillRef idx="1">
-                <a:schemeClr val="accent1"/>
-              </a:fillRef>
-              <a:effectRef idx="0">
-                <a:schemeClr val="accent1"/>
-              </a:effectRef>
-              <a:fontRef idx="minor">
-                <a:schemeClr val="lt1"/>
-              </a:fontRef>
-            </p:style>
-            <p:txBody>
-              <a:bodyPr rtlCol="0" anchor="ctr"/>
-              <a:lstStyle/>
-              <a:p>
-                <a:pPr algn="ctr"/>
-                <a:endParaRPr lang="en-US"/>
-              </a:p>
-            </p:txBody>
-          </p:sp>
-          <p:sp>
-            <p:nvSpPr>
-              <p:cNvPr id="100" name="Freeform: Shape 99">
-                <a:extLst>
-                  <a:ext uri="{FF2B5EF4-FFF2-40B4-BE49-F238E27FC236}">
-                    <a16:creationId xmlns:a16="http://schemas.microsoft.com/office/drawing/2014/main" id="{E8A579E6-CA84-4073-A928-7A4C8710A610}"/>
-                  </a:ext>
-                </a:extLst>
-              </p:cNvPr>
-              <p:cNvSpPr/>
-              <p:nvPr/>
-            </p:nvSpPr>
-            <p:spPr>
-              <a:xfrm rot="14629301">
-                <a:off x="3281918" y="1771942"/>
-                <a:ext cx="707010" cy="113163"/>
-              </a:xfrm>
-              <a:custGeom>
-                <a:avLst/>
-                <a:gdLst>
-                  <a:gd name="connsiteX0" fmla="*/ 0 w 707010"/>
-                  <a:gd name="connsiteY0" fmla="*/ 277168 h 456318"/>
-                  <a:gd name="connsiteX1" fmla="*/ 179109 w 707010"/>
-                  <a:gd name="connsiteY1" fmla="*/ 3790 h 456318"/>
-                  <a:gd name="connsiteX2" fmla="*/ 311084 w 707010"/>
-                  <a:gd name="connsiteY2" fmla="*/ 456277 h 456318"/>
-                  <a:gd name="connsiteX3" fmla="*/ 471340 w 707010"/>
-                  <a:gd name="connsiteY3" fmla="*/ 32071 h 456318"/>
-                  <a:gd name="connsiteX4" fmla="*/ 612742 w 707010"/>
-                  <a:gd name="connsiteY4" fmla="*/ 296021 h 456318"/>
-                  <a:gd name="connsiteX5" fmla="*/ 707010 w 707010"/>
-                  <a:gd name="connsiteY5" fmla="*/ 314875 h 456318"/>
-                </a:gdLst>
-                <a:ahLst/>
-                <a:cxnLst>
-                  <a:cxn ang="0">
-                    <a:pos x="connsiteX0" y="connsiteY0"/>
-                  </a:cxn>
-                  <a:cxn ang="0">
-                    <a:pos x="connsiteX1" y="connsiteY1"/>
-                  </a:cxn>
-                  <a:cxn ang="0">
-                    <a:pos x="connsiteX2" y="connsiteY2"/>
-                  </a:cxn>
-                  <a:cxn ang="0">
-                    <a:pos x="connsiteX3" y="connsiteY3"/>
-                  </a:cxn>
-                  <a:cxn ang="0">
-                    <a:pos x="connsiteX4" y="connsiteY4"/>
-                  </a:cxn>
-                  <a:cxn ang="0">
-                    <a:pos x="connsiteX5" y="connsiteY5"/>
-                  </a:cxn>
-                </a:cxnLst>
-                <a:rect l="l" t="t" r="r" b="b"/>
-                <a:pathLst>
-                  <a:path w="707010" h="456318">
-                    <a:moveTo>
-                      <a:pt x="0" y="277168"/>
-                    </a:moveTo>
-                    <a:cubicBezTo>
-                      <a:pt x="63631" y="125553"/>
-                      <a:pt x="127262" y="-26061"/>
-                      <a:pt x="179109" y="3790"/>
-                    </a:cubicBezTo>
-                    <a:cubicBezTo>
-                      <a:pt x="230956" y="33641"/>
-                      <a:pt x="262379" y="451564"/>
-                      <a:pt x="311084" y="456277"/>
-                    </a:cubicBezTo>
-                    <a:cubicBezTo>
-                      <a:pt x="359789" y="460991"/>
-                      <a:pt x="421064" y="58780"/>
-                      <a:pt x="471340" y="32071"/>
-                    </a:cubicBezTo>
-                    <a:cubicBezTo>
-                      <a:pt x="521616" y="5362"/>
-                      <a:pt x="573464" y="248887"/>
-                      <a:pt x="612742" y="296021"/>
-                    </a:cubicBezTo>
-                    <a:cubicBezTo>
-                      <a:pt x="652020" y="343155"/>
-                      <a:pt x="642594" y="311733"/>
-                      <a:pt x="707010" y="314875"/>
-                    </a:cubicBezTo>
-                  </a:path>
-                </a:pathLst>
-              </a:custGeom>
-              <a:noFill/>
-              <a:ln w="19050">
-                <a:solidFill>
-                  <a:schemeClr val="accent2"/>
-                </a:solidFill>
-                <a:headEnd type="none" w="med" len="med"/>
-                <a:tailEnd type="arrow" w="med" len="med"/>
-              </a:ln>
-            </p:spPr>
-            <p:style>
-              <a:lnRef idx="2">
-                <a:schemeClr val="accent1">
-                  <a:shade val="50000"/>
-                </a:schemeClr>
-              </a:lnRef>
-              <a:fillRef idx="1">
-                <a:schemeClr val="accent1"/>
-              </a:fillRef>
-              <a:effectRef idx="0">
-                <a:schemeClr val="accent1"/>
-              </a:effectRef>
-              <a:fontRef idx="minor">
-                <a:schemeClr val="lt1"/>
-              </a:fontRef>
-            </p:style>
-            <p:txBody>
-              <a:bodyPr rtlCol="0" anchor="ctr"/>
-              <a:lstStyle/>
-              <a:p>
-                <a:pPr algn="ctr"/>
-                <a:endParaRPr lang="en-US"/>
-              </a:p>
-            </p:txBody>
-          </p:sp>
-        </p:grpSp>
-        <p:grpSp>
-          <p:nvGrpSpPr>
-            <p:cNvPr id="102" name="Group 101">
-              <a:extLst>
-                <a:ext uri="{FF2B5EF4-FFF2-40B4-BE49-F238E27FC236}">
-                  <a16:creationId xmlns:a16="http://schemas.microsoft.com/office/drawing/2014/main" id="{D0B27053-F4AE-4C04-B046-7AA06E96D5F9}"/>
-                </a:ext>
-              </a:extLst>
-            </p:cNvPr>
-            <p:cNvGrpSpPr/>
-            <p:nvPr/>
-          </p:nvGrpSpPr>
-          <p:grpSpPr>
-            <a:xfrm flipH="1">
-              <a:off x="7859992" y="1472230"/>
-              <a:ext cx="472022" cy="1056497"/>
-              <a:chOff x="3219982" y="1475019"/>
-              <a:chExt cx="472022" cy="1056497"/>
-            </a:xfrm>
-          </p:grpSpPr>
-          <p:sp>
-            <p:nvSpPr>
-              <p:cNvPr id="103" name="Freeform: Shape 102">
-                <a:extLst>
-                  <a:ext uri="{FF2B5EF4-FFF2-40B4-BE49-F238E27FC236}">
-                    <a16:creationId xmlns:a16="http://schemas.microsoft.com/office/drawing/2014/main" id="{F29A3E11-9C3D-4846-B610-76D20EECA6DF}"/>
-                  </a:ext>
-                </a:extLst>
-              </p:cNvPr>
-              <p:cNvSpPr/>
-              <p:nvPr/>
-            </p:nvSpPr>
-            <p:spPr>
-              <a:xfrm rot="13738936">
-                <a:off x="2923059" y="2121429"/>
-                <a:ext cx="707010" cy="113163"/>
-              </a:xfrm>
-              <a:custGeom>
-                <a:avLst/>
-                <a:gdLst>
-                  <a:gd name="connsiteX0" fmla="*/ 0 w 707010"/>
-                  <a:gd name="connsiteY0" fmla="*/ 277168 h 456318"/>
-                  <a:gd name="connsiteX1" fmla="*/ 179109 w 707010"/>
-                  <a:gd name="connsiteY1" fmla="*/ 3790 h 456318"/>
-                  <a:gd name="connsiteX2" fmla="*/ 311084 w 707010"/>
-                  <a:gd name="connsiteY2" fmla="*/ 456277 h 456318"/>
-                  <a:gd name="connsiteX3" fmla="*/ 471340 w 707010"/>
-                  <a:gd name="connsiteY3" fmla="*/ 32071 h 456318"/>
-                  <a:gd name="connsiteX4" fmla="*/ 612742 w 707010"/>
-                  <a:gd name="connsiteY4" fmla="*/ 296021 h 456318"/>
-                  <a:gd name="connsiteX5" fmla="*/ 707010 w 707010"/>
-                  <a:gd name="connsiteY5" fmla="*/ 314875 h 456318"/>
-                </a:gdLst>
-                <a:ahLst/>
-                <a:cxnLst>
-                  <a:cxn ang="0">
-                    <a:pos x="connsiteX0" y="connsiteY0"/>
-                  </a:cxn>
-                  <a:cxn ang="0">
-                    <a:pos x="connsiteX1" y="connsiteY1"/>
-                  </a:cxn>
-                  <a:cxn ang="0">
-                    <a:pos x="connsiteX2" y="connsiteY2"/>
-                  </a:cxn>
-                  <a:cxn ang="0">
-                    <a:pos x="connsiteX3" y="connsiteY3"/>
-                  </a:cxn>
-                  <a:cxn ang="0">
-                    <a:pos x="connsiteX4" y="connsiteY4"/>
-                  </a:cxn>
-                  <a:cxn ang="0">
-                    <a:pos x="connsiteX5" y="connsiteY5"/>
-                  </a:cxn>
-                </a:cxnLst>
-                <a:rect l="l" t="t" r="r" b="b"/>
-                <a:pathLst>
-                  <a:path w="707010" h="456318">
-                    <a:moveTo>
-                      <a:pt x="0" y="277168"/>
-                    </a:moveTo>
-                    <a:cubicBezTo>
-                      <a:pt x="63631" y="125553"/>
-                      <a:pt x="127262" y="-26061"/>
-                      <a:pt x="179109" y="3790"/>
-                    </a:cubicBezTo>
-                    <a:cubicBezTo>
-                      <a:pt x="230956" y="33641"/>
-                      <a:pt x="262379" y="451564"/>
-                      <a:pt x="311084" y="456277"/>
-                    </a:cubicBezTo>
-                    <a:cubicBezTo>
-                      <a:pt x="359789" y="460991"/>
-                      <a:pt x="421064" y="58780"/>
-                      <a:pt x="471340" y="32071"/>
-                    </a:cubicBezTo>
-                    <a:cubicBezTo>
-                      <a:pt x="521616" y="5362"/>
-                      <a:pt x="573464" y="248887"/>
-                      <a:pt x="612742" y="296021"/>
-                    </a:cubicBezTo>
-                    <a:cubicBezTo>
-                      <a:pt x="652020" y="343155"/>
-                      <a:pt x="642594" y="311733"/>
-                      <a:pt x="707010" y="314875"/>
-                    </a:cubicBezTo>
-                  </a:path>
-                </a:pathLst>
-              </a:custGeom>
-              <a:noFill/>
-              <a:ln w="19050">
-                <a:solidFill>
-                  <a:schemeClr val="accent2"/>
-                </a:solidFill>
-                <a:headEnd type="none" w="med" len="med"/>
-                <a:tailEnd type="arrow" w="med" len="med"/>
-              </a:ln>
-            </p:spPr>
-            <p:style>
-              <a:lnRef idx="2">
-                <a:schemeClr val="accent1">
-                  <a:shade val="50000"/>
-                </a:schemeClr>
-              </a:lnRef>
-              <a:fillRef idx="1">
-                <a:schemeClr val="accent1"/>
-              </a:fillRef>
-              <a:effectRef idx="0">
-                <a:schemeClr val="accent1"/>
-              </a:effectRef>
-              <a:fontRef idx="minor">
-                <a:schemeClr val="lt1"/>
-              </a:fontRef>
-            </p:style>
-            <p:txBody>
-              <a:bodyPr rtlCol="0" anchor="ctr"/>
-              <a:lstStyle/>
-              <a:p>
-                <a:pPr algn="ctr"/>
-                <a:endParaRPr lang="en-US"/>
-              </a:p>
-            </p:txBody>
-          </p:sp>
-          <p:sp>
-            <p:nvSpPr>
-              <p:cNvPr id="104" name="Freeform: Shape 103">
-                <a:extLst>
-                  <a:ext uri="{FF2B5EF4-FFF2-40B4-BE49-F238E27FC236}">
-                    <a16:creationId xmlns:a16="http://schemas.microsoft.com/office/drawing/2014/main" id="{7764E822-2FFF-4119-830D-FA56C18217BF}"/>
-                  </a:ext>
-                </a:extLst>
-              </p:cNvPr>
-              <p:cNvSpPr/>
-              <p:nvPr/>
-            </p:nvSpPr>
-            <p:spPr>
-              <a:xfrm rot="14629301">
-                <a:off x="3281918" y="1771942"/>
-                <a:ext cx="707010" cy="113163"/>
-              </a:xfrm>
-              <a:custGeom>
-                <a:avLst/>
-                <a:gdLst>
-                  <a:gd name="connsiteX0" fmla="*/ 0 w 707010"/>
-                  <a:gd name="connsiteY0" fmla="*/ 277168 h 456318"/>
-                  <a:gd name="connsiteX1" fmla="*/ 179109 w 707010"/>
-                  <a:gd name="connsiteY1" fmla="*/ 3790 h 456318"/>
-                  <a:gd name="connsiteX2" fmla="*/ 311084 w 707010"/>
-                  <a:gd name="connsiteY2" fmla="*/ 456277 h 456318"/>
-                  <a:gd name="connsiteX3" fmla="*/ 471340 w 707010"/>
-                  <a:gd name="connsiteY3" fmla="*/ 32071 h 456318"/>
-                  <a:gd name="connsiteX4" fmla="*/ 612742 w 707010"/>
-                  <a:gd name="connsiteY4" fmla="*/ 296021 h 456318"/>
-                  <a:gd name="connsiteX5" fmla="*/ 707010 w 707010"/>
-                  <a:gd name="connsiteY5" fmla="*/ 314875 h 456318"/>
-                </a:gdLst>
-                <a:ahLst/>
-                <a:cxnLst>
-                  <a:cxn ang="0">
-                    <a:pos x="connsiteX0" y="connsiteY0"/>
-                  </a:cxn>
-                  <a:cxn ang="0">
-                    <a:pos x="connsiteX1" y="connsiteY1"/>
-                  </a:cxn>
-                  <a:cxn ang="0">
-                    <a:pos x="connsiteX2" y="connsiteY2"/>
-                  </a:cxn>
-                  <a:cxn ang="0">
-                    <a:pos x="connsiteX3" y="connsiteY3"/>
-                  </a:cxn>
-                  <a:cxn ang="0">
-                    <a:pos x="connsiteX4" y="connsiteY4"/>
-                  </a:cxn>
-                  <a:cxn ang="0">
-                    <a:pos x="connsiteX5" y="connsiteY5"/>
-                  </a:cxn>
-                </a:cxnLst>
-                <a:rect l="l" t="t" r="r" b="b"/>
-                <a:pathLst>
-                  <a:path w="707010" h="456318">
-                    <a:moveTo>
-                      <a:pt x="0" y="277168"/>
-                    </a:moveTo>
-                    <a:cubicBezTo>
-                      <a:pt x="63631" y="125553"/>
-                      <a:pt x="127262" y="-26061"/>
-                      <a:pt x="179109" y="3790"/>
-                    </a:cubicBezTo>
-                    <a:cubicBezTo>
-                      <a:pt x="230956" y="33641"/>
-                      <a:pt x="262379" y="451564"/>
-                      <a:pt x="311084" y="456277"/>
-                    </a:cubicBezTo>
-                    <a:cubicBezTo>
-                      <a:pt x="359789" y="460991"/>
-                      <a:pt x="421064" y="58780"/>
-                      <a:pt x="471340" y="32071"/>
-                    </a:cubicBezTo>
-                    <a:cubicBezTo>
-                      <a:pt x="521616" y="5362"/>
-                      <a:pt x="573464" y="248887"/>
-                      <a:pt x="612742" y="296021"/>
-                    </a:cubicBezTo>
-                    <a:cubicBezTo>
-                      <a:pt x="652020" y="343155"/>
-                      <a:pt x="642594" y="311733"/>
-                      <a:pt x="707010" y="314875"/>
-                    </a:cubicBezTo>
-                  </a:path>
-                </a:pathLst>
-              </a:custGeom>
-              <a:noFill/>
-              <a:ln w="19050">
-                <a:solidFill>
-                  <a:schemeClr val="accent2"/>
-                </a:solidFill>
-                <a:headEnd type="none" w="med" len="med"/>
-                <a:tailEnd type="arrow" w="med" len="med"/>
-              </a:ln>
-            </p:spPr>
-            <p:style>
-              <a:lnRef idx="2">
-                <a:schemeClr val="accent1">
-                  <a:shade val="50000"/>
-                </a:schemeClr>
-              </a:lnRef>
-              <a:fillRef idx="1">
-                <a:schemeClr val="accent1"/>
-              </a:fillRef>
-              <a:effectRef idx="0">
-                <a:schemeClr val="accent1"/>
-              </a:effectRef>
-              <a:fontRef idx="minor">
-                <a:schemeClr val="lt1"/>
-              </a:fontRef>
-            </p:style>
-            <p:txBody>
-              <a:bodyPr rtlCol="0" anchor="ctr"/>
-              <a:lstStyle/>
-              <a:p>
-                <a:pPr algn="ctr"/>
-                <a:endParaRPr lang="en-US"/>
-              </a:p>
-            </p:txBody>
-          </p:sp>
-        </p:grpSp>
-        <p:sp>
-          <p:nvSpPr>
-            <p:cNvPr id="105" name="TextBox 104">
-              <a:extLst>
-                <a:ext uri="{FF2B5EF4-FFF2-40B4-BE49-F238E27FC236}">
-                  <a16:creationId xmlns:a16="http://schemas.microsoft.com/office/drawing/2014/main" id="{6470C4F3-3468-4B33-A0AA-8C6509405460}"/>
-                </a:ext>
-              </a:extLst>
-            </p:cNvPr>
-            <p:cNvSpPr txBox="1"/>
-            <p:nvPr/>
-          </p:nvSpPr>
-          <p:spPr>
-            <a:xfrm rot="19414378">
-              <a:off x="1842695" y="1490469"/>
-              <a:ext cx="1904092" cy="276999"/>
-            </a:xfrm>
-            <a:prstGeom prst="rect">
-              <a:avLst/>
-            </a:prstGeom>
-            <a:noFill/>
-          </p:spPr>
-          <p:txBody>
-            <a:bodyPr wrap="square" rtlCol="0">
-              <a:spAutoFit/>
-            </a:bodyPr>
-            <a:lstStyle/>
-            <a:p>
-              <a:pPr algn="ctr"/>
-              <a:r>
-                <a:rPr lang="en-US" sz="1200" dirty="0">
-                  <a:solidFill>
-                    <a:schemeClr val="accent2"/>
-                  </a:solidFill>
-                  <a:latin typeface="Times New Roman" panose="02020603050405020304" pitchFamily="18" charset="0"/>
-                  <a:cs typeface="Times New Roman" panose="02020603050405020304" pitchFamily="18" charset="0"/>
-                </a:rPr>
-                <a:t>Environmental Heat Loss</a:t>
-              </a:r>
-            </a:p>
-          </p:txBody>
-        </p:sp>
-        <p:sp>
-          <p:nvSpPr>
-            <p:cNvPr id="106" name="TextBox 105">
-              <a:extLst>
-                <a:ext uri="{FF2B5EF4-FFF2-40B4-BE49-F238E27FC236}">
-                  <a16:creationId xmlns:a16="http://schemas.microsoft.com/office/drawing/2014/main" id="{F49FDA9D-147E-4BC6-A536-F1A68ABDC69A}"/>
-                </a:ext>
-              </a:extLst>
-            </p:cNvPr>
-            <p:cNvSpPr txBox="1"/>
-            <p:nvPr/>
-          </p:nvSpPr>
-          <p:spPr>
-            <a:xfrm rot="2462155">
-              <a:off x="7531736" y="1528454"/>
-              <a:ext cx="1904092" cy="276999"/>
-            </a:xfrm>
-            <a:prstGeom prst="rect">
-              <a:avLst/>
-            </a:prstGeom>
-            <a:noFill/>
-          </p:spPr>
-          <p:txBody>
-            <a:bodyPr wrap="square" rtlCol="0">
-              <a:spAutoFit/>
-            </a:bodyPr>
-            <a:lstStyle/>
-            <a:p>
-              <a:pPr algn="ctr"/>
-              <a:r>
-                <a:rPr lang="en-US" sz="1200" dirty="0">
-                  <a:solidFill>
-                    <a:schemeClr val="accent2"/>
-                  </a:solidFill>
-                  <a:latin typeface="Times New Roman" panose="02020603050405020304" pitchFamily="18" charset="0"/>
-                  <a:cs typeface="Times New Roman" panose="02020603050405020304" pitchFamily="18" charset="0"/>
-                </a:rPr>
-                <a:t>Environmental Heat Loss</a:t>
-              </a:r>
-            </a:p>
-          </p:txBody>
-        </p:sp>
-        <p:grpSp>
-          <p:nvGrpSpPr>
-            <p:cNvPr id="112" name="Group 111">
-              <a:extLst>
-                <a:ext uri="{FF2B5EF4-FFF2-40B4-BE49-F238E27FC236}">
-                  <a16:creationId xmlns:a16="http://schemas.microsoft.com/office/drawing/2014/main" id="{8F38AE0D-CFA6-4619-B118-C3603DE815FB}"/>
-                </a:ext>
-              </a:extLst>
-            </p:cNvPr>
-            <p:cNvGrpSpPr/>
-            <p:nvPr/>
-          </p:nvGrpSpPr>
-          <p:grpSpPr>
-            <a:xfrm>
-              <a:off x="3965072" y="3977583"/>
-              <a:ext cx="1069802" cy="948922"/>
-              <a:chOff x="3965072" y="3977583"/>
-              <a:chExt cx="1069802" cy="948922"/>
-            </a:xfrm>
-          </p:grpSpPr>
-          <p:sp>
-            <p:nvSpPr>
-              <p:cNvPr id="109" name="Freeform: Shape 108">
-                <a:extLst>
-                  <a:ext uri="{FF2B5EF4-FFF2-40B4-BE49-F238E27FC236}">
-                    <a16:creationId xmlns:a16="http://schemas.microsoft.com/office/drawing/2014/main" id="{56B21AD3-F659-4512-AC8B-9622BF4D000C}"/>
-                  </a:ext>
-                </a:extLst>
-              </p:cNvPr>
-              <p:cNvSpPr/>
-              <p:nvPr/>
-            </p:nvSpPr>
-            <p:spPr>
-              <a:xfrm rot="14194995" flipV="1">
-                <a:off x="3818959" y="4734672"/>
-                <a:ext cx="337946" cy="45719"/>
-              </a:xfrm>
-              <a:custGeom>
-                <a:avLst/>
-                <a:gdLst>
-                  <a:gd name="connsiteX0" fmla="*/ 0 w 707010"/>
-                  <a:gd name="connsiteY0" fmla="*/ 277168 h 456318"/>
-                  <a:gd name="connsiteX1" fmla="*/ 179109 w 707010"/>
-                  <a:gd name="connsiteY1" fmla="*/ 3790 h 456318"/>
-                  <a:gd name="connsiteX2" fmla="*/ 311084 w 707010"/>
-                  <a:gd name="connsiteY2" fmla="*/ 456277 h 456318"/>
-                  <a:gd name="connsiteX3" fmla="*/ 471340 w 707010"/>
-                  <a:gd name="connsiteY3" fmla="*/ 32071 h 456318"/>
-                  <a:gd name="connsiteX4" fmla="*/ 612742 w 707010"/>
-                  <a:gd name="connsiteY4" fmla="*/ 296021 h 456318"/>
-                  <a:gd name="connsiteX5" fmla="*/ 707010 w 707010"/>
-                  <a:gd name="connsiteY5" fmla="*/ 314875 h 456318"/>
-                </a:gdLst>
-                <a:ahLst/>
-                <a:cxnLst>
-                  <a:cxn ang="0">
-                    <a:pos x="connsiteX0" y="connsiteY0"/>
-                  </a:cxn>
-                  <a:cxn ang="0">
-                    <a:pos x="connsiteX1" y="connsiteY1"/>
-                  </a:cxn>
-                  <a:cxn ang="0">
-                    <a:pos x="connsiteX2" y="connsiteY2"/>
-                  </a:cxn>
-                  <a:cxn ang="0">
-                    <a:pos x="connsiteX3" y="connsiteY3"/>
-                  </a:cxn>
-                  <a:cxn ang="0">
-                    <a:pos x="connsiteX4" y="connsiteY4"/>
-                  </a:cxn>
-                  <a:cxn ang="0">
-                    <a:pos x="connsiteX5" y="connsiteY5"/>
-                  </a:cxn>
-                </a:cxnLst>
-                <a:rect l="l" t="t" r="r" b="b"/>
-                <a:pathLst>
-                  <a:path w="707010" h="456318">
-                    <a:moveTo>
-                      <a:pt x="0" y="277168"/>
-                    </a:moveTo>
-                    <a:cubicBezTo>
-                      <a:pt x="63631" y="125553"/>
-                      <a:pt x="127262" y="-26061"/>
-                      <a:pt x="179109" y="3790"/>
-                    </a:cubicBezTo>
-                    <a:cubicBezTo>
-                      <a:pt x="230956" y="33641"/>
-                      <a:pt x="262379" y="451564"/>
-                      <a:pt x="311084" y="456277"/>
-                    </a:cubicBezTo>
-                    <a:cubicBezTo>
-                      <a:pt x="359789" y="460991"/>
-                      <a:pt x="421064" y="58780"/>
-                      <a:pt x="471340" y="32071"/>
-                    </a:cubicBezTo>
-                    <a:cubicBezTo>
-                      <a:pt x="521616" y="5362"/>
-                      <a:pt x="573464" y="248887"/>
-                      <a:pt x="612742" y="296021"/>
-                    </a:cubicBezTo>
-                    <a:cubicBezTo>
-                      <a:pt x="652020" y="343155"/>
-                      <a:pt x="642594" y="311733"/>
-                      <a:pt x="707010" y="314875"/>
-                    </a:cubicBezTo>
-                  </a:path>
-                </a:pathLst>
-              </a:custGeom>
-              <a:noFill/>
-              <a:ln w="9525">
-                <a:solidFill>
-                  <a:srgbClr val="FF0000"/>
-                </a:solidFill>
-                <a:headEnd type="none" w="med" len="med"/>
-                <a:tailEnd type="arrow" w="med" len="med"/>
-              </a:ln>
-            </p:spPr>
-            <p:style>
-              <a:lnRef idx="2">
-                <a:schemeClr val="accent1">
-                  <a:shade val="50000"/>
-                </a:schemeClr>
-              </a:lnRef>
-              <a:fillRef idx="1">
-                <a:schemeClr val="accent1"/>
-              </a:fillRef>
-              <a:effectRef idx="0">
-                <a:schemeClr val="accent1"/>
-              </a:effectRef>
-              <a:fontRef idx="minor">
-                <a:schemeClr val="lt1"/>
-              </a:fontRef>
-            </p:style>
-            <p:txBody>
-              <a:bodyPr rtlCol="0" anchor="ctr"/>
-              <a:lstStyle/>
-              <a:p>
-                <a:pPr algn="ctr"/>
-                <a:endParaRPr lang="en-US"/>
-              </a:p>
-            </p:txBody>
-          </p:sp>
-          <p:sp>
-            <p:nvSpPr>
-              <p:cNvPr id="110" name="Freeform: Shape 109">
-                <a:extLst>
-                  <a:ext uri="{FF2B5EF4-FFF2-40B4-BE49-F238E27FC236}">
-                    <a16:creationId xmlns:a16="http://schemas.microsoft.com/office/drawing/2014/main" id="{86A4A932-4633-4919-91B8-D1731E308FDC}"/>
-                  </a:ext>
-                </a:extLst>
-              </p:cNvPr>
-              <p:cNvSpPr/>
-              <p:nvPr/>
-            </p:nvSpPr>
-            <p:spPr>
-              <a:xfrm rot="14194995" flipV="1">
-                <a:off x="4323292" y="4430955"/>
-                <a:ext cx="337946" cy="45719"/>
-              </a:xfrm>
-              <a:custGeom>
-                <a:avLst/>
-                <a:gdLst>
-                  <a:gd name="connsiteX0" fmla="*/ 0 w 707010"/>
-                  <a:gd name="connsiteY0" fmla="*/ 277168 h 456318"/>
-                  <a:gd name="connsiteX1" fmla="*/ 179109 w 707010"/>
-                  <a:gd name="connsiteY1" fmla="*/ 3790 h 456318"/>
-                  <a:gd name="connsiteX2" fmla="*/ 311084 w 707010"/>
-                  <a:gd name="connsiteY2" fmla="*/ 456277 h 456318"/>
-                  <a:gd name="connsiteX3" fmla="*/ 471340 w 707010"/>
-                  <a:gd name="connsiteY3" fmla="*/ 32071 h 456318"/>
-                  <a:gd name="connsiteX4" fmla="*/ 612742 w 707010"/>
-                  <a:gd name="connsiteY4" fmla="*/ 296021 h 456318"/>
-                  <a:gd name="connsiteX5" fmla="*/ 707010 w 707010"/>
-                  <a:gd name="connsiteY5" fmla="*/ 314875 h 456318"/>
-                </a:gdLst>
-                <a:ahLst/>
-                <a:cxnLst>
-                  <a:cxn ang="0">
-                    <a:pos x="connsiteX0" y="connsiteY0"/>
-                  </a:cxn>
-                  <a:cxn ang="0">
-                    <a:pos x="connsiteX1" y="connsiteY1"/>
-                  </a:cxn>
-                  <a:cxn ang="0">
-                    <a:pos x="connsiteX2" y="connsiteY2"/>
-                  </a:cxn>
-                  <a:cxn ang="0">
-                    <a:pos x="connsiteX3" y="connsiteY3"/>
-                  </a:cxn>
-                  <a:cxn ang="0">
-                    <a:pos x="connsiteX4" y="connsiteY4"/>
-                  </a:cxn>
-                  <a:cxn ang="0">
-                    <a:pos x="connsiteX5" y="connsiteY5"/>
-                  </a:cxn>
-                </a:cxnLst>
-                <a:rect l="l" t="t" r="r" b="b"/>
-                <a:pathLst>
-                  <a:path w="707010" h="456318">
-                    <a:moveTo>
-                      <a:pt x="0" y="277168"/>
-                    </a:moveTo>
-                    <a:cubicBezTo>
-                      <a:pt x="63631" y="125553"/>
-                      <a:pt x="127262" y="-26061"/>
-                      <a:pt x="179109" y="3790"/>
-                    </a:cubicBezTo>
-                    <a:cubicBezTo>
-                      <a:pt x="230956" y="33641"/>
-                      <a:pt x="262379" y="451564"/>
-                      <a:pt x="311084" y="456277"/>
-                    </a:cubicBezTo>
-                    <a:cubicBezTo>
-                      <a:pt x="359789" y="460991"/>
-                      <a:pt x="421064" y="58780"/>
-                      <a:pt x="471340" y="32071"/>
-                    </a:cubicBezTo>
-                    <a:cubicBezTo>
-                      <a:pt x="521616" y="5362"/>
-                      <a:pt x="573464" y="248887"/>
-                      <a:pt x="612742" y="296021"/>
-                    </a:cubicBezTo>
-                    <a:cubicBezTo>
-                      <a:pt x="652020" y="343155"/>
-                      <a:pt x="642594" y="311733"/>
-                      <a:pt x="707010" y="314875"/>
-                    </a:cubicBezTo>
-                  </a:path>
-                </a:pathLst>
-              </a:custGeom>
-              <a:noFill/>
-              <a:ln w="9525">
-                <a:solidFill>
-                  <a:srgbClr val="FF0000"/>
-                </a:solidFill>
-                <a:headEnd type="none" w="med" len="med"/>
-                <a:tailEnd type="arrow" w="med" len="med"/>
-              </a:ln>
-            </p:spPr>
-            <p:style>
-              <a:lnRef idx="2">
-                <a:schemeClr val="accent1">
-                  <a:shade val="50000"/>
-                </a:schemeClr>
-              </a:lnRef>
-              <a:fillRef idx="1">
-                <a:schemeClr val="accent1"/>
-              </a:fillRef>
-              <a:effectRef idx="0">
-                <a:schemeClr val="accent1"/>
-              </a:effectRef>
-              <a:fontRef idx="minor">
-                <a:schemeClr val="lt1"/>
-              </a:fontRef>
-            </p:style>
-            <p:txBody>
-              <a:bodyPr rtlCol="0" anchor="ctr"/>
-              <a:lstStyle/>
-              <a:p>
-                <a:pPr algn="ctr"/>
-                <a:endParaRPr lang="en-US"/>
-              </a:p>
-            </p:txBody>
-          </p:sp>
-          <p:sp>
-            <p:nvSpPr>
-              <p:cNvPr id="111" name="Freeform: Shape 110">
-                <a:extLst>
-                  <a:ext uri="{FF2B5EF4-FFF2-40B4-BE49-F238E27FC236}">
-                    <a16:creationId xmlns:a16="http://schemas.microsoft.com/office/drawing/2014/main" id="{B911B986-B78B-4EB4-97D7-548C13E348D3}"/>
-                  </a:ext>
-                </a:extLst>
-              </p:cNvPr>
-              <p:cNvSpPr/>
-              <p:nvPr/>
-            </p:nvSpPr>
-            <p:spPr>
-              <a:xfrm rot="14194995" flipV="1">
-                <a:off x="4843042" y="4123696"/>
-                <a:ext cx="337946" cy="45719"/>
-              </a:xfrm>
-              <a:custGeom>
-                <a:avLst/>
-                <a:gdLst>
-                  <a:gd name="connsiteX0" fmla="*/ 0 w 707010"/>
-                  <a:gd name="connsiteY0" fmla="*/ 277168 h 456318"/>
-                  <a:gd name="connsiteX1" fmla="*/ 179109 w 707010"/>
-                  <a:gd name="connsiteY1" fmla="*/ 3790 h 456318"/>
-                  <a:gd name="connsiteX2" fmla="*/ 311084 w 707010"/>
-                  <a:gd name="connsiteY2" fmla="*/ 456277 h 456318"/>
-                  <a:gd name="connsiteX3" fmla="*/ 471340 w 707010"/>
-                  <a:gd name="connsiteY3" fmla="*/ 32071 h 456318"/>
-                  <a:gd name="connsiteX4" fmla="*/ 612742 w 707010"/>
-                  <a:gd name="connsiteY4" fmla="*/ 296021 h 456318"/>
-                  <a:gd name="connsiteX5" fmla="*/ 707010 w 707010"/>
-                  <a:gd name="connsiteY5" fmla="*/ 314875 h 456318"/>
-                </a:gdLst>
-                <a:ahLst/>
-                <a:cxnLst>
-                  <a:cxn ang="0">
-                    <a:pos x="connsiteX0" y="connsiteY0"/>
-                  </a:cxn>
-                  <a:cxn ang="0">
-                    <a:pos x="connsiteX1" y="connsiteY1"/>
-                  </a:cxn>
-                  <a:cxn ang="0">
-                    <a:pos x="connsiteX2" y="connsiteY2"/>
-                  </a:cxn>
-                  <a:cxn ang="0">
-                    <a:pos x="connsiteX3" y="connsiteY3"/>
-                  </a:cxn>
-                  <a:cxn ang="0">
-                    <a:pos x="connsiteX4" y="connsiteY4"/>
-                  </a:cxn>
-                  <a:cxn ang="0">
-                    <a:pos x="connsiteX5" y="connsiteY5"/>
-                  </a:cxn>
-                </a:cxnLst>
-                <a:rect l="l" t="t" r="r" b="b"/>
-                <a:pathLst>
-                  <a:path w="707010" h="456318">
-                    <a:moveTo>
-                      <a:pt x="0" y="277168"/>
-                    </a:moveTo>
-                    <a:cubicBezTo>
-                      <a:pt x="63631" y="125553"/>
-                      <a:pt x="127262" y="-26061"/>
-                      <a:pt x="179109" y="3790"/>
-                    </a:cubicBezTo>
-                    <a:cubicBezTo>
-                      <a:pt x="230956" y="33641"/>
-                      <a:pt x="262379" y="451564"/>
-                      <a:pt x="311084" y="456277"/>
-                    </a:cubicBezTo>
-                    <a:cubicBezTo>
-                      <a:pt x="359789" y="460991"/>
-                      <a:pt x="421064" y="58780"/>
-                      <a:pt x="471340" y="32071"/>
-                    </a:cubicBezTo>
-                    <a:cubicBezTo>
-                      <a:pt x="521616" y="5362"/>
-                      <a:pt x="573464" y="248887"/>
-                      <a:pt x="612742" y="296021"/>
-                    </a:cubicBezTo>
-                    <a:cubicBezTo>
-                      <a:pt x="652020" y="343155"/>
-                      <a:pt x="642594" y="311733"/>
-                      <a:pt x="707010" y="314875"/>
-                    </a:cubicBezTo>
-                  </a:path>
-                </a:pathLst>
-              </a:custGeom>
-              <a:noFill/>
-              <a:ln w="9525">
-                <a:solidFill>
-                  <a:srgbClr val="FF0000"/>
-                </a:solidFill>
-                <a:headEnd type="none" w="med" len="med"/>
-                <a:tailEnd type="arrow" w="med" len="med"/>
-              </a:ln>
-            </p:spPr>
-            <p:style>
-              <a:lnRef idx="2">
-                <a:schemeClr val="accent1">
-                  <a:shade val="50000"/>
-                </a:schemeClr>
-              </a:lnRef>
-              <a:fillRef idx="1">
-                <a:schemeClr val="accent1"/>
-              </a:fillRef>
-              <a:effectRef idx="0">
-                <a:schemeClr val="accent1"/>
-              </a:effectRef>
-              <a:fontRef idx="minor">
-                <a:schemeClr val="lt1"/>
-              </a:fontRef>
-            </p:style>
-            <p:txBody>
-              <a:bodyPr rtlCol="0" anchor="ctr"/>
-              <a:lstStyle/>
-              <a:p>
-                <a:pPr algn="ctr"/>
-                <a:endParaRPr lang="en-US"/>
-              </a:p>
-            </p:txBody>
-          </p:sp>
-        </p:grpSp>
-        <p:grpSp>
-          <p:nvGrpSpPr>
-            <p:cNvPr id="113" name="Group 112">
-              <a:extLst>
-                <a:ext uri="{FF2B5EF4-FFF2-40B4-BE49-F238E27FC236}">
-                  <a16:creationId xmlns:a16="http://schemas.microsoft.com/office/drawing/2014/main" id="{FAC66519-A8DE-495F-8A71-CB1912AAEC39}"/>
-                </a:ext>
-              </a:extLst>
-            </p:cNvPr>
-            <p:cNvGrpSpPr/>
-            <p:nvPr/>
-          </p:nvGrpSpPr>
-          <p:grpSpPr>
-            <a:xfrm flipH="1">
-              <a:off x="6258719" y="3978040"/>
-              <a:ext cx="1069802" cy="948922"/>
-              <a:chOff x="3965072" y="3977583"/>
-              <a:chExt cx="1069802" cy="948922"/>
-            </a:xfrm>
-          </p:grpSpPr>
-          <p:sp>
-            <p:nvSpPr>
-              <p:cNvPr id="114" name="Freeform: Shape 113">
-                <a:extLst>
-                  <a:ext uri="{FF2B5EF4-FFF2-40B4-BE49-F238E27FC236}">
-                    <a16:creationId xmlns:a16="http://schemas.microsoft.com/office/drawing/2014/main" id="{CCC06FF3-7850-4A71-85A2-6394D9BE1322}"/>
-                  </a:ext>
-                </a:extLst>
-              </p:cNvPr>
-              <p:cNvSpPr/>
-              <p:nvPr/>
-            </p:nvSpPr>
-            <p:spPr>
-              <a:xfrm rot="14194995" flipV="1">
-                <a:off x="3818959" y="4734672"/>
-                <a:ext cx="337946" cy="45719"/>
-              </a:xfrm>
-              <a:custGeom>
-                <a:avLst/>
-                <a:gdLst>
-                  <a:gd name="connsiteX0" fmla="*/ 0 w 707010"/>
-                  <a:gd name="connsiteY0" fmla="*/ 277168 h 456318"/>
-                  <a:gd name="connsiteX1" fmla="*/ 179109 w 707010"/>
-                  <a:gd name="connsiteY1" fmla="*/ 3790 h 456318"/>
-                  <a:gd name="connsiteX2" fmla="*/ 311084 w 707010"/>
-                  <a:gd name="connsiteY2" fmla="*/ 456277 h 456318"/>
-                  <a:gd name="connsiteX3" fmla="*/ 471340 w 707010"/>
-                  <a:gd name="connsiteY3" fmla="*/ 32071 h 456318"/>
-                  <a:gd name="connsiteX4" fmla="*/ 612742 w 707010"/>
-                  <a:gd name="connsiteY4" fmla="*/ 296021 h 456318"/>
-                  <a:gd name="connsiteX5" fmla="*/ 707010 w 707010"/>
-                  <a:gd name="connsiteY5" fmla="*/ 314875 h 456318"/>
-                </a:gdLst>
-                <a:ahLst/>
-                <a:cxnLst>
-                  <a:cxn ang="0">
-                    <a:pos x="connsiteX0" y="connsiteY0"/>
-                  </a:cxn>
-                  <a:cxn ang="0">
-                    <a:pos x="connsiteX1" y="connsiteY1"/>
-                  </a:cxn>
-                  <a:cxn ang="0">
-                    <a:pos x="connsiteX2" y="connsiteY2"/>
-                  </a:cxn>
-                  <a:cxn ang="0">
-                    <a:pos x="connsiteX3" y="connsiteY3"/>
-                  </a:cxn>
-                  <a:cxn ang="0">
-                    <a:pos x="connsiteX4" y="connsiteY4"/>
-                  </a:cxn>
-                  <a:cxn ang="0">
-                    <a:pos x="connsiteX5" y="connsiteY5"/>
-                  </a:cxn>
-                </a:cxnLst>
-                <a:rect l="l" t="t" r="r" b="b"/>
-                <a:pathLst>
-                  <a:path w="707010" h="456318">
-                    <a:moveTo>
-                      <a:pt x="0" y="277168"/>
-                    </a:moveTo>
-                    <a:cubicBezTo>
-                      <a:pt x="63631" y="125553"/>
-                      <a:pt x="127262" y="-26061"/>
-                      <a:pt x="179109" y="3790"/>
-                    </a:cubicBezTo>
-                    <a:cubicBezTo>
-                      <a:pt x="230956" y="33641"/>
-                      <a:pt x="262379" y="451564"/>
-                      <a:pt x="311084" y="456277"/>
-                    </a:cubicBezTo>
-                    <a:cubicBezTo>
-                      <a:pt x="359789" y="460991"/>
-                      <a:pt x="421064" y="58780"/>
-                      <a:pt x="471340" y="32071"/>
-                    </a:cubicBezTo>
-                    <a:cubicBezTo>
-                      <a:pt x="521616" y="5362"/>
-                      <a:pt x="573464" y="248887"/>
-                      <a:pt x="612742" y="296021"/>
-                    </a:cubicBezTo>
-                    <a:cubicBezTo>
-                      <a:pt x="652020" y="343155"/>
-                      <a:pt x="642594" y="311733"/>
-                      <a:pt x="707010" y="314875"/>
-                    </a:cubicBezTo>
-                  </a:path>
-                </a:pathLst>
-              </a:custGeom>
-              <a:noFill/>
-              <a:ln w="9525">
-                <a:solidFill>
-                  <a:srgbClr val="FF0000"/>
-                </a:solidFill>
-                <a:headEnd type="none" w="med" len="med"/>
-                <a:tailEnd type="arrow" w="med" len="med"/>
-              </a:ln>
-            </p:spPr>
-            <p:style>
-              <a:lnRef idx="2">
-                <a:schemeClr val="accent1">
-                  <a:shade val="50000"/>
-                </a:schemeClr>
-              </a:lnRef>
-              <a:fillRef idx="1">
-                <a:schemeClr val="accent1"/>
-              </a:fillRef>
-              <a:effectRef idx="0">
-                <a:schemeClr val="accent1"/>
-              </a:effectRef>
-              <a:fontRef idx="minor">
-                <a:schemeClr val="lt1"/>
-              </a:fontRef>
-            </p:style>
-            <p:txBody>
-              <a:bodyPr rtlCol="0" anchor="ctr"/>
-              <a:lstStyle/>
-              <a:p>
-                <a:pPr algn="ctr"/>
-                <a:endParaRPr lang="en-US"/>
-              </a:p>
-            </p:txBody>
-          </p:sp>
-          <p:sp>
-            <p:nvSpPr>
-              <p:cNvPr id="115" name="Freeform: Shape 114">
-                <a:extLst>
-                  <a:ext uri="{FF2B5EF4-FFF2-40B4-BE49-F238E27FC236}">
-                    <a16:creationId xmlns:a16="http://schemas.microsoft.com/office/drawing/2014/main" id="{228A342F-612E-413C-950C-6F7895A495B5}"/>
-                  </a:ext>
-                </a:extLst>
-              </p:cNvPr>
-              <p:cNvSpPr/>
-              <p:nvPr/>
-            </p:nvSpPr>
-            <p:spPr>
-              <a:xfrm rot="14194995" flipV="1">
-                <a:off x="4323292" y="4430955"/>
-                <a:ext cx="337946" cy="45719"/>
-              </a:xfrm>
-              <a:custGeom>
-                <a:avLst/>
-                <a:gdLst>
-                  <a:gd name="connsiteX0" fmla="*/ 0 w 707010"/>
-                  <a:gd name="connsiteY0" fmla="*/ 277168 h 456318"/>
-                  <a:gd name="connsiteX1" fmla="*/ 179109 w 707010"/>
-                  <a:gd name="connsiteY1" fmla="*/ 3790 h 456318"/>
-                  <a:gd name="connsiteX2" fmla="*/ 311084 w 707010"/>
-                  <a:gd name="connsiteY2" fmla="*/ 456277 h 456318"/>
-                  <a:gd name="connsiteX3" fmla="*/ 471340 w 707010"/>
-                  <a:gd name="connsiteY3" fmla="*/ 32071 h 456318"/>
-                  <a:gd name="connsiteX4" fmla="*/ 612742 w 707010"/>
-                  <a:gd name="connsiteY4" fmla="*/ 296021 h 456318"/>
-                  <a:gd name="connsiteX5" fmla="*/ 707010 w 707010"/>
-                  <a:gd name="connsiteY5" fmla="*/ 314875 h 456318"/>
-                </a:gdLst>
-                <a:ahLst/>
-                <a:cxnLst>
-                  <a:cxn ang="0">
-                    <a:pos x="connsiteX0" y="connsiteY0"/>
-                  </a:cxn>
-                  <a:cxn ang="0">
-                    <a:pos x="connsiteX1" y="connsiteY1"/>
-                  </a:cxn>
-                  <a:cxn ang="0">
-                    <a:pos x="connsiteX2" y="connsiteY2"/>
-                  </a:cxn>
-                  <a:cxn ang="0">
-                    <a:pos x="connsiteX3" y="connsiteY3"/>
-                  </a:cxn>
-                  <a:cxn ang="0">
-                    <a:pos x="connsiteX4" y="connsiteY4"/>
-                  </a:cxn>
-                  <a:cxn ang="0">
-                    <a:pos x="connsiteX5" y="connsiteY5"/>
-                  </a:cxn>
-                </a:cxnLst>
-                <a:rect l="l" t="t" r="r" b="b"/>
-                <a:pathLst>
-                  <a:path w="707010" h="456318">
-                    <a:moveTo>
-                      <a:pt x="0" y="277168"/>
-                    </a:moveTo>
-                    <a:cubicBezTo>
-                      <a:pt x="63631" y="125553"/>
-                      <a:pt x="127262" y="-26061"/>
-                      <a:pt x="179109" y="3790"/>
-                    </a:cubicBezTo>
-                    <a:cubicBezTo>
-                      <a:pt x="230956" y="33641"/>
-                      <a:pt x="262379" y="451564"/>
-                      <a:pt x="311084" y="456277"/>
-                    </a:cubicBezTo>
-                    <a:cubicBezTo>
-                      <a:pt x="359789" y="460991"/>
-                      <a:pt x="421064" y="58780"/>
-                      <a:pt x="471340" y="32071"/>
-                    </a:cubicBezTo>
-                    <a:cubicBezTo>
-                      <a:pt x="521616" y="5362"/>
-                      <a:pt x="573464" y="248887"/>
-                      <a:pt x="612742" y="296021"/>
-                    </a:cubicBezTo>
-                    <a:cubicBezTo>
-                      <a:pt x="652020" y="343155"/>
-                      <a:pt x="642594" y="311733"/>
-                      <a:pt x="707010" y="314875"/>
-                    </a:cubicBezTo>
-                  </a:path>
-                </a:pathLst>
-              </a:custGeom>
-              <a:noFill/>
-              <a:ln w="9525">
-                <a:solidFill>
-                  <a:srgbClr val="FF0000"/>
-                </a:solidFill>
-                <a:headEnd type="none" w="med" len="med"/>
-                <a:tailEnd type="arrow" w="med" len="med"/>
-              </a:ln>
-            </p:spPr>
-            <p:style>
-              <a:lnRef idx="2">
-                <a:schemeClr val="accent1">
-                  <a:shade val="50000"/>
-                </a:schemeClr>
-              </a:lnRef>
-              <a:fillRef idx="1">
-                <a:schemeClr val="accent1"/>
-              </a:fillRef>
-              <a:effectRef idx="0">
-                <a:schemeClr val="accent1"/>
-              </a:effectRef>
-              <a:fontRef idx="minor">
-                <a:schemeClr val="lt1"/>
-              </a:fontRef>
-            </p:style>
-            <p:txBody>
-              <a:bodyPr rtlCol="0" anchor="ctr"/>
-              <a:lstStyle/>
-              <a:p>
-                <a:pPr algn="ctr"/>
-                <a:endParaRPr lang="en-US"/>
-              </a:p>
-            </p:txBody>
-          </p:sp>
-          <p:sp>
-            <p:nvSpPr>
-              <p:cNvPr id="116" name="Freeform: Shape 115">
-                <a:extLst>
-                  <a:ext uri="{FF2B5EF4-FFF2-40B4-BE49-F238E27FC236}">
-                    <a16:creationId xmlns:a16="http://schemas.microsoft.com/office/drawing/2014/main" id="{1CEA0BB8-5611-4F60-874A-15A802167F6A}"/>
-                  </a:ext>
-                </a:extLst>
-              </p:cNvPr>
-              <p:cNvSpPr/>
-              <p:nvPr/>
-            </p:nvSpPr>
-            <p:spPr>
-              <a:xfrm rot="14194995" flipV="1">
-                <a:off x="4843042" y="4123696"/>
-                <a:ext cx="337946" cy="45719"/>
-              </a:xfrm>
-              <a:custGeom>
-                <a:avLst/>
-                <a:gdLst>
-                  <a:gd name="connsiteX0" fmla="*/ 0 w 707010"/>
-                  <a:gd name="connsiteY0" fmla="*/ 277168 h 456318"/>
-                  <a:gd name="connsiteX1" fmla="*/ 179109 w 707010"/>
-                  <a:gd name="connsiteY1" fmla="*/ 3790 h 456318"/>
-                  <a:gd name="connsiteX2" fmla="*/ 311084 w 707010"/>
-                  <a:gd name="connsiteY2" fmla="*/ 456277 h 456318"/>
-                  <a:gd name="connsiteX3" fmla="*/ 471340 w 707010"/>
-                  <a:gd name="connsiteY3" fmla="*/ 32071 h 456318"/>
-                  <a:gd name="connsiteX4" fmla="*/ 612742 w 707010"/>
-                  <a:gd name="connsiteY4" fmla="*/ 296021 h 456318"/>
-                  <a:gd name="connsiteX5" fmla="*/ 707010 w 707010"/>
-                  <a:gd name="connsiteY5" fmla="*/ 314875 h 456318"/>
-                </a:gdLst>
-                <a:ahLst/>
-                <a:cxnLst>
-                  <a:cxn ang="0">
-                    <a:pos x="connsiteX0" y="connsiteY0"/>
-                  </a:cxn>
-                  <a:cxn ang="0">
-                    <a:pos x="connsiteX1" y="connsiteY1"/>
-                  </a:cxn>
-                  <a:cxn ang="0">
-                    <a:pos x="connsiteX2" y="connsiteY2"/>
-                  </a:cxn>
-                  <a:cxn ang="0">
-                    <a:pos x="connsiteX3" y="connsiteY3"/>
-                  </a:cxn>
-                  <a:cxn ang="0">
-                    <a:pos x="connsiteX4" y="connsiteY4"/>
-                  </a:cxn>
-                  <a:cxn ang="0">
-                    <a:pos x="connsiteX5" y="connsiteY5"/>
-                  </a:cxn>
-                </a:cxnLst>
-                <a:rect l="l" t="t" r="r" b="b"/>
-                <a:pathLst>
-                  <a:path w="707010" h="456318">
-                    <a:moveTo>
-                      <a:pt x="0" y="277168"/>
-                    </a:moveTo>
-                    <a:cubicBezTo>
-                      <a:pt x="63631" y="125553"/>
-                      <a:pt x="127262" y="-26061"/>
-                      <a:pt x="179109" y="3790"/>
-                    </a:cubicBezTo>
-                    <a:cubicBezTo>
-                      <a:pt x="230956" y="33641"/>
-                      <a:pt x="262379" y="451564"/>
-                      <a:pt x="311084" y="456277"/>
-                    </a:cubicBezTo>
-                    <a:cubicBezTo>
-                      <a:pt x="359789" y="460991"/>
-                      <a:pt x="421064" y="58780"/>
-                      <a:pt x="471340" y="32071"/>
-                    </a:cubicBezTo>
-                    <a:cubicBezTo>
-                      <a:pt x="521616" y="5362"/>
-                      <a:pt x="573464" y="248887"/>
-                      <a:pt x="612742" y="296021"/>
-                    </a:cubicBezTo>
-                    <a:cubicBezTo>
-                      <a:pt x="652020" y="343155"/>
-                      <a:pt x="642594" y="311733"/>
-                      <a:pt x="707010" y="314875"/>
-                    </a:cubicBezTo>
-                  </a:path>
-                </a:pathLst>
-              </a:custGeom>
-              <a:noFill/>
-              <a:ln w="9525">
-                <a:solidFill>
-                  <a:srgbClr val="FF0000"/>
-                </a:solidFill>
-                <a:headEnd type="none" w="med" len="med"/>
-                <a:tailEnd type="arrow" w="med" len="med"/>
-              </a:ln>
-            </p:spPr>
-            <p:style>
-              <a:lnRef idx="2">
-                <a:schemeClr val="accent1">
-                  <a:shade val="50000"/>
-                </a:schemeClr>
-              </a:lnRef>
-              <a:fillRef idx="1">
-                <a:schemeClr val="accent1"/>
-              </a:fillRef>
-              <a:effectRef idx="0">
-                <a:schemeClr val="accent1"/>
-              </a:effectRef>
-              <a:fontRef idx="minor">
-                <a:schemeClr val="lt1"/>
-              </a:fontRef>
-            </p:style>
-            <p:txBody>
-              <a:bodyPr rtlCol="0" anchor="ctr"/>
-              <a:lstStyle/>
-              <a:p>
-                <a:pPr algn="ctr"/>
-                <a:endParaRPr lang="en-US"/>
-              </a:p>
-            </p:txBody>
-          </p:sp>
-        </p:grpSp>
-        <p:sp>
-          <p:nvSpPr>
-            <p:cNvPr id="118" name="TextBox 117">
-              <a:extLst>
-                <a:ext uri="{FF2B5EF4-FFF2-40B4-BE49-F238E27FC236}">
-                  <a16:creationId xmlns:a16="http://schemas.microsoft.com/office/drawing/2014/main" id="{EB96B73A-4FD9-477A-8BCC-4165D4FA7B3F}"/>
-                </a:ext>
-              </a:extLst>
-            </p:cNvPr>
-            <p:cNvSpPr txBox="1"/>
-            <p:nvPr/>
-          </p:nvSpPr>
-          <p:spPr>
-            <a:xfrm rot="19729540">
-              <a:off x="3381216" y="4068293"/>
-              <a:ext cx="1904092" cy="276999"/>
-            </a:xfrm>
-            <a:prstGeom prst="rect">
-              <a:avLst/>
-            </a:prstGeom>
-            <a:noFill/>
-          </p:spPr>
-          <p:txBody>
-            <a:bodyPr wrap="square" rtlCol="0">
-              <a:spAutoFit/>
-            </a:bodyPr>
-            <a:lstStyle/>
-            <a:p>
-              <a:pPr algn="ctr"/>
-              <a:r>
-                <a:rPr lang="en-US" sz="1200" dirty="0">
-                  <a:solidFill>
-                    <a:srgbClr val="FF0000"/>
-                  </a:solidFill>
-                  <a:latin typeface="Times New Roman" panose="02020603050405020304" pitchFamily="18" charset="0"/>
-                  <a:cs typeface="Times New Roman" panose="02020603050405020304" pitchFamily="18" charset="0"/>
-                </a:rPr>
-                <a:t>Stir-Friction Heating</a:t>
-              </a:r>
-            </a:p>
-          </p:txBody>
-        </p:sp>
-        <p:cxnSp>
-          <p:nvCxnSpPr>
-            <p:cNvPr id="66" name="Straight Connector 65">
-              <a:extLst>
-                <a:ext uri="{FF2B5EF4-FFF2-40B4-BE49-F238E27FC236}">
-                  <a16:creationId xmlns:a16="http://schemas.microsoft.com/office/drawing/2014/main" id="{F678F1A7-A9D4-4DD4-B6F2-58596092BAEC}"/>
-                </a:ext>
-              </a:extLst>
-            </p:cNvPr>
-            <p:cNvCxnSpPr>
-              <a:cxnSpLocks/>
-            </p:cNvCxnSpPr>
-            <p:nvPr/>
-          </p:nvCxnSpPr>
-          <p:spPr>
-            <a:xfrm>
-              <a:off x="3784600" y="3753428"/>
-              <a:ext cx="75840" cy="0"/>
-            </a:xfrm>
-            <a:prstGeom prst="line">
-              <a:avLst/>
-            </a:prstGeom>
-            <a:ln w="19050">
-              <a:solidFill>
-                <a:schemeClr val="tx1"/>
-              </a:solidFill>
-            </a:ln>
-          </p:spPr>
-          <p:style>
-            <a:lnRef idx="1">
-              <a:schemeClr val="accent1"/>
-            </a:lnRef>
-            <a:fillRef idx="0">
-              <a:schemeClr val="accent1"/>
-            </a:fillRef>
-            <a:effectRef idx="0">
-              <a:schemeClr val="accent1"/>
-            </a:effectRef>
-            <a:fontRef idx="minor">
-              <a:schemeClr val="tx1"/>
-            </a:fontRef>
-          </p:style>
-        </p:cxnSp>
-        <p:sp>
-          <p:nvSpPr>
-            <p:cNvPr id="79" name="Rectangle 78">
-              <a:extLst>
-                <a:ext uri="{FF2B5EF4-FFF2-40B4-BE49-F238E27FC236}">
-                  <a16:creationId xmlns:a16="http://schemas.microsoft.com/office/drawing/2014/main" id="{51649563-638A-4120-8740-22304B38E6D1}"/>
-                </a:ext>
-              </a:extLst>
-            </p:cNvPr>
-            <p:cNvSpPr/>
-            <p:nvPr/>
-          </p:nvSpPr>
-          <p:spPr>
-            <a:xfrm>
-              <a:off x="3773841" y="3285732"/>
-              <a:ext cx="101767" cy="45719"/>
+              <a:off x="4028440" y="1033780"/>
+              <a:ext cx="82295" cy="1556506"/>
             </a:xfrm>
             <a:prstGeom prst="rect">
               <a:avLst/>
@@ -13508,12 +9882,237 @@
             </a:p>
           </p:txBody>
         </p:sp>
+        <p:cxnSp>
+          <p:nvCxnSpPr>
+            <p:cNvPr id="67" name="Straight Connector 66">
+              <a:extLst>
+                <a:ext uri="{FF2B5EF4-FFF2-40B4-BE49-F238E27FC236}">
+                  <a16:creationId xmlns:a16="http://schemas.microsoft.com/office/drawing/2014/main" id="{0F61186D-03F0-48DF-A093-15EB856E9D57}"/>
+                </a:ext>
+              </a:extLst>
+            </p:cNvPr>
+            <p:cNvCxnSpPr/>
+            <p:nvPr/>
+          </p:nvCxnSpPr>
+          <p:spPr>
+            <a:xfrm>
+              <a:off x="4110735" y="1033780"/>
+              <a:ext cx="0" cy="1556506"/>
+            </a:xfrm>
+            <a:prstGeom prst="line">
+              <a:avLst/>
+            </a:prstGeom>
+            <a:ln w="19050">
+              <a:solidFill>
+                <a:schemeClr val="tx1"/>
+              </a:solidFill>
+            </a:ln>
+          </p:spPr>
+          <p:style>
+            <a:lnRef idx="1">
+              <a:schemeClr val="accent1"/>
+            </a:lnRef>
+            <a:fillRef idx="0">
+              <a:schemeClr val="accent1"/>
+            </a:fillRef>
+            <a:effectRef idx="0">
+              <a:schemeClr val="accent1"/>
+            </a:effectRef>
+            <a:fontRef idx="minor">
+              <a:schemeClr val="tx1"/>
+            </a:fontRef>
+          </p:style>
+        </p:cxnSp>
+        <p:cxnSp>
+          <p:nvCxnSpPr>
+            <p:cNvPr id="68" name="Straight Connector 67">
+              <a:extLst>
+                <a:ext uri="{FF2B5EF4-FFF2-40B4-BE49-F238E27FC236}">
+                  <a16:creationId xmlns:a16="http://schemas.microsoft.com/office/drawing/2014/main" id="{DA2EA3BA-DE5C-4906-AE4E-E67EFB3F6F9D}"/>
+                </a:ext>
+              </a:extLst>
+            </p:cNvPr>
+            <p:cNvCxnSpPr/>
+            <p:nvPr/>
+          </p:nvCxnSpPr>
+          <p:spPr>
+            <a:xfrm>
+              <a:off x="4028440" y="1033780"/>
+              <a:ext cx="0" cy="1556506"/>
+            </a:xfrm>
+            <a:prstGeom prst="line">
+              <a:avLst/>
+            </a:prstGeom>
+            <a:ln w="19050">
+              <a:solidFill>
+                <a:schemeClr val="tx1"/>
+              </a:solidFill>
+            </a:ln>
+          </p:spPr>
+          <p:style>
+            <a:lnRef idx="1">
+              <a:schemeClr val="accent1"/>
+            </a:lnRef>
+            <a:fillRef idx="0">
+              <a:schemeClr val="accent1"/>
+            </a:fillRef>
+            <a:effectRef idx="0">
+              <a:schemeClr val="accent1"/>
+            </a:effectRef>
+            <a:fontRef idx="minor">
+              <a:schemeClr val="tx1"/>
+            </a:fontRef>
+          </p:style>
+        </p:cxnSp>
+      </p:grpSp>
+      <p:sp>
+        <p:nvSpPr>
+          <p:cNvPr id="70" name="Freeform: Shape 69">
+            <a:extLst>
+              <a:ext uri="{FF2B5EF4-FFF2-40B4-BE49-F238E27FC236}">
+                <a16:creationId xmlns:a16="http://schemas.microsoft.com/office/drawing/2014/main" id="{FE9F76F0-1E28-49B4-87EB-9F1EDF1EE002}"/>
+              </a:ext>
+            </a:extLst>
+          </p:cNvPr>
+          <p:cNvSpPr/>
+          <p:nvPr/>
+        </p:nvSpPr>
+        <p:spPr>
+          <a:xfrm rot="10486998" flipH="1" flipV="1">
+            <a:off x="3862833" y="3302145"/>
+            <a:ext cx="342657" cy="45719"/>
+          </a:xfrm>
+          <a:custGeom>
+            <a:avLst/>
+            <a:gdLst>
+              <a:gd name="connsiteX0" fmla="*/ 0 w 707010"/>
+              <a:gd name="connsiteY0" fmla="*/ 277168 h 456318"/>
+              <a:gd name="connsiteX1" fmla="*/ 179109 w 707010"/>
+              <a:gd name="connsiteY1" fmla="*/ 3790 h 456318"/>
+              <a:gd name="connsiteX2" fmla="*/ 311084 w 707010"/>
+              <a:gd name="connsiteY2" fmla="*/ 456277 h 456318"/>
+              <a:gd name="connsiteX3" fmla="*/ 471340 w 707010"/>
+              <a:gd name="connsiteY3" fmla="*/ 32071 h 456318"/>
+              <a:gd name="connsiteX4" fmla="*/ 612742 w 707010"/>
+              <a:gd name="connsiteY4" fmla="*/ 296021 h 456318"/>
+              <a:gd name="connsiteX5" fmla="*/ 707010 w 707010"/>
+              <a:gd name="connsiteY5" fmla="*/ 314875 h 456318"/>
+            </a:gdLst>
+            <a:ahLst/>
+            <a:cxnLst>
+              <a:cxn ang="0">
+                <a:pos x="connsiteX0" y="connsiteY0"/>
+              </a:cxn>
+              <a:cxn ang="0">
+                <a:pos x="connsiteX1" y="connsiteY1"/>
+              </a:cxn>
+              <a:cxn ang="0">
+                <a:pos x="connsiteX2" y="connsiteY2"/>
+              </a:cxn>
+              <a:cxn ang="0">
+                <a:pos x="connsiteX3" y="connsiteY3"/>
+              </a:cxn>
+              <a:cxn ang="0">
+                <a:pos x="connsiteX4" y="connsiteY4"/>
+              </a:cxn>
+              <a:cxn ang="0">
+                <a:pos x="connsiteX5" y="connsiteY5"/>
+              </a:cxn>
+            </a:cxnLst>
+            <a:rect l="l" t="t" r="r" b="b"/>
+            <a:pathLst>
+              <a:path w="707010" h="456318">
+                <a:moveTo>
+                  <a:pt x="0" y="277168"/>
+                </a:moveTo>
+                <a:cubicBezTo>
+                  <a:pt x="63631" y="125553"/>
+                  <a:pt x="127262" y="-26061"/>
+                  <a:pt x="179109" y="3790"/>
+                </a:cubicBezTo>
+                <a:cubicBezTo>
+                  <a:pt x="230956" y="33641"/>
+                  <a:pt x="262379" y="451564"/>
+                  <a:pt x="311084" y="456277"/>
+                </a:cubicBezTo>
+                <a:cubicBezTo>
+                  <a:pt x="359789" y="460991"/>
+                  <a:pt x="421064" y="58780"/>
+                  <a:pt x="471340" y="32071"/>
+                </a:cubicBezTo>
+                <a:cubicBezTo>
+                  <a:pt x="521616" y="5362"/>
+                  <a:pt x="573464" y="248887"/>
+                  <a:pt x="612742" y="296021"/>
+                </a:cubicBezTo>
+                <a:cubicBezTo>
+                  <a:pt x="652020" y="343155"/>
+                  <a:pt x="642594" y="311733"/>
+                  <a:pt x="707010" y="314875"/>
+                </a:cubicBezTo>
+              </a:path>
+            </a:pathLst>
+          </a:custGeom>
+          <a:noFill/>
+          <a:ln w="6350">
+            <a:solidFill>
+              <a:srgbClr val="00B0F0"/>
+            </a:solidFill>
+            <a:headEnd type="none" w="med" len="med"/>
+            <a:tailEnd type="arrow" w="med" len="med"/>
+          </a:ln>
+        </p:spPr>
+        <p:style>
+          <a:lnRef idx="2">
+            <a:schemeClr val="accent1">
+              <a:shade val="50000"/>
+            </a:schemeClr>
+          </a:lnRef>
+          <a:fillRef idx="1">
+            <a:schemeClr val="accent1"/>
+          </a:fillRef>
+          <a:effectRef idx="0">
+            <a:schemeClr val="accent1"/>
+          </a:effectRef>
+          <a:fontRef idx="minor">
+            <a:schemeClr val="lt1"/>
+          </a:fontRef>
+        </p:style>
+        <p:txBody>
+          <a:bodyPr rtlCol="0" anchor="ctr"/>
+          <a:lstStyle/>
+          <a:p>
+            <a:pPr algn="ctr"/>
+            <a:endParaRPr lang="en-US"/>
+          </a:p>
+        </p:txBody>
+      </p:sp>
+      <p:grpSp>
+        <p:nvGrpSpPr>
+          <p:cNvPr id="73" name="Group 72">
+            <a:extLst>
+              <a:ext uri="{FF2B5EF4-FFF2-40B4-BE49-F238E27FC236}">
+                <a16:creationId xmlns:a16="http://schemas.microsoft.com/office/drawing/2014/main" id="{D71E8256-CA90-4021-94A6-17CC6C76B56B}"/>
+              </a:ext>
+            </a:extLst>
+          </p:cNvPr>
+          <p:cNvGrpSpPr/>
+          <p:nvPr/>
+        </p:nvGrpSpPr>
+        <p:grpSpPr>
+          <a:xfrm>
+            <a:off x="7359875" y="1009226"/>
+            <a:ext cx="82294" cy="3147563"/>
+            <a:chOff x="4028440" y="1033780"/>
+            <a:chExt cx="82295" cy="1556506"/>
+          </a:xfrm>
+        </p:grpSpPr>
         <p:sp>
           <p:nvSpPr>
-            <p:cNvPr id="82" name="Rectangle 81">
+            <p:cNvPr id="74" name="Rectangle 73">
               <a:extLst>
                 <a:ext uri="{FF2B5EF4-FFF2-40B4-BE49-F238E27FC236}">
-                  <a16:creationId xmlns:a16="http://schemas.microsoft.com/office/drawing/2014/main" id="{E5A0C793-91D9-49E1-BBB9-ABBB3709DCD3}"/>
+                  <a16:creationId xmlns:a16="http://schemas.microsoft.com/office/drawing/2014/main" id="{025086E7-EFDF-4ADE-B8E2-E9434692F08E}"/>
                 </a:ext>
               </a:extLst>
             </p:cNvPr>
@@ -13522,8 +10121,8 @@
           </p:nvSpPr>
           <p:spPr>
             <a:xfrm>
-              <a:off x="3777632" y="3436160"/>
-              <a:ext cx="101768" cy="45719"/>
+              <a:off x="4028440" y="1033780"/>
+              <a:ext cx="82295" cy="1556506"/>
             </a:xfrm>
             <a:prstGeom prst="rect">
               <a:avLst/>
@@ -13562,12 +10161,1301 @@
             </a:p>
           </p:txBody>
         </p:sp>
+        <p:cxnSp>
+          <p:nvCxnSpPr>
+            <p:cNvPr id="75" name="Straight Connector 74">
+              <a:extLst>
+                <a:ext uri="{FF2B5EF4-FFF2-40B4-BE49-F238E27FC236}">
+                  <a16:creationId xmlns:a16="http://schemas.microsoft.com/office/drawing/2014/main" id="{AE8C4D3D-957A-400B-A4F9-95ABD8292955}"/>
+                </a:ext>
+              </a:extLst>
+            </p:cNvPr>
+            <p:cNvCxnSpPr/>
+            <p:nvPr/>
+          </p:nvCxnSpPr>
+          <p:spPr>
+            <a:xfrm>
+              <a:off x="4110735" y="1033780"/>
+              <a:ext cx="0" cy="1556506"/>
+            </a:xfrm>
+            <a:prstGeom prst="line">
+              <a:avLst/>
+            </a:prstGeom>
+            <a:ln w="19050">
+              <a:solidFill>
+                <a:schemeClr val="tx1"/>
+              </a:solidFill>
+            </a:ln>
+          </p:spPr>
+          <p:style>
+            <a:lnRef idx="1">
+              <a:schemeClr val="accent1"/>
+            </a:lnRef>
+            <a:fillRef idx="0">
+              <a:schemeClr val="accent1"/>
+            </a:fillRef>
+            <a:effectRef idx="0">
+              <a:schemeClr val="accent1"/>
+            </a:effectRef>
+            <a:fontRef idx="minor">
+              <a:schemeClr val="tx1"/>
+            </a:fontRef>
+          </p:style>
+        </p:cxnSp>
+        <p:cxnSp>
+          <p:nvCxnSpPr>
+            <p:cNvPr id="76" name="Straight Connector 75">
+              <a:extLst>
+                <a:ext uri="{FF2B5EF4-FFF2-40B4-BE49-F238E27FC236}">
+                  <a16:creationId xmlns:a16="http://schemas.microsoft.com/office/drawing/2014/main" id="{EE56F7EE-C322-47F0-A9C5-1B1E79D19A00}"/>
+                </a:ext>
+              </a:extLst>
+            </p:cNvPr>
+            <p:cNvCxnSpPr/>
+            <p:nvPr/>
+          </p:nvCxnSpPr>
+          <p:spPr>
+            <a:xfrm>
+              <a:off x="4028440" y="1033780"/>
+              <a:ext cx="0" cy="1556506"/>
+            </a:xfrm>
+            <a:prstGeom prst="line">
+              <a:avLst/>
+            </a:prstGeom>
+            <a:ln w="19050">
+              <a:solidFill>
+                <a:schemeClr val="tx1"/>
+              </a:solidFill>
+            </a:ln>
+          </p:spPr>
+          <p:style>
+            <a:lnRef idx="1">
+              <a:schemeClr val="accent1"/>
+            </a:lnRef>
+            <a:fillRef idx="0">
+              <a:schemeClr val="accent1"/>
+            </a:fillRef>
+            <a:effectRef idx="0">
+              <a:schemeClr val="accent1"/>
+            </a:effectRef>
+            <a:fontRef idx="minor">
+              <a:schemeClr val="tx1"/>
+            </a:fontRef>
+          </p:style>
+        </p:cxnSp>
+      </p:grpSp>
+      <p:cxnSp>
+        <p:nvCxnSpPr>
+          <p:cNvPr id="78" name="Connector: Curved 77">
+            <a:extLst>
+              <a:ext uri="{FF2B5EF4-FFF2-40B4-BE49-F238E27FC236}">
+                <a16:creationId xmlns:a16="http://schemas.microsoft.com/office/drawing/2014/main" id="{A4AEBA4F-B7E2-4D60-9332-45A3604E4246}"/>
+              </a:ext>
+            </a:extLst>
+          </p:cNvPr>
+          <p:cNvCxnSpPr>
+            <a:cxnSpLocks/>
+          </p:cNvCxnSpPr>
+          <p:nvPr/>
+        </p:nvCxnSpPr>
+        <p:spPr>
+          <a:xfrm>
+            <a:off x="7401276" y="4156790"/>
+            <a:ext cx="411761" cy="395659"/>
+          </a:xfrm>
+          <a:prstGeom prst="curvedConnector3">
+            <a:avLst>
+              <a:gd name="adj1" fmla="val 20391"/>
+            </a:avLst>
+          </a:prstGeom>
+          <a:ln>
+            <a:solidFill>
+              <a:srgbClr val="00B050"/>
+            </a:solidFill>
+            <a:tailEnd type="triangle"/>
+          </a:ln>
+        </p:spPr>
+        <p:style>
+          <a:lnRef idx="1">
+            <a:schemeClr val="accent1"/>
+          </a:lnRef>
+          <a:fillRef idx="0">
+            <a:schemeClr val="accent1"/>
+          </a:fillRef>
+          <a:effectRef idx="0">
+            <a:schemeClr val="accent1"/>
+          </a:effectRef>
+          <a:fontRef idx="minor">
+            <a:schemeClr val="tx1"/>
+          </a:fontRef>
+        </p:style>
+      </p:cxnSp>
+      <p:cxnSp>
+        <p:nvCxnSpPr>
+          <p:cNvPr id="86" name="Connector: Curved 85">
+            <a:extLst>
+              <a:ext uri="{FF2B5EF4-FFF2-40B4-BE49-F238E27FC236}">
+                <a16:creationId xmlns:a16="http://schemas.microsoft.com/office/drawing/2014/main" id="{503C4EFC-A307-4D53-A67D-E16BCE10A12F}"/>
+              </a:ext>
+            </a:extLst>
+          </p:cNvPr>
+          <p:cNvCxnSpPr>
+            <a:cxnSpLocks/>
+          </p:cNvCxnSpPr>
+          <p:nvPr/>
+        </p:nvCxnSpPr>
+        <p:spPr>
+          <a:xfrm flipH="1">
+            <a:off x="6995335" y="4137923"/>
+            <a:ext cx="411761" cy="395659"/>
+          </a:xfrm>
+          <a:prstGeom prst="curvedConnector3">
+            <a:avLst>
+              <a:gd name="adj1" fmla="val 20391"/>
+            </a:avLst>
+          </a:prstGeom>
+          <a:ln>
+            <a:solidFill>
+              <a:srgbClr val="00B050"/>
+            </a:solidFill>
+            <a:tailEnd type="triangle"/>
+          </a:ln>
+        </p:spPr>
+        <p:style>
+          <a:lnRef idx="1">
+            <a:schemeClr val="accent1"/>
+          </a:lnRef>
+          <a:fillRef idx="0">
+            <a:schemeClr val="accent1"/>
+          </a:fillRef>
+          <a:effectRef idx="0">
+            <a:schemeClr val="accent1"/>
+          </a:effectRef>
+          <a:fontRef idx="minor">
+            <a:schemeClr val="tx1"/>
+          </a:fontRef>
+        </p:style>
+      </p:cxnSp>
+      <p:cxnSp>
+        <p:nvCxnSpPr>
+          <p:cNvPr id="88" name="Connector: Curved 87">
+            <a:extLst>
+              <a:ext uri="{FF2B5EF4-FFF2-40B4-BE49-F238E27FC236}">
+                <a16:creationId xmlns:a16="http://schemas.microsoft.com/office/drawing/2014/main" id="{B96A238B-583E-4505-8057-588E50FBE9C0}"/>
+              </a:ext>
+            </a:extLst>
+          </p:cNvPr>
+          <p:cNvCxnSpPr>
+            <a:cxnSpLocks/>
+            <a:stCxn id="74" idx="2"/>
+          </p:cNvCxnSpPr>
+          <p:nvPr/>
+        </p:nvCxnSpPr>
+        <p:spPr>
+          <a:xfrm rot="16200000" flipH="1">
+            <a:off x="7206320" y="4351490"/>
+            <a:ext cx="394779" cy="5375"/>
+          </a:xfrm>
+          <a:prstGeom prst="curvedConnector3">
+            <a:avLst>
+              <a:gd name="adj1" fmla="val 50000"/>
+            </a:avLst>
+          </a:prstGeom>
+          <a:ln>
+            <a:solidFill>
+              <a:srgbClr val="00B050"/>
+            </a:solidFill>
+            <a:tailEnd type="triangle"/>
+          </a:ln>
+        </p:spPr>
+        <p:style>
+          <a:lnRef idx="1">
+            <a:schemeClr val="accent1"/>
+          </a:lnRef>
+          <a:fillRef idx="0">
+            <a:schemeClr val="accent1"/>
+          </a:fillRef>
+          <a:effectRef idx="0">
+            <a:schemeClr val="accent1"/>
+          </a:effectRef>
+          <a:fontRef idx="minor">
+            <a:schemeClr val="tx1"/>
+          </a:fontRef>
+        </p:style>
+      </p:cxnSp>
+      <p:cxnSp>
+        <p:nvCxnSpPr>
+          <p:cNvPr id="92" name="Straight Arrow Connector 91">
+            <a:extLst>
+              <a:ext uri="{FF2B5EF4-FFF2-40B4-BE49-F238E27FC236}">
+                <a16:creationId xmlns:a16="http://schemas.microsoft.com/office/drawing/2014/main" id="{4DCB1CDB-F033-40AA-8A21-2636709364E6}"/>
+              </a:ext>
+            </a:extLst>
+          </p:cNvPr>
+          <p:cNvCxnSpPr>
+            <a:endCxn id="65" idx="0"/>
+          </p:cNvCxnSpPr>
+          <p:nvPr/>
+        </p:nvCxnSpPr>
+        <p:spPr>
+          <a:xfrm>
+            <a:off x="3825746" y="782320"/>
+            <a:ext cx="2" cy="231140"/>
+          </a:xfrm>
+          <a:prstGeom prst="straightConnector1">
+            <a:avLst/>
+          </a:prstGeom>
+          <a:ln w="28575">
+            <a:solidFill>
+              <a:srgbClr val="00B0F0"/>
+            </a:solidFill>
+            <a:tailEnd type="triangle"/>
+          </a:ln>
+        </p:spPr>
+        <p:style>
+          <a:lnRef idx="1">
+            <a:schemeClr val="accent1"/>
+          </a:lnRef>
+          <a:fillRef idx="0">
+            <a:schemeClr val="accent1"/>
+          </a:fillRef>
+          <a:effectRef idx="0">
+            <a:schemeClr val="accent1"/>
+          </a:effectRef>
+          <a:fontRef idx="minor">
+            <a:schemeClr val="tx1"/>
+          </a:fontRef>
+        </p:style>
+      </p:cxnSp>
+      <p:cxnSp>
+        <p:nvCxnSpPr>
+          <p:cNvPr id="93" name="Straight Arrow Connector 92">
+            <a:extLst>
+              <a:ext uri="{FF2B5EF4-FFF2-40B4-BE49-F238E27FC236}">
+                <a16:creationId xmlns:a16="http://schemas.microsoft.com/office/drawing/2014/main" id="{8A4B131D-E06C-4269-BCEF-FC1CDB8DE434}"/>
+              </a:ext>
+            </a:extLst>
+          </p:cNvPr>
+          <p:cNvCxnSpPr/>
+          <p:nvPr/>
+        </p:nvCxnSpPr>
+        <p:spPr>
+          <a:xfrm>
+            <a:off x="7401022" y="782320"/>
+            <a:ext cx="2" cy="231140"/>
+          </a:xfrm>
+          <a:prstGeom prst="straightConnector1">
+            <a:avLst/>
+          </a:prstGeom>
+          <a:ln w="28575">
+            <a:solidFill>
+              <a:srgbClr val="00B050"/>
+            </a:solidFill>
+            <a:tailEnd type="triangle"/>
+          </a:ln>
+        </p:spPr>
+        <p:style>
+          <a:lnRef idx="1">
+            <a:schemeClr val="accent1"/>
+          </a:lnRef>
+          <a:fillRef idx="0">
+            <a:schemeClr val="accent1"/>
+          </a:fillRef>
+          <a:effectRef idx="0">
+            <a:schemeClr val="accent1"/>
+          </a:effectRef>
+          <a:fontRef idx="minor">
+            <a:schemeClr val="tx1"/>
+          </a:fontRef>
+        </p:style>
+      </p:cxnSp>
+      <p:sp>
+        <p:nvSpPr>
+          <p:cNvPr id="94" name="TextBox 93">
+            <a:extLst>
+              <a:ext uri="{FF2B5EF4-FFF2-40B4-BE49-F238E27FC236}">
+                <a16:creationId xmlns:a16="http://schemas.microsoft.com/office/drawing/2014/main" id="{3DEFB653-C809-4F1D-ACEB-9DD9B7DF1AE7}"/>
+              </a:ext>
+            </a:extLst>
+          </p:cNvPr>
+          <p:cNvSpPr txBox="1"/>
+          <p:nvPr/>
+        </p:nvSpPr>
+        <p:spPr>
+          <a:xfrm>
+            <a:off x="2951846" y="509275"/>
+            <a:ext cx="1746694" cy="276999"/>
+          </a:xfrm>
+          <a:prstGeom prst="rect">
+            <a:avLst/>
+          </a:prstGeom>
+          <a:noFill/>
+        </p:spPr>
+        <p:txBody>
+          <a:bodyPr wrap="square" rtlCol="0">
+            <a:spAutoFit/>
+          </a:bodyPr>
+          <a:lstStyle/>
+          <a:p>
+            <a:pPr algn="ctr"/>
+            <a:r>
+              <a:rPr lang="en-US" sz="1200" dirty="0">
+                <a:solidFill>
+                  <a:srgbClr val="00B0F0"/>
+                </a:solidFill>
+                <a:latin typeface="Times New Roman" panose="02020603050405020304" pitchFamily="18" charset="0"/>
+                <a:cs typeface="Times New Roman" panose="02020603050405020304" pitchFamily="18" charset="0"/>
+              </a:rPr>
+              <a:t>Gaseous Oxygen Input</a:t>
+            </a:r>
+          </a:p>
+        </p:txBody>
+      </p:sp>
+      <p:sp>
+        <p:nvSpPr>
+          <p:cNvPr id="95" name="TextBox 94">
+            <a:extLst>
+              <a:ext uri="{FF2B5EF4-FFF2-40B4-BE49-F238E27FC236}">
+                <a16:creationId xmlns:a16="http://schemas.microsoft.com/office/drawing/2014/main" id="{969CC644-45D3-4578-AE7C-14F0D2FC4EE2}"/>
+              </a:ext>
+            </a:extLst>
+          </p:cNvPr>
+          <p:cNvSpPr txBox="1"/>
+          <p:nvPr/>
+        </p:nvSpPr>
+        <p:spPr>
+          <a:xfrm>
+            <a:off x="6486782" y="521689"/>
+            <a:ext cx="1904092" cy="276999"/>
+          </a:xfrm>
+          <a:prstGeom prst="rect">
+            <a:avLst/>
+          </a:prstGeom>
+          <a:noFill/>
+        </p:spPr>
+        <p:txBody>
+          <a:bodyPr wrap="square" rtlCol="0">
+            <a:spAutoFit/>
+          </a:bodyPr>
+          <a:lstStyle/>
+          <a:p>
+            <a:pPr algn="ctr"/>
+            <a:r>
+              <a:rPr lang="en-US" sz="1200" dirty="0">
+                <a:solidFill>
+                  <a:srgbClr val="00B050"/>
+                </a:solidFill>
+                <a:latin typeface="Times New Roman" panose="02020603050405020304" pitchFamily="18" charset="0"/>
+                <a:cs typeface="Times New Roman" panose="02020603050405020304" pitchFamily="18" charset="0"/>
+              </a:rPr>
+              <a:t>pH Balance Feed (NH</a:t>
+            </a:r>
+            <a:r>
+              <a:rPr lang="en-US" sz="1200" baseline="-25000" dirty="0">
+                <a:solidFill>
+                  <a:srgbClr val="00B050"/>
+                </a:solidFill>
+                <a:latin typeface="Times New Roman" panose="02020603050405020304" pitchFamily="18" charset="0"/>
+                <a:cs typeface="Times New Roman" panose="02020603050405020304" pitchFamily="18" charset="0"/>
+              </a:rPr>
+              <a:t>4</a:t>
+            </a:r>
+            <a:r>
+              <a:rPr lang="en-US" sz="1200" dirty="0">
+                <a:solidFill>
+                  <a:srgbClr val="00B050"/>
+                </a:solidFill>
+                <a:latin typeface="Times New Roman" panose="02020603050405020304" pitchFamily="18" charset="0"/>
+                <a:cs typeface="Times New Roman" panose="02020603050405020304" pitchFamily="18" charset="0"/>
+              </a:rPr>
+              <a:t>OH)</a:t>
+            </a:r>
+          </a:p>
+        </p:txBody>
+      </p:sp>
+      <p:sp>
+        <p:nvSpPr>
+          <p:cNvPr id="96" name="TextBox 95">
+            <a:extLst>
+              <a:ext uri="{FF2B5EF4-FFF2-40B4-BE49-F238E27FC236}">
+                <a16:creationId xmlns:a16="http://schemas.microsoft.com/office/drawing/2014/main" id="{E5639229-113F-461E-9B2C-F9E23CB7FD1F}"/>
+              </a:ext>
+            </a:extLst>
+          </p:cNvPr>
+          <p:cNvSpPr txBox="1"/>
+          <p:nvPr/>
+        </p:nvSpPr>
+        <p:spPr>
+          <a:xfrm>
+            <a:off x="4716232" y="937434"/>
+            <a:ext cx="1904092" cy="276999"/>
+          </a:xfrm>
+          <a:prstGeom prst="rect">
+            <a:avLst/>
+          </a:prstGeom>
+          <a:noFill/>
+        </p:spPr>
+        <p:txBody>
+          <a:bodyPr wrap="square" rtlCol="0">
+            <a:spAutoFit/>
+          </a:bodyPr>
+          <a:lstStyle/>
+          <a:p>
+            <a:pPr algn="ctr"/>
+            <a:r>
+              <a:rPr lang="en-US" sz="1200" dirty="0">
+                <a:solidFill>
+                  <a:schemeClr val="accent1"/>
+                </a:solidFill>
+                <a:latin typeface="Times New Roman" panose="02020603050405020304" pitchFamily="18" charset="0"/>
+                <a:cs typeface="Times New Roman" panose="02020603050405020304" pitchFamily="18" charset="0"/>
+              </a:rPr>
+              <a:t>Agitator Motor</a:t>
+            </a:r>
+          </a:p>
+        </p:txBody>
+      </p:sp>
+      <p:cxnSp>
+        <p:nvCxnSpPr>
+          <p:cNvPr id="66" name="Straight Connector 65">
+            <a:extLst>
+              <a:ext uri="{FF2B5EF4-FFF2-40B4-BE49-F238E27FC236}">
+                <a16:creationId xmlns:a16="http://schemas.microsoft.com/office/drawing/2014/main" id="{F678F1A7-A9D4-4DD4-B6F2-58596092BAEC}"/>
+              </a:ext>
+            </a:extLst>
+          </p:cNvPr>
+          <p:cNvCxnSpPr>
+            <a:cxnSpLocks/>
+          </p:cNvCxnSpPr>
+          <p:nvPr/>
+        </p:nvCxnSpPr>
+        <p:spPr>
+          <a:xfrm>
+            <a:off x="3784600" y="3753428"/>
+            <a:ext cx="75840" cy="0"/>
+          </a:xfrm>
+          <a:prstGeom prst="line">
+            <a:avLst/>
+          </a:prstGeom>
+          <a:ln w="19050">
+            <a:solidFill>
+              <a:schemeClr val="tx1"/>
+            </a:solidFill>
+          </a:ln>
+        </p:spPr>
+        <p:style>
+          <a:lnRef idx="1">
+            <a:schemeClr val="accent1"/>
+          </a:lnRef>
+          <a:fillRef idx="0">
+            <a:schemeClr val="accent1"/>
+          </a:fillRef>
+          <a:effectRef idx="0">
+            <a:schemeClr val="accent1"/>
+          </a:effectRef>
+          <a:fontRef idx="minor">
+            <a:schemeClr val="tx1"/>
+          </a:fontRef>
+        </p:style>
+      </p:cxnSp>
+      <p:sp>
+        <p:nvSpPr>
+          <p:cNvPr id="79" name="Rectangle 78">
+            <a:extLst>
+              <a:ext uri="{FF2B5EF4-FFF2-40B4-BE49-F238E27FC236}">
+                <a16:creationId xmlns:a16="http://schemas.microsoft.com/office/drawing/2014/main" id="{51649563-638A-4120-8740-22304B38E6D1}"/>
+              </a:ext>
+            </a:extLst>
+          </p:cNvPr>
+          <p:cNvSpPr/>
+          <p:nvPr/>
+        </p:nvSpPr>
+        <p:spPr>
+          <a:xfrm>
+            <a:off x="3773841" y="3285732"/>
+            <a:ext cx="101767" cy="45719"/>
+          </a:xfrm>
+          <a:prstGeom prst="rect">
+            <a:avLst/>
+          </a:prstGeom>
+          <a:solidFill>
+            <a:schemeClr val="bg2">
+              <a:lumMod val="75000"/>
+            </a:schemeClr>
+          </a:solidFill>
+          <a:ln>
+            <a:noFill/>
+          </a:ln>
+        </p:spPr>
+        <p:style>
+          <a:lnRef idx="2">
+            <a:schemeClr val="accent1">
+              <a:shade val="50000"/>
+            </a:schemeClr>
+          </a:lnRef>
+          <a:fillRef idx="1">
+            <a:schemeClr val="accent1"/>
+          </a:fillRef>
+          <a:effectRef idx="0">
+            <a:schemeClr val="accent1"/>
+          </a:effectRef>
+          <a:fontRef idx="minor">
+            <a:schemeClr val="lt1"/>
+          </a:fontRef>
+        </p:style>
+        <p:txBody>
+          <a:bodyPr rtlCol="0" anchor="ctr"/>
+          <a:lstStyle/>
+          <a:p>
+            <a:pPr algn="ctr"/>
+            <a:endParaRPr lang="en-US"/>
+          </a:p>
+        </p:txBody>
+      </p:sp>
+      <p:sp>
+        <p:nvSpPr>
+          <p:cNvPr id="82" name="Rectangle 81">
+            <a:extLst>
+              <a:ext uri="{FF2B5EF4-FFF2-40B4-BE49-F238E27FC236}">
+                <a16:creationId xmlns:a16="http://schemas.microsoft.com/office/drawing/2014/main" id="{E5A0C793-91D9-49E1-BBB9-ABBB3709DCD3}"/>
+              </a:ext>
+            </a:extLst>
+          </p:cNvPr>
+          <p:cNvSpPr/>
+          <p:nvPr/>
+        </p:nvSpPr>
+        <p:spPr>
+          <a:xfrm>
+            <a:off x="3777632" y="3436160"/>
+            <a:ext cx="101768" cy="45719"/>
+          </a:xfrm>
+          <a:prstGeom prst="rect">
+            <a:avLst/>
+          </a:prstGeom>
+          <a:solidFill>
+            <a:schemeClr val="bg2">
+              <a:lumMod val="75000"/>
+            </a:schemeClr>
+          </a:solidFill>
+          <a:ln>
+            <a:noFill/>
+          </a:ln>
+        </p:spPr>
+        <p:style>
+          <a:lnRef idx="2">
+            <a:schemeClr val="accent1">
+              <a:shade val="50000"/>
+            </a:schemeClr>
+          </a:lnRef>
+          <a:fillRef idx="1">
+            <a:schemeClr val="accent1"/>
+          </a:fillRef>
+          <a:effectRef idx="0">
+            <a:schemeClr val="accent1"/>
+          </a:effectRef>
+          <a:fontRef idx="minor">
+            <a:schemeClr val="lt1"/>
+          </a:fontRef>
+        </p:style>
+        <p:txBody>
+          <a:bodyPr rtlCol="0" anchor="ctr"/>
+          <a:lstStyle/>
+          <a:p>
+            <a:pPr algn="ctr"/>
+            <a:endParaRPr lang="en-US"/>
+          </a:p>
+        </p:txBody>
+      </p:sp>
+      <p:sp>
+        <p:nvSpPr>
+          <p:cNvPr id="83" name="Rectangle 82">
+            <a:extLst>
+              <a:ext uri="{FF2B5EF4-FFF2-40B4-BE49-F238E27FC236}">
+                <a16:creationId xmlns:a16="http://schemas.microsoft.com/office/drawing/2014/main" id="{831AFD5B-191C-49BE-911C-A7A8CBCE8FD9}"/>
+              </a:ext>
+            </a:extLst>
+          </p:cNvPr>
+          <p:cNvSpPr/>
+          <p:nvPr/>
+        </p:nvSpPr>
+        <p:spPr>
+          <a:xfrm>
+            <a:off x="3773841" y="3587190"/>
+            <a:ext cx="101768" cy="45719"/>
+          </a:xfrm>
+          <a:prstGeom prst="rect">
+            <a:avLst/>
+          </a:prstGeom>
+          <a:solidFill>
+            <a:schemeClr val="bg2">
+              <a:lumMod val="75000"/>
+            </a:schemeClr>
+          </a:solidFill>
+          <a:ln>
+            <a:noFill/>
+          </a:ln>
+        </p:spPr>
+        <p:style>
+          <a:lnRef idx="2">
+            <a:schemeClr val="accent1">
+              <a:shade val="50000"/>
+            </a:schemeClr>
+          </a:lnRef>
+          <a:fillRef idx="1">
+            <a:schemeClr val="accent1"/>
+          </a:fillRef>
+          <a:effectRef idx="0">
+            <a:schemeClr val="accent1"/>
+          </a:effectRef>
+          <a:fontRef idx="minor">
+            <a:schemeClr val="lt1"/>
+          </a:fontRef>
+        </p:style>
+        <p:txBody>
+          <a:bodyPr rtlCol="0" anchor="ctr"/>
+          <a:lstStyle/>
+          <a:p>
+            <a:pPr algn="ctr"/>
+            <a:endParaRPr lang="en-US"/>
+          </a:p>
+        </p:txBody>
+      </p:sp>
+      <p:sp>
+        <p:nvSpPr>
+          <p:cNvPr id="84" name="Freeform: Shape 83">
+            <a:extLst>
+              <a:ext uri="{FF2B5EF4-FFF2-40B4-BE49-F238E27FC236}">
+                <a16:creationId xmlns:a16="http://schemas.microsoft.com/office/drawing/2014/main" id="{C248B163-D330-4631-812E-FE7429150D32}"/>
+              </a:ext>
+            </a:extLst>
+          </p:cNvPr>
+          <p:cNvSpPr/>
+          <p:nvPr/>
+        </p:nvSpPr>
+        <p:spPr>
+          <a:xfrm rot="11832415" flipH="1" flipV="1">
+            <a:off x="3871873" y="3475297"/>
+            <a:ext cx="342657" cy="45719"/>
+          </a:xfrm>
+          <a:custGeom>
+            <a:avLst/>
+            <a:gdLst>
+              <a:gd name="connsiteX0" fmla="*/ 0 w 707010"/>
+              <a:gd name="connsiteY0" fmla="*/ 277168 h 456318"/>
+              <a:gd name="connsiteX1" fmla="*/ 179109 w 707010"/>
+              <a:gd name="connsiteY1" fmla="*/ 3790 h 456318"/>
+              <a:gd name="connsiteX2" fmla="*/ 311084 w 707010"/>
+              <a:gd name="connsiteY2" fmla="*/ 456277 h 456318"/>
+              <a:gd name="connsiteX3" fmla="*/ 471340 w 707010"/>
+              <a:gd name="connsiteY3" fmla="*/ 32071 h 456318"/>
+              <a:gd name="connsiteX4" fmla="*/ 612742 w 707010"/>
+              <a:gd name="connsiteY4" fmla="*/ 296021 h 456318"/>
+              <a:gd name="connsiteX5" fmla="*/ 707010 w 707010"/>
+              <a:gd name="connsiteY5" fmla="*/ 314875 h 456318"/>
+            </a:gdLst>
+            <a:ahLst/>
+            <a:cxnLst>
+              <a:cxn ang="0">
+                <a:pos x="connsiteX0" y="connsiteY0"/>
+              </a:cxn>
+              <a:cxn ang="0">
+                <a:pos x="connsiteX1" y="connsiteY1"/>
+              </a:cxn>
+              <a:cxn ang="0">
+                <a:pos x="connsiteX2" y="connsiteY2"/>
+              </a:cxn>
+              <a:cxn ang="0">
+                <a:pos x="connsiteX3" y="connsiteY3"/>
+              </a:cxn>
+              <a:cxn ang="0">
+                <a:pos x="connsiteX4" y="connsiteY4"/>
+              </a:cxn>
+              <a:cxn ang="0">
+                <a:pos x="connsiteX5" y="connsiteY5"/>
+              </a:cxn>
+            </a:cxnLst>
+            <a:rect l="l" t="t" r="r" b="b"/>
+            <a:pathLst>
+              <a:path w="707010" h="456318">
+                <a:moveTo>
+                  <a:pt x="0" y="277168"/>
+                </a:moveTo>
+                <a:cubicBezTo>
+                  <a:pt x="63631" y="125553"/>
+                  <a:pt x="127262" y="-26061"/>
+                  <a:pt x="179109" y="3790"/>
+                </a:cubicBezTo>
+                <a:cubicBezTo>
+                  <a:pt x="230956" y="33641"/>
+                  <a:pt x="262379" y="451564"/>
+                  <a:pt x="311084" y="456277"/>
+                </a:cubicBezTo>
+                <a:cubicBezTo>
+                  <a:pt x="359789" y="460991"/>
+                  <a:pt x="421064" y="58780"/>
+                  <a:pt x="471340" y="32071"/>
+                </a:cubicBezTo>
+                <a:cubicBezTo>
+                  <a:pt x="521616" y="5362"/>
+                  <a:pt x="573464" y="248887"/>
+                  <a:pt x="612742" y="296021"/>
+                </a:cubicBezTo>
+                <a:cubicBezTo>
+                  <a:pt x="652020" y="343155"/>
+                  <a:pt x="642594" y="311733"/>
+                  <a:pt x="707010" y="314875"/>
+                </a:cubicBezTo>
+              </a:path>
+            </a:pathLst>
+          </a:custGeom>
+          <a:noFill/>
+          <a:ln w="6350">
+            <a:solidFill>
+              <a:srgbClr val="00B0F0"/>
+            </a:solidFill>
+            <a:headEnd type="none" w="med" len="med"/>
+            <a:tailEnd type="arrow" w="med" len="med"/>
+          </a:ln>
+        </p:spPr>
+        <p:style>
+          <a:lnRef idx="2">
+            <a:schemeClr val="accent1">
+              <a:shade val="50000"/>
+            </a:schemeClr>
+          </a:lnRef>
+          <a:fillRef idx="1">
+            <a:schemeClr val="accent1"/>
+          </a:fillRef>
+          <a:effectRef idx="0">
+            <a:schemeClr val="accent1"/>
+          </a:effectRef>
+          <a:fontRef idx="minor">
+            <a:schemeClr val="lt1"/>
+          </a:fontRef>
+        </p:style>
+        <p:txBody>
+          <a:bodyPr rtlCol="0" anchor="ctr"/>
+          <a:lstStyle/>
+          <a:p>
+            <a:pPr algn="ctr"/>
+            <a:endParaRPr lang="en-US"/>
+          </a:p>
+        </p:txBody>
+      </p:sp>
+      <p:sp>
+        <p:nvSpPr>
+          <p:cNvPr id="85" name="Freeform: Shape 84">
+            <a:extLst>
+              <a:ext uri="{FF2B5EF4-FFF2-40B4-BE49-F238E27FC236}">
+                <a16:creationId xmlns:a16="http://schemas.microsoft.com/office/drawing/2014/main" id="{FCB6C5EA-A2C2-4DF3-8C82-C54F7466565B}"/>
+              </a:ext>
+            </a:extLst>
+          </p:cNvPr>
+          <p:cNvSpPr/>
+          <p:nvPr/>
+        </p:nvSpPr>
+        <p:spPr>
+          <a:xfrm rot="12813328" flipH="1" flipV="1">
+            <a:off x="3842577" y="3678037"/>
+            <a:ext cx="342657" cy="45719"/>
+          </a:xfrm>
+          <a:custGeom>
+            <a:avLst/>
+            <a:gdLst>
+              <a:gd name="connsiteX0" fmla="*/ 0 w 707010"/>
+              <a:gd name="connsiteY0" fmla="*/ 277168 h 456318"/>
+              <a:gd name="connsiteX1" fmla="*/ 179109 w 707010"/>
+              <a:gd name="connsiteY1" fmla="*/ 3790 h 456318"/>
+              <a:gd name="connsiteX2" fmla="*/ 311084 w 707010"/>
+              <a:gd name="connsiteY2" fmla="*/ 456277 h 456318"/>
+              <a:gd name="connsiteX3" fmla="*/ 471340 w 707010"/>
+              <a:gd name="connsiteY3" fmla="*/ 32071 h 456318"/>
+              <a:gd name="connsiteX4" fmla="*/ 612742 w 707010"/>
+              <a:gd name="connsiteY4" fmla="*/ 296021 h 456318"/>
+              <a:gd name="connsiteX5" fmla="*/ 707010 w 707010"/>
+              <a:gd name="connsiteY5" fmla="*/ 314875 h 456318"/>
+            </a:gdLst>
+            <a:ahLst/>
+            <a:cxnLst>
+              <a:cxn ang="0">
+                <a:pos x="connsiteX0" y="connsiteY0"/>
+              </a:cxn>
+              <a:cxn ang="0">
+                <a:pos x="connsiteX1" y="connsiteY1"/>
+              </a:cxn>
+              <a:cxn ang="0">
+                <a:pos x="connsiteX2" y="connsiteY2"/>
+              </a:cxn>
+              <a:cxn ang="0">
+                <a:pos x="connsiteX3" y="connsiteY3"/>
+              </a:cxn>
+              <a:cxn ang="0">
+                <a:pos x="connsiteX4" y="connsiteY4"/>
+              </a:cxn>
+              <a:cxn ang="0">
+                <a:pos x="connsiteX5" y="connsiteY5"/>
+              </a:cxn>
+            </a:cxnLst>
+            <a:rect l="l" t="t" r="r" b="b"/>
+            <a:pathLst>
+              <a:path w="707010" h="456318">
+                <a:moveTo>
+                  <a:pt x="0" y="277168"/>
+                </a:moveTo>
+                <a:cubicBezTo>
+                  <a:pt x="63631" y="125553"/>
+                  <a:pt x="127262" y="-26061"/>
+                  <a:pt x="179109" y="3790"/>
+                </a:cubicBezTo>
+                <a:cubicBezTo>
+                  <a:pt x="230956" y="33641"/>
+                  <a:pt x="262379" y="451564"/>
+                  <a:pt x="311084" y="456277"/>
+                </a:cubicBezTo>
+                <a:cubicBezTo>
+                  <a:pt x="359789" y="460991"/>
+                  <a:pt x="421064" y="58780"/>
+                  <a:pt x="471340" y="32071"/>
+                </a:cubicBezTo>
+                <a:cubicBezTo>
+                  <a:pt x="521616" y="5362"/>
+                  <a:pt x="573464" y="248887"/>
+                  <a:pt x="612742" y="296021"/>
+                </a:cubicBezTo>
+                <a:cubicBezTo>
+                  <a:pt x="652020" y="343155"/>
+                  <a:pt x="642594" y="311733"/>
+                  <a:pt x="707010" y="314875"/>
+                </a:cubicBezTo>
+              </a:path>
+            </a:pathLst>
+          </a:custGeom>
+          <a:noFill/>
+          <a:ln w="6350">
+            <a:solidFill>
+              <a:srgbClr val="00B0F0"/>
+            </a:solidFill>
+            <a:headEnd type="none" w="med" len="med"/>
+            <a:tailEnd type="arrow" w="med" len="med"/>
+          </a:ln>
+        </p:spPr>
+        <p:style>
+          <a:lnRef idx="2">
+            <a:schemeClr val="accent1">
+              <a:shade val="50000"/>
+            </a:schemeClr>
+          </a:lnRef>
+          <a:fillRef idx="1">
+            <a:schemeClr val="accent1"/>
+          </a:fillRef>
+          <a:effectRef idx="0">
+            <a:schemeClr val="accent1"/>
+          </a:effectRef>
+          <a:fontRef idx="minor">
+            <a:schemeClr val="lt1"/>
+          </a:fontRef>
+        </p:style>
+        <p:txBody>
+          <a:bodyPr rtlCol="0" anchor="ctr"/>
+          <a:lstStyle/>
+          <a:p>
+            <a:pPr algn="ctr"/>
+            <a:endParaRPr lang="en-US"/>
+          </a:p>
+        </p:txBody>
+      </p:sp>
+      <p:sp>
+        <p:nvSpPr>
+          <p:cNvPr id="87" name="Freeform: Shape 86">
+            <a:extLst>
+              <a:ext uri="{FF2B5EF4-FFF2-40B4-BE49-F238E27FC236}">
+                <a16:creationId xmlns:a16="http://schemas.microsoft.com/office/drawing/2014/main" id="{91EF8A47-D5D6-43E6-9C5B-9656C3C3F969}"/>
+              </a:ext>
+            </a:extLst>
+          </p:cNvPr>
+          <p:cNvSpPr/>
+          <p:nvPr/>
+        </p:nvSpPr>
+        <p:spPr>
+          <a:xfrm rot="21217865" flipH="1" flipV="1">
+            <a:off x="3444957" y="3314319"/>
+            <a:ext cx="342657" cy="45719"/>
+          </a:xfrm>
+          <a:custGeom>
+            <a:avLst/>
+            <a:gdLst>
+              <a:gd name="connsiteX0" fmla="*/ 0 w 707010"/>
+              <a:gd name="connsiteY0" fmla="*/ 277168 h 456318"/>
+              <a:gd name="connsiteX1" fmla="*/ 179109 w 707010"/>
+              <a:gd name="connsiteY1" fmla="*/ 3790 h 456318"/>
+              <a:gd name="connsiteX2" fmla="*/ 311084 w 707010"/>
+              <a:gd name="connsiteY2" fmla="*/ 456277 h 456318"/>
+              <a:gd name="connsiteX3" fmla="*/ 471340 w 707010"/>
+              <a:gd name="connsiteY3" fmla="*/ 32071 h 456318"/>
+              <a:gd name="connsiteX4" fmla="*/ 612742 w 707010"/>
+              <a:gd name="connsiteY4" fmla="*/ 296021 h 456318"/>
+              <a:gd name="connsiteX5" fmla="*/ 707010 w 707010"/>
+              <a:gd name="connsiteY5" fmla="*/ 314875 h 456318"/>
+            </a:gdLst>
+            <a:ahLst/>
+            <a:cxnLst>
+              <a:cxn ang="0">
+                <a:pos x="connsiteX0" y="connsiteY0"/>
+              </a:cxn>
+              <a:cxn ang="0">
+                <a:pos x="connsiteX1" y="connsiteY1"/>
+              </a:cxn>
+              <a:cxn ang="0">
+                <a:pos x="connsiteX2" y="connsiteY2"/>
+              </a:cxn>
+              <a:cxn ang="0">
+                <a:pos x="connsiteX3" y="connsiteY3"/>
+              </a:cxn>
+              <a:cxn ang="0">
+                <a:pos x="connsiteX4" y="connsiteY4"/>
+              </a:cxn>
+              <a:cxn ang="0">
+                <a:pos x="connsiteX5" y="connsiteY5"/>
+              </a:cxn>
+            </a:cxnLst>
+            <a:rect l="l" t="t" r="r" b="b"/>
+            <a:pathLst>
+              <a:path w="707010" h="456318">
+                <a:moveTo>
+                  <a:pt x="0" y="277168"/>
+                </a:moveTo>
+                <a:cubicBezTo>
+                  <a:pt x="63631" y="125553"/>
+                  <a:pt x="127262" y="-26061"/>
+                  <a:pt x="179109" y="3790"/>
+                </a:cubicBezTo>
+                <a:cubicBezTo>
+                  <a:pt x="230956" y="33641"/>
+                  <a:pt x="262379" y="451564"/>
+                  <a:pt x="311084" y="456277"/>
+                </a:cubicBezTo>
+                <a:cubicBezTo>
+                  <a:pt x="359789" y="460991"/>
+                  <a:pt x="421064" y="58780"/>
+                  <a:pt x="471340" y="32071"/>
+                </a:cubicBezTo>
+                <a:cubicBezTo>
+                  <a:pt x="521616" y="5362"/>
+                  <a:pt x="573464" y="248887"/>
+                  <a:pt x="612742" y="296021"/>
+                </a:cubicBezTo>
+                <a:cubicBezTo>
+                  <a:pt x="652020" y="343155"/>
+                  <a:pt x="642594" y="311733"/>
+                  <a:pt x="707010" y="314875"/>
+                </a:cubicBezTo>
+              </a:path>
+            </a:pathLst>
+          </a:custGeom>
+          <a:noFill/>
+          <a:ln w="6350">
+            <a:solidFill>
+              <a:srgbClr val="00B0F0"/>
+            </a:solidFill>
+            <a:headEnd type="none" w="med" len="med"/>
+            <a:tailEnd type="arrow" w="med" len="med"/>
+          </a:ln>
+        </p:spPr>
+        <p:style>
+          <a:lnRef idx="2">
+            <a:schemeClr val="accent1">
+              <a:shade val="50000"/>
+            </a:schemeClr>
+          </a:lnRef>
+          <a:fillRef idx="1">
+            <a:schemeClr val="accent1"/>
+          </a:fillRef>
+          <a:effectRef idx="0">
+            <a:schemeClr val="accent1"/>
+          </a:effectRef>
+          <a:fontRef idx="minor">
+            <a:schemeClr val="lt1"/>
+          </a:fontRef>
+        </p:style>
+        <p:txBody>
+          <a:bodyPr rtlCol="0" anchor="ctr"/>
+          <a:lstStyle/>
+          <a:p>
+            <a:pPr algn="ctr"/>
+            <a:endParaRPr lang="en-US"/>
+          </a:p>
+        </p:txBody>
+      </p:sp>
+      <p:sp>
+        <p:nvSpPr>
+          <p:cNvPr id="89" name="Freeform: Shape 88">
+            <a:extLst>
+              <a:ext uri="{FF2B5EF4-FFF2-40B4-BE49-F238E27FC236}">
+                <a16:creationId xmlns:a16="http://schemas.microsoft.com/office/drawing/2014/main" id="{38716372-9EFA-4147-AA00-922158639239}"/>
+              </a:ext>
+            </a:extLst>
+          </p:cNvPr>
+          <p:cNvSpPr/>
+          <p:nvPr/>
+        </p:nvSpPr>
+        <p:spPr>
+          <a:xfrm rot="20631930" flipH="1" flipV="1">
+            <a:off x="3444957" y="3478246"/>
+            <a:ext cx="342657" cy="45719"/>
+          </a:xfrm>
+          <a:custGeom>
+            <a:avLst/>
+            <a:gdLst>
+              <a:gd name="connsiteX0" fmla="*/ 0 w 707010"/>
+              <a:gd name="connsiteY0" fmla="*/ 277168 h 456318"/>
+              <a:gd name="connsiteX1" fmla="*/ 179109 w 707010"/>
+              <a:gd name="connsiteY1" fmla="*/ 3790 h 456318"/>
+              <a:gd name="connsiteX2" fmla="*/ 311084 w 707010"/>
+              <a:gd name="connsiteY2" fmla="*/ 456277 h 456318"/>
+              <a:gd name="connsiteX3" fmla="*/ 471340 w 707010"/>
+              <a:gd name="connsiteY3" fmla="*/ 32071 h 456318"/>
+              <a:gd name="connsiteX4" fmla="*/ 612742 w 707010"/>
+              <a:gd name="connsiteY4" fmla="*/ 296021 h 456318"/>
+              <a:gd name="connsiteX5" fmla="*/ 707010 w 707010"/>
+              <a:gd name="connsiteY5" fmla="*/ 314875 h 456318"/>
+            </a:gdLst>
+            <a:ahLst/>
+            <a:cxnLst>
+              <a:cxn ang="0">
+                <a:pos x="connsiteX0" y="connsiteY0"/>
+              </a:cxn>
+              <a:cxn ang="0">
+                <a:pos x="connsiteX1" y="connsiteY1"/>
+              </a:cxn>
+              <a:cxn ang="0">
+                <a:pos x="connsiteX2" y="connsiteY2"/>
+              </a:cxn>
+              <a:cxn ang="0">
+                <a:pos x="connsiteX3" y="connsiteY3"/>
+              </a:cxn>
+              <a:cxn ang="0">
+                <a:pos x="connsiteX4" y="connsiteY4"/>
+              </a:cxn>
+              <a:cxn ang="0">
+                <a:pos x="connsiteX5" y="connsiteY5"/>
+              </a:cxn>
+            </a:cxnLst>
+            <a:rect l="l" t="t" r="r" b="b"/>
+            <a:pathLst>
+              <a:path w="707010" h="456318">
+                <a:moveTo>
+                  <a:pt x="0" y="277168"/>
+                </a:moveTo>
+                <a:cubicBezTo>
+                  <a:pt x="63631" y="125553"/>
+                  <a:pt x="127262" y="-26061"/>
+                  <a:pt x="179109" y="3790"/>
+                </a:cubicBezTo>
+                <a:cubicBezTo>
+                  <a:pt x="230956" y="33641"/>
+                  <a:pt x="262379" y="451564"/>
+                  <a:pt x="311084" y="456277"/>
+                </a:cubicBezTo>
+                <a:cubicBezTo>
+                  <a:pt x="359789" y="460991"/>
+                  <a:pt x="421064" y="58780"/>
+                  <a:pt x="471340" y="32071"/>
+                </a:cubicBezTo>
+                <a:cubicBezTo>
+                  <a:pt x="521616" y="5362"/>
+                  <a:pt x="573464" y="248887"/>
+                  <a:pt x="612742" y="296021"/>
+                </a:cubicBezTo>
+                <a:cubicBezTo>
+                  <a:pt x="652020" y="343155"/>
+                  <a:pt x="642594" y="311733"/>
+                  <a:pt x="707010" y="314875"/>
+                </a:cubicBezTo>
+              </a:path>
+            </a:pathLst>
+          </a:custGeom>
+          <a:noFill/>
+          <a:ln w="6350">
+            <a:solidFill>
+              <a:srgbClr val="00B0F0"/>
+            </a:solidFill>
+            <a:headEnd type="none" w="med" len="med"/>
+            <a:tailEnd type="arrow" w="med" len="med"/>
+          </a:ln>
+        </p:spPr>
+        <p:style>
+          <a:lnRef idx="2">
+            <a:schemeClr val="accent1">
+              <a:shade val="50000"/>
+            </a:schemeClr>
+          </a:lnRef>
+          <a:fillRef idx="1">
+            <a:schemeClr val="accent1"/>
+          </a:fillRef>
+          <a:effectRef idx="0">
+            <a:schemeClr val="accent1"/>
+          </a:effectRef>
+          <a:fontRef idx="minor">
+            <a:schemeClr val="lt1"/>
+          </a:fontRef>
+        </p:style>
+        <p:txBody>
+          <a:bodyPr rtlCol="0" anchor="ctr"/>
+          <a:lstStyle/>
+          <a:p>
+            <a:pPr algn="ctr"/>
+            <a:endParaRPr lang="en-US"/>
+          </a:p>
+        </p:txBody>
+      </p:sp>
+      <p:sp>
+        <p:nvSpPr>
+          <p:cNvPr id="90" name="Freeform: Shape 89">
+            <a:extLst>
+              <a:ext uri="{FF2B5EF4-FFF2-40B4-BE49-F238E27FC236}">
+                <a16:creationId xmlns:a16="http://schemas.microsoft.com/office/drawing/2014/main" id="{3F1E8433-3464-4909-943A-35C0CF7AA24E}"/>
+              </a:ext>
+            </a:extLst>
+          </p:cNvPr>
+          <p:cNvSpPr/>
+          <p:nvPr/>
+        </p:nvSpPr>
+        <p:spPr>
+          <a:xfrm rot="19728869" flipH="1" flipV="1">
+            <a:off x="3475624" y="3672249"/>
+            <a:ext cx="342657" cy="45719"/>
+          </a:xfrm>
+          <a:custGeom>
+            <a:avLst/>
+            <a:gdLst>
+              <a:gd name="connsiteX0" fmla="*/ 0 w 707010"/>
+              <a:gd name="connsiteY0" fmla="*/ 277168 h 456318"/>
+              <a:gd name="connsiteX1" fmla="*/ 179109 w 707010"/>
+              <a:gd name="connsiteY1" fmla="*/ 3790 h 456318"/>
+              <a:gd name="connsiteX2" fmla="*/ 311084 w 707010"/>
+              <a:gd name="connsiteY2" fmla="*/ 456277 h 456318"/>
+              <a:gd name="connsiteX3" fmla="*/ 471340 w 707010"/>
+              <a:gd name="connsiteY3" fmla="*/ 32071 h 456318"/>
+              <a:gd name="connsiteX4" fmla="*/ 612742 w 707010"/>
+              <a:gd name="connsiteY4" fmla="*/ 296021 h 456318"/>
+              <a:gd name="connsiteX5" fmla="*/ 707010 w 707010"/>
+              <a:gd name="connsiteY5" fmla="*/ 314875 h 456318"/>
+            </a:gdLst>
+            <a:ahLst/>
+            <a:cxnLst>
+              <a:cxn ang="0">
+                <a:pos x="connsiteX0" y="connsiteY0"/>
+              </a:cxn>
+              <a:cxn ang="0">
+                <a:pos x="connsiteX1" y="connsiteY1"/>
+              </a:cxn>
+              <a:cxn ang="0">
+                <a:pos x="connsiteX2" y="connsiteY2"/>
+              </a:cxn>
+              <a:cxn ang="0">
+                <a:pos x="connsiteX3" y="connsiteY3"/>
+              </a:cxn>
+              <a:cxn ang="0">
+                <a:pos x="connsiteX4" y="connsiteY4"/>
+              </a:cxn>
+              <a:cxn ang="0">
+                <a:pos x="connsiteX5" y="connsiteY5"/>
+              </a:cxn>
+            </a:cxnLst>
+            <a:rect l="l" t="t" r="r" b="b"/>
+            <a:pathLst>
+              <a:path w="707010" h="456318">
+                <a:moveTo>
+                  <a:pt x="0" y="277168"/>
+                </a:moveTo>
+                <a:cubicBezTo>
+                  <a:pt x="63631" y="125553"/>
+                  <a:pt x="127262" y="-26061"/>
+                  <a:pt x="179109" y="3790"/>
+                </a:cubicBezTo>
+                <a:cubicBezTo>
+                  <a:pt x="230956" y="33641"/>
+                  <a:pt x="262379" y="451564"/>
+                  <a:pt x="311084" y="456277"/>
+                </a:cubicBezTo>
+                <a:cubicBezTo>
+                  <a:pt x="359789" y="460991"/>
+                  <a:pt x="421064" y="58780"/>
+                  <a:pt x="471340" y="32071"/>
+                </a:cubicBezTo>
+                <a:cubicBezTo>
+                  <a:pt x="521616" y="5362"/>
+                  <a:pt x="573464" y="248887"/>
+                  <a:pt x="612742" y="296021"/>
+                </a:cubicBezTo>
+                <a:cubicBezTo>
+                  <a:pt x="652020" y="343155"/>
+                  <a:pt x="642594" y="311733"/>
+                  <a:pt x="707010" y="314875"/>
+                </a:cubicBezTo>
+              </a:path>
+            </a:pathLst>
+          </a:custGeom>
+          <a:noFill/>
+          <a:ln w="6350">
+            <a:solidFill>
+              <a:srgbClr val="00B0F0"/>
+            </a:solidFill>
+            <a:headEnd type="none" w="med" len="med"/>
+            <a:tailEnd type="arrow" w="med" len="med"/>
+          </a:ln>
+        </p:spPr>
+        <p:style>
+          <a:lnRef idx="2">
+            <a:schemeClr val="accent1">
+              <a:shade val="50000"/>
+            </a:schemeClr>
+          </a:lnRef>
+          <a:fillRef idx="1">
+            <a:schemeClr val="accent1"/>
+          </a:fillRef>
+          <a:effectRef idx="0">
+            <a:schemeClr val="accent1"/>
+          </a:effectRef>
+          <a:fontRef idx="minor">
+            <a:schemeClr val="lt1"/>
+          </a:fontRef>
+        </p:style>
+        <p:txBody>
+          <a:bodyPr rtlCol="0" anchor="ctr"/>
+          <a:lstStyle/>
+          <a:p>
+            <a:pPr algn="ctr"/>
+            <a:endParaRPr lang="en-US"/>
+          </a:p>
+        </p:txBody>
+      </p:sp>
+      <p:grpSp>
+        <p:nvGrpSpPr>
+          <p:cNvPr id="107" name="Group 106">
+            <a:extLst>
+              <a:ext uri="{FF2B5EF4-FFF2-40B4-BE49-F238E27FC236}">
+                <a16:creationId xmlns:a16="http://schemas.microsoft.com/office/drawing/2014/main" id="{05E899B7-FB85-475D-A7C2-4A285E42B170}"/>
+              </a:ext>
+            </a:extLst>
+          </p:cNvPr>
+          <p:cNvGrpSpPr/>
+          <p:nvPr/>
+        </p:nvGrpSpPr>
+        <p:grpSpPr>
+          <a:xfrm>
+            <a:off x="4764482" y="1009226"/>
+            <a:ext cx="81084" cy="1215814"/>
+            <a:chOff x="4028440" y="1033780"/>
+            <a:chExt cx="82295" cy="1556506"/>
+          </a:xfrm>
+        </p:grpSpPr>
         <p:sp>
           <p:nvSpPr>
-            <p:cNvPr id="83" name="Rectangle 82">
+            <p:cNvPr id="117" name="Rectangle 116">
               <a:extLst>
                 <a:ext uri="{FF2B5EF4-FFF2-40B4-BE49-F238E27FC236}">
-                  <a16:creationId xmlns:a16="http://schemas.microsoft.com/office/drawing/2014/main" id="{831AFD5B-191C-49BE-911C-A7A8CBCE8FD9}"/>
+                  <a16:creationId xmlns:a16="http://schemas.microsoft.com/office/drawing/2014/main" id="{A5BAD051-234D-46F8-8984-E37519531C4B}"/>
                 </a:ext>
               </a:extLst>
             </p:cNvPr>
@@ -13576,8 +11464,8 @@
           </p:nvSpPr>
           <p:spPr>
             <a:xfrm>
-              <a:off x="3773841" y="3587190"/>
-              <a:ext cx="101768" cy="45719"/>
+              <a:off x="4028440" y="1033780"/>
+              <a:ext cx="82295" cy="1556506"/>
             </a:xfrm>
             <a:prstGeom prst="rect">
               <a:avLst/>
@@ -13616,621 +11504,546 @@
             </a:p>
           </p:txBody>
         </p:sp>
-        <p:sp>
-          <p:nvSpPr>
-            <p:cNvPr id="84" name="Freeform: Shape 83">
+        <p:cxnSp>
+          <p:nvCxnSpPr>
+            <p:cNvPr id="120" name="Straight Connector 119">
               <a:extLst>
                 <a:ext uri="{FF2B5EF4-FFF2-40B4-BE49-F238E27FC236}">
-                  <a16:creationId xmlns:a16="http://schemas.microsoft.com/office/drawing/2014/main" id="{C248B163-D330-4631-812E-FE7429150D32}"/>
+                  <a16:creationId xmlns:a16="http://schemas.microsoft.com/office/drawing/2014/main" id="{F59DE13C-F4C9-4F06-8D82-F19A3D73FDA4}"/>
                 </a:ext>
               </a:extLst>
             </p:cNvPr>
-            <p:cNvSpPr/>
+            <p:cNvCxnSpPr/>
             <p:nvPr/>
-          </p:nvSpPr>
+          </p:nvCxnSpPr>
           <p:spPr>
-            <a:xfrm rot="11832415" flipH="1" flipV="1">
-              <a:off x="3871873" y="3475297"/>
-              <a:ext cx="342657" cy="45719"/>
+            <a:xfrm>
+              <a:off x="4110735" y="1033780"/>
+              <a:ext cx="0" cy="1556506"/>
             </a:xfrm>
-            <a:custGeom>
+            <a:prstGeom prst="line">
               <a:avLst/>
-              <a:gdLst>
-                <a:gd name="connsiteX0" fmla="*/ 0 w 707010"/>
-                <a:gd name="connsiteY0" fmla="*/ 277168 h 456318"/>
-                <a:gd name="connsiteX1" fmla="*/ 179109 w 707010"/>
-                <a:gd name="connsiteY1" fmla="*/ 3790 h 456318"/>
-                <a:gd name="connsiteX2" fmla="*/ 311084 w 707010"/>
-                <a:gd name="connsiteY2" fmla="*/ 456277 h 456318"/>
-                <a:gd name="connsiteX3" fmla="*/ 471340 w 707010"/>
-                <a:gd name="connsiteY3" fmla="*/ 32071 h 456318"/>
-                <a:gd name="connsiteX4" fmla="*/ 612742 w 707010"/>
-                <a:gd name="connsiteY4" fmla="*/ 296021 h 456318"/>
-                <a:gd name="connsiteX5" fmla="*/ 707010 w 707010"/>
-                <a:gd name="connsiteY5" fmla="*/ 314875 h 456318"/>
-              </a:gdLst>
-              <a:ahLst/>
-              <a:cxnLst>
-                <a:cxn ang="0">
-                  <a:pos x="connsiteX0" y="connsiteY0"/>
-                </a:cxn>
-                <a:cxn ang="0">
-                  <a:pos x="connsiteX1" y="connsiteY1"/>
-                </a:cxn>
-                <a:cxn ang="0">
-                  <a:pos x="connsiteX2" y="connsiteY2"/>
-                </a:cxn>
-                <a:cxn ang="0">
-                  <a:pos x="connsiteX3" y="connsiteY3"/>
-                </a:cxn>
-                <a:cxn ang="0">
-                  <a:pos x="connsiteX4" y="connsiteY4"/>
-                </a:cxn>
-                <a:cxn ang="0">
-                  <a:pos x="connsiteX5" y="connsiteY5"/>
-                </a:cxn>
-              </a:cxnLst>
-              <a:rect l="l" t="t" r="r" b="b"/>
-              <a:pathLst>
-                <a:path w="707010" h="456318">
-                  <a:moveTo>
-                    <a:pt x="0" y="277168"/>
-                  </a:moveTo>
-                  <a:cubicBezTo>
-                    <a:pt x="63631" y="125553"/>
-                    <a:pt x="127262" y="-26061"/>
-                    <a:pt x="179109" y="3790"/>
-                  </a:cubicBezTo>
-                  <a:cubicBezTo>
-                    <a:pt x="230956" y="33641"/>
-                    <a:pt x="262379" y="451564"/>
-                    <a:pt x="311084" y="456277"/>
-                  </a:cubicBezTo>
-                  <a:cubicBezTo>
-                    <a:pt x="359789" y="460991"/>
-                    <a:pt x="421064" y="58780"/>
-                    <a:pt x="471340" y="32071"/>
-                  </a:cubicBezTo>
-                  <a:cubicBezTo>
-                    <a:pt x="521616" y="5362"/>
-                    <a:pt x="573464" y="248887"/>
-                    <a:pt x="612742" y="296021"/>
-                  </a:cubicBezTo>
-                  <a:cubicBezTo>
-                    <a:pt x="652020" y="343155"/>
-                    <a:pt x="642594" y="311733"/>
-                    <a:pt x="707010" y="314875"/>
-                  </a:cubicBezTo>
-                </a:path>
-              </a:pathLst>
-            </a:custGeom>
-            <a:noFill/>
-            <a:ln w="6350">
+            </a:prstGeom>
+            <a:ln w="19050">
               <a:solidFill>
-                <a:srgbClr val="00B0F0"/>
+                <a:schemeClr val="tx1"/>
               </a:solidFill>
-              <a:headEnd type="none" w="med" len="med"/>
-              <a:tailEnd type="arrow" w="med" len="med"/>
             </a:ln>
           </p:spPr>
           <p:style>
-            <a:lnRef idx="2">
-              <a:schemeClr val="accent1">
-                <a:shade val="50000"/>
-              </a:schemeClr>
+            <a:lnRef idx="1">
+              <a:schemeClr val="accent1"/>
             </a:lnRef>
-            <a:fillRef idx="1">
+            <a:fillRef idx="0">
               <a:schemeClr val="accent1"/>
             </a:fillRef>
             <a:effectRef idx="0">
               <a:schemeClr val="accent1"/>
             </a:effectRef>
             <a:fontRef idx="minor">
-              <a:schemeClr val="lt1"/>
+              <a:schemeClr val="tx1"/>
             </a:fontRef>
           </p:style>
-          <p:txBody>
-            <a:bodyPr rtlCol="0" anchor="ctr"/>
-            <a:lstStyle/>
-            <a:p>
-              <a:pPr algn="ctr"/>
-              <a:endParaRPr lang="en-US"/>
-            </a:p>
-          </p:txBody>
-        </p:sp>
-        <p:sp>
-          <p:nvSpPr>
-            <p:cNvPr id="85" name="Freeform: Shape 84">
+        </p:cxnSp>
+        <p:cxnSp>
+          <p:nvCxnSpPr>
+            <p:cNvPr id="121" name="Straight Connector 120">
               <a:extLst>
                 <a:ext uri="{FF2B5EF4-FFF2-40B4-BE49-F238E27FC236}">
-                  <a16:creationId xmlns:a16="http://schemas.microsoft.com/office/drawing/2014/main" id="{FCB6C5EA-A2C2-4DF3-8C82-C54F7466565B}"/>
+                  <a16:creationId xmlns:a16="http://schemas.microsoft.com/office/drawing/2014/main" id="{C7B4B408-0CAC-4EDD-BAE9-A9E6FE2A4775}"/>
                 </a:ext>
               </a:extLst>
             </p:cNvPr>
-            <p:cNvSpPr/>
+            <p:cNvCxnSpPr/>
             <p:nvPr/>
-          </p:nvSpPr>
+          </p:nvCxnSpPr>
           <p:spPr>
-            <a:xfrm rot="12813328" flipH="1" flipV="1">
-              <a:off x="3842577" y="3678037"/>
-              <a:ext cx="342657" cy="45719"/>
+            <a:xfrm>
+              <a:off x="4028440" y="1033780"/>
+              <a:ext cx="0" cy="1556506"/>
             </a:xfrm>
-            <a:custGeom>
+            <a:prstGeom prst="line">
               <a:avLst/>
-              <a:gdLst>
-                <a:gd name="connsiteX0" fmla="*/ 0 w 707010"/>
-                <a:gd name="connsiteY0" fmla="*/ 277168 h 456318"/>
-                <a:gd name="connsiteX1" fmla="*/ 179109 w 707010"/>
-                <a:gd name="connsiteY1" fmla="*/ 3790 h 456318"/>
-                <a:gd name="connsiteX2" fmla="*/ 311084 w 707010"/>
-                <a:gd name="connsiteY2" fmla="*/ 456277 h 456318"/>
-                <a:gd name="connsiteX3" fmla="*/ 471340 w 707010"/>
-                <a:gd name="connsiteY3" fmla="*/ 32071 h 456318"/>
-                <a:gd name="connsiteX4" fmla="*/ 612742 w 707010"/>
-                <a:gd name="connsiteY4" fmla="*/ 296021 h 456318"/>
-                <a:gd name="connsiteX5" fmla="*/ 707010 w 707010"/>
-                <a:gd name="connsiteY5" fmla="*/ 314875 h 456318"/>
-              </a:gdLst>
-              <a:ahLst/>
-              <a:cxnLst>
-                <a:cxn ang="0">
-                  <a:pos x="connsiteX0" y="connsiteY0"/>
-                </a:cxn>
-                <a:cxn ang="0">
-                  <a:pos x="connsiteX1" y="connsiteY1"/>
-                </a:cxn>
-                <a:cxn ang="0">
-                  <a:pos x="connsiteX2" y="connsiteY2"/>
-                </a:cxn>
-                <a:cxn ang="0">
-                  <a:pos x="connsiteX3" y="connsiteY3"/>
-                </a:cxn>
-                <a:cxn ang="0">
-                  <a:pos x="connsiteX4" y="connsiteY4"/>
-                </a:cxn>
-                <a:cxn ang="0">
-                  <a:pos x="connsiteX5" y="connsiteY5"/>
-                </a:cxn>
-              </a:cxnLst>
-              <a:rect l="l" t="t" r="r" b="b"/>
-              <a:pathLst>
-                <a:path w="707010" h="456318">
-                  <a:moveTo>
-                    <a:pt x="0" y="277168"/>
-                  </a:moveTo>
-                  <a:cubicBezTo>
-                    <a:pt x="63631" y="125553"/>
-                    <a:pt x="127262" y="-26061"/>
-                    <a:pt x="179109" y="3790"/>
-                  </a:cubicBezTo>
-                  <a:cubicBezTo>
-                    <a:pt x="230956" y="33641"/>
-                    <a:pt x="262379" y="451564"/>
-                    <a:pt x="311084" y="456277"/>
-                  </a:cubicBezTo>
-                  <a:cubicBezTo>
-                    <a:pt x="359789" y="460991"/>
-                    <a:pt x="421064" y="58780"/>
-                    <a:pt x="471340" y="32071"/>
-                  </a:cubicBezTo>
-                  <a:cubicBezTo>
-                    <a:pt x="521616" y="5362"/>
-                    <a:pt x="573464" y="248887"/>
-                    <a:pt x="612742" y="296021"/>
-                  </a:cubicBezTo>
-                  <a:cubicBezTo>
-                    <a:pt x="652020" y="343155"/>
-                    <a:pt x="642594" y="311733"/>
-                    <a:pt x="707010" y="314875"/>
-                  </a:cubicBezTo>
-                </a:path>
-              </a:pathLst>
-            </a:custGeom>
-            <a:noFill/>
-            <a:ln w="6350">
+            </a:prstGeom>
+            <a:ln w="19050">
               <a:solidFill>
-                <a:srgbClr val="00B0F0"/>
+                <a:schemeClr val="tx1"/>
               </a:solidFill>
-              <a:headEnd type="none" w="med" len="med"/>
-              <a:tailEnd type="arrow" w="med" len="med"/>
             </a:ln>
           </p:spPr>
           <p:style>
-            <a:lnRef idx="2">
-              <a:schemeClr val="accent1">
-                <a:shade val="50000"/>
-              </a:schemeClr>
+            <a:lnRef idx="1">
+              <a:schemeClr val="accent1"/>
             </a:lnRef>
-            <a:fillRef idx="1">
+            <a:fillRef idx="0">
               <a:schemeClr val="accent1"/>
             </a:fillRef>
             <a:effectRef idx="0">
               <a:schemeClr val="accent1"/>
             </a:effectRef>
             <a:fontRef idx="minor">
-              <a:schemeClr val="lt1"/>
+              <a:schemeClr val="tx1"/>
             </a:fontRef>
           </p:style>
-          <p:txBody>
-            <a:bodyPr rtlCol="0" anchor="ctr"/>
-            <a:lstStyle/>
-            <a:p>
-              <a:pPr algn="ctr"/>
-              <a:endParaRPr lang="en-US"/>
-            </a:p>
-          </p:txBody>
-        </p:sp>
-        <p:sp>
-          <p:nvSpPr>
-            <p:cNvPr id="87" name="Freeform: Shape 86">
-              <a:extLst>
-                <a:ext uri="{FF2B5EF4-FFF2-40B4-BE49-F238E27FC236}">
-                  <a16:creationId xmlns:a16="http://schemas.microsoft.com/office/drawing/2014/main" id="{91EF8A47-D5D6-43E6-9C5B-9656C3C3F969}"/>
-                </a:ext>
-              </a:extLst>
-            </p:cNvPr>
-            <p:cNvSpPr/>
-            <p:nvPr/>
-          </p:nvSpPr>
-          <p:spPr>
-            <a:xfrm rot="21217865" flipH="1" flipV="1">
-              <a:off x="3444957" y="3314319"/>
-              <a:ext cx="342657" cy="45719"/>
-            </a:xfrm>
-            <a:custGeom>
-              <a:avLst/>
-              <a:gdLst>
-                <a:gd name="connsiteX0" fmla="*/ 0 w 707010"/>
-                <a:gd name="connsiteY0" fmla="*/ 277168 h 456318"/>
-                <a:gd name="connsiteX1" fmla="*/ 179109 w 707010"/>
-                <a:gd name="connsiteY1" fmla="*/ 3790 h 456318"/>
-                <a:gd name="connsiteX2" fmla="*/ 311084 w 707010"/>
-                <a:gd name="connsiteY2" fmla="*/ 456277 h 456318"/>
-                <a:gd name="connsiteX3" fmla="*/ 471340 w 707010"/>
-                <a:gd name="connsiteY3" fmla="*/ 32071 h 456318"/>
-                <a:gd name="connsiteX4" fmla="*/ 612742 w 707010"/>
-                <a:gd name="connsiteY4" fmla="*/ 296021 h 456318"/>
-                <a:gd name="connsiteX5" fmla="*/ 707010 w 707010"/>
-                <a:gd name="connsiteY5" fmla="*/ 314875 h 456318"/>
-              </a:gdLst>
-              <a:ahLst/>
-              <a:cxnLst>
-                <a:cxn ang="0">
-                  <a:pos x="connsiteX0" y="connsiteY0"/>
-                </a:cxn>
-                <a:cxn ang="0">
-                  <a:pos x="connsiteX1" y="connsiteY1"/>
-                </a:cxn>
-                <a:cxn ang="0">
-                  <a:pos x="connsiteX2" y="connsiteY2"/>
-                </a:cxn>
-                <a:cxn ang="0">
-                  <a:pos x="connsiteX3" y="connsiteY3"/>
-                </a:cxn>
-                <a:cxn ang="0">
-                  <a:pos x="connsiteX4" y="connsiteY4"/>
-                </a:cxn>
-                <a:cxn ang="0">
-                  <a:pos x="connsiteX5" y="connsiteY5"/>
-                </a:cxn>
-              </a:cxnLst>
-              <a:rect l="l" t="t" r="r" b="b"/>
-              <a:pathLst>
-                <a:path w="707010" h="456318">
-                  <a:moveTo>
-                    <a:pt x="0" y="277168"/>
-                  </a:moveTo>
-                  <a:cubicBezTo>
-                    <a:pt x="63631" y="125553"/>
-                    <a:pt x="127262" y="-26061"/>
-                    <a:pt x="179109" y="3790"/>
-                  </a:cubicBezTo>
-                  <a:cubicBezTo>
-                    <a:pt x="230956" y="33641"/>
-                    <a:pt x="262379" y="451564"/>
-                    <a:pt x="311084" y="456277"/>
-                  </a:cubicBezTo>
-                  <a:cubicBezTo>
-                    <a:pt x="359789" y="460991"/>
-                    <a:pt x="421064" y="58780"/>
-                    <a:pt x="471340" y="32071"/>
-                  </a:cubicBezTo>
-                  <a:cubicBezTo>
-                    <a:pt x="521616" y="5362"/>
-                    <a:pt x="573464" y="248887"/>
-                    <a:pt x="612742" y="296021"/>
-                  </a:cubicBezTo>
-                  <a:cubicBezTo>
-                    <a:pt x="652020" y="343155"/>
-                    <a:pt x="642594" y="311733"/>
-                    <a:pt x="707010" y="314875"/>
-                  </a:cubicBezTo>
-                </a:path>
-              </a:pathLst>
-            </a:custGeom>
-            <a:noFill/>
-            <a:ln w="6350">
-              <a:solidFill>
-                <a:srgbClr val="00B0F0"/>
-              </a:solidFill>
-              <a:headEnd type="none" w="med" len="med"/>
-              <a:tailEnd type="arrow" w="med" len="med"/>
-            </a:ln>
-          </p:spPr>
-          <p:style>
-            <a:lnRef idx="2">
-              <a:schemeClr val="accent1">
-                <a:shade val="50000"/>
-              </a:schemeClr>
-            </a:lnRef>
-            <a:fillRef idx="1">
-              <a:schemeClr val="accent1"/>
-            </a:fillRef>
-            <a:effectRef idx="0">
-              <a:schemeClr val="accent1"/>
-            </a:effectRef>
-            <a:fontRef idx="minor">
-              <a:schemeClr val="lt1"/>
-            </a:fontRef>
-          </p:style>
-          <p:txBody>
-            <a:bodyPr rtlCol="0" anchor="ctr"/>
-            <a:lstStyle/>
-            <a:p>
-              <a:pPr algn="ctr"/>
-              <a:endParaRPr lang="en-US"/>
-            </a:p>
-          </p:txBody>
-        </p:sp>
-        <p:sp>
-          <p:nvSpPr>
-            <p:cNvPr id="89" name="Freeform: Shape 88">
-              <a:extLst>
-                <a:ext uri="{FF2B5EF4-FFF2-40B4-BE49-F238E27FC236}">
-                  <a16:creationId xmlns:a16="http://schemas.microsoft.com/office/drawing/2014/main" id="{38716372-9EFA-4147-AA00-922158639239}"/>
-                </a:ext>
-              </a:extLst>
-            </p:cNvPr>
-            <p:cNvSpPr/>
-            <p:nvPr/>
-          </p:nvSpPr>
-          <p:spPr>
-            <a:xfrm rot="20631930" flipH="1" flipV="1">
-              <a:off x="3444957" y="3478246"/>
-              <a:ext cx="342657" cy="45719"/>
-            </a:xfrm>
-            <a:custGeom>
-              <a:avLst/>
-              <a:gdLst>
-                <a:gd name="connsiteX0" fmla="*/ 0 w 707010"/>
-                <a:gd name="connsiteY0" fmla="*/ 277168 h 456318"/>
-                <a:gd name="connsiteX1" fmla="*/ 179109 w 707010"/>
-                <a:gd name="connsiteY1" fmla="*/ 3790 h 456318"/>
-                <a:gd name="connsiteX2" fmla="*/ 311084 w 707010"/>
-                <a:gd name="connsiteY2" fmla="*/ 456277 h 456318"/>
-                <a:gd name="connsiteX3" fmla="*/ 471340 w 707010"/>
-                <a:gd name="connsiteY3" fmla="*/ 32071 h 456318"/>
-                <a:gd name="connsiteX4" fmla="*/ 612742 w 707010"/>
-                <a:gd name="connsiteY4" fmla="*/ 296021 h 456318"/>
-                <a:gd name="connsiteX5" fmla="*/ 707010 w 707010"/>
-                <a:gd name="connsiteY5" fmla="*/ 314875 h 456318"/>
-              </a:gdLst>
-              <a:ahLst/>
-              <a:cxnLst>
-                <a:cxn ang="0">
-                  <a:pos x="connsiteX0" y="connsiteY0"/>
-                </a:cxn>
-                <a:cxn ang="0">
-                  <a:pos x="connsiteX1" y="connsiteY1"/>
-                </a:cxn>
-                <a:cxn ang="0">
-                  <a:pos x="connsiteX2" y="connsiteY2"/>
-                </a:cxn>
-                <a:cxn ang="0">
-                  <a:pos x="connsiteX3" y="connsiteY3"/>
-                </a:cxn>
-                <a:cxn ang="0">
-                  <a:pos x="connsiteX4" y="connsiteY4"/>
-                </a:cxn>
-                <a:cxn ang="0">
-                  <a:pos x="connsiteX5" y="connsiteY5"/>
-                </a:cxn>
-              </a:cxnLst>
-              <a:rect l="l" t="t" r="r" b="b"/>
-              <a:pathLst>
-                <a:path w="707010" h="456318">
-                  <a:moveTo>
-                    <a:pt x="0" y="277168"/>
-                  </a:moveTo>
-                  <a:cubicBezTo>
-                    <a:pt x="63631" y="125553"/>
-                    <a:pt x="127262" y="-26061"/>
-                    <a:pt x="179109" y="3790"/>
-                  </a:cubicBezTo>
-                  <a:cubicBezTo>
-                    <a:pt x="230956" y="33641"/>
-                    <a:pt x="262379" y="451564"/>
-                    <a:pt x="311084" y="456277"/>
-                  </a:cubicBezTo>
-                  <a:cubicBezTo>
-                    <a:pt x="359789" y="460991"/>
-                    <a:pt x="421064" y="58780"/>
-                    <a:pt x="471340" y="32071"/>
-                  </a:cubicBezTo>
-                  <a:cubicBezTo>
-                    <a:pt x="521616" y="5362"/>
-                    <a:pt x="573464" y="248887"/>
-                    <a:pt x="612742" y="296021"/>
-                  </a:cubicBezTo>
-                  <a:cubicBezTo>
-                    <a:pt x="652020" y="343155"/>
-                    <a:pt x="642594" y="311733"/>
-                    <a:pt x="707010" y="314875"/>
-                  </a:cubicBezTo>
-                </a:path>
-              </a:pathLst>
-            </a:custGeom>
-            <a:noFill/>
-            <a:ln w="6350">
-              <a:solidFill>
-                <a:srgbClr val="00B0F0"/>
-              </a:solidFill>
-              <a:headEnd type="none" w="med" len="med"/>
-              <a:tailEnd type="arrow" w="med" len="med"/>
-            </a:ln>
-          </p:spPr>
-          <p:style>
-            <a:lnRef idx="2">
-              <a:schemeClr val="accent1">
-                <a:shade val="50000"/>
-              </a:schemeClr>
-            </a:lnRef>
-            <a:fillRef idx="1">
-              <a:schemeClr val="accent1"/>
-            </a:fillRef>
-            <a:effectRef idx="0">
-              <a:schemeClr val="accent1"/>
-            </a:effectRef>
-            <a:fontRef idx="minor">
-              <a:schemeClr val="lt1"/>
-            </a:fontRef>
-          </p:style>
-          <p:txBody>
-            <a:bodyPr rtlCol="0" anchor="ctr"/>
-            <a:lstStyle/>
-            <a:p>
-              <a:pPr algn="ctr"/>
-              <a:endParaRPr lang="en-US"/>
-            </a:p>
-          </p:txBody>
-        </p:sp>
-        <p:sp>
-          <p:nvSpPr>
-            <p:cNvPr id="90" name="Freeform: Shape 89">
-              <a:extLst>
-                <a:ext uri="{FF2B5EF4-FFF2-40B4-BE49-F238E27FC236}">
-                  <a16:creationId xmlns:a16="http://schemas.microsoft.com/office/drawing/2014/main" id="{3F1E8433-3464-4909-943A-35C0CF7AA24E}"/>
-                </a:ext>
-              </a:extLst>
-            </p:cNvPr>
-            <p:cNvSpPr/>
-            <p:nvPr/>
-          </p:nvSpPr>
-          <p:spPr>
-            <a:xfrm rot="19728869" flipH="1" flipV="1">
-              <a:off x="3475624" y="3672249"/>
-              <a:ext cx="342657" cy="45719"/>
-            </a:xfrm>
-            <a:custGeom>
-              <a:avLst/>
-              <a:gdLst>
-                <a:gd name="connsiteX0" fmla="*/ 0 w 707010"/>
-                <a:gd name="connsiteY0" fmla="*/ 277168 h 456318"/>
-                <a:gd name="connsiteX1" fmla="*/ 179109 w 707010"/>
-                <a:gd name="connsiteY1" fmla="*/ 3790 h 456318"/>
-                <a:gd name="connsiteX2" fmla="*/ 311084 w 707010"/>
-                <a:gd name="connsiteY2" fmla="*/ 456277 h 456318"/>
-                <a:gd name="connsiteX3" fmla="*/ 471340 w 707010"/>
-                <a:gd name="connsiteY3" fmla="*/ 32071 h 456318"/>
-                <a:gd name="connsiteX4" fmla="*/ 612742 w 707010"/>
-                <a:gd name="connsiteY4" fmla="*/ 296021 h 456318"/>
-                <a:gd name="connsiteX5" fmla="*/ 707010 w 707010"/>
-                <a:gd name="connsiteY5" fmla="*/ 314875 h 456318"/>
-              </a:gdLst>
-              <a:ahLst/>
-              <a:cxnLst>
-                <a:cxn ang="0">
-                  <a:pos x="connsiteX0" y="connsiteY0"/>
-                </a:cxn>
-                <a:cxn ang="0">
-                  <a:pos x="connsiteX1" y="connsiteY1"/>
-                </a:cxn>
-                <a:cxn ang="0">
-                  <a:pos x="connsiteX2" y="connsiteY2"/>
-                </a:cxn>
-                <a:cxn ang="0">
-                  <a:pos x="connsiteX3" y="connsiteY3"/>
-                </a:cxn>
-                <a:cxn ang="0">
-                  <a:pos x="connsiteX4" y="connsiteY4"/>
-                </a:cxn>
-                <a:cxn ang="0">
-                  <a:pos x="connsiteX5" y="connsiteY5"/>
-                </a:cxn>
-              </a:cxnLst>
-              <a:rect l="l" t="t" r="r" b="b"/>
-              <a:pathLst>
-                <a:path w="707010" h="456318">
-                  <a:moveTo>
-                    <a:pt x="0" y="277168"/>
-                  </a:moveTo>
-                  <a:cubicBezTo>
-                    <a:pt x="63631" y="125553"/>
-                    <a:pt x="127262" y="-26061"/>
-                    <a:pt x="179109" y="3790"/>
-                  </a:cubicBezTo>
-                  <a:cubicBezTo>
-                    <a:pt x="230956" y="33641"/>
-                    <a:pt x="262379" y="451564"/>
-                    <a:pt x="311084" y="456277"/>
-                  </a:cubicBezTo>
-                  <a:cubicBezTo>
-                    <a:pt x="359789" y="460991"/>
-                    <a:pt x="421064" y="58780"/>
-                    <a:pt x="471340" y="32071"/>
-                  </a:cubicBezTo>
-                  <a:cubicBezTo>
-                    <a:pt x="521616" y="5362"/>
-                    <a:pt x="573464" y="248887"/>
-                    <a:pt x="612742" y="296021"/>
-                  </a:cubicBezTo>
-                  <a:cubicBezTo>
-                    <a:pt x="652020" y="343155"/>
-                    <a:pt x="642594" y="311733"/>
-                    <a:pt x="707010" y="314875"/>
-                  </a:cubicBezTo>
-                </a:path>
-              </a:pathLst>
-            </a:custGeom>
-            <a:noFill/>
-            <a:ln w="6350">
-              <a:solidFill>
-                <a:srgbClr val="00B0F0"/>
-              </a:solidFill>
-              <a:headEnd type="none" w="med" len="med"/>
-              <a:tailEnd type="arrow" w="med" len="med"/>
-            </a:ln>
-          </p:spPr>
-          <p:style>
-            <a:lnRef idx="2">
-              <a:schemeClr val="accent1">
-                <a:shade val="50000"/>
-              </a:schemeClr>
-            </a:lnRef>
-            <a:fillRef idx="1">
-              <a:schemeClr val="accent1"/>
-            </a:fillRef>
-            <a:effectRef idx="0">
-              <a:schemeClr val="accent1"/>
-            </a:effectRef>
-            <a:fontRef idx="minor">
-              <a:schemeClr val="lt1"/>
-            </a:fontRef>
-          </p:style>
-          <p:txBody>
-            <a:bodyPr rtlCol="0" anchor="ctr"/>
-            <a:lstStyle/>
-            <a:p>
-              <a:pPr algn="ctr"/>
-              <a:endParaRPr lang="en-US"/>
-            </a:p>
-          </p:txBody>
-        </p:sp>
+        </p:cxnSp>
       </p:grpSp>
+      <p:sp>
+        <p:nvSpPr>
+          <p:cNvPr id="122" name="Freeform: Shape 121">
+            <a:extLst>
+              <a:ext uri="{FF2B5EF4-FFF2-40B4-BE49-F238E27FC236}">
+                <a16:creationId xmlns:a16="http://schemas.microsoft.com/office/drawing/2014/main" id="{5BBCA9EE-E08D-4F03-9032-2453ED19E97C}"/>
+              </a:ext>
+            </a:extLst>
+          </p:cNvPr>
+          <p:cNvSpPr/>
+          <p:nvPr/>
+        </p:nvSpPr>
+        <p:spPr>
+          <a:xfrm rot="7931013" flipH="1" flipV="1">
+            <a:off x="4446826" y="2360585"/>
+            <a:ext cx="342657" cy="45719"/>
+          </a:xfrm>
+          <a:custGeom>
+            <a:avLst/>
+            <a:gdLst>
+              <a:gd name="connsiteX0" fmla="*/ 0 w 707010"/>
+              <a:gd name="connsiteY0" fmla="*/ 277168 h 456318"/>
+              <a:gd name="connsiteX1" fmla="*/ 179109 w 707010"/>
+              <a:gd name="connsiteY1" fmla="*/ 3790 h 456318"/>
+              <a:gd name="connsiteX2" fmla="*/ 311084 w 707010"/>
+              <a:gd name="connsiteY2" fmla="*/ 456277 h 456318"/>
+              <a:gd name="connsiteX3" fmla="*/ 471340 w 707010"/>
+              <a:gd name="connsiteY3" fmla="*/ 32071 h 456318"/>
+              <a:gd name="connsiteX4" fmla="*/ 612742 w 707010"/>
+              <a:gd name="connsiteY4" fmla="*/ 296021 h 456318"/>
+              <a:gd name="connsiteX5" fmla="*/ 707010 w 707010"/>
+              <a:gd name="connsiteY5" fmla="*/ 314875 h 456318"/>
+            </a:gdLst>
+            <a:ahLst/>
+            <a:cxnLst>
+              <a:cxn ang="0">
+                <a:pos x="connsiteX0" y="connsiteY0"/>
+              </a:cxn>
+              <a:cxn ang="0">
+                <a:pos x="connsiteX1" y="connsiteY1"/>
+              </a:cxn>
+              <a:cxn ang="0">
+                <a:pos x="connsiteX2" y="connsiteY2"/>
+              </a:cxn>
+              <a:cxn ang="0">
+                <a:pos x="connsiteX3" y="connsiteY3"/>
+              </a:cxn>
+              <a:cxn ang="0">
+                <a:pos x="connsiteX4" y="connsiteY4"/>
+              </a:cxn>
+              <a:cxn ang="0">
+                <a:pos x="connsiteX5" y="connsiteY5"/>
+              </a:cxn>
+            </a:cxnLst>
+            <a:rect l="l" t="t" r="r" b="b"/>
+            <a:pathLst>
+              <a:path w="707010" h="456318">
+                <a:moveTo>
+                  <a:pt x="0" y="277168"/>
+                </a:moveTo>
+                <a:cubicBezTo>
+                  <a:pt x="63631" y="125553"/>
+                  <a:pt x="127262" y="-26061"/>
+                  <a:pt x="179109" y="3790"/>
+                </a:cubicBezTo>
+                <a:cubicBezTo>
+                  <a:pt x="230956" y="33641"/>
+                  <a:pt x="262379" y="451564"/>
+                  <a:pt x="311084" y="456277"/>
+                </a:cubicBezTo>
+                <a:cubicBezTo>
+                  <a:pt x="359789" y="460991"/>
+                  <a:pt x="421064" y="58780"/>
+                  <a:pt x="471340" y="32071"/>
+                </a:cubicBezTo>
+                <a:cubicBezTo>
+                  <a:pt x="521616" y="5362"/>
+                  <a:pt x="573464" y="248887"/>
+                  <a:pt x="612742" y="296021"/>
+                </a:cubicBezTo>
+                <a:cubicBezTo>
+                  <a:pt x="652020" y="343155"/>
+                  <a:pt x="642594" y="311733"/>
+                  <a:pt x="707010" y="314875"/>
+                </a:cubicBezTo>
+              </a:path>
+            </a:pathLst>
+          </a:custGeom>
+          <a:noFill/>
+          <a:ln w="6350">
+            <a:solidFill>
+              <a:srgbClr val="00B0F0"/>
+            </a:solidFill>
+            <a:headEnd type="none" w="med" len="med"/>
+            <a:tailEnd type="arrow" w="med" len="med"/>
+          </a:ln>
+        </p:spPr>
+        <p:style>
+          <a:lnRef idx="2">
+            <a:schemeClr val="accent1">
+              <a:shade val="50000"/>
+            </a:schemeClr>
+          </a:lnRef>
+          <a:fillRef idx="1">
+            <a:schemeClr val="accent1"/>
+          </a:fillRef>
+          <a:effectRef idx="0">
+            <a:schemeClr val="accent1"/>
+          </a:effectRef>
+          <a:fontRef idx="minor">
+            <a:schemeClr val="lt1"/>
+          </a:fontRef>
+        </p:style>
+        <p:txBody>
+          <a:bodyPr rtlCol="0" anchor="ctr"/>
+          <a:lstStyle/>
+          <a:p>
+            <a:pPr algn="ctr"/>
+            <a:endParaRPr lang="en-US"/>
+          </a:p>
+        </p:txBody>
+      </p:sp>
+      <p:sp>
+        <p:nvSpPr>
+          <p:cNvPr id="123" name="Freeform: Shape 122">
+            <a:extLst>
+              <a:ext uri="{FF2B5EF4-FFF2-40B4-BE49-F238E27FC236}">
+                <a16:creationId xmlns:a16="http://schemas.microsoft.com/office/drawing/2014/main" id="{72EA10B5-D462-4A66-81D8-1840A57AE600}"/>
+              </a:ext>
+            </a:extLst>
+          </p:cNvPr>
+          <p:cNvSpPr/>
+          <p:nvPr/>
+        </p:nvSpPr>
+        <p:spPr>
+          <a:xfrm rot="5205043" flipH="1" flipV="1">
+            <a:off x="4642975" y="2419017"/>
+            <a:ext cx="342657" cy="45719"/>
+          </a:xfrm>
+          <a:custGeom>
+            <a:avLst/>
+            <a:gdLst>
+              <a:gd name="connsiteX0" fmla="*/ 0 w 707010"/>
+              <a:gd name="connsiteY0" fmla="*/ 277168 h 456318"/>
+              <a:gd name="connsiteX1" fmla="*/ 179109 w 707010"/>
+              <a:gd name="connsiteY1" fmla="*/ 3790 h 456318"/>
+              <a:gd name="connsiteX2" fmla="*/ 311084 w 707010"/>
+              <a:gd name="connsiteY2" fmla="*/ 456277 h 456318"/>
+              <a:gd name="connsiteX3" fmla="*/ 471340 w 707010"/>
+              <a:gd name="connsiteY3" fmla="*/ 32071 h 456318"/>
+              <a:gd name="connsiteX4" fmla="*/ 612742 w 707010"/>
+              <a:gd name="connsiteY4" fmla="*/ 296021 h 456318"/>
+              <a:gd name="connsiteX5" fmla="*/ 707010 w 707010"/>
+              <a:gd name="connsiteY5" fmla="*/ 314875 h 456318"/>
+            </a:gdLst>
+            <a:ahLst/>
+            <a:cxnLst>
+              <a:cxn ang="0">
+                <a:pos x="connsiteX0" y="connsiteY0"/>
+              </a:cxn>
+              <a:cxn ang="0">
+                <a:pos x="connsiteX1" y="connsiteY1"/>
+              </a:cxn>
+              <a:cxn ang="0">
+                <a:pos x="connsiteX2" y="connsiteY2"/>
+              </a:cxn>
+              <a:cxn ang="0">
+                <a:pos x="connsiteX3" y="connsiteY3"/>
+              </a:cxn>
+              <a:cxn ang="0">
+                <a:pos x="connsiteX4" y="connsiteY4"/>
+              </a:cxn>
+              <a:cxn ang="0">
+                <a:pos x="connsiteX5" y="connsiteY5"/>
+              </a:cxn>
+            </a:cxnLst>
+            <a:rect l="l" t="t" r="r" b="b"/>
+            <a:pathLst>
+              <a:path w="707010" h="456318">
+                <a:moveTo>
+                  <a:pt x="0" y="277168"/>
+                </a:moveTo>
+                <a:cubicBezTo>
+                  <a:pt x="63631" y="125553"/>
+                  <a:pt x="127262" y="-26061"/>
+                  <a:pt x="179109" y="3790"/>
+                </a:cubicBezTo>
+                <a:cubicBezTo>
+                  <a:pt x="230956" y="33641"/>
+                  <a:pt x="262379" y="451564"/>
+                  <a:pt x="311084" y="456277"/>
+                </a:cubicBezTo>
+                <a:cubicBezTo>
+                  <a:pt x="359789" y="460991"/>
+                  <a:pt x="421064" y="58780"/>
+                  <a:pt x="471340" y="32071"/>
+                </a:cubicBezTo>
+                <a:cubicBezTo>
+                  <a:pt x="521616" y="5362"/>
+                  <a:pt x="573464" y="248887"/>
+                  <a:pt x="612742" y="296021"/>
+                </a:cubicBezTo>
+                <a:cubicBezTo>
+                  <a:pt x="652020" y="343155"/>
+                  <a:pt x="642594" y="311733"/>
+                  <a:pt x="707010" y="314875"/>
+                </a:cubicBezTo>
+              </a:path>
+            </a:pathLst>
+          </a:custGeom>
+          <a:noFill/>
+          <a:ln w="6350">
+            <a:solidFill>
+              <a:srgbClr val="00B0F0"/>
+            </a:solidFill>
+            <a:headEnd type="none" w="med" len="med"/>
+            <a:tailEnd type="arrow" w="med" len="med"/>
+          </a:ln>
+        </p:spPr>
+        <p:style>
+          <a:lnRef idx="2">
+            <a:schemeClr val="accent1">
+              <a:shade val="50000"/>
+            </a:schemeClr>
+          </a:lnRef>
+          <a:fillRef idx="1">
+            <a:schemeClr val="accent1"/>
+          </a:fillRef>
+          <a:effectRef idx="0">
+            <a:schemeClr val="accent1"/>
+          </a:effectRef>
+          <a:fontRef idx="minor">
+            <a:schemeClr val="lt1"/>
+          </a:fontRef>
+        </p:style>
+        <p:txBody>
+          <a:bodyPr rtlCol="0" anchor="ctr"/>
+          <a:lstStyle/>
+          <a:p>
+            <a:pPr algn="ctr"/>
+            <a:endParaRPr lang="en-US"/>
+          </a:p>
+        </p:txBody>
+      </p:sp>
+      <p:sp>
+        <p:nvSpPr>
+          <p:cNvPr id="124" name="Freeform: Shape 123">
+            <a:extLst>
+              <a:ext uri="{FF2B5EF4-FFF2-40B4-BE49-F238E27FC236}">
+                <a16:creationId xmlns:a16="http://schemas.microsoft.com/office/drawing/2014/main" id="{620CF335-EDCD-4BC1-95A7-610142B0EDD3}"/>
+              </a:ext>
+            </a:extLst>
+          </p:cNvPr>
+          <p:cNvSpPr/>
+          <p:nvPr/>
+        </p:nvSpPr>
+        <p:spPr>
+          <a:xfrm rot="2126412" flipH="1" flipV="1">
+            <a:off x="4837552" y="2360583"/>
+            <a:ext cx="342657" cy="45719"/>
+          </a:xfrm>
+          <a:custGeom>
+            <a:avLst/>
+            <a:gdLst>
+              <a:gd name="connsiteX0" fmla="*/ 0 w 707010"/>
+              <a:gd name="connsiteY0" fmla="*/ 277168 h 456318"/>
+              <a:gd name="connsiteX1" fmla="*/ 179109 w 707010"/>
+              <a:gd name="connsiteY1" fmla="*/ 3790 h 456318"/>
+              <a:gd name="connsiteX2" fmla="*/ 311084 w 707010"/>
+              <a:gd name="connsiteY2" fmla="*/ 456277 h 456318"/>
+              <a:gd name="connsiteX3" fmla="*/ 471340 w 707010"/>
+              <a:gd name="connsiteY3" fmla="*/ 32071 h 456318"/>
+              <a:gd name="connsiteX4" fmla="*/ 612742 w 707010"/>
+              <a:gd name="connsiteY4" fmla="*/ 296021 h 456318"/>
+              <a:gd name="connsiteX5" fmla="*/ 707010 w 707010"/>
+              <a:gd name="connsiteY5" fmla="*/ 314875 h 456318"/>
+            </a:gdLst>
+            <a:ahLst/>
+            <a:cxnLst>
+              <a:cxn ang="0">
+                <a:pos x="connsiteX0" y="connsiteY0"/>
+              </a:cxn>
+              <a:cxn ang="0">
+                <a:pos x="connsiteX1" y="connsiteY1"/>
+              </a:cxn>
+              <a:cxn ang="0">
+                <a:pos x="connsiteX2" y="connsiteY2"/>
+              </a:cxn>
+              <a:cxn ang="0">
+                <a:pos x="connsiteX3" y="connsiteY3"/>
+              </a:cxn>
+              <a:cxn ang="0">
+                <a:pos x="connsiteX4" y="connsiteY4"/>
+              </a:cxn>
+              <a:cxn ang="0">
+                <a:pos x="connsiteX5" y="connsiteY5"/>
+              </a:cxn>
+            </a:cxnLst>
+            <a:rect l="l" t="t" r="r" b="b"/>
+            <a:pathLst>
+              <a:path w="707010" h="456318">
+                <a:moveTo>
+                  <a:pt x="0" y="277168"/>
+                </a:moveTo>
+                <a:cubicBezTo>
+                  <a:pt x="63631" y="125553"/>
+                  <a:pt x="127262" y="-26061"/>
+                  <a:pt x="179109" y="3790"/>
+                </a:cubicBezTo>
+                <a:cubicBezTo>
+                  <a:pt x="230956" y="33641"/>
+                  <a:pt x="262379" y="451564"/>
+                  <a:pt x="311084" y="456277"/>
+                </a:cubicBezTo>
+                <a:cubicBezTo>
+                  <a:pt x="359789" y="460991"/>
+                  <a:pt x="421064" y="58780"/>
+                  <a:pt x="471340" y="32071"/>
+                </a:cubicBezTo>
+                <a:cubicBezTo>
+                  <a:pt x="521616" y="5362"/>
+                  <a:pt x="573464" y="248887"/>
+                  <a:pt x="612742" y="296021"/>
+                </a:cubicBezTo>
+                <a:cubicBezTo>
+                  <a:pt x="652020" y="343155"/>
+                  <a:pt x="642594" y="311733"/>
+                  <a:pt x="707010" y="314875"/>
+                </a:cubicBezTo>
+              </a:path>
+            </a:pathLst>
+          </a:custGeom>
+          <a:noFill/>
+          <a:ln w="6350">
+            <a:solidFill>
+              <a:srgbClr val="00B0F0"/>
+            </a:solidFill>
+            <a:headEnd type="none" w="med" len="med"/>
+            <a:tailEnd type="arrow" w="med" len="med"/>
+          </a:ln>
+        </p:spPr>
+        <p:style>
+          <a:lnRef idx="2">
+            <a:schemeClr val="accent1">
+              <a:shade val="50000"/>
+            </a:schemeClr>
+          </a:lnRef>
+          <a:fillRef idx="1">
+            <a:schemeClr val="accent1"/>
+          </a:fillRef>
+          <a:effectRef idx="0">
+            <a:schemeClr val="accent1"/>
+          </a:effectRef>
+          <a:fontRef idx="minor">
+            <a:schemeClr val="lt1"/>
+          </a:fontRef>
+        </p:style>
+        <p:txBody>
+          <a:bodyPr rtlCol="0" anchor="ctr"/>
+          <a:lstStyle/>
+          <a:p>
+            <a:pPr algn="ctr"/>
+            <a:endParaRPr lang="en-US"/>
+          </a:p>
+        </p:txBody>
+      </p:sp>
+      <p:cxnSp>
+        <p:nvCxnSpPr>
+          <p:cNvPr id="125" name="Straight Arrow Connector 124">
+            <a:extLst>
+              <a:ext uri="{FF2B5EF4-FFF2-40B4-BE49-F238E27FC236}">
+                <a16:creationId xmlns:a16="http://schemas.microsoft.com/office/drawing/2014/main" id="{A0D0019B-9528-4B8B-9CEE-D2C4C8E98305}"/>
+              </a:ext>
+            </a:extLst>
+          </p:cNvPr>
+          <p:cNvCxnSpPr>
+            <a:cxnSpLocks/>
+            <a:stCxn id="117" idx="0"/>
+          </p:cNvCxnSpPr>
+          <p:nvPr/>
+        </p:nvCxnSpPr>
+        <p:spPr>
+          <a:xfrm flipV="1">
+            <a:off x="4805024" y="569446"/>
+            <a:ext cx="0" cy="439780"/>
+          </a:xfrm>
+          <a:prstGeom prst="straightConnector1">
+            <a:avLst/>
+          </a:prstGeom>
+          <a:ln w="28575">
+            <a:solidFill>
+              <a:srgbClr val="00B0F0"/>
+            </a:solidFill>
+            <a:tailEnd type="triangle"/>
+          </a:ln>
+        </p:spPr>
+        <p:style>
+          <a:lnRef idx="1">
+            <a:schemeClr val="accent1"/>
+          </a:lnRef>
+          <a:fillRef idx="0">
+            <a:schemeClr val="accent1"/>
+          </a:fillRef>
+          <a:effectRef idx="0">
+            <a:schemeClr val="accent1"/>
+          </a:effectRef>
+          <a:fontRef idx="minor">
+            <a:schemeClr val="tx1"/>
+          </a:fontRef>
+        </p:style>
+      </p:cxnSp>
+      <p:sp>
+        <p:nvSpPr>
+          <p:cNvPr id="127" name="TextBox 126">
+            <a:extLst>
+              <a:ext uri="{FF2B5EF4-FFF2-40B4-BE49-F238E27FC236}">
+                <a16:creationId xmlns:a16="http://schemas.microsoft.com/office/drawing/2014/main" id="{87F14E51-438A-45D9-9A0B-8CAF71949AA8}"/>
+              </a:ext>
+            </a:extLst>
+          </p:cNvPr>
+          <p:cNvSpPr txBox="1"/>
+          <p:nvPr/>
+        </p:nvSpPr>
+        <p:spPr>
+          <a:xfrm>
+            <a:off x="3931677" y="295514"/>
+            <a:ext cx="1746694" cy="276999"/>
+          </a:xfrm>
+          <a:prstGeom prst="rect">
+            <a:avLst/>
+          </a:prstGeom>
+          <a:noFill/>
+        </p:spPr>
+        <p:txBody>
+          <a:bodyPr wrap="square" rtlCol="0">
+            <a:spAutoFit/>
+          </a:bodyPr>
+          <a:lstStyle/>
+          <a:p>
+            <a:pPr algn="ctr"/>
+            <a:r>
+              <a:rPr lang="en-US" sz="1200" dirty="0">
+                <a:solidFill>
+                  <a:srgbClr val="00B0F0"/>
+                </a:solidFill>
+                <a:latin typeface="Times New Roman" panose="02020603050405020304" pitchFamily="18" charset="0"/>
+                <a:cs typeface="Times New Roman" panose="02020603050405020304" pitchFamily="18" charset="0"/>
+              </a:rPr>
+              <a:t>Gaseous Oxygen Output</a:t>
+            </a:r>
+          </a:p>
+        </p:txBody>
+      </p:sp>
     </p:spTree>
     <p:extLst>
       <p:ext uri="{BB962C8B-B14F-4D97-AF65-F5344CB8AC3E}">
-        <p14:creationId xmlns:p14="http://schemas.microsoft.com/office/powerpoint/2010/main" val="4252415500"/>
+        <p14:creationId xmlns:p14="http://schemas.microsoft.com/office/powerpoint/2010/main" val="693647736"/>
       </p:ext>
     </p:extLst>
   </p:cSld>

--- a/Images/CrossSec_Diagram.pptx
+++ b/Images/CrossSec_Diagram.pptx
@@ -260,7 +260,7 @@
           <a:p>
             <a:fld id="{3495E59A-800C-44EA-8AE9-5D64286AA9F4}" type="datetimeFigureOut">
               <a:rPr lang="en-US" smtClean="0"/>
-              <a:t>5/28/2021</a:t>
+              <a:t>6/2/2021</a:t>
             </a:fld>
             <a:endParaRPr lang="en-US"/>
           </a:p>
@@ -458,7 +458,7 @@
           <a:p>
             <a:fld id="{3495E59A-800C-44EA-8AE9-5D64286AA9F4}" type="datetimeFigureOut">
               <a:rPr lang="en-US" smtClean="0"/>
-              <a:t>5/28/2021</a:t>
+              <a:t>6/2/2021</a:t>
             </a:fld>
             <a:endParaRPr lang="en-US"/>
           </a:p>
@@ -666,7 +666,7 @@
           <a:p>
             <a:fld id="{3495E59A-800C-44EA-8AE9-5D64286AA9F4}" type="datetimeFigureOut">
               <a:rPr lang="en-US" smtClean="0"/>
-              <a:t>5/28/2021</a:t>
+              <a:t>6/2/2021</a:t>
             </a:fld>
             <a:endParaRPr lang="en-US"/>
           </a:p>
@@ -864,7 +864,7 @@
           <a:p>
             <a:fld id="{3495E59A-800C-44EA-8AE9-5D64286AA9F4}" type="datetimeFigureOut">
               <a:rPr lang="en-US" smtClean="0"/>
-              <a:t>5/28/2021</a:t>
+              <a:t>6/2/2021</a:t>
             </a:fld>
             <a:endParaRPr lang="en-US"/>
           </a:p>
@@ -1139,7 +1139,7 @@
           <a:p>
             <a:fld id="{3495E59A-800C-44EA-8AE9-5D64286AA9F4}" type="datetimeFigureOut">
               <a:rPr lang="en-US" smtClean="0"/>
-              <a:t>5/28/2021</a:t>
+              <a:t>6/2/2021</a:t>
             </a:fld>
             <a:endParaRPr lang="en-US"/>
           </a:p>
@@ -1404,7 +1404,7 @@
           <a:p>
             <a:fld id="{3495E59A-800C-44EA-8AE9-5D64286AA9F4}" type="datetimeFigureOut">
               <a:rPr lang="en-US" smtClean="0"/>
-              <a:t>5/28/2021</a:t>
+              <a:t>6/2/2021</a:t>
             </a:fld>
             <a:endParaRPr lang="en-US"/>
           </a:p>
@@ -1816,7 +1816,7 @@
           <a:p>
             <a:fld id="{3495E59A-800C-44EA-8AE9-5D64286AA9F4}" type="datetimeFigureOut">
               <a:rPr lang="en-US" smtClean="0"/>
-              <a:t>5/28/2021</a:t>
+              <a:t>6/2/2021</a:t>
             </a:fld>
             <a:endParaRPr lang="en-US"/>
           </a:p>
@@ -1957,7 +1957,7 @@
           <a:p>
             <a:fld id="{3495E59A-800C-44EA-8AE9-5D64286AA9F4}" type="datetimeFigureOut">
               <a:rPr lang="en-US" smtClean="0"/>
-              <a:t>5/28/2021</a:t>
+              <a:t>6/2/2021</a:t>
             </a:fld>
             <a:endParaRPr lang="en-US"/>
           </a:p>
@@ -2070,7 +2070,7 @@
           <a:p>
             <a:fld id="{3495E59A-800C-44EA-8AE9-5D64286AA9F4}" type="datetimeFigureOut">
               <a:rPr lang="en-US" smtClean="0"/>
-              <a:t>5/28/2021</a:t>
+              <a:t>6/2/2021</a:t>
             </a:fld>
             <a:endParaRPr lang="en-US"/>
           </a:p>
@@ -2381,7 +2381,7 @@
           <a:p>
             <a:fld id="{3495E59A-800C-44EA-8AE9-5D64286AA9F4}" type="datetimeFigureOut">
               <a:rPr lang="en-US" smtClean="0"/>
-              <a:t>5/28/2021</a:t>
+              <a:t>6/2/2021</a:t>
             </a:fld>
             <a:endParaRPr lang="en-US"/>
           </a:p>
@@ -2669,7 +2669,7 @@
           <a:p>
             <a:fld id="{3495E59A-800C-44EA-8AE9-5D64286AA9F4}" type="datetimeFigureOut">
               <a:rPr lang="en-US" smtClean="0"/>
-              <a:t>5/28/2021</a:t>
+              <a:t>6/2/2021</a:t>
             </a:fld>
             <a:endParaRPr lang="en-US"/>
           </a:p>
@@ -2910,7 +2910,7 @@
           <a:p>
             <a:fld id="{3495E59A-800C-44EA-8AE9-5D64286AA9F4}" type="datetimeFigureOut">
               <a:rPr lang="en-US" smtClean="0"/>
-              <a:t>5/28/2021</a:t>
+              <a:t>6/2/2021</a:t>
             </a:fld>
             <a:endParaRPr lang="en-US"/>
           </a:p>
@@ -3329,10 +3329,10 @@
       </p:grpSpPr>
       <p:grpSp>
         <p:nvGrpSpPr>
-          <p:cNvPr id="13" name="Group 12">
+          <p:cNvPr id="2" name="Group 1">
             <a:extLst>
               <a:ext uri="{FF2B5EF4-FFF2-40B4-BE49-F238E27FC236}">
-                <a16:creationId xmlns:a16="http://schemas.microsoft.com/office/drawing/2014/main" id="{21E47FB6-7A5C-45AE-9161-B28E13289C49}"/>
+                <a16:creationId xmlns:a16="http://schemas.microsoft.com/office/drawing/2014/main" id="{DFAE833B-6A8A-4C56-AAC3-BF94078028BE}"/>
               </a:ext>
             </a:extLst>
           </p:cNvPr>
@@ -3342,728 +3342,17 @@
         <p:grpSpPr>
           <a:xfrm>
             <a:off x="1842695" y="295514"/>
-            <a:ext cx="7593133" cy="5519358"/>
+            <a:ext cx="7593133" cy="5529816"/>
             <a:chOff x="1842695" y="295514"/>
-            <a:chExt cx="7593133" cy="5519358"/>
+            <a:chExt cx="7593133" cy="5529816"/>
           </a:xfrm>
         </p:grpSpPr>
-        <p:sp>
-          <p:nvSpPr>
-            <p:cNvPr id="4" name="Rectangle: Top Corners Rounded 3">
+        <p:grpSp>
+          <p:nvGrpSpPr>
+            <p:cNvPr id="13" name="Group 12">
               <a:extLst>
                 <a:ext uri="{FF2B5EF4-FFF2-40B4-BE49-F238E27FC236}">
-                  <a16:creationId xmlns:a16="http://schemas.microsoft.com/office/drawing/2014/main" id="{D09F38BE-5BE1-4EBA-AE19-0C457820D54F}"/>
-                </a:ext>
-              </a:extLst>
-            </p:cNvPr>
-            <p:cNvSpPr/>
-            <p:nvPr/>
-          </p:nvSpPr>
-          <p:spPr>
-            <a:xfrm>
-              <a:off x="3206370" y="2025297"/>
-              <a:ext cx="4854804" cy="3789575"/>
-            </a:xfrm>
-            <a:prstGeom prst="round2SameRect">
-              <a:avLst/>
-            </a:prstGeom>
-            <a:solidFill>
-              <a:schemeClr val="bg2"/>
-            </a:solidFill>
-            <a:ln>
-              <a:solidFill>
-                <a:schemeClr val="tx1">
-                  <a:lumMod val="85000"/>
-                  <a:lumOff val="15000"/>
-                </a:schemeClr>
-              </a:solidFill>
-            </a:ln>
-          </p:spPr>
-          <p:style>
-            <a:lnRef idx="2">
-              <a:schemeClr val="accent1">
-                <a:shade val="50000"/>
-              </a:schemeClr>
-            </a:lnRef>
-            <a:fillRef idx="1">
-              <a:schemeClr val="accent1"/>
-            </a:fillRef>
-            <a:effectRef idx="0">
-              <a:schemeClr val="accent1"/>
-            </a:effectRef>
-            <a:fontRef idx="minor">
-              <a:schemeClr val="lt1"/>
-            </a:fontRef>
-          </p:style>
-          <p:txBody>
-            <a:bodyPr rtlCol="0" anchor="ctr"/>
-            <a:lstStyle/>
-            <a:p>
-              <a:pPr algn="ctr"/>
-              <a:endParaRPr lang="en-US"/>
-            </a:p>
-          </p:txBody>
-        </p:sp>
-        <p:sp>
-          <p:nvSpPr>
-            <p:cNvPr id="5" name="Double Wave 4">
-              <a:extLst>
-                <a:ext uri="{FF2B5EF4-FFF2-40B4-BE49-F238E27FC236}">
-                  <a16:creationId xmlns:a16="http://schemas.microsoft.com/office/drawing/2014/main" id="{9B70DCAD-4583-475D-8DA3-CF8FEFDCA1E1}"/>
-                </a:ext>
-              </a:extLst>
-            </p:cNvPr>
-            <p:cNvSpPr/>
-            <p:nvPr/>
-          </p:nvSpPr>
-          <p:spPr>
-            <a:xfrm>
-              <a:off x="3206370" y="3099952"/>
-              <a:ext cx="4854804" cy="2432116"/>
-            </a:xfrm>
-            <a:prstGeom prst="doubleWave">
-              <a:avLst/>
-            </a:prstGeom>
-            <a:solidFill>
-              <a:schemeClr val="accent4">
-                <a:lumMod val="60000"/>
-                <a:lumOff val="40000"/>
-              </a:schemeClr>
-            </a:solidFill>
-          </p:spPr>
-          <p:style>
-            <a:lnRef idx="2">
-              <a:schemeClr val="accent1">
-                <a:shade val="50000"/>
-              </a:schemeClr>
-            </a:lnRef>
-            <a:fillRef idx="1">
-              <a:schemeClr val="accent1"/>
-            </a:fillRef>
-            <a:effectRef idx="0">
-              <a:schemeClr val="accent1"/>
-            </a:effectRef>
-            <a:fontRef idx="minor">
-              <a:schemeClr val="lt1"/>
-            </a:fontRef>
-          </p:style>
-          <p:txBody>
-            <a:bodyPr rtlCol="0" anchor="ctr"/>
-            <a:lstStyle/>
-            <a:p>
-              <a:pPr algn="ctr"/>
-              <a:endParaRPr lang="en-US"/>
-            </a:p>
-          </p:txBody>
-        </p:sp>
-        <p:sp>
-          <p:nvSpPr>
-            <p:cNvPr id="6" name="Rectangle 5">
-              <a:extLst>
-                <a:ext uri="{FF2B5EF4-FFF2-40B4-BE49-F238E27FC236}">
-                  <a16:creationId xmlns:a16="http://schemas.microsoft.com/office/drawing/2014/main" id="{872C931D-D676-4D79-AB71-5F12665BD0D7}"/>
-                </a:ext>
-              </a:extLst>
-            </p:cNvPr>
-            <p:cNvSpPr/>
-            <p:nvPr/>
-          </p:nvSpPr>
-          <p:spPr>
-            <a:xfrm>
-              <a:off x="3211830" y="3846476"/>
-              <a:ext cx="4841724" cy="1960776"/>
-            </a:xfrm>
-            <a:prstGeom prst="rect">
-              <a:avLst/>
-            </a:prstGeom>
-            <a:solidFill>
-              <a:schemeClr val="accent4">
-                <a:lumMod val="60000"/>
-                <a:lumOff val="40000"/>
-              </a:schemeClr>
-            </a:solidFill>
-            <a:ln>
-              <a:noFill/>
-            </a:ln>
-          </p:spPr>
-          <p:style>
-            <a:lnRef idx="2">
-              <a:schemeClr val="accent1">
-                <a:shade val="50000"/>
-              </a:schemeClr>
-            </a:lnRef>
-            <a:fillRef idx="1">
-              <a:schemeClr val="accent1"/>
-            </a:fillRef>
-            <a:effectRef idx="0">
-              <a:schemeClr val="accent1"/>
-            </a:effectRef>
-            <a:fontRef idx="minor">
-              <a:schemeClr val="lt1"/>
-            </a:fontRef>
-          </p:style>
-          <p:txBody>
-            <a:bodyPr rtlCol="0" anchor="ctr"/>
-            <a:lstStyle/>
-            <a:p>
-              <a:pPr algn="ctr"/>
-              <a:endParaRPr lang="en-US"/>
-            </a:p>
-          </p:txBody>
-        </p:sp>
-        <p:sp>
-          <p:nvSpPr>
-            <p:cNvPr id="29" name="Rectangle 28">
-              <a:extLst>
-                <a:ext uri="{FF2B5EF4-FFF2-40B4-BE49-F238E27FC236}">
-                  <a16:creationId xmlns:a16="http://schemas.microsoft.com/office/drawing/2014/main" id="{4718CA53-D06B-464B-9596-57EE81E228A8}"/>
-                </a:ext>
-              </a:extLst>
-            </p:cNvPr>
-            <p:cNvSpPr/>
-            <p:nvPr/>
-          </p:nvSpPr>
-          <p:spPr>
-            <a:xfrm>
-              <a:off x="2697323" y="2901989"/>
-              <a:ext cx="509047" cy="2905263"/>
-            </a:xfrm>
-            <a:prstGeom prst="rect">
-              <a:avLst/>
-            </a:prstGeom>
-            <a:solidFill>
-              <a:schemeClr val="bg1">
-                <a:lumMod val="65000"/>
-              </a:schemeClr>
-            </a:solidFill>
-            <a:ln>
-              <a:solidFill>
-                <a:schemeClr val="tx1"/>
-              </a:solidFill>
-            </a:ln>
-          </p:spPr>
-          <p:style>
-            <a:lnRef idx="2">
-              <a:schemeClr val="accent1">
-                <a:shade val="50000"/>
-              </a:schemeClr>
-            </a:lnRef>
-            <a:fillRef idx="1">
-              <a:schemeClr val="accent1"/>
-            </a:fillRef>
-            <a:effectRef idx="0">
-              <a:schemeClr val="accent1"/>
-            </a:effectRef>
-            <a:fontRef idx="minor">
-              <a:schemeClr val="lt1"/>
-            </a:fontRef>
-          </p:style>
-          <p:txBody>
-            <a:bodyPr rtlCol="0" anchor="ctr"/>
-            <a:lstStyle/>
-            <a:p>
-              <a:pPr algn="ctr"/>
-              <a:endParaRPr lang="en-US"/>
-            </a:p>
-          </p:txBody>
-        </p:sp>
-        <p:sp>
-          <p:nvSpPr>
-            <p:cNvPr id="30" name="Rectangle 29">
-              <a:extLst>
-                <a:ext uri="{FF2B5EF4-FFF2-40B4-BE49-F238E27FC236}">
-                  <a16:creationId xmlns:a16="http://schemas.microsoft.com/office/drawing/2014/main" id="{92EAEC3C-B4F6-45B2-902F-A50FCD21E7CA}"/>
-                </a:ext>
-              </a:extLst>
-            </p:cNvPr>
-            <p:cNvSpPr/>
-            <p:nvPr/>
-          </p:nvSpPr>
-          <p:spPr>
-            <a:xfrm>
-              <a:off x="8061174" y="2901989"/>
-              <a:ext cx="509047" cy="2905263"/>
-            </a:xfrm>
-            <a:prstGeom prst="rect">
-              <a:avLst/>
-            </a:prstGeom>
-            <a:solidFill>
-              <a:schemeClr val="bg1">
-                <a:lumMod val="65000"/>
-              </a:schemeClr>
-            </a:solidFill>
-            <a:ln>
-              <a:solidFill>
-                <a:schemeClr val="tx1"/>
-              </a:solidFill>
-            </a:ln>
-          </p:spPr>
-          <p:style>
-            <a:lnRef idx="2">
-              <a:schemeClr val="accent1">
-                <a:shade val="50000"/>
-              </a:schemeClr>
-            </a:lnRef>
-            <a:fillRef idx="1">
-              <a:schemeClr val="accent1"/>
-            </a:fillRef>
-            <a:effectRef idx="0">
-              <a:schemeClr val="accent1"/>
-            </a:effectRef>
-            <a:fontRef idx="minor">
-              <a:schemeClr val="lt1"/>
-            </a:fontRef>
-          </p:style>
-          <p:txBody>
-            <a:bodyPr rtlCol="0" anchor="ctr"/>
-            <a:lstStyle/>
-            <a:p>
-              <a:pPr algn="ctr"/>
-              <a:endParaRPr lang="en-US"/>
-            </a:p>
-          </p:txBody>
-        </p:sp>
-        <p:sp>
-          <p:nvSpPr>
-            <p:cNvPr id="36" name="Rectangle 35">
-              <a:extLst>
-                <a:ext uri="{FF2B5EF4-FFF2-40B4-BE49-F238E27FC236}">
-                  <a16:creationId xmlns:a16="http://schemas.microsoft.com/office/drawing/2014/main" id="{566820EE-B694-4BD9-A730-D5D6BDE08EB0}"/>
-                </a:ext>
-              </a:extLst>
-            </p:cNvPr>
-            <p:cNvSpPr/>
-            <p:nvPr/>
-          </p:nvSpPr>
-          <p:spPr>
-            <a:xfrm>
-              <a:off x="5593603" y="1918931"/>
-              <a:ext cx="82295" cy="3245150"/>
-            </a:xfrm>
-            <a:prstGeom prst="rect">
-              <a:avLst/>
-            </a:prstGeom>
-            <a:solidFill>
-              <a:schemeClr val="tx1"/>
-            </a:solidFill>
-            <a:ln>
-              <a:solidFill>
-                <a:schemeClr val="tx1"/>
-              </a:solidFill>
-            </a:ln>
-          </p:spPr>
-          <p:style>
-            <a:lnRef idx="2">
-              <a:schemeClr val="accent1">
-                <a:shade val="50000"/>
-              </a:schemeClr>
-            </a:lnRef>
-            <a:fillRef idx="1">
-              <a:schemeClr val="accent1"/>
-            </a:fillRef>
-            <a:effectRef idx="0">
-              <a:schemeClr val="accent1"/>
-            </a:effectRef>
-            <a:fontRef idx="minor">
-              <a:schemeClr val="lt1"/>
-            </a:fontRef>
-          </p:style>
-          <p:txBody>
-            <a:bodyPr rtlCol="0" anchor="ctr"/>
-            <a:lstStyle/>
-            <a:p>
-              <a:pPr algn="ctr"/>
-              <a:endParaRPr lang="en-US"/>
-            </a:p>
-          </p:txBody>
-        </p:sp>
-        <p:sp>
-          <p:nvSpPr>
-            <p:cNvPr id="37" name="Rectangle 36">
-              <a:extLst>
-                <a:ext uri="{FF2B5EF4-FFF2-40B4-BE49-F238E27FC236}">
-                  <a16:creationId xmlns:a16="http://schemas.microsoft.com/office/drawing/2014/main" id="{DB2E1E27-CF47-4A0F-9B29-0A344E9188B2}"/>
-                </a:ext>
-              </a:extLst>
-            </p:cNvPr>
-            <p:cNvSpPr/>
-            <p:nvPr/>
-          </p:nvSpPr>
-          <p:spPr>
-            <a:xfrm rot="3556515">
-              <a:off x="4669043" y="3489908"/>
-              <a:ext cx="91440" cy="2164080"/>
-            </a:xfrm>
-            <a:prstGeom prst="rect">
-              <a:avLst/>
-            </a:prstGeom>
-            <a:solidFill>
-              <a:schemeClr val="tx1"/>
-            </a:solidFill>
-            <a:ln>
-              <a:solidFill>
-                <a:schemeClr val="tx1"/>
-              </a:solidFill>
-            </a:ln>
-          </p:spPr>
-          <p:style>
-            <a:lnRef idx="2">
-              <a:schemeClr val="accent1">
-                <a:shade val="50000"/>
-              </a:schemeClr>
-            </a:lnRef>
-            <a:fillRef idx="1">
-              <a:schemeClr val="accent1"/>
-            </a:fillRef>
-            <a:effectRef idx="0">
-              <a:schemeClr val="accent1"/>
-            </a:effectRef>
-            <a:fontRef idx="minor">
-              <a:schemeClr val="lt1"/>
-            </a:fontRef>
-          </p:style>
-          <p:txBody>
-            <a:bodyPr rtlCol="0" anchor="ctr"/>
-            <a:lstStyle/>
-            <a:p>
-              <a:pPr algn="ctr"/>
-              <a:endParaRPr lang="en-US"/>
-            </a:p>
-          </p:txBody>
-        </p:sp>
-        <p:sp>
-          <p:nvSpPr>
-            <p:cNvPr id="38" name="Rectangle 37">
-              <a:extLst>
-                <a:ext uri="{FF2B5EF4-FFF2-40B4-BE49-F238E27FC236}">
-                  <a16:creationId xmlns:a16="http://schemas.microsoft.com/office/drawing/2014/main" id="{7D62E783-5ABA-4E04-9535-2AF734F62289}"/>
-                </a:ext>
-              </a:extLst>
-            </p:cNvPr>
-            <p:cNvSpPr/>
-            <p:nvPr/>
-          </p:nvSpPr>
-          <p:spPr>
-            <a:xfrm rot="18043485" flipH="1">
-              <a:off x="6526797" y="3479747"/>
-              <a:ext cx="91440" cy="2164080"/>
-            </a:xfrm>
-            <a:prstGeom prst="rect">
-              <a:avLst/>
-            </a:prstGeom>
-            <a:solidFill>
-              <a:schemeClr val="tx1"/>
-            </a:solidFill>
-            <a:ln>
-              <a:solidFill>
-                <a:schemeClr val="tx1"/>
-              </a:solidFill>
-            </a:ln>
-          </p:spPr>
-          <p:style>
-            <a:lnRef idx="2">
-              <a:schemeClr val="accent1">
-                <a:shade val="50000"/>
-              </a:schemeClr>
-            </a:lnRef>
-            <a:fillRef idx="1">
-              <a:schemeClr val="accent1"/>
-            </a:fillRef>
-            <a:effectRef idx="0">
-              <a:schemeClr val="accent1"/>
-            </a:effectRef>
-            <a:fontRef idx="minor">
-              <a:schemeClr val="lt1"/>
-            </a:fontRef>
-          </p:style>
-          <p:txBody>
-            <a:bodyPr rtlCol="0" anchor="ctr"/>
-            <a:lstStyle/>
-            <a:p>
-              <a:pPr algn="ctr"/>
-              <a:endParaRPr lang="en-US"/>
-            </a:p>
-          </p:txBody>
-        </p:sp>
-        <p:sp>
-          <p:nvSpPr>
-            <p:cNvPr id="39" name="Rectangle 38">
-              <a:extLst>
-                <a:ext uri="{FF2B5EF4-FFF2-40B4-BE49-F238E27FC236}">
-                  <a16:creationId xmlns:a16="http://schemas.microsoft.com/office/drawing/2014/main" id="{9A2F3BF1-A1DB-4121-8630-BA945BCB12BA}"/>
-                </a:ext>
-              </a:extLst>
-            </p:cNvPr>
-            <p:cNvSpPr/>
-            <p:nvPr/>
-          </p:nvSpPr>
-          <p:spPr>
-            <a:xfrm rot="16200000">
-              <a:off x="5594848" y="3232894"/>
-              <a:ext cx="97586" cy="3764785"/>
-            </a:xfrm>
-            <a:prstGeom prst="rect">
-              <a:avLst/>
-            </a:prstGeom>
-            <a:solidFill>
-              <a:schemeClr val="tx1"/>
-            </a:solidFill>
-            <a:ln>
-              <a:solidFill>
-                <a:schemeClr val="tx1"/>
-              </a:solidFill>
-            </a:ln>
-          </p:spPr>
-          <p:style>
-            <a:lnRef idx="2">
-              <a:schemeClr val="accent1">
-                <a:shade val="50000"/>
-              </a:schemeClr>
-            </a:lnRef>
-            <a:fillRef idx="1">
-              <a:schemeClr val="accent1"/>
-            </a:fillRef>
-            <a:effectRef idx="0">
-              <a:schemeClr val="accent1"/>
-            </a:effectRef>
-            <a:fontRef idx="minor">
-              <a:schemeClr val="lt1"/>
-            </a:fontRef>
-          </p:style>
-          <p:txBody>
-            <a:bodyPr rtlCol="0" anchor="ctr"/>
-            <a:lstStyle/>
-            <a:p>
-              <a:pPr algn="ctr"/>
-              <a:endParaRPr lang="en-US"/>
-            </a:p>
-          </p:txBody>
-        </p:sp>
-        <p:sp>
-          <p:nvSpPr>
-            <p:cNvPr id="45" name="Freeform: Shape 44">
-              <a:extLst>
-                <a:ext uri="{FF2B5EF4-FFF2-40B4-BE49-F238E27FC236}">
-                  <a16:creationId xmlns:a16="http://schemas.microsoft.com/office/drawing/2014/main" id="{55EA7CAD-78ED-4B67-9FB2-5DF3B6FE11CF}"/>
-                </a:ext>
-              </a:extLst>
-            </p:cNvPr>
-            <p:cNvSpPr/>
-            <p:nvPr/>
-          </p:nvSpPr>
-          <p:spPr>
-            <a:xfrm>
-              <a:off x="5281205" y="2409921"/>
-              <a:ext cx="675594" cy="160045"/>
-            </a:xfrm>
-            <a:custGeom>
-              <a:avLst/>
-              <a:gdLst>
-                <a:gd name="connsiteX0" fmla="*/ 320041 w 842145"/>
-                <a:gd name="connsiteY0" fmla="*/ 0 h 160045"/>
-                <a:gd name="connsiteX1" fmla="*/ 1 w 842145"/>
-                <a:gd name="connsiteY1" fmla="*/ 83820 h 160045"/>
-                <a:gd name="connsiteX2" fmla="*/ 316231 w 842145"/>
-                <a:gd name="connsiteY2" fmla="*/ 160020 h 160045"/>
-                <a:gd name="connsiteX3" fmla="*/ 834391 w 842145"/>
-                <a:gd name="connsiteY3" fmla="*/ 91440 h 160045"/>
-                <a:gd name="connsiteX4" fmla="*/ 579121 w 842145"/>
-                <a:gd name="connsiteY4" fmla="*/ 15240 h 160045"/>
-              </a:gdLst>
-              <a:ahLst/>
-              <a:cxnLst>
-                <a:cxn ang="0">
-                  <a:pos x="connsiteX0" y="connsiteY0"/>
-                </a:cxn>
-                <a:cxn ang="0">
-                  <a:pos x="connsiteX1" y="connsiteY1"/>
-                </a:cxn>
-                <a:cxn ang="0">
-                  <a:pos x="connsiteX2" y="connsiteY2"/>
-                </a:cxn>
-                <a:cxn ang="0">
-                  <a:pos x="connsiteX3" y="connsiteY3"/>
-                </a:cxn>
-                <a:cxn ang="0">
-                  <a:pos x="connsiteX4" y="connsiteY4"/>
-                </a:cxn>
-              </a:cxnLst>
-              <a:rect l="l" t="t" r="r" b="b"/>
-              <a:pathLst>
-                <a:path w="842145" h="160045">
-                  <a:moveTo>
-                    <a:pt x="320041" y="0"/>
-                  </a:moveTo>
-                  <a:cubicBezTo>
-                    <a:pt x="160338" y="28575"/>
-                    <a:pt x="636" y="57150"/>
-                    <a:pt x="1" y="83820"/>
-                  </a:cubicBezTo>
-                  <a:cubicBezTo>
-                    <a:pt x="-634" y="110490"/>
-                    <a:pt x="177166" y="158750"/>
-                    <a:pt x="316231" y="160020"/>
-                  </a:cubicBezTo>
-                  <a:cubicBezTo>
-                    <a:pt x="455296" y="161290"/>
-                    <a:pt x="790576" y="115570"/>
-                    <a:pt x="834391" y="91440"/>
-                  </a:cubicBezTo>
-                  <a:cubicBezTo>
-                    <a:pt x="878206" y="67310"/>
-                    <a:pt x="728663" y="41275"/>
-                    <a:pt x="579121" y="15240"/>
-                  </a:cubicBezTo>
-                </a:path>
-              </a:pathLst>
-            </a:custGeom>
-            <a:noFill/>
-            <a:ln>
-              <a:headEnd type="triangle" w="med" len="med"/>
-              <a:tailEnd type="none" w="med" len="med"/>
-            </a:ln>
-          </p:spPr>
-          <p:style>
-            <a:lnRef idx="2">
-              <a:schemeClr val="accent1">
-                <a:shade val="50000"/>
-              </a:schemeClr>
-            </a:lnRef>
-            <a:fillRef idx="1">
-              <a:schemeClr val="accent1"/>
-            </a:fillRef>
-            <a:effectRef idx="0">
-              <a:schemeClr val="accent1"/>
-            </a:effectRef>
-            <a:fontRef idx="minor">
-              <a:schemeClr val="lt1"/>
-            </a:fontRef>
-          </p:style>
-          <p:txBody>
-            <a:bodyPr rtlCol="0" anchor="ctr"/>
-            <a:lstStyle/>
-            <a:p>
-              <a:pPr algn="ctr"/>
-              <a:endParaRPr lang="en-US"/>
-            </a:p>
-          </p:txBody>
-        </p:sp>
-        <p:sp>
-          <p:nvSpPr>
-            <p:cNvPr id="46" name="Rectangle: Top Corners Snipped 45">
-              <a:extLst>
-                <a:ext uri="{FF2B5EF4-FFF2-40B4-BE49-F238E27FC236}">
-                  <a16:creationId xmlns:a16="http://schemas.microsoft.com/office/drawing/2014/main" id="{589CF656-2345-4D0E-BAB6-3FBA80DE4D6D}"/>
-                </a:ext>
-              </a:extLst>
-            </p:cNvPr>
-            <p:cNvSpPr/>
-            <p:nvPr/>
-          </p:nvSpPr>
-          <p:spPr>
-            <a:xfrm rot="10800000">
-              <a:off x="5354635" y="1199770"/>
-              <a:ext cx="566442" cy="758857"/>
-            </a:xfrm>
-            <a:prstGeom prst="snip2SameRect">
-              <a:avLst/>
-            </a:prstGeom>
-            <a:solidFill>
-              <a:schemeClr val="bg1">
-                <a:lumMod val="85000"/>
-              </a:schemeClr>
-            </a:solidFill>
-            <a:ln>
-              <a:solidFill>
-                <a:schemeClr val="tx1"/>
-              </a:solidFill>
-            </a:ln>
-          </p:spPr>
-          <p:style>
-            <a:lnRef idx="2">
-              <a:schemeClr val="accent1">
-                <a:shade val="50000"/>
-              </a:schemeClr>
-            </a:lnRef>
-            <a:fillRef idx="1">
-              <a:schemeClr val="accent1"/>
-            </a:fillRef>
-            <a:effectRef idx="0">
-              <a:schemeClr val="accent1"/>
-            </a:effectRef>
-            <a:fontRef idx="minor">
-              <a:schemeClr val="lt1"/>
-            </a:fontRef>
-          </p:style>
-          <p:txBody>
-            <a:bodyPr rtlCol="0" anchor="ctr"/>
-            <a:lstStyle/>
-            <a:p>
-              <a:pPr algn="ctr"/>
-              <a:endParaRPr lang="en-US"/>
-            </a:p>
-          </p:txBody>
-        </p:sp>
-        <p:sp>
-          <p:nvSpPr>
-            <p:cNvPr id="47" name="Rectangle 46">
-              <a:extLst>
-                <a:ext uri="{FF2B5EF4-FFF2-40B4-BE49-F238E27FC236}">
-                  <a16:creationId xmlns:a16="http://schemas.microsoft.com/office/drawing/2014/main" id="{8FD11471-5493-419F-BE32-D69397A0D5FF}"/>
-                </a:ext>
-              </a:extLst>
-            </p:cNvPr>
-            <p:cNvSpPr/>
-            <p:nvPr/>
-          </p:nvSpPr>
-          <p:spPr>
-            <a:xfrm>
-              <a:off x="5354635" y="1199769"/>
-              <a:ext cx="566442" cy="189176"/>
-            </a:xfrm>
-            <a:prstGeom prst="rect">
-              <a:avLst/>
-            </a:prstGeom>
-            <a:solidFill>
-              <a:schemeClr val="tx1"/>
-            </a:solidFill>
-            <a:ln>
-              <a:solidFill>
-                <a:schemeClr val="tx1"/>
-              </a:solidFill>
-            </a:ln>
-          </p:spPr>
-          <p:style>
-            <a:lnRef idx="2">
-              <a:schemeClr val="accent1">
-                <a:shade val="50000"/>
-              </a:schemeClr>
-            </a:lnRef>
-            <a:fillRef idx="1">
-              <a:schemeClr val="accent1"/>
-            </a:fillRef>
-            <a:effectRef idx="0">
-              <a:schemeClr val="accent1"/>
-            </a:effectRef>
-            <a:fontRef idx="minor">
-              <a:schemeClr val="lt1"/>
-            </a:fontRef>
-          </p:style>
-          <p:txBody>
-            <a:bodyPr rtlCol="0" anchor="ctr"/>
-            <a:lstStyle/>
-            <a:p>
-              <a:pPr algn="ctr"/>
-              <a:endParaRPr lang="en-US"/>
-            </a:p>
-          </p:txBody>
-        </p:sp>
-        <p:grpSp>
-          <p:nvGrpSpPr>
-            <p:cNvPr id="57" name="Group 56">
-              <a:extLst>
-                <a:ext uri="{FF2B5EF4-FFF2-40B4-BE49-F238E27FC236}">
-                  <a16:creationId xmlns:a16="http://schemas.microsoft.com/office/drawing/2014/main" id="{5C4CC512-D2FC-45A1-B56E-2072A67B3925}"/>
+                  <a16:creationId xmlns:a16="http://schemas.microsoft.com/office/drawing/2014/main" id="{21E47FB6-7A5C-45AE-9161-B28E13289C49}"/>
                 </a:ext>
               </a:extLst>
             </p:cNvPr>
@@ -4072,18 +3361,18 @@
           </p:nvGrpSpPr>
           <p:grpSpPr>
             <a:xfrm>
-              <a:off x="2950967" y="3703555"/>
-              <a:ext cx="495335" cy="2005759"/>
-              <a:chOff x="2230881" y="3471254"/>
-              <a:chExt cx="714997" cy="2005759"/>
+              <a:off x="1842695" y="295514"/>
+              <a:ext cx="7593133" cy="5519358"/>
+              <a:chOff x="1842695" y="295514"/>
+              <a:chExt cx="7593133" cy="5519358"/>
             </a:xfrm>
           </p:grpSpPr>
           <p:sp>
             <p:nvSpPr>
-              <p:cNvPr id="52" name="Freeform: Shape 51">
+              <p:cNvPr id="4" name="Rectangle: Top Corners Rounded 3">
                 <a:extLst>
                   <a:ext uri="{FF2B5EF4-FFF2-40B4-BE49-F238E27FC236}">
-                    <a16:creationId xmlns:a16="http://schemas.microsoft.com/office/drawing/2014/main" id="{B0EE8980-F4B6-4ABD-ABE6-FFB58390CB28}"/>
+                    <a16:creationId xmlns:a16="http://schemas.microsoft.com/office/drawing/2014/main" id="{D09F38BE-5BE1-4EBA-AE19-0C457820D54F}"/>
                   </a:ext>
                 </a:extLst>
               </p:cNvPr>
@@ -4092,8 +3381,2138 @@
             </p:nvSpPr>
             <p:spPr>
               <a:xfrm>
-                <a:off x="2234153" y="5363850"/>
-                <a:ext cx="707010" cy="113163"/>
+                <a:off x="3206370" y="2025297"/>
+                <a:ext cx="4854804" cy="3789575"/>
+              </a:xfrm>
+              <a:prstGeom prst="round2SameRect">
+                <a:avLst/>
+              </a:prstGeom>
+              <a:solidFill>
+                <a:schemeClr val="bg2"/>
+              </a:solidFill>
+              <a:ln>
+                <a:solidFill>
+                  <a:schemeClr val="tx1">
+                    <a:lumMod val="85000"/>
+                    <a:lumOff val="15000"/>
+                  </a:schemeClr>
+                </a:solidFill>
+              </a:ln>
+            </p:spPr>
+            <p:style>
+              <a:lnRef idx="2">
+                <a:schemeClr val="accent1">
+                  <a:shade val="50000"/>
+                </a:schemeClr>
+              </a:lnRef>
+              <a:fillRef idx="1">
+                <a:schemeClr val="accent1"/>
+              </a:fillRef>
+              <a:effectRef idx="0">
+                <a:schemeClr val="accent1"/>
+              </a:effectRef>
+              <a:fontRef idx="minor">
+                <a:schemeClr val="lt1"/>
+              </a:fontRef>
+            </p:style>
+            <p:txBody>
+              <a:bodyPr rtlCol="0" anchor="ctr"/>
+              <a:lstStyle/>
+              <a:p>
+                <a:pPr algn="ctr"/>
+                <a:endParaRPr lang="en-US"/>
+              </a:p>
+            </p:txBody>
+          </p:sp>
+          <p:sp>
+            <p:nvSpPr>
+              <p:cNvPr id="5" name="Double Wave 4">
+                <a:extLst>
+                  <a:ext uri="{FF2B5EF4-FFF2-40B4-BE49-F238E27FC236}">
+                    <a16:creationId xmlns:a16="http://schemas.microsoft.com/office/drawing/2014/main" id="{9B70DCAD-4583-475D-8DA3-CF8FEFDCA1E1}"/>
+                  </a:ext>
+                </a:extLst>
+              </p:cNvPr>
+              <p:cNvSpPr/>
+              <p:nvPr/>
+            </p:nvSpPr>
+            <p:spPr>
+              <a:xfrm>
+                <a:off x="3206370" y="3099952"/>
+                <a:ext cx="4854804" cy="2432116"/>
+              </a:xfrm>
+              <a:prstGeom prst="doubleWave">
+                <a:avLst/>
+              </a:prstGeom>
+              <a:solidFill>
+                <a:schemeClr val="accent4">
+                  <a:lumMod val="60000"/>
+                  <a:lumOff val="40000"/>
+                </a:schemeClr>
+              </a:solidFill>
+            </p:spPr>
+            <p:style>
+              <a:lnRef idx="2">
+                <a:schemeClr val="accent1">
+                  <a:shade val="50000"/>
+                </a:schemeClr>
+              </a:lnRef>
+              <a:fillRef idx="1">
+                <a:schemeClr val="accent1"/>
+              </a:fillRef>
+              <a:effectRef idx="0">
+                <a:schemeClr val="accent1"/>
+              </a:effectRef>
+              <a:fontRef idx="minor">
+                <a:schemeClr val="lt1"/>
+              </a:fontRef>
+            </p:style>
+            <p:txBody>
+              <a:bodyPr rtlCol="0" anchor="ctr"/>
+              <a:lstStyle/>
+              <a:p>
+                <a:pPr algn="ctr"/>
+                <a:endParaRPr lang="en-US"/>
+              </a:p>
+            </p:txBody>
+          </p:sp>
+          <p:sp>
+            <p:nvSpPr>
+              <p:cNvPr id="6" name="Rectangle 5">
+                <a:extLst>
+                  <a:ext uri="{FF2B5EF4-FFF2-40B4-BE49-F238E27FC236}">
+                    <a16:creationId xmlns:a16="http://schemas.microsoft.com/office/drawing/2014/main" id="{872C931D-D676-4D79-AB71-5F12665BD0D7}"/>
+                  </a:ext>
+                </a:extLst>
+              </p:cNvPr>
+              <p:cNvSpPr/>
+              <p:nvPr/>
+            </p:nvSpPr>
+            <p:spPr>
+              <a:xfrm>
+                <a:off x="3211830" y="3846476"/>
+                <a:ext cx="4841724" cy="1960776"/>
+              </a:xfrm>
+              <a:prstGeom prst="rect">
+                <a:avLst/>
+              </a:prstGeom>
+              <a:solidFill>
+                <a:schemeClr val="accent4">
+                  <a:lumMod val="60000"/>
+                  <a:lumOff val="40000"/>
+                </a:schemeClr>
+              </a:solidFill>
+              <a:ln>
+                <a:noFill/>
+              </a:ln>
+            </p:spPr>
+            <p:style>
+              <a:lnRef idx="2">
+                <a:schemeClr val="accent1">
+                  <a:shade val="50000"/>
+                </a:schemeClr>
+              </a:lnRef>
+              <a:fillRef idx="1">
+                <a:schemeClr val="accent1"/>
+              </a:fillRef>
+              <a:effectRef idx="0">
+                <a:schemeClr val="accent1"/>
+              </a:effectRef>
+              <a:fontRef idx="minor">
+                <a:schemeClr val="lt1"/>
+              </a:fontRef>
+            </p:style>
+            <p:txBody>
+              <a:bodyPr rtlCol="0" anchor="ctr"/>
+              <a:lstStyle/>
+              <a:p>
+                <a:pPr algn="ctr"/>
+                <a:endParaRPr lang="en-US"/>
+              </a:p>
+            </p:txBody>
+          </p:sp>
+          <p:sp>
+            <p:nvSpPr>
+              <p:cNvPr id="29" name="Rectangle 28">
+                <a:extLst>
+                  <a:ext uri="{FF2B5EF4-FFF2-40B4-BE49-F238E27FC236}">
+                    <a16:creationId xmlns:a16="http://schemas.microsoft.com/office/drawing/2014/main" id="{4718CA53-D06B-464B-9596-57EE81E228A8}"/>
+                  </a:ext>
+                </a:extLst>
+              </p:cNvPr>
+              <p:cNvSpPr/>
+              <p:nvPr/>
+            </p:nvSpPr>
+            <p:spPr>
+              <a:xfrm>
+                <a:off x="2697323" y="2901989"/>
+                <a:ext cx="509047" cy="2905263"/>
+              </a:xfrm>
+              <a:prstGeom prst="rect">
+                <a:avLst/>
+              </a:prstGeom>
+              <a:solidFill>
+                <a:schemeClr val="bg1">
+                  <a:lumMod val="65000"/>
+                </a:schemeClr>
+              </a:solidFill>
+              <a:ln>
+                <a:solidFill>
+                  <a:schemeClr val="tx1"/>
+                </a:solidFill>
+              </a:ln>
+            </p:spPr>
+            <p:style>
+              <a:lnRef idx="2">
+                <a:schemeClr val="accent1">
+                  <a:shade val="50000"/>
+                </a:schemeClr>
+              </a:lnRef>
+              <a:fillRef idx="1">
+                <a:schemeClr val="accent1"/>
+              </a:fillRef>
+              <a:effectRef idx="0">
+                <a:schemeClr val="accent1"/>
+              </a:effectRef>
+              <a:fontRef idx="minor">
+                <a:schemeClr val="lt1"/>
+              </a:fontRef>
+            </p:style>
+            <p:txBody>
+              <a:bodyPr rtlCol="0" anchor="ctr"/>
+              <a:lstStyle/>
+              <a:p>
+                <a:pPr algn="ctr"/>
+                <a:endParaRPr lang="en-US"/>
+              </a:p>
+            </p:txBody>
+          </p:sp>
+          <p:sp>
+            <p:nvSpPr>
+              <p:cNvPr id="30" name="Rectangle 29">
+                <a:extLst>
+                  <a:ext uri="{FF2B5EF4-FFF2-40B4-BE49-F238E27FC236}">
+                    <a16:creationId xmlns:a16="http://schemas.microsoft.com/office/drawing/2014/main" id="{92EAEC3C-B4F6-45B2-902F-A50FCD21E7CA}"/>
+                  </a:ext>
+                </a:extLst>
+              </p:cNvPr>
+              <p:cNvSpPr/>
+              <p:nvPr/>
+            </p:nvSpPr>
+            <p:spPr>
+              <a:xfrm>
+                <a:off x="8061174" y="2901989"/>
+                <a:ext cx="509047" cy="2905263"/>
+              </a:xfrm>
+              <a:prstGeom prst="rect">
+                <a:avLst/>
+              </a:prstGeom>
+              <a:solidFill>
+                <a:schemeClr val="bg1">
+                  <a:lumMod val="65000"/>
+                </a:schemeClr>
+              </a:solidFill>
+              <a:ln>
+                <a:solidFill>
+                  <a:schemeClr val="tx1"/>
+                </a:solidFill>
+              </a:ln>
+            </p:spPr>
+            <p:style>
+              <a:lnRef idx="2">
+                <a:schemeClr val="accent1">
+                  <a:shade val="50000"/>
+                </a:schemeClr>
+              </a:lnRef>
+              <a:fillRef idx="1">
+                <a:schemeClr val="accent1"/>
+              </a:fillRef>
+              <a:effectRef idx="0">
+                <a:schemeClr val="accent1"/>
+              </a:effectRef>
+              <a:fontRef idx="minor">
+                <a:schemeClr val="lt1"/>
+              </a:fontRef>
+            </p:style>
+            <p:txBody>
+              <a:bodyPr rtlCol="0" anchor="ctr"/>
+              <a:lstStyle/>
+              <a:p>
+                <a:pPr algn="ctr"/>
+                <a:endParaRPr lang="en-US"/>
+              </a:p>
+            </p:txBody>
+          </p:sp>
+          <p:sp>
+            <p:nvSpPr>
+              <p:cNvPr id="36" name="Rectangle 35">
+                <a:extLst>
+                  <a:ext uri="{FF2B5EF4-FFF2-40B4-BE49-F238E27FC236}">
+                    <a16:creationId xmlns:a16="http://schemas.microsoft.com/office/drawing/2014/main" id="{566820EE-B694-4BD9-A730-D5D6BDE08EB0}"/>
+                  </a:ext>
+                </a:extLst>
+              </p:cNvPr>
+              <p:cNvSpPr/>
+              <p:nvPr/>
+            </p:nvSpPr>
+            <p:spPr>
+              <a:xfrm>
+                <a:off x="5593603" y="1918931"/>
+                <a:ext cx="82295" cy="3245150"/>
+              </a:xfrm>
+              <a:prstGeom prst="rect">
+                <a:avLst/>
+              </a:prstGeom>
+              <a:solidFill>
+                <a:schemeClr val="tx1"/>
+              </a:solidFill>
+              <a:ln>
+                <a:solidFill>
+                  <a:schemeClr val="tx1"/>
+                </a:solidFill>
+              </a:ln>
+            </p:spPr>
+            <p:style>
+              <a:lnRef idx="2">
+                <a:schemeClr val="accent1">
+                  <a:shade val="50000"/>
+                </a:schemeClr>
+              </a:lnRef>
+              <a:fillRef idx="1">
+                <a:schemeClr val="accent1"/>
+              </a:fillRef>
+              <a:effectRef idx="0">
+                <a:schemeClr val="accent1"/>
+              </a:effectRef>
+              <a:fontRef idx="minor">
+                <a:schemeClr val="lt1"/>
+              </a:fontRef>
+            </p:style>
+            <p:txBody>
+              <a:bodyPr rtlCol="0" anchor="ctr"/>
+              <a:lstStyle/>
+              <a:p>
+                <a:pPr algn="ctr"/>
+                <a:endParaRPr lang="en-US"/>
+              </a:p>
+            </p:txBody>
+          </p:sp>
+          <p:sp>
+            <p:nvSpPr>
+              <p:cNvPr id="37" name="Rectangle 36">
+                <a:extLst>
+                  <a:ext uri="{FF2B5EF4-FFF2-40B4-BE49-F238E27FC236}">
+                    <a16:creationId xmlns:a16="http://schemas.microsoft.com/office/drawing/2014/main" id="{DB2E1E27-CF47-4A0F-9B29-0A344E9188B2}"/>
+                  </a:ext>
+                </a:extLst>
+              </p:cNvPr>
+              <p:cNvSpPr/>
+              <p:nvPr/>
+            </p:nvSpPr>
+            <p:spPr>
+              <a:xfrm rot="3556515">
+                <a:off x="4669043" y="3489908"/>
+                <a:ext cx="91440" cy="2164080"/>
+              </a:xfrm>
+              <a:prstGeom prst="rect">
+                <a:avLst/>
+              </a:prstGeom>
+              <a:solidFill>
+                <a:schemeClr val="tx1"/>
+              </a:solidFill>
+              <a:ln>
+                <a:solidFill>
+                  <a:schemeClr val="tx1"/>
+                </a:solidFill>
+              </a:ln>
+            </p:spPr>
+            <p:style>
+              <a:lnRef idx="2">
+                <a:schemeClr val="accent1">
+                  <a:shade val="50000"/>
+                </a:schemeClr>
+              </a:lnRef>
+              <a:fillRef idx="1">
+                <a:schemeClr val="accent1"/>
+              </a:fillRef>
+              <a:effectRef idx="0">
+                <a:schemeClr val="accent1"/>
+              </a:effectRef>
+              <a:fontRef idx="minor">
+                <a:schemeClr val="lt1"/>
+              </a:fontRef>
+            </p:style>
+            <p:txBody>
+              <a:bodyPr rtlCol="0" anchor="ctr"/>
+              <a:lstStyle/>
+              <a:p>
+                <a:pPr algn="ctr"/>
+                <a:endParaRPr lang="en-US"/>
+              </a:p>
+            </p:txBody>
+          </p:sp>
+          <p:sp>
+            <p:nvSpPr>
+              <p:cNvPr id="38" name="Rectangle 37">
+                <a:extLst>
+                  <a:ext uri="{FF2B5EF4-FFF2-40B4-BE49-F238E27FC236}">
+                    <a16:creationId xmlns:a16="http://schemas.microsoft.com/office/drawing/2014/main" id="{7D62E783-5ABA-4E04-9535-2AF734F62289}"/>
+                  </a:ext>
+                </a:extLst>
+              </p:cNvPr>
+              <p:cNvSpPr/>
+              <p:nvPr/>
+            </p:nvSpPr>
+            <p:spPr>
+              <a:xfrm rot="18043485" flipH="1">
+                <a:off x="6526797" y="3479747"/>
+                <a:ext cx="91440" cy="2164080"/>
+              </a:xfrm>
+              <a:prstGeom prst="rect">
+                <a:avLst/>
+              </a:prstGeom>
+              <a:solidFill>
+                <a:schemeClr val="tx1"/>
+              </a:solidFill>
+              <a:ln>
+                <a:solidFill>
+                  <a:schemeClr val="tx1"/>
+                </a:solidFill>
+              </a:ln>
+            </p:spPr>
+            <p:style>
+              <a:lnRef idx="2">
+                <a:schemeClr val="accent1">
+                  <a:shade val="50000"/>
+                </a:schemeClr>
+              </a:lnRef>
+              <a:fillRef idx="1">
+                <a:schemeClr val="accent1"/>
+              </a:fillRef>
+              <a:effectRef idx="0">
+                <a:schemeClr val="accent1"/>
+              </a:effectRef>
+              <a:fontRef idx="minor">
+                <a:schemeClr val="lt1"/>
+              </a:fontRef>
+            </p:style>
+            <p:txBody>
+              <a:bodyPr rtlCol="0" anchor="ctr"/>
+              <a:lstStyle/>
+              <a:p>
+                <a:pPr algn="ctr"/>
+                <a:endParaRPr lang="en-US"/>
+              </a:p>
+            </p:txBody>
+          </p:sp>
+          <p:sp>
+            <p:nvSpPr>
+              <p:cNvPr id="39" name="Rectangle 38">
+                <a:extLst>
+                  <a:ext uri="{FF2B5EF4-FFF2-40B4-BE49-F238E27FC236}">
+                    <a16:creationId xmlns:a16="http://schemas.microsoft.com/office/drawing/2014/main" id="{9A2F3BF1-A1DB-4121-8630-BA945BCB12BA}"/>
+                  </a:ext>
+                </a:extLst>
+              </p:cNvPr>
+              <p:cNvSpPr/>
+              <p:nvPr/>
+            </p:nvSpPr>
+            <p:spPr>
+              <a:xfrm rot="16200000">
+                <a:off x="5594848" y="3232894"/>
+                <a:ext cx="97586" cy="3764785"/>
+              </a:xfrm>
+              <a:prstGeom prst="rect">
+                <a:avLst/>
+              </a:prstGeom>
+              <a:solidFill>
+                <a:schemeClr val="tx1"/>
+              </a:solidFill>
+              <a:ln>
+                <a:solidFill>
+                  <a:schemeClr val="tx1"/>
+                </a:solidFill>
+              </a:ln>
+            </p:spPr>
+            <p:style>
+              <a:lnRef idx="2">
+                <a:schemeClr val="accent1">
+                  <a:shade val="50000"/>
+                </a:schemeClr>
+              </a:lnRef>
+              <a:fillRef idx="1">
+                <a:schemeClr val="accent1"/>
+              </a:fillRef>
+              <a:effectRef idx="0">
+                <a:schemeClr val="accent1"/>
+              </a:effectRef>
+              <a:fontRef idx="minor">
+                <a:schemeClr val="lt1"/>
+              </a:fontRef>
+            </p:style>
+            <p:txBody>
+              <a:bodyPr rtlCol="0" anchor="ctr"/>
+              <a:lstStyle/>
+              <a:p>
+                <a:pPr algn="ctr"/>
+                <a:endParaRPr lang="en-US"/>
+              </a:p>
+            </p:txBody>
+          </p:sp>
+          <p:sp>
+            <p:nvSpPr>
+              <p:cNvPr id="45" name="Freeform: Shape 44">
+                <a:extLst>
+                  <a:ext uri="{FF2B5EF4-FFF2-40B4-BE49-F238E27FC236}">
+                    <a16:creationId xmlns:a16="http://schemas.microsoft.com/office/drawing/2014/main" id="{55EA7CAD-78ED-4B67-9FB2-5DF3B6FE11CF}"/>
+                  </a:ext>
+                </a:extLst>
+              </p:cNvPr>
+              <p:cNvSpPr/>
+              <p:nvPr/>
+            </p:nvSpPr>
+            <p:spPr>
+              <a:xfrm>
+                <a:off x="5281205" y="2409921"/>
+                <a:ext cx="675594" cy="160045"/>
+              </a:xfrm>
+              <a:custGeom>
+                <a:avLst/>
+                <a:gdLst>
+                  <a:gd name="connsiteX0" fmla="*/ 320041 w 842145"/>
+                  <a:gd name="connsiteY0" fmla="*/ 0 h 160045"/>
+                  <a:gd name="connsiteX1" fmla="*/ 1 w 842145"/>
+                  <a:gd name="connsiteY1" fmla="*/ 83820 h 160045"/>
+                  <a:gd name="connsiteX2" fmla="*/ 316231 w 842145"/>
+                  <a:gd name="connsiteY2" fmla="*/ 160020 h 160045"/>
+                  <a:gd name="connsiteX3" fmla="*/ 834391 w 842145"/>
+                  <a:gd name="connsiteY3" fmla="*/ 91440 h 160045"/>
+                  <a:gd name="connsiteX4" fmla="*/ 579121 w 842145"/>
+                  <a:gd name="connsiteY4" fmla="*/ 15240 h 160045"/>
+                </a:gdLst>
+                <a:ahLst/>
+                <a:cxnLst>
+                  <a:cxn ang="0">
+                    <a:pos x="connsiteX0" y="connsiteY0"/>
+                  </a:cxn>
+                  <a:cxn ang="0">
+                    <a:pos x="connsiteX1" y="connsiteY1"/>
+                  </a:cxn>
+                  <a:cxn ang="0">
+                    <a:pos x="connsiteX2" y="connsiteY2"/>
+                  </a:cxn>
+                  <a:cxn ang="0">
+                    <a:pos x="connsiteX3" y="connsiteY3"/>
+                  </a:cxn>
+                  <a:cxn ang="0">
+                    <a:pos x="connsiteX4" y="connsiteY4"/>
+                  </a:cxn>
+                </a:cxnLst>
+                <a:rect l="l" t="t" r="r" b="b"/>
+                <a:pathLst>
+                  <a:path w="842145" h="160045">
+                    <a:moveTo>
+                      <a:pt x="320041" y="0"/>
+                    </a:moveTo>
+                    <a:cubicBezTo>
+                      <a:pt x="160338" y="28575"/>
+                      <a:pt x="636" y="57150"/>
+                      <a:pt x="1" y="83820"/>
+                    </a:cubicBezTo>
+                    <a:cubicBezTo>
+                      <a:pt x="-634" y="110490"/>
+                      <a:pt x="177166" y="158750"/>
+                      <a:pt x="316231" y="160020"/>
+                    </a:cubicBezTo>
+                    <a:cubicBezTo>
+                      <a:pt x="455296" y="161290"/>
+                      <a:pt x="790576" y="115570"/>
+                      <a:pt x="834391" y="91440"/>
+                    </a:cubicBezTo>
+                    <a:cubicBezTo>
+                      <a:pt x="878206" y="67310"/>
+                      <a:pt x="728663" y="41275"/>
+                      <a:pt x="579121" y="15240"/>
+                    </a:cubicBezTo>
+                  </a:path>
+                </a:pathLst>
+              </a:custGeom>
+              <a:noFill/>
+              <a:ln>
+                <a:headEnd type="triangle" w="med" len="med"/>
+                <a:tailEnd type="none" w="med" len="med"/>
+              </a:ln>
+            </p:spPr>
+            <p:style>
+              <a:lnRef idx="2">
+                <a:schemeClr val="accent1">
+                  <a:shade val="50000"/>
+                </a:schemeClr>
+              </a:lnRef>
+              <a:fillRef idx="1">
+                <a:schemeClr val="accent1"/>
+              </a:fillRef>
+              <a:effectRef idx="0">
+                <a:schemeClr val="accent1"/>
+              </a:effectRef>
+              <a:fontRef idx="minor">
+                <a:schemeClr val="lt1"/>
+              </a:fontRef>
+            </p:style>
+            <p:txBody>
+              <a:bodyPr rtlCol="0" anchor="ctr"/>
+              <a:lstStyle/>
+              <a:p>
+                <a:pPr algn="ctr"/>
+                <a:endParaRPr lang="en-US"/>
+              </a:p>
+            </p:txBody>
+          </p:sp>
+          <p:sp>
+            <p:nvSpPr>
+              <p:cNvPr id="46" name="Rectangle: Top Corners Snipped 45">
+                <a:extLst>
+                  <a:ext uri="{FF2B5EF4-FFF2-40B4-BE49-F238E27FC236}">
+                    <a16:creationId xmlns:a16="http://schemas.microsoft.com/office/drawing/2014/main" id="{589CF656-2345-4D0E-BAB6-3FBA80DE4D6D}"/>
+                  </a:ext>
+                </a:extLst>
+              </p:cNvPr>
+              <p:cNvSpPr/>
+              <p:nvPr/>
+            </p:nvSpPr>
+            <p:spPr>
+              <a:xfrm rot="10800000">
+                <a:off x="5354635" y="1199770"/>
+                <a:ext cx="566442" cy="758857"/>
+              </a:xfrm>
+              <a:prstGeom prst="snip2SameRect">
+                <a:avLst/>
+              </a:prstGeom>
+              <a:solidFill>
+                <a:schemeClr val="bg1">
+                  <a:lumMod val="85000"/>
+                </a:schemeClr>
+              </a:solidFill>
+              <a:ln>
+                <a:solidFill>
+                  <a:schemeClr val="tx1"/>
+                </a:solidFill>
+              </a:ln>
+            </p:spPr>
+            <p:style>
+              <a:lnRef idx="2">
+                <a:schemeClr val="accent1">
+                  <a:shade val="50000"/>
+                </a:schemeClr>
+              </a:lnRef>
+              <a:fillRef idx="1">
+                <a:schemeClr val="accent1"/>
+              </a:fillRef>
+              <a:effectRef idx="0">
+                <a:schemeClr val="accent1"/>
+              </a:effectRef>
+              <a:fontRef idx="minor">
+                <a:schemeClr val="lt1"/>
+              </a:fontRef>
+            </p:style>
+            <p:txBody>
+              <a:bodyPr rtlCol="0" anchor="ctr"/>
+              <a:lstStyle/>
+              <a:p>
+                <a:pPr algn="ctr"/>
+                <a:endParaRPr lang="en-US"/>
+              </a:p>
+            </p:txBody>
+          </p:sp>
+          <p:sp>
+            <p:nvSpPr>
+              <p:cNvPr id="47" name="Rectangle 46">
+                <a:extLst>
+                  <a:ext uri="{FF2B5EF4-FFF2-40B4-BE49-F238E27FC236}">
+                    <a16:creationId xmlns:a16="http://schemas.microsoft.com/office/drawing/2014/main" id="{8FD11471-5493-419F-BE32-D69397A0D5FF}"/>
+                  </a:ext>
+                </a:extLst>
+              </p:cNvPr>
+              <p:cNvSpPr/>
+              <p:nvPr/>
+            </p:nvSpPr>
+            <p:spPr>
+              <a:xfrm>
+                <a:off x="5354635" y="1199769"/>
+                <a:ext cx="566442" cy="189176"/>
+              </a:xfrm>
+              <a:prstGeom prst="rect">
+                <a:avLst/>
+              </a:prstGeom>
+              <a:solidFill>
+                <a:schemeClr val="tx1"/>
+              </a:solidFill>
+              <a:ln>
+                <a:solidFill>
+                  <a:schemeClr val="tx1"/>
+                </a:solidFill>
+              </a:ln>
+            </p:spPr>
+            <p:style>
+              <a:lnRef idx="2">
+                <a:schemeClr val="accent1">
+                  <a:shade val="50000"/>
+                </a:schemeClr>
+              </a:lnRef>
+              <a:fillRef idx="1">
+                <a:schemeClr val="accent1"/>
+              </a:fillRef>
+              <a:effectRef idx="0">
+                <a:schemeClr val="accent1"/>
+              </a:effectRef>
+              <a:fontRef idx="minor">
+                <a:schemeClr val="lt1"/>
+              </a:fontRef>
+            </p:style>
+            <p:txBody>
+              <a:bodyPr rtlCol="0" anchor="ctr"/>
+              <a:lstStyle/>
+              <a:p>
+                <a:pPr algn="ctr"/>
+                <a:endParaRPr lang="en-US"/>
+              </a:p>
+            </p:txBody>
+          </p:sp>
+          <p:grpSp>
+            <p:nvGrpSpPr>
+              <p:cNvPr id="57" name="Group 56">
+                <a:extLst>
+                  <a:ext uri="{FF2B5EF4-FFF2-40B4-BE49-F238E27FC236}">
+                    <a16:creationId xmlns:a16="http://schemas.microsoft.com/office/drawing/2014/main" id="{5C4CC512-D2FC-45A1-B56E-2072A67B3925}"/>
+                  </a:ext>
+                </a:extLst>
+              </p:cNvPr>
+              <p:cNvGrpSpPr/>
+              <p:nvPr/>
+            </p:nvGrpSpPr>
+            <p:grpSpPr>
+              <a:xfrm>
+                <a:off x="2950967" y="3703555"/>
+                <a:ext cx="495335" cy="2005759"/>
+                <a:chOff x="2230881" y="3471254"/>
+                <a:chExt cx="714997" cy="2005759"/>
+              </a:xfrm>
+            </p:grpSpPr>
+            <p:sp>
+              <p:nvSpPr>
+                <p:cNvPr id="52" name="Freeform: Shape 51">
+                  <a:extLst>
+                    <a:ext uri="{FF2B5EF4-FFF2-40B4-BE49-F238E27FC236}">
+                      <a16:creationId xmlns:a16="http://schemas.microsoft.com/office/drawing/2014/main" id="{B0EE8980-F4B6-4ABD-ABE6-FFB58390CB28}"/>
+                    </a:ext>
+                  </a:extLst>
+                </p:cNvPr>
+                <p:cNvSpPr/>
+                <p:nvPr/>
+              </p:nvSpPr>
+              <p:spPr>
+                <a:xfrm>
+                  <a:off x="2234153" y="5363850"/>
+                  <a:ext cx="707010" cy="113163"/>
+                </a:xfrm>
+                <a:custGeom>
+                  <a:avLst/>
+                  <a:gdLst>
+                    <a:gd name="connsiteX0" fmla="*/ 0 w 707010"/>
+                    <a:gd name="connsiteY0" fmla="*/ 277168 h 456318"/>
+                    <a:gd name="connsiteX1" fmla="*/ 179109 w 707010"/>
+                    <a:gd name="connsiteY1" fmla="*/ 3790 h 456318"/>
+                    <a:gd name="connsiteX2" fmla="*/ 311084 w 707010"/>
+                    <a:gd name="connsiteY2" fmla="*/ 456277 h 456318"/>
+                    <a:gd name="connsiteX3" fmla="*/ 471340 w 707010"/>
+                    <a:gd name="connsiteY3" fmla="*/ 32071 h 456318"/>
+                    <a:gd name="connsiteX4" fmla="*/ 612742 w 707010"/>
+                    <a:gd name="connsiteY4" fmla="*/ 296021 h 456318"/>
+                    <a:gd name="connsiteX5" fmla="*/ 707010 w 707010"/>
+                    <a:gd name="connsiteY5" fmla="*/ 314875 h 456318"/>
+                  </a:gdLst>
+                  <a:ahLst/>
+                  <a:cxnLst>
+                    <a:cxn ang="0">
+                      <a:pos x="connsiteX0" y="connsiteY0"/>
+                    </a:cxn>
+                    <a:cxn ang="0">
+                      <a:pos x="connsiteX1" y="connsiteY1"/>
+                    </a:cxn>
+                    <a:cxn ang="0">
+                      <a:pos x="connsiteX2" y="connsiteY2"/>
+                    </a:cxn>
+                    <a:cxn ang="0">
+                      <a:pos x="connsiteX3" y="connsiteY3"/>
+                    </a:cxn>
+                    <a:cxn ang="0">
+                      <a:pos x="connsiteX4" y="connsiteY4"/>
+                    </a:cxn>
+                    <a:cxn ang="0">
+                      <a:pos x="connsiteX5" y="connsiteY5"/>
+                    </a:cxn>
+                  </a:cxnLst>
+                  <a:rect l="l" t="t" r="r" b="b"/>
+                  <a:pathLst>
+                    <a:path w="707010" h="456318">
+                      <a:moveTo>
+                        <a:pt x="0" y="277168"/>
+                      </a:moveTo>
+                      <a:cubicBezTo>
+                        <a:pt x="63631" y="125553"/>
+                        <a:pt x="127262" y="-26061"/>
+                        <a:pt x="179109" y="3790"/>
+                      </a:cubicBezTo>
+                      <a:cubicBezTo>
+                        <a:pt x="230956" y="33641"/>
+                        <a:pt x="262379" y="451564"/>
+                        <a:pt x="311084" y="456277"/>
+                      </a:cubicBezTo>
+                      <a:cubicBezTo>
+                        <a:pt x="359789" y="460991"/>
+                        <a:pt x="421064" y="58780"/>
+                        <a:pt x="471340" y="32071"/>
+                      </a:cubicBezTo>
+                      <a:cubicBezTo>
+                        <a:pt x="521616" y="5362"/>
+                        <a:pt x="573464" y="248887"/>
+                        <a:pt x="612742" y="296021"/>
+                      </a:cubicBezTo>
+                      <a:cubicBezTo>
+                        <a:pt x="652020" y="343155"/>
+                        <a:pt x="642594" y="311733"/>
+                        <a:pt x="707010" y="314875"/>
+                      </a:cubicBezTo>
+                    </a:path>
+                  </a:pathLst>
+                </a:custGeom>
+                <a:noFill/>
+                <a:ln w="12700">
+                  <a:solidFill>
+                    <a:srgbClr val="FF0000"/>
+                  </a:solidFill>
+                  <a:headEnd type="none" w="med" len="med"/>
+                  <a:tailEnd type="arrow" w="med" len="med"/>
+                </a:ln>
+              </p:spPr>
+              <p:style>
+                <a:lnRef idx="2">
+                  <a:schemeClr val="accent1">
+                    <a:shade val="50000"/>
+                  </a:schemeClr>
+                </a:lnRef>
+                <a:fillRef idx="1">
+                  <a:schemeClr val="accent1"/>
+                </a:fillRef>
+                <a:effectRef idx="0">
+                  <a:schemeClr val="accent1"/>
+                </a:effectRef>
+                <a:fontRef idx="minor">
+                  <a:schemeClr val="lt1"/>
+                </a:fontRef>
+              </p:style>
+              <p:txBody>
+                <a:bodyPr rtlCol="0" anchor="ctr"/>
+                <a:lstStyle/>
+                <a:p>
+                  <a:pPr algn="ctr"/>
+                  <a:endParaRPr lang="en-US"/>
+                </a:p>
+              </p:txBody>
+            </p:sp>
+            <p:sp>
+              <p:nvSpPr>
+                <p:cNvPr id="53" name="Freeform: Shape 52">
+                  <a:extLst>
+                    <a:ext uri="{FF2B5EF4-FFF2-40B4-BE49-F238E27FC236}">
+                      <a16:creationId xmlns:a16="http://schemas.microsoft.com/office/drawing/2014/main" id="{B5BF7532-3195-46C9-8F35-F212F4233C72}"/>
+                    </a:ext>
+                  </a:extLst>
+                </p:cNvPr>
+                <p:cNvSpPr/>
+                <p:nvPr/>
+              </p:nvSpPr>
+              <p:spPr>
+                <a:xfrm>
+                  <a:off x="2238868" y="4890701"/>
+                  <a:ext cx="707010" cy="113163"/>
+                </a:xfrm>
+                <a:custGeom>
+                  <a:avLst/>
+                  <a:gdLst>
+                    <a:gd name="connsiteX0" fmla="*/ 0 w 707010"/>
+                    <a:gd name="connsiteY0" fmla="*/ 277168 h 456318"/>
+                    <a:gd name="connsiteX1" fmla="*/ 179109 w 707010"/>
+                    <a:gd name="connsiteY1" fmla="*/ 3790 h 456318"/>
+                    <a:gd name="connsiteX2" fmla="*/ 311084 w 707010"/>
+                    <a:gd name="connsiteY2" fmla="*/ 456277 h 456318"/>
+                    <a:gd name="connsiteX3" fmla="*/ 471340 w 707010"/>
+                    <a:gd name="connsiteY3" fmla="*/ 32071 h 456318"/>
+                    <a:gd name="connsiteX4" fmla="*/ 612742 w 707010"/>
+                    <a:gd name="connsiteY4" fmla="*/ 296021 h 456318"/>
+                    <a:gd name="connsiteX5" fmla="*/ 707010 w 707010"/>
+                    <a:gd name="connsiteY5" fmla="*/ 314875 h 456318"/>
+                  </a:gdLst>
+                  <a:ahLst/>
+                  <a:cxnLst>
+                    <a:cxn ang="0">
+                      <a:pos x="connsiteX0" y="connsiteY0"/>
+                    </a:cxn>
+                    <a:cxn ang="0">
+                      <a:pos x="connsiteX1" y="connsiteY1"/>
+                    </a:cxn>
+                    <a:cxn ang="0">
+                      <a:pos x="connsiteX2" y="connsiteY2"/>
+                    </a:cxn>
+                    <a:cxn ang="0">
+                      <a:pos x="connsiteX3" y="connsiteY3"/>
+                    </a:cxn>
+                    <a:cxn ang="0">
+                      <a:pos x="connsiteX4" y="connsiteY4"/>
+                    </a:cxn>
+                    <a:cxn ang="0">
+                      <a:pos x="connsiteX5" y="connsiteY5"/>
+                    </a:cxn>
+                  </a:cxnLst>
+                  <a:rect l="l" t="t" r="r" b="b"/>
+                  <a:pathLst>
+                    <a:path w="707010" h="456318">
+                      <a:moveTo>
+                        <a:pt x="0" y="277168"/>
+                      </a:moveTo>
+                      <a:cubicBezTo>
+                        <a:pt x="63631" y="125553"/>
+                        <a:pt x="127262" y="-26061"/>
+                        <a:pt x="179109" y="3790"/>
+                      </a:cubicBezTo>
+                      <a:cubicBezTo>
+                        <a:pt x="230956" y="33641"/>
+                        <a:pt x="262379" y="451564"/>
+                        <a:pt x="311084" y="456277"/>
+                      </a:cubicBezTo>
+                      <a:cubicBezTo>
+                        <a:pt x="359789" y="460991"/>
+                        <a:pt x="421064" y="58780"/>
+                        <a:pt x="471340" y="32071"/>
+                      </a:cubicBezTo>
+                      <a:cubicBezTo>
+                        <a:pt x="521616" y="5362"/>
+                        <a:pt x="573464" y="248887"/>
+                        <a:pt x="612742" y="296021"/>
+                      </a:cubicBezTo>
+                      <a:cubicBezTo>
+                        <a:pt x="652020" y="343155"/>
+                        <a:pt x="642594" y="311733"/>
+                        <a:pt x="707010" y="314875"/>
+                      </a:cubicBezTo>
+                    </a:path>
+                  </a:pathLst>
+                </a:custGeom>
+                <a:noFill/>
+                <a:ln w="12700">
+                  <a:solidFill>
+                    <a:srgbClr val="FF0000"/>
+                  </a:solidFill>
+                  <a:headEnd type="none" w="med" len="med"/>
+                  <a:tailEnd type="arrow" w="med" len="med"/>
+                </a:ln>
+              </p:spPr>
+              <p:style>
+                <a:lnRef idx="2">
+                  <a:schemeClr val="accent1">
+                    <a:shade val="50000"/>
+                  </a:schemeClr>
+                </a:lnRef>
+                <a:fillRef idx="1">
+                  <a:schemeClr val="accent1"/>
+                </a:fillRef>
+                <a:effectRef idx="0">
+                  <a:schemeClr val="accent1"/>
+                </a:effectRef>
+                <a:fontRef idx="minor">
+                  <a:schemeClr val="lt1"/>
+                </a:fontRef>
+              </p:style>
+              <p:txBody>
+                <a:bodyPr rtlCol="0" anchor="ctr"/>
+                <a:lstStyle/>
+                <a:p>
+                  <a:pPr algn="ctr"/>
+                  <a:endParaRPr lang="en-US"/>
+                </a:p>
+              </p:txBody>
+            </p:sp>
+            <p:sp>
+              <p:nvSpPr>
+                <p:cNvPr id="54" name="Freeform: Shape 53">
+                  <a:extLst>
+                    <a:ext uri="{FF2B5EF4-FFF2-40B4-BE49-F238E27FC236}">
+                      <a16:creationId xmlns:a16="http://schemas.microsoft.com/office/drawing/2014/main" id="{24D15EB0-D62B-4DFB-983C-FF96007C6506}"/>
+                    </a:ext>
+                  </a:extLst>
+                </p:cNvPr>
+                <p:cNvSpPr/>
+                <p:nvPr/>
+              </p:nvSpPr>
+              <p:spPr>
+                <a:xfrm>
+                  <a:off x="2230881" y="4417552"/>
+                  <a:ext cx="707010" cy="113163"/>
+                </a:xfrm>
+                <a:custGeom>
+                  <a:avLst/>
+                  <a:gdLst>
+                    <a:gd name="connsiteX0" fmla="*/ 0 w 707010"/>
+                    <a:gd name="connsiteY0" fmla="*/ 277168 h 456318"/>
+                    <a:gd name="connsiteX1" fmla="*/ 179109 w 707010"/>
+                    <a:gd name="connsiteY1" fmla="*/ 3790 h 456318"/>
+                    <a:gd name="connsiteX2" fmla="*/ 311084 w 707010"/>
+                    <a:gd name="connsiteY2" fmla="*/ 456277 h 456318"/>
+                    <a:gd name="connsiteX3" fmla="*/ 471340 w 707010"/>
+                    <a:gd name="connsiteY3" fmla="*/ 32071 h 456318"/>
+                    <a:gd name="connsiteX4" fmla="*/ 612742 w 707010"/>
+                    <a:gd name="connsiteY4" fmla="*/ 296021 h 456318"/>
+                    <a:gd name="connsiteX5" fmla="*/ 707010 w 707010"/>
+                    <a:gd name="connsiteY5" fmla="*/ 314875 h 456318"/>
+                  </a:gdLst>
+                  <a:ahLst/>
+                  <a:cxnLst>
+                    <a:cxn ang="0">
+                      <a:pos x="connsiteX0" y="connsiteY0"/>
+                    </a:cxn>
+                    <a:cxn ang="0">
+                      <a:pos x="connsiteX1" y="connsiteY1"/>
+                    </a:cxn>
+                    <a:cxn ang="0">
+                      <a:pos x="connsiteX2" y="connsiteY2"/>
+                    </a:cxn>
+                    <a:cxn ang="0">
+                      <a:pos x="connsiteX3" y="connsiteY3"/>
+                    </a:cxn>
+                    <a:cxn ang="0">
+                      <a:pos x="connsiteX4" y="connsiteY4"/>
+                    </a:cxn>
+                    <a:cxn ang="0">
+                      <a:pos x="connsiteX5" y="connsiteY5"/>
+                    </a:cxn>
+                  </a:cxnLst>
+                  <a:rect l="l" t="t" r="r" b="b"/>
+                  <a:pathLst>
+                    <a:path w="707010" h="456318">
+                      <a:moveTo>
+                        <a:pt x="0" y="277168"/>
+                      </a:moveTo>
+                      <a:cubicBezTo>
+                        <a:pt x="63631" y="125553"/>
+                        <a:pt x="127262" y="-26061"/>
+                        <a:pt x="179109" y="3790"/>
+                      </a:cubicBezTo>
+                      <a:cubicBezTo>
+                        <a:pt x="230956" y="33641"/>
+                        <a:pt x="262379" y="451564"/>
+                        <a:pt x="311084" y="456277"/>
+                      </a:cubicBezTo>
+                      <a:cubicBezTo>
+                        <a:pt x="359789" y="460991"/>
+                        <a:pt x="421064" y="58780"/>
+                        <a:pt x="471340" y="32071"/>
+                      </a:cubicBezTo>
+                      <a:cubicBezTo>
+                        <a:pt x="521616" y="5362"/>
+                        <a:pt x="573464" y="248887"/>
+                        <a:pt x="612742" y="296021"/>
+                      </a:cubicBezTo>
+                      <a:cubicBezTo>
+                        <a:pt x="652020" y="343155"/>
+                        <a:pt x="642594" y="311733"/>
+                        <a:pt x="707010" y="314875"/>
+                      </a:cubicBezTo>
+                    </a:path>
+                  </a:pathLst>
+                </a:custGeom>
+                <a:noFill/>
+                <a:ln w="12700">
+                  <a:solidFill>
+                    <a:srgbClr val="FF0000"/>
+                  </a:solidFill>
+                  <a:headEnd type="none" w="med" len="med"/>
+                  <a:tailEnd type="arrow" w="med" len="med"/>
+                </a:ln>
+              </p:spPr>
+              <p:style>
+                <a:lnRef idx="2">
+                  <a:schemeClr val="accent1">
+                    <a:shade val="50000"/>
+                  </a:schemeClr>
+                </a:lnRef>
+                <a:fillRef idx="1">
+                  <a:schemeClr val="accent1"/>
+                </a:fillRef>
+                <a:effectRef idx="0">
+                  <a:schemeClr val="accent1"/>
+                </a:effectRef>
+                <a:fontRef idx="minor">
+                  <a:schemeClr val="lt1"/>
+                </a:fontRef>
+              </p:style>
+              <p:txBody>
+                <a:bodyPr rtlCol="0" anchor="ctr"/>
+                <a:lstStyle/>
+                <a:p>
+                  <a:pPr algn="ctr"/>
+                  <a:endParaRPr lang="en-US"/>
+                </a:p>
+              </p:txBody>
+            </p:sp>
+            <p:sp>
+              <p:nvSpPr>
+                <p:cNvPr id="55" name="Freeform: Shape 54">
+                  <a:extLst>
+                    <a:ext uri="{FF2B5EF4-FFF2-40B4-BE49-F238E27FC236}">
+                      <a16:creationId xmlns:a16="http://schemas.microsoft.com/office/drawing/2014/main" id="{B607AE90-8C1A-49E1-9CA0-AD2203552A41}"/>
+                    </a:ext>
+                  </a:extLst>
+                </p:cNvPr>
+                <p:cNvSpPr/>
+                <p:nvPr/>
+              </p:nvSpPr>
+              <p:spPr>
+                <a:xfrm>
+                  <a:off x="2233496" y="3971120"/>
+                  <a:ext cx="707010" cy="113163"/>
+                </a:xfrm>
+                <a:custGeom>
+                  <a:avLst/>
+                  <a:gdLst>
+                    <a:gd name="connsiteX0" fmla="*/ 0 w 707010"/>
+                    <a:gd name="connsiteY0" fmla="*/ 277168 h 456318"/>
+                    <a:gd name="connsiteX1" fmla="*/ 179109 w 707010"/>
+                    <a:gd name="connsiteY1" fmla="*/ 3790 h 456318"/>
+                    <a:gd name="connsiteX2" fmla="*/ 311084 w 707010"/>
+                    <a:gd name="connsiteY2" fmla="*/ 456277 h 456318"/>
+                    <a:gd name="connsiteX3" fmla="*/ 471340 w 707010"/>
+                    <a:gd name="connsiteY3" fmla="*/ 32071 h 456318"/>
+                    <a:gd name="connsiteX4" fmla="*/ 612742 w 707010"/>
+                    <a:gd name="connsiteY4" fmla="*/ 296021 h 456318"/>
+                    <a:gd name="connsiteX5" fmla="*/ 707010 w 707010"/>
+                    <a:gd name="connsiteY5" fmla="*/ 314875 h 456318"/>
+                  </a:gdLst>
+                  <a:ahLst/>
+                  <a:cxnLst>
+                    <a:cxn ang="0">
+                      <a:pos x="connsiteX0" y="connsiteY0"/>
+                    </a:cxn>
+                    <a:cxn ang="0">
+                      <a:pos x="connsiteX1" y="connsiteY1"/>
+                    </a:cxn>
+                    <a:cxn ang="0">
+                      <a:pos x="connsiteX2" y="connsiteY2"/>
+                    </a:cxn>
+                    <a:cxn ang="0">
+                      <a:pos x="connsiteX3" y="connsiteY3"/>
+                    </a:cxn>
+                    <a:cxn ang="0">
+                      <a:pos x="connsiteX4" y="connsiteY4"/>
+                    </a:cxn>
+                    <a:cxn ang="0">
+                      <a:pos x="connsiteX5" y="connsiteY5"/>
+                    </a:cxn>
+                  </a:cxnLst>
+                  <a:rect l="l" t="t" r="r" b="b"/>
+                  <a:pathLst>
+                    <a:path w="707010" h="456318">
+                      <a:moveTo>
+                        <a:pt x="0" y="277168"/>
+                      </a:moveTo>
+                      <a:cubicBezTo>
+                        <a:pt x="63631" y="125553"/>
+                        <a:pt x="127262" y="-26061"/>
+                        <a:pt x="179109" y="3790"/>
+                      </a:cubicBezTo>
+                      <a:cubicBezTo>
+                        <a:pt x="230956" y="33641"/>
+                        <a:pt x="262379" y="451564"/>
+                        <a:pt x="311084" y="456277"/>
+                      </a:cubicBezTo>
+                      <a:cubicBezTo>
+                        <a:pt x="359789" y="460991"/>
+                        <a:pt x="421064" y="58780"/>
+                        <a:pt x="471340" y="32071"/>
+                      </a:cubicBezTo>
+                      <a:cubicBezTo>
+                        <a:pt x="521616" y="5362"/>
+                        <a:pt x="573464" y="248887"/>
+                        <a:pt x="612742" y="296021"/>
+                      </a:cubicBezTo>
+                      <a:cubicBezTo>
+                        <a:pt x="652020" y="343155"/>
+                        <a:pt x="642594" y="311733"/>
+                        <a:pt x="707010" y="314875"/>
+                      </a:cubicBezTo>
+                    </a:path>
+                  </a:pathLst>
+                </a:custGeom>
+                <a:noFill/>
+                <a:ln w="12700">
+                  <a:solidFill>
+                    <a:srgbClr val="FF0000"/>
+                  </a:solidFill>
+                  <a:headEnd type="none" w="med" len="med"/>
+                  <a:tailEnd type="arrow" w="med" len="med"/>
+                </a:ln>
+              </p:spPr>
+              <p:style>
+                <a:lnRef idx="2">
+                  <a:schemeClr val="accent1">
+                    <a:shade val="50000"/>
+                  </a:schemeClr>
+                </a:lnRef>
+                <a:fillRef idx="1">
+                  <a:schemeClr val="accent1"/>
+                </a:fillRef>
+                <a:effectRef idx="0">
+                  <a:schemeClr val="accent1"/>
+                </a:effectRef>
+                <a:fontRef idx="minor">
+                  <a:schemeClr val="lt1"/>
+                </a:fontRef>
+              </p:style>
+              <p:txBody>
+                <a:bodyPr rtlCol="0" anchor="ctr"/>
+                <a:lstStyle/>
+                <a:p>
+                  <a:pPr algn="ctr"/>
+                  <a:endParaRPr lang="en-US"/>
+                </a:p>
+              </p:txBody>
+            </p:sp>
+            <p:sp>
+              <p:nvSpPr>
+                <p:cNvPr id="56" name="Freeform: Shape 55">
+                  <a:extLst>
+                    <a:ext uri="{FF2B5EF4-FFF2-40B4-BE49-F238E27FC236}">
+                      <a16:creationId xmlns:a16="http://schemas.microsoft.com/office/drawing/2014/main" id="{DC747761-0C70-4270-A80F-FD2B85516817}"/>
+                    </a:ext>
+                  </a:extLst>
+                </p:cNvPr>
+                <p:cNvSpPr/>
+                <p:nvPr/>
+              </p:nvSpPr>
+              <p:spPr>
+                <a:xfrm>
+                  <a:off x="2234155" y="3471254"/>
+                  <a:ext cx="707010" cy="113163"/>
+                </a:xfrm>
+                <a:custGeom>
+                  <a:avLst/>
+                  <a:gdLst>
+                    <a:gd name="connsiteX0" fmla="*/ 0 w 707010"/>
+                    <a:gd name="connsiteY0" fmla="*/ 277168 h 456318"/>
+                    <a:gd name="connsiteX1" fmla="*/ 179109 w 707010"/>
+                    <a:gd name="connsiteY1" fmla="*/ 3790 h 456318"/>
+                    <a:gd name="connsiteX2" fmla="*/ 311084 w 707010"/>
+                    <a:gd name="connsiteY2" fmla="*/ 456277 h 456318"/>
+                    <a:gd name="connsiteX3" fmla="*/ 471340 w 707010"/>
+                    <a:gd name="connsiteY3" fmla="*/ 32071 h 456318"/>
+                    <a:gd name="connsiteX4" fmla="*/ 612742 w 707010"/>
+                    <a:gd name="connsiteY4" fmla="*/ 296021 h 456318"/>
+                    <a:gd name="connsiteX5" fmla="*/ 707010 w 707010"/>
+                    <a:gd name="connsiteY5" fmla="*/ 314875 h 456318"/>
+                  </a:gdLst>
+                  <a:ahLst/>
+                  <a:cxnLst>
+                    <a:cxn ang="0">
+                      <a:pos x="connsiteX0" y="connsiteY0"/>
+                    </a:cxn>
+                    <a:cxn ang="0">
+                      <a:pos x="connsiteX1" y="connsiteY1"/>
+                    </a:cxn>
+                    <a:cxn ang="0">
+                      <a:pos x="connsiteX2" y="connsiteY2"/>
+                    </a:cxn>
+                    <a:cxn ang="0">
+                      <a:pos x="connsiteX3" y="connsiteY3"/>
+                    </a:cxn>
+                    <a:cxn ang="0">
+                      <a:pos x="connsiteX4" y="connsiteY4"/>
+                    </a:cxn>
+                    <a:cxn ang="0">
+                      <a:pos x="connsiteX5" y="connsiteY5"/>
+                    </a:cxn>
+                  </a:cxnLst>
+                  <a:rect l="l" t="t" r="r" b="b"/>
+                  <a:pathLst>
+                    <a:path w="707010" h="456318">
+                      <a:moveTo>
+                        <a:pt x="0" y="277168"/>
+                      </a:moveTo>
+                      <a:cubicBezTo>
+                        <a:pt x="63631" y="125553"/>
+                        <a:pt x="127262" y="-26061"/>
+                        <a:pt x="179109" y="3790"/>
+                      </a:cubicBezTo>
+                      <a:cubicBezTo>
+                        <a:pt x="230956" y="33641"/>
+                        <a:pt x="262379" y="451564"/>
+                        <a:pt x="311084" y="456277"/>
+                      </a:cubicBezTo>
+                      <a:cubicBezTo>
+                        <a:pt x="359789" y="460991"/>
+                        <a:pt x="421064" y="58780"/>
+                        <a:pt x="471340" y="32071"/>
+                      </a:cubicBezTo>
+                      <a:cubicBezTo>
+                        <a:pt x="521616" y="5362"/>
+                        <a:pt x="573464" y="248887"/>
+                        <a:pt x="612742" y="296021"/>
+                      </a:cubicBezTo>
+                      <a:cubicBezTo>
+                        <a:pt x="652020" y="343155"/>
+                        <a:pt x="642594" y="311733"/>
+                        <a:pt x="707010" y="314875"/>
+                      </a:cubicBezTo>
+                    </a:path>
+                  </a:pathLst>
+                </a:custGeom>
+                <a:noFill/>
+                <a:ln w="12700">
+                  <a:solidFill>
+                    <a:srgbClr val="FF0000"/>
+                  </a:solidFill>
+                  <a:headEnd type="none" w="med" len="med"/>
+                  <a:tailEnd type="arrow" w="med" len="med"/>
+                </a:ln>
+              </p:spPr>
+              <p:style>
+                <a:lnRef idx="2">
+                  <a:schemeClr val="accent1">
+                    <a:shade val="50000"/>
+                  </a:schemeClr>
+                </a:lnRef>
+                <a:fillRef idx="1">
+                  <a:schemeClr val="accent1"/>
+                </a:fillRef>
+                <a:effectRef idx="0">
+                  <a:schemeClr val="accent1"/>
+                </a:effectRef>
+                <a:fontRef idx="minor">
+                  <a:schemeClr val="lt1"/>
+                </a:fontRef>
+              </p:style>
+              <p:txBody>
+                <a:bodyPr rtlCol="0" anchor="ctr"/>
+                <a:lstStyle/>
+                <a:p>
+                  <a:pPr algn="ctr"/>
+                  <a:endParaRPr lang="en-US"/>
+                </a:p>
+              </p:txBody>
+            </p:sp>
+          </p:grpSp>
+          <p:grpSp>
+            <p:nvGrpSpPr>
+              <p:cNvPr id="58" name="Group 57">
+                <a:extLst>
+                  <a:ext uri="{FF2B5EF4-FFF2-40B4-BE49-F238E27FC236}">
+                    <a16:creationId xmlns:a16="http://schemas.microsoft.com/office/drawing/2014/main" id="{44634F83-8F65-4DFE-97B2-3654827898FA}"/>
+                  </a:ext>
+                </a:extLst>
+              </p:cNvPr>
+              <p:cNvGrpSpPr/>
+              <p:nvPr/>
+            </p:nvGrpSpPr>
+            <p:grpSpPr>
+              <a:xfrm flipH="1">
+                <a:off x="7826377" y="3657956"/>
+                <a:ext cx="509046" cy="2005759"/>
+                <a:chOff x="2230881" y="3471254"/>
+                <a:chExt cx="714997" cy="2005759"/>
+              </a:xfrm>
+            </p:grpSpPr>
+            <p:sp>
+              <p:nvSpPr>
+                <p:cNvPr id="59" name="Freeform: Shape 58">
+                  <a:extLst>
+                    <a:ext uri="{FF2B5EF4-FFF2-40B4-BE49-F238E27FC236}">
+                      <a16:creationId xmlns:a16="http://schemas.microsoft.com/office/drawing/2014/main" id="{43B9EE26-62ED-47A6-90CC-0737875C2951}"/>
+                    </a:ext>
+                  </a:extLst>
+                </p:cNvPr>
+                <p:cNvSpPr/>
+                <p:nvPr/>
+              </p:nvSpPr>
+              <p:spPr>
+                <a:xfrm>
+                  <a:off x="2234153" y="5363850"/>
+                  <a:ext cx="707010" cy="113163"/>
+                </a:xfrm>
+                <a:custGeom>
+                  <a:avLst/>
+                  <a:gdLst>
+                    <a:gd name="connsiteX0" fmla="*/ 0 w 707010"/>
+                    <a:gd name="connsiteY0" fmla="*/ 277168 h 456318"/>
+                    <a:gd name="connsiteX1" fmla="*/ 179109 w 707010"/>
+                    <a:gd name="connsiteY1" fmla="*/ 3790 h 456318"/>
+                    <a:gd name="connsiteX2" fmla="*/ 311084 w 707010"/>
+                    <a:gd name="connsiteY2" fmla="*/ 456277 h 456318"/>
+                    <a:gd name="connsiteX3" fmla="*/ 471340 w 707010"/>
+                    <a:gd name="connsiteY3" fmla="*/ 32071 h 456318"/>
+                    <a:gd name="connsiteX4" fmla="*/ 612742 w 707010"/>
+                    <a:gd name="connsiteY4" fmla="*/ 296021 h 456318"/>
+                    <a:gd name="connsiteX5" fmla="*/ 707010 w 707010"/>
+                    <a:gd name="connsiteY5" fmla="*/ 314875 h 456318"/>
+                  </a:gdLst>
+                  <a:ahLst/>
+                  <a:cxnLst>
+                    <a:cxn ang="0">
+                      <a:pos x="connsiteX0" y="connsiteY0"/>
+                    </a:cxn>
+                    <a:cxn ang="0">
+                      <a:pos x="connsiteX1" y="connsiteY1"/>
+                    </a:cxn>
+                    <a:cxn ang="0">
+                      <a:pos x="connsiteX2" y="connsiteY2"/>
+                    </a:cxn>
+                    <a:cxn ang="0">
+                      <a:pos x="connsiteX3" y="connsiteY3"/>
+                    </a:cxn>
+                    <a:cxn ang="0">
+                      <a:pos x="connsiteX4" y="connsiteY4"/>
+                    </a:cxn>
+                    <a:cxn ang="0">
+                      <a:pos x="connsiteX5" y="connsiteY5"/>
+                    </a:cxn>
+                  </a:cxnLst>
+                  <a:rect l="l" t="t" r="r" b="b"/>
+                  <a:pathLst>
+                    <a:path w="707010" h="456318">
+                      <a:moveTo>
+                        <a:pt x="0" y="277168"/>
+                      </a:moveTo>
+                      <a:cubicBezTo>
+                        <a:pt x="63631" y="125553"/>
+                        <a:pt x="127262" y="-26061"/>
+                        <a:pt x="179109" y="3790"/>
+                      </a:cubicBezTo>
+                      <a:cubicBezTo>
+                        <a:pt x="230956" y="33641"/>
+                        <a:pt x="262379" y="451564"/>
+                        <a:pt x="311084" y="456277"/>
+                      </a:cubicBezTo>
+                      <a:cubicBezTo>
+                        <a:pt x="359789" y="460991"/>
+                        <a:pt x="421064" y="58780"/>
+                        <a:pt x="471340" y="32071"/>
+                      </a:cubicBezTo>
+                      <a:cubicBezTo>
+                        <a:pt x="521616" y="5362"/>
+                        <a:pt x="573464" y="248887"/>
+                        <a:pt x="612742" y="296021"/>
+                      </a:cubicBezTo>
+                      <a:cubicBezTo>
+                        <a:pt x="652020" y="343155"/>
+                        <a:pt x="642594" y="311733"/>
+                        <a:pt x="707010" y="314875"/>
+                      </a:cubicBezTo>
+                    </a:path>
+                  </a:pathLst>
+                </a:custGeom>
+                <a:noFill/>
+                <a:ln w="9525">
+                  <a:solidFill>
+                    <a:srgbClr val="FF0000"/>
+                  </a:solidFill>
+                  <a:headEnd type="none" w="med" len="med"/>
+                  <a:tailEnd type="arrow" w="med" len="med"/>
+                </a:ln>
+              </p:spPr>
+              <p:style>
+                <a:lnRef idx="2">
+                  <a:schemeClr val="accent1">
+                    <a:shade val="50000"/>
+                  </a:schemeClr>
+                </a:lnRef>
+                <a:fillRef idx="1">
+                  <a:schemeClr val="accent1"/>
+                </a:fillRef>
+                <a:effectRef idx="0">
+                  <a:schemeClr val="accent1"/>
+                </a:effectRef>
+                <a:fontRef idx="minor">
+                  <a:schemeClr val="lt1"/>
+                </a:fontRef>
+              </p:style>
+              <p:txBody>
+                <a:bodyPr rtlCol="0" anchor="ctr"/>
+                <a:lstStyle/>
+                <a:p>
+                  <a:pPr algn="ctr"/>
+                  <a:endParaRPr lang="en-US"/>
+                </a:p>
+              </p:txBody>
+            </p:sp>
+            <p:sp>
+              <p:nvSpPr>
+                <p:cNvPr id="60" name="Freeform: Shape 59">
+                  <a:extLst>
+                    <a:ext uri="{FF2B5EF4-FFF2-40B4-BE49-F238E27FC236}">
+                      <a16:creationId xmlns:a16="http://schemas.microsoft.com/office/drawing/2014/main" id="{79656579-5552-4579-8C09-60301802CD0C}"/>
+                    </a:ext>
+                  </a:extLst>
+                </p:cNvPr>
+                <p:cNvSpPr/>
+                <p:nvPr/>
+              </p:nvSpPr>
+              <p:spPr>
+                <a:xfrm>
+                  <a:off x="2238868" y="4890701"/>
+                  <a:ext cx="707010" cy="113163"/>
+                </a:xfrm>
+                <a:custGeom>
+                  <a:avLst/>
+                  <a:gdLst>
+                    <a:gd name="connsiteX0" fmla="*/ 0 w 707010"/>
+                    <a:gd name="connsiteY0" fmla="*/ 277168 h 456318"/>
+                    <a:gd name="connsiteX1" fmla="*/ 179109 w 707010"/>
+                    <a:gd name="connsiteY1" fmla="*/ 3790 h 456318"/>
+                    <a:gd name="connsiteX2" fmla="*/ 311084 w 707010"/>
+                    <a:gd name="connsiteY2" fmla="*/ 456277 h 456318"/>
+                    <a:gd name="connsiteX3" fmla="*/ 471340 w 707010"/>
+                    <a:gd name="connsiteY3" fmla="*/ 32071 h 456318"/>
+                    <a:gd name="connsiteX4" fmla="*/ 612742 w 707010"/>
+                    <a:gd name="connsiteY4" fmla="*/ 296021 h 456318"/>
+                    <a:gd name="connsiteX5" fmla="*/ 707010 w 707010"/>
+                    <a:gd name="connsiteY5" fmla="*/ 314875 h 456318"/>
+                  </a:gdLst>
+                  <a:ahLst/>
+                  <a:cxnLst>
+                    <a:cxn ang="0">
+                      <a:pos x="connsiteX0" y="connsiteY0"/>
+                    </a:cxn>
+                    <a:cxn ang="0">
+                      <a:pos x="connsiteX1" y="connsiteY1"/>
+                    </a:cxn>
+                    <a:cxn ang="0">
+                      <a:pos x="connsiteX2" y="connsiteY2"/>
+                    </a:cxn>
+                    <a:cxn ang="0">
+                      <a:pos x="connsiteX3" y="connsiteY3"/>
+                    </a:cxn>
+                    <a:cxn ang="0">
+                      <a:pos x="connsiteX4" y="connsiteY4"/>
+                    </a:cxn>
+                    <a:cxn ang="0">
+                      <a:pos x="connsiteX5" y="connsiteY5"/>
+                    </a:cxn>
+                  </a:cxnLst>
+                  <a:rect l="l" t="t" r="r" b="b"/>
+                  <a:pathLst>
+                    <a:path w="707010" h="456318">
+                      <a:moveTo>
+                        <a:pt x="0" y="277168"/>
+                      </a:moveTo>
+                      <a:cubicBezTo>
+                        <a:pt x="63631" y="125553"/>
+                        <a:pt x="127262" y="-26061"/>
+                        <a:pt x="179109" y="3790"/>
+                      </a:cubicBezTo>
+                      <a:cubicBezTo>
+                        <a:pt x="230956" y="33641"/>
+                        <a:pt x="262379" y="451564"/>
+                        <a:pt x="311084" y="456277"/>
+                      </a:cubicBezTo>
+                      <a:cubicBezTo>
+                        <a:pt x="359789" y="460991"/>
+                        <a:pt x="421064" y="58780"/>
+                        <a:pt x="471340" y="32071"/>
+                      </a:cubicBezTo>
+                      <a:cubicBezTo>
+                        <a:pt x="521616" y="5362"/>
+                        <a:pt x="573464" y="248887"/>
+                        <a:pt x="612742" y="296021"/>
+                      </a:cubicBezTo>
+                      <a:cubicBezTo>
+                        <a:pt x="652020" y="343155"/>
+                        <a:pt x="642594" y="311733"/>
+                        <a:pt x="707010" y="314875"/>
+                      </a:cubicBezTo>
+                    </a:path>
+                  </a:pathLst>
+                </a:custGeom>
+                <a:noFill/>
+                <a:ln w="9525">
+                  <a:solidFill>
+                    <a:srgbClr val="FF0000"/>
+                  </a:solidFill>
+                  <a:headEnd type="none" w="med" len="med"/>
+                  <a:tailEnd type="arrow" w="med" len="med"/>
+                </a:ln>
+              </p:spPr>
+              <p:style>
+                <a:lnRef idx="2">
+                  <a:schemeClr val="accent1">
+                    <a:shade val="50000"/>
+                  </a:schemeClr>
+                </a:lnRef>
+                <a:fillRef idx="1">
+                  <a:schemeClr val="accent1"/>
+                </a:fillRef>
+                <a:effectRef idx="0">
+                  <a:schemeClr val="accent1"/>
+                </a:effectRef>
+                <a:fontRef idx="minor">
+                  <a:schemeClr val="lt1"/>
+                </a:fontRef>
+              </p:style>
+              <p:txBody>
+                <a:bodyPr rtlCol="0" anchor="ctr"/>
+                <a:lstStyle/>
+                <a:p>
+                  <a:pPr algn="ctr"/>
+                  <a:endParaRPr lang="en-US"/>
+                </a:p>
+              </p:txBody>
+            </p:sp>
+            <p:sp>
+              <p:nvSpPr>
+                <p:cNvPr id="61" name="Freeform: Shape 60">
+                  <a:extLst>
+                    <a:ext uri="{FF2B5EF4-FFF2-40B4-BE49-F238E27FC236}">
+                      <a16:creationId xmlns:a16="http://schemas.microsoft.com/office/drawing/2014/main" id="{59D85B70-CD8C-4ACE-8CAE-582AFC603766}"/>
+                    </a:ext>
+                  </a:extLst>
+                </p:cNvPr>
+                <p:cNvSpPr/>
+                <p:nvPr/>
+              </p:nvSpPr>
+              <p:spPr>
+                <a:xfrm>
+                  <a:off x="2230881" y="4417552"/>
+                  <a:ext cx="707010" cy="113163"/>
+                </a:xfrm>
+                <a:custGeom>
+                  <a:avLst/>
+                  <a:gdLst>
+                    <a:gd name="connsiteX0" fmla="*/ 0 w 707010"/>
+                    <a:gd name="connsiteY0" fmla="*/ 277168 h 456318"/>
+                    <a:gd name="connsiteX1" fmla="*/ 179109 w 707010"/>
+                    <a:gd name="connsiteY1" fmla="*/ 3790 h 456318"/>
+                    <a:gd name="connsiteX2" fmla="*/ 311084 w 707010"/>
+                    <a:gd name="connsiteY2" fmla="*/ 456277 h 456318"/>
+                    <a:gd name="connsiteX3" fmla="*/ 471340 w 707010"/>
+                    <a:gd name="connsiteY3" fmla="*/ 32071 h 456318"/>
+                    <a:gd name="connsiteX4" fmla="*/ 612742 w 707010"/>
+                    <a:gd name="connsiteY4" fmla="*/ 296021 h 456318"/>
+                    <a:gd name="connsiteX5" fmla="*/ 707010 w 707010"/>
+                    <a:gd name="connsiteY5" fmla="*/ 314875 h 456318"/>
+                  </a:gdLst>
+                  <a:ahLst/>
+                  <a:cxnLst>
+                    <a:cxn ang="0">
+                      <a:pos x="connsiteX0" y="connsiteY0"/>
+                    </a:cxn>
+                    <a:cxn ang="0">
+                      <a:pos x="connsiteX1" y="connsiteY1"/>
+                    </a:cxn>
+                    <a:cxn ang="0">
+                      <a:pos x="connsiteX2" y="connsiteY2"/>
+                    </a:cxn>
+                    <a:cxn ang="0">
+                      <a:pos x="connsiteX3" y="connsiteY3"/>
+                    </a:cxn>
+                    <a:cxn ang="0">
+                      <a:pos x="connsiteX4" y="connsiteY4"/>
+                    </a:cxn>
+                    <a:cxn ang="0">
+                      <a:pos x="connsiteX5" y="connsiteY5"/>
+                    </a:cxn>
+                  </a:cxnLst>
+                  <a:rect l="l" t="t" r="r" b="b"/>
+                  <a:pathLst>
+                    <a:path w="707010" h="456318">
+                      <a:moveTo>
+                        <a:pt x="0" y="277168"/>
+                      </a:moveTo>
+                      <a:cubicBezTo>
+                        <a:pt x="63631" y="125553"/>
+                        <a:pt x="127262" y="-26061"/>
+                        <a:pt x="179109" y="3790"/>
+                      </a:cubicBezTo>
+                      <a:cubicBezTo>
+                        <a:pt x="230956" y="33641"/>
+                        <a:pt x="262379" y="451564"/>
+                        <a:pt x="311084" y="456277"/>
+                      </a:cubicBezTo>
+                      <a:cubicBezTo>
+                        <a:pt x="359789" y="460991"/>
+                        <a:pt x="421064" y="58780"/>
+                        <a:pt x="471340" y="32071"/>
+                      </a:cubicBezTo>
+                      <a:cubicBezTo>
+                        <a:pt x="521616" y="5362"/>
+                        <a:pt x="573464" y="248887"/>
+                        <a:pt x="612742" y="296021"/>
+                      </a:cubicBezTo>
+                      <a:cubicBezTo>
+                        <a:pt x="652020" y="343155"/>
+                        <a:pt x="642594" y="311733"/>
+                        <a:pt x="707010" y="314875"/>
+                      </a:cubicBezTo>
+                    </a:path>
+                  </a:pathLst>
+                </a:custGeom>
+                <a:noFill/>
+                <a:ln w="9525">
+                  <a:solidFill>
+                    <a:srgbClr val="FF0000"/>
+                  </a:solidFill>
+                  <a:headEnd type="none" w="med" len="med"/>
+                  <a:tailEnd type="arrow" w="med" len="med"/>
+                </a:ln>
+              </p:spPr>
+              <p:style>
+                <a:lnRef idx="2">
+                  <a:schemeClr val="accent1">
+                    <a:shade val="50000"/>
+                  </a:schemeClr>
+                </a:lnRef>
+                <a:fillRef idx="1">
+                  <a:schemeClr val="accent1"/>
+                </a:fillRef>
+                <a:effectRef idx="0">
+                  <a:schemeClr val="accent1"/>
+                </a:effectRef>
+                <a:fontRef idx="minor">
+                  <a:schemeClr val="lt1"/>
+                </a:fontRef>
+              </p:style>
+              <p:txBody>
+                <a:bodyPr rtlCol="0" anchor="ctr"/>
+                <a:lstStyle/>
+                <a:p>
+                  <a:pPr algn="ctr"/>
+                  <a:endParaRPr lang="en-US"/>
+                </a:p>
+              </p:txBody>
+            </p:sp>
+            <p:sp>
+              <p:nvSpPr>
+                <p:cNvPr id="62" name="Freeform: Shape 61">
+                  <a:extLst>
+                    <a:ext uri="{FF2B5EF4-FFF2-40B4-BE49-F238E27FC236}">
+                      <a16:creationId xmlns:a16="http://schemas.microsoft.com/office/drawing/2014/main" id="{D39B3354-61F5-40FA-AE13-DFB8EEAE4C7E}"/>
+                    </a:ext>
+                  </a:extLst>
+                </p:cNvPr>
+                <p:cNvSpPr/>
+                <p:nvPr/>
+              </p:nvSpPr>
+              <p:spPr>
+                <a:xfrm>
+                  <a:off x="2233496" y="3971120"/>
+                  <a:ext cx="707010" cy="113163"/>
+                </a:xfrm>
+                <a:custGeom>
+                  <a:avLst/>
+                  <a:gdLst>
+                    <a:gd name="connsiteX0" fmla="*/ 0 w 707010"/>
+                    <a:gd name="connsiteY0" fmla="*/ 277168 h 456318"/>
+                    <a:gd name="connsiteX1" fmla="*/ 179109 w 707010"/>
+                    <a:gd name="connsiteY1" fmla="*/ 3790 h 456318"/>
+                    <a:gd name="connsiteX2" fmla="*/ 311084 w 707010"/>
+                    <a:gd name="connsiteY2" fmla="*/ 456277 h 456318"/>
+                    <a:gd name="connsiteX3" fmla="*/ 471340 w 707010"/>
+                    <a:gd name="connsiteY3" fmla="*/ 32071 h 456318"/>
+                    <a:gd name="connsiteX4" fmla="*/ 612742 w 707010"/>
+                    <a:gd name="connsiteY4" fmla="*/ 296021 h 456318"/>
+                    <a:gd name="connsiteX5" fmla="*/ 707010 w 707010"/>
+                    <a:gd name="connsiteY5" fmla="*/ 314875 h 456318"/>
+                  </a:gdLst>
+                  <a:ahLst/>
+                  <a:cxnLst>
+                    <a:cxn ang="0">
+                      <a:pos x="connsiteX0" y="connsiteY0"/>
+                    </a:cxn>
+                    <a:cxn ang="0">
+                      <a:pos x="connsiteX1" y="connsiteY1"/>
+                    </a:cxn>
+                    <a:cxn ang="0">
+                      <a:pos x="connsiteX2" y="connsiteY2"/>
+                    </a:cxn>
+                    <a:cxn ang="0">
+                      <a:pos x="connsiteX3" y="connsiteY3"/>
+                    </a:cxn>
+                    <a:cxn ang="0">
+                      <a:pos x="connsiteX4" y="connsiteY4"/>
+                    </a:cxn>
+                    <a:cxn ang="0">
+                      <a:pos x="connsiteX5" y="connsiteY5"/>
+                    </a:cxn>
+                  </a:cxnLst>
+                  <a:rect l="l" t="t" r="r" b="b"/>
+                  <a:pathLst>
+                    <a:path w="707010" h="456318">
+                      <a:moveTo>
+                        <a:pt x="0" y="277168"/>
+                      </a:moveTo>
+                      <a:cubicBezTo>
+                        <a:pt x="63631" y="125553"/>
+                        <a:pt x="127262" y="-26061"/>
+                        <a:pt x="179109" y="3790"/>
+                      </a:cubicBezTo>
+                      <a:cubicBezTo>
+                        <a:pt x="230956" y="33641"/>
+                        <a:pt x="262379" y="451564"/>
+                        <a:pt x="311084" y="456277"/>
+                      </a:cubicBezTo>
+                      <a:cubicBezTo>
+                        <a:pt x="359789" y="460991"/>
+                        <a:pt x="421064" y="58780"/>
+                        <a:pt x="471340" y="32071"/>
+                      </a:cubicBezTo>
+                      <a:cubicBezTo>
+                        <a:pt x="521616" y="5362"/>
+                        <a:pt x="573464" y="248887"/>
+                        <a:pt x="612742" y="296021"/>
+                      </a:cubicBezTo>
+                      <a:cubicBezTo>
+                        <a:pt x="652020" y="343155"/>
+                        <a:pt x="642594" y="311733"/>
+                        <a:pt x="707010" y="314875"/>
+                      </a:cubicBezTo>
+                    </a:path>
+                  </a:pathLst>
+                </a:custGeom>
+                <a:noFill/>
+                <a:ln w="9525">
+                  <a:solidFill>
+                    <a:srgbClr val="FF0000"/>
+                  </a:solidFill>
+                  <a:headEnd type="none" w="med" len="med"/>
+                  <a:tailEnd type="arrow" w="med" len="med"/>
+                </a:ln>
+              </p:spPr>
+              <p:style>
+                <a:lnRef idx="2">
+                  <a:schemeClr val="accent1">
+                    <a:shade val="50000"/>
+                  </a:schemeClr>
+                </a:lnRef>
+                <a:fillRef idx="1">
+                  <a:schemeClr val="accent1"/>
+                </a:fillRef>
+                <a:effectRef idx="0">
+                  <a:schemeClr val="accent1"/>
+                </a:effectRef>
+                <a:fontRef idx="minor">
+                  <a:schemeClr val="lt1"/>
+                </a:fontRef>
+              </p:style>
+              <p:txBody>
+                <a:bodyPr rtlCol="0" anchor="ctr"/>
+                <a:lstStyle/>
+                <a:p>
+                  <a:pPr algn="ctr"/>
+                  <a:endParaRPr lang="en-US"/>
+                </a:p>
+              </p:txBody>
+            </p:sp>
+            <p:sp>
+              <p:nvSpPr>
+                <p:cNvPr id="63" name="Freeform: Shape 62">
+                  <a:extLst>
+                    <a:ext uri="{FF2B5EF4-FFF2-40B4-BE49-F238E27FC236}">
+                      <a16:creationId xmlns:a16="http://schemas.microsoft.com/office/drawing/2014/main" id="{5E87AC11-C4EE-438A-A8EC-475AE9A19606}"/>
+                    </a:ext>
+                  </a:extLst>
+                </p:cNvPr>
+                <p:cNvSpPr/>
+                <p:nvPr/>
+              </p:nvSpPr>
+              <p:spPr>
+                <a:xfrm>
+                  <a:off x="2234155" y="3471254"/>
+                  <a:ext cx="707010" cy="113163"/>
+                </a:xfrm>
+                <a:custGeom>
+                  <a:avLst/>
+                  <a:gdLst>
+                    <a:gd name="connsiteX0" fmla="*/ 0 w 707010"/>
+                    <a:gd name="connsiteY0" fmla="*/ 277168 h 456318"/>
+                    <a:gd name="connsiteX1" fmla="*/ 179109 w 707010"/>
+                    <a:gd name="connsiteY1" fmla="*/ 3790 h 456318"/>
+                    <a:gd name="connsiteX2" fmla="*/ 311084 w 707010"/>
+                    <a:gd name="connsiteY2" fmla="*/ 456277 h 456318"/>
+                    <a:gd name="connsiteX3" fmla="*/ 471340 w 707010"/>
+                    <a:gd name="connsiteY3" fmla="*/ 32071 h 456318"/>
+                    <a:gd name="connsiteX4" fmla="*/ 612742 w 707010"/>
+                    <a:gd name="connsiteY4" fmla="*/ 296021 h 456318"/>
+                    <a:gd name="connsiteX5" fmla="*/ 707010 w 707010"/>
+                    <a:gd name="connsiteY5" fmla="*/ 314875 h 456318"/>
+                  </a:gdLst>
+                  <a:ahLst/>
+                  <a:cxnLst>
+                    <a:cxn ang="0">
+                      <a:pos x="connsiteX0" y="connsiteY0"/>
+                    </a:cxn>
+                    <a:cxn ang="0">
+                      <a:pos x="connsiteX1" y="connsiteY1"/>
+                    </a:cxn>
+                    <a:cxn ang="0">
+                      <a:pos x="connsiteX2" y="connsiteY2"/>
+                    </a:cxn>
+                    <a:cxn ang="0">
+                      <a:pos x="connsiteX3" y="connsiteY3"/>
+                    </a:cxn>
+                    <a:cxn ang="0">
+                      <a:pos x="connsiteX4" y="connsiteY4"/>
+                    </a:cxn>
+                    <a:cxn ang="0">
+                      <a:pos x="connsiteX5" y="connsiteY5"/>
+                    </a:cxn>
+                  </a:cxnLst>
+                  <a:rect l="l" t="t" r="r" b="b"/>
+                  <a:pathLst>
+                    <a:path w="707010" h="456318">
+                      <a:moveTo>
+                        <a:pt x="0" y="277168"/>
+                      </a:moveTo>
+                      <a:cubicBezTo>
+                        <a:pt x="63631" y="125553"/>
+                        <a:pt x="127262" y="-26061"/>
+                        <a:pt x="179109" y="3790"/>
+                      </a:cubicBezTo>
+                      <a:cubicBezTo>
+                        <a:pt x="230956" y="33641"/>
+                        <a:pt x="262379" y="451564"/>
+                        <a:pt x="311084" y="456277"/>
+                      </a:cubicBezTo>
+                      <a:cubicBezTo>
+                        <a:pt x="359789" y="460991"/>
+                        <a:pt x="421064" y="58780"/>
+                        <a:pt x="471340" y="32071"/>
+                      </a:cubicBezTo>
+                      <a:cubicBezTo>
+                        <a:pt x="521616" y="5362"/>
+                        <a:pt x="573464" y="248887"/>
+                        <a:pt x="612742" y="296021"/>
+                      </a:cubicBezTo>
+                      <a:cubicBezTo>
+                        <a:pt x="652020" y="343155"/>
+                        <a:pt x="642594" y="311733"/>
+                        <a:pt x="707010" y="314875"/>
+                      </a:cubicBezTo>
+                    </a:path>
+                  </a:pathLst>
+                </a:custGeom>
+                <a:noFill/>
+                <a:ln w="9525">
+                  <a:solidFill>
+                    <a:srgbClr val="FF0000"/>
+                  </a:solidFill>
+                  <a:headEnd type="none" w="med" len="med"/>
+                  <a:tailEnd type="arrow" w="med" len="med"/>
+                </a:ln>
+              </p:spPr>
+              <p:style>
+                <a:lnRef idx="2">
+                  <a:schemeClr val="accent1">
+                    <a:shade val="50000"/>
+                  </a:schemeClr>
+                </a:lnRef>
+                <a:fillRef idx="1">
+                  <a:schemeClr val="accent1"/>
+                </a:fillRef>
+                <a:effectRef idx="0">
+                  <a:schemeClr val="accent1"/>
+                </a:effectRef>
+                <a:fontRef idx="minor">
+                  <a:schemeClr val="lt1"/>
+                </a:fontRef>
+              </p:style>
+              <p:txBody>
+                <a:bodyPr rtlCol="0" anchor="ctr"/>
+                <a:lstStyle/>
+                <a:p>
+                  <a:pPr algn="ctr"/>
+                  <a:endParaRPr lang="en-US"/>
+                </a:p>
+              </p:txBody>
+            </p:sp>
+          </p:grpSp>
+          <p:grpSp>
+            <p:nvGrpSpPr>
+              <p:cNvPr id="72" name="Group 71">
+                <a:extLst>
+                  <a:ext uri="{FF2B5EF4-FFF2-40B4-BE49-F238E27FC236}">
+                    <a16:creationId xmlns:a16="http://schemas.microsoft.com/office/drawing/2014/main" id="{FEE009C3-680B-46E2-82F0-4FFAF0E288E9}"/>
+                  </a:ext>
+                </a:extLst>
+              </p:cNvPr>
+              <p:cNvGrpSpPr/>
+              <p:nvPr/>
+            </p:nvGrpSpPr>
+            <p:grpSpPr>
+              <a:xfrm>
+                <a:off x="3784600" y="1013460"/>
+                <a:ext cx="82295" cy="2739968"/>
+                <a:chOff x="4028440" y="1033780"/>
+                <a:chExt cx="82295" cy="1556506"/>
+              </a:xfrm>
+            </p:grpSpPr>
+            <p:sp>
+              <p:nvSpPr>
+                <p:cNvPr id="65" name="Rectangle 64">
+                  <a:extLst>
+                    <a:ext uri="{FF2B5EF4-FFF2-40B4-BE49-F238E27FC236}">
+                      <a16:creationId xmlns:a16="http://schemas.microsoft.com/office/drawing/2014/main" id="{868217F6-9EC6-4E35-9150-7120A688D524}"/>
+                    </a:ext>
+                  </a:extLst>
+                </p:cNvPr>
+                <p:cNvSpPr/>
+                <p:nvPr/>
+              </p:nvSpPr>
+              <p:spPr>
+                <a:xfrm>
+                  <a:off x="4028440" y="1033780"/>
+                  <a:ext cx="82295" cy="1556506"/>
+                </a:xfrm>
+                <a:prstGeom prst="rect">
+                  <a:avLst/>
+                </a:prstGeom>
+                <a:solidFill>
+                  <a:schemeClr val="bg2">
+                    <a:lumMod val="75000"/>
+                  </a:schemeClr>
+                </a:solidFill>
+                <a:ln>
+                  <a:noFill/>
+                </a:ln>
+              </p:spPr>
+              <p:style>
+                <a:lnRef idx="2">
+                  <a:schemeClr val="accent1">
+                    <a:shade val="50000"/>
+                  </a:schemeClr>
+                </a:lnRef>
+                <a:fillRef idx="1">
+                  <a:schemeClr val="accent1"/>
+                </a:fillRef>
+                <a:effectRef idx="0">
+                  <a:schemeClr val="accent1"/>
+                </a:effectRef>
+                <a:fontRef idx="minor">
+                  <a:schemeClr val="lt1"/>
+                </a:fontRef>
+              </p:style>
+              <p:txBody>
+                <a:bodyPr rtlCol="0" anchor="ctr"/>
+                <a:lstStyle/>
+                <a:p>
+                  <a:pPr algn="ctr"/>
+                  <a:endParaRPr lang="en-US"/>
+                </a:p>
+              </p:txBody>
+            </p:sp>
+            <p:cxnSp>
+              <p:nvCxnSpPr>
+                <p:cNvPr id="67" name="Straight Connector 66">
+                  <a:extLst>
+                    <a:ext uri="{FF2B5EF4-FFF2-40B4-BE49-F238E27FC236}">
+                      <a16:creationId xmlns:a16="http://schemas.microsoft.com/office/drawing/2014/main" id="{0F61186D-03F0-48DF-A093-15EB856E9D57}"/>
+                    </a:ext>
+                  </a:extLst>
+                </p:cNvPr>
+                <p:cNvCxnSpPr/>
+                <p:nvPr/>
+              </p:nvCxnSpPr>
+              <p:spPr>
+                <a:xfrm>
+                  <a:off x="4110735" y="1033780"/>
+                  <a:ext cx="0" cy="1556506"/>
+                </a:xfrm>
+                <a:prstGeom prst="line">
+                  <a:avLst/>
+                </a:prstGeom>
+                <a:ln w="19050">
+                  <a:solidFill>
+                    <a:schemeClr val="tx1"/>
+                  </a:solidFill>
+                </a:ln>
+              </p:spPr>
+              <p:style>
+                <a:lnRef idx="1">
+                  <a:schemeClr val="accent1"/>
+                </a:lnRef>
+                <a:fillRef idx="0">
+                  <a:schemeClr val="accent1"/>
+                </a:fillRef>
+                <a:effectRef idx="0">
+                  <a:schemeClr val="accent1"/>
+                </a:effectRef>
+                <a:fontRef idx="minor">
+                  <a:schemeClr val="tx1"/>
+                </a:fontRef>
+              </p:style>
+            </p:cxnSp>
+            <p:cxnSp>
+              <p:nvCxnSpPr>
+                <p:cNvPr id="68" name="Straight Connector 67">
+                  <a:extLst>
+                    <a:ext uri="{FF2B5EF4-FFF2-40B4-BE49-F238E27FC236}">
+                      <a16:creationId xmlns:a16="http://schemas.microsoft.com/office/drawing/2014/main" id="{DA2EA3BA-DE5C-4906-AE4E-E67EFB3F6F9D}"/>
+                    </a:ext>
+                  </a:extLst>
+                </p:cNvPr>
+                <p:cNvCxnSpPr/>
+                <p:nvPr/>
+              </p:nvCxnSpPr>
+              <p:spPr>
+                <a:xfrm>
+                  <a:off x="4028440" y="1033780"/>
+                  <a:ext cx="0" cy="1556506"/>
+                </a:xfrm>
+                <a:prstGeom prst="line">
+                  <a:avLst/>
+                </a:prstGeom>
+                <a:ln w="19050">
+                  <a:solidFill>
+                    <a:schemeClr val="tx1"/>
+                  </a:solidFill>
+                </a:ln>
+              </p:spPr>
+              <p:style>
+                <a:lnRef idx="1">
+                  <a:schemeClr val="accent1"/>
+                </a:lnRef>
+                <a:fillRef idx="0">
+                  <a:schemeClr val="accent1"/>
+                </a:fillRef>
+                <a:effectRef idx="0">
+                  <a:schemeClr val="accent1"/>
+                </a:effectRef>
+                <a:fontRef idx="minor">
+                  <a:schemeClr val="tx1"/>
+                </a:fontRef>
+              </p:style>
+            </p:cxnSp>
+          </p:grpSp>
+          <p:sp>
+            <p:nvSpPr>
+              <p:cNvPr id="70" name="Freeform: Shape 69">
+                <a:extLst>
+                  <a:ext uri="{FF2B5EF4-FFF2-40B4-BE49-F238E27FC236}">
+                    <a16:creationId xmlns:a16="http://schemas.microsoft.com/office/drawing/2014/main" id="{FE9F76F0-1E28-49B4-87EB-9F1EDF1EE002}"/>
+                  </a:ext>
+                </a:extLst>
+              </p:cNvPr>
+              <p:cNvSpPr/>
+              <p:nvPr/>
+            </p:nvSpPr>
+            <p:spPr>
+              <a:xfrm rot="10486998" flipH="1" flipV="1">
+                <a:off x="3862833" y="3302145"/>
+                <a:ext cx="342657" cy="45719"/>
               </a:xfrm>
               <a:custGeom>
                 <a:avLst/>
@@ -4167,9 +5586,9 @@
                 </a:pathLst>
               </a:custGeom>
               <a:noFill/>
-              <a:ln w="12700">
+              <a:ln w="6350">
                 <a:solidFill>
-                  <a:srgbClr val="FF0000"/>
+                  <a:srgbClr val="00B0F0"/>
                 </a:solidFill>
                 <a:headEnd type="none" w="med" len="med"/>
                 <a:tailEnd type="arrow" w="med" len="med"/>
@@ -4200,12 +5619,2077 @@
               </a:p>
             </p:txBody>
           </p:sp>
+          <p:grpSp>
+            <p:nvGrpSpPr>
+              <p:cNvPr id="73" name="Group 72">
+                <a:extLst>
+                  <a:ext uri="{FF2B5EF4-FFF2-40B4-BE49-F238E27FC236}">
+                    <a16:creationId xmlns:a16="http://schemas.microsoft.com/office/drawing/2014/main" id="{D71E8256-CA90-4021-94A6-17CC6C76B56B}"/>
+                  </a:ext>
+                </a:extLst>
+              </p:cNvPr>
+              <p:cNvGrpSpPr/>
+              <p:nvPr/>
+            </p:nvGrpSpPr>
+            <p:grpSpPr>
+              <a:xfrm>
+                <a:off x="7359875" y="1009226"/>
+                <a:ext cx="82294" cy="3147563"/>
+                <a:chOff x="4028440" y="1033780"/>
+                <a:chExt cx="82295" cy="1556506"/>
+              </a:xfrm>
+            </p:grpSpPr>
+            <p:sp>
+              <p:nvSpPr>
+                <p:cNvPr id="74" name="Rectangle 73">
+                  <a:extLst>
+                    <a:ext uri="{FF2B5EF4-FFF2-40B4-BE49-F238E27FC236}">
+                      <a16:creationId xmlns:a16="http://schemas.microsoft.com/office/drawing/2014/main" id="{025086E7-EFDF-4ADE-B8E2-E9434692F08E}"/>
+                    </a:ext>
+                  </a:extLst>
+                </p:cNvPr>
+                <p:cNvSpPr/>
+                <p:nvPr/>
+              </p:nvSpPr>
+              <p:spPr>
+                <a:xfrm>
+                  <a:off x="4028440" y="1033780"/>
+                  <a:ext cx="82295" cy="1556506"/>
+                </a:xfrm>
+                <a:prstGeom prst="rect">
+                  <a:avLst/>
+                </a:prstGeom>
+                <a:solidFill>
+                  <a:schemeClr val="bg2">
+                    <a:lumMod val="75000"/>
+                  </a:schemeClr>
+                </a:solidFill>
+                <a:ln>
+                  <a:noFill/>
+                </a:ln>
+              </p:spPr>
+              <p:style>
+                <a:lnRef idx="2">
+                  <a:schemeClr val="accent1">
+                    <a:shade val="50000"/>
+                  </a:schemeClr>
+                </a:lnRef>
+                <a:fillRef idx="1">
+                  <a:schemeClr val="accent1"/>
+                </a:fillRef>
+                <a:effectRef idx="0">
+                  <a:schemeClr val="accent1"/>
+                </a:effectRef>
+                <a:fontRef idx="minor">
+                  <a:schemeClr val="lt1"/>
+                </a:fontRef>
+              </p:style>
+              <p:txBody>
+                <a:bodyPr rtlCol="0" anchor="ctr"/>
+                <a:lstStyle/>
+                <a:p>
+                  <a:pPr algn="ctr"/>
+                  <a:endParaRPr lang="en-US"/>
+                </a:p>
+              </p:txBody>
+            </p:sp>
+            <p:cxnSp>
+              <p:nvCxnSpPr>
+                <p:cNvPr id="75" name="Straight Connector 74">
+                  <a:extLst>
+                    <a:ext uri="{FF2B5EF4-FFF2-40B4-BE49-F238E27FC236}">
+                      <a16:creationId xmlns:a16="http://schemas.microsoft.com/office/drawing/2014/main" id="{AE8C4D3D-957A-400B-A4F9-95ABD8292955}"/>
+                    </a:ext>
+                  </a:extLst>
+                </p:cNvPr>
+                <p:cNvCxnSpPr/>
+                <p:nvPr/>
+              </p:nvCxnSpPr>
+              <p:spPr>
+                <a:xfrm>
+                  <a:off x="4110735" y="1033780"/>
+                  <a:ext cx="0" cy="1556506"/>
+                </a:xfrm>
+                <a:prstGeom prst="line">
+                  <a:avLst/>
+                </a:prstGeom>
+                <a:ln w="19050">
+                  <a:solidFill>
+                    <a:schemeClr val="tx1"/>
+                  </a:solidFill>
+                </a:ln>
+              </p:spPr>
+              <p:style>
+                <a:lnRef idx="1">
+                  <a:schemeClr val="accent1"/>
+                </a:lnRef>
+                <a:fillRef idx="0">
+                  <a:schemeClr val="accent1"/>
+                </a:fillRef>
+                <a:effectRef idx="0">
+                  <a:schemeClr val="accent1"/>
+                </a:effectRef>
+                <a:fontRef idx="minor">
+                  <a:schemeClr val="tx1"/>
+                </a:fontRef>
+              </p:style>
+            </p:cxnSp>
+            <p:cxnSp>
+              <p:nvCxnSpPr>
+                <p:cNvPr id="76" name="Straight Connector 75">
+                  <a:extLst>
+                    <a:ext uri="{FF2B5EF4-FFF2-40B4-BE49-F238E27FC236}">
+                      <a16:creationId xmlns:a16="http://schemas.microsoft.com/office/drawing/2014/main" id="{EE56F7EE-C322-47F0-A9C5-1B1E79D19A00}"/>
+                    </a:ext>
+                  </a:extLst>
+                </p:cNvPr>
+                <p:cNvCxnSpPr/>
+                <p:nvPr/>
+              </p:nvCxnSpPr>
+              <p:spPr>
+                <a:xfrm>
+                  <a:off x="4028440" y="1033780"/>
+                  <a:ext cx="0" cy="1556506"/>
+                </a:xfrm>
+                <a:prstGeom prst="line">
+                  <a:avLst/>
+                </a:prstGeom>
+                <a:ln w="19050">
+                  <a:solidFill>
+                    <a:schemeClr val="tx1"/>
+                  </a:solidFill>
+                </a:ln>
+              </p:spPr>
+              <p:style>
+                <a:lnRef idx="1">
+                  <a:schemeClr val="accent1"/>
+                </a:lnRef>
+                <a:fillRef idx="0">
+                  <a:schemeClr val="accent1"/>
+                </a:fillRef>
+                <a:effectRef idx="0">
+                  <a:schemeClr val="accent1"/>
+                </a:effectRef>
+                <a:fontRef idx="minor">
+                  <a:schemeClr val="tx1"/>
+                </a:fontRef>
+              </p:style>
+            </p:cxnSp>
+          </p:grpSp>
+          <p:cxnSp>
+            <p:nvCxnSpPr>
+              <p:cNvPr id="78" name="Connector: Curved 77">
+                <a:extLst>
+                  <a:ext uri="{FF2B5EF4-FFF2-40B4-BE49-F238E27FC236}">
+                    <a16:creationId xmlns:a16="http://schemas.microsoft.com/office/drawing/2014/main" id="{A4AEBA4F-B7E2-4D60-9332-45A3604E4246}"/>
+                  </a:ext>
+                </a:extLst>
+              </p:cNvPr>
+              <p:cNvCxnSpPr>
+                <a:cxnSpLocks/>
+              </p:cNvCxnSpPr>
+              <p:nvPr/>
+            </p:nvCxnSpPr>
+            <p:spPr>
+              <a:xfrm>
+                <a:off x="7401276" y="4156790"/>
+                <a:ext cx="411761" cy="395659"/>
+              </a:xfrm>
+              <a:prstGeom prst="curvedConnector3">
+                <a:avLst>
+                  <a:gd name="adj1" fmla="val 20391"/>
+                </a:avLst>
+              </a:prstGeom>
+              <a:ln>
+                <a:solidFill>
+                  <a:srgbClr val="00B050"/>
+                </a:solidFill>
+                <a:tailEnd type="triangle"/>
+              </a:ln>
+            </p:spPr>
+            <p:style>
+              <a:lnRef idx="1">
+                <a:schemeClr val="accent1"/>
+              </a:lnRef>
+              <a:fillRef idx="0">
+                <a:schemeClr val="accent1"/>
+              </a:fillRef>
+              <a:effectRef idx="0">
+                <a:schemeClr val="accent1"/>
+              </a:effectRef>
+              <a:fontRef idx="minor">
+                <a:schemeClr val="tx1"/>
+              </a:fontRef>
+            </p:style>
+          </p:cxnSp>
+          <p:cxnSp>
+            <p:nvCxnSpPr>
+              <p:cNvPr id="86" name="Connector: Curved 85">
+                <a:extLst>
+                  <a:ext uri="{FF2B5EF4-FFF2-40B4-BE49-F238E27FC236}">
+                    <a16:creationId xmlns:a16="http://schemas.microsoft.com/office/drawing/2014/main" id="{503C4EFC-A307-4D53-A67D-E16BCE10A12F}"/>
+                  </a:ext>
+                </a:extLst>
+              </p:cNvPr>
+              <p:cNvCxnSpPr>
+                <a:cxnSpLocks/>
+              </p:cNvCxnSpPr>
+              <p:nvPr/>
+            </p:nvCxnSpPr>
+            <p:spPr>
+              <a:xfrm flipH="1">
+                <a:off x="6995335" y="4137923"/>
+                <a:ext cx="411761" cy="395659"/>
+              </a:xfrm>
+              <a:prstGeom prst="curvedConnector3">
+                <a:avLst>
+                  <a:gd name="adj1" fmla="val 20391"/>
+                </a:avLst>
+              </a:prstGeom>
+              <a:ln>
+                <a:solidFill>
+                  <a:srgbClr val="00B050"/>
+                </a:solidFill>
+                <a:tailEnd type="triangle"/>
+              </a:ln>
+            </p:spPr>
+            <p:style>
+              <a:lnRef idx="1">
+                <a:schemeClr val="accent1"/>
+              </a:lnRef>
+              <a:fillRef idx="0">
+                <a:schemeClr val="accent1"/>
+              </a:fillRef>
+              <a:effectRef idx="0">
+                <a:schemeClr val="accent1"/>
+              </a:effectRef>
+              <a:fontRef idx="minor">
+                <a:schemeClr val="tx1"/>
+              </a:fontRef>
+            </p:style>
+          </p:cxnSp>
+          <p:cxnSp>
+            <p:nvCxnSpPr>
+              <p:cNvPr id="88" name="Connector: Curved 87">
+                <a:extLst>
+                  <a:ext uri="{FF2B5EF4-FFF2-40B4-BE49-F238E27FC236}">
+                    <a16:creationId xmlns:a16="http://schemas.microsoft.com/office/drawing/2014/main" id="{B96A238B-583E-4505-8057-588E50FBE9C0}"/>
+                  </a:ext>
+                </a:extLst>
+              </p:cNvPr>
+              <p:cNvCxnSpPr>
+                <a:cxnSpLocks/>
+                <a:stCxn id="74" idx="2"/>
+              </p:cNvCxnSpPr>
+              <p:nvPr/>
+            </p:nvCxnSpPr>
+            <p:spPr>
+              <a:xfrm rot="16200000" flipH="1">
+                <a:off x="7206320" y="4351490"/>
+                <a:ext cx="394779" cy="5375"/>
+              </a:xfrm>
+              <a:prstGeom prst="curvedConnector3">
+                <a:avLst>
+                  <a:gd name="adj1" fmla="val 50000"/>
+                </a:avLst>
+              </a:prstGeom>
+              <a:ln>
+                <a:solidFill>
+                  <a:srgbClr val="00B050"/>
+                </a:solidFill>
+                <a:tailEnd type="triangle"/>
+              </a:ln>
+            </p:spPr>
+            <p:style>
+              <a:lnRef idx="1">
+                <a:schemeClr val="accent1"/>
+              </a:lnRef>
+              <a:fillRef idx="0">
+                <a:schemeClr val="accent1"/>
+              </a:fillRef>
+              <a:effectRef idx="0">
+                <a:schemeClr val="accent1"/>
+              </a:effectRef>
+              <a:fontRef idx="minor">
+                <a:schemeClr val="tx1"/>
+              </a:fontRef>
+            </p:style>
+          </p:cxnSp>
+          <p:cxnSp>
+            <p:nvCxnSpPr>
+              <p:cNvPr id="92" name="Straight Arrow Connector 91">
+                <a:extLst>
+                  <a:ext uri="{FF2B5EF4-FFF2-40B4-BE49-F238E27FC236}">
+                    <a16:creationId xmlns:a16="http://schemas.microsoft.com/office/drawing/2014/main" id="{4DCB1CDB-F033-40AA-8A21-2636709364E6}"/>
+                  </a:ext>
+                </a:extLst>
+              </p:cNvPr>
+              <p:cNvCxnSpPr>
+                <a:endCxn id="65" idx="0"/>
+              </p:cNvCxnSpPr>
+              <p:nvPr/>
+            </p:nvCxnSpPr>
+            <p:spPr>
+              <a:xfrm>
+                <a:off x="3825746" y="782320"/>
+                <a:ext cx="2" cy="231140"/>
+              </a:xfrm>
+              <a:prstGeom prst="straightConnector1">
+                <a:avLst/>
+              </a:prstGeom>
+              <a:ln w="28575">
+                <a:solidFill>
+                  <a:srgbClr val="00B0F0"/>
+                </a:solidFill>
+                <a:tailEnd type="triangle"/>
+              </a:ln>
+            </p:spPr>
+            <p:style>
+              <a:lnRef idx="1">
+                <a:schemeClr val="accent1"/>
+              </a:lnRef>
+              <a:fillRef idx="0">
+                <a:schemeClr val="accent1"/>
+              </a:fillRef>
+              <a:effectRef idx="0">
+                <a:schemeClr val="accent1"/>
+              </a:effectRef>
+              <a:fontRef idx="minor">
+                <a:schemeClr val="tx1"/>
+              </a:fontRef>
+            </p:style>
+          </p:cxnSp>
+          <p:cxnSp>
+            <p:nvCxnSpPr>
+              <p:cNvPr id="93" name="Straight Arrow Connector 92">
+                <a:extLst>
+                  <a:ext uri="{FF2B5EF4-FFF2-40B4-BE49-F238E27FC236}">
+                    <a16:creationId xmlns:a16="http://schemas.microsoft.com/office/drawing/2014/main" id="{8A4B131D-E06C-4269-BCEF-FC1CDB8DE434}"/>
+                  </a:ext>
+                </a:extLst>
+              </p:cNvPr>
+              <p:cNvCxnSpPr/>
+              <p:nvPr/>
+            </p:nvCxnSpPr>
+            <p:spPr>
+              <a:xfrm>
+                <a:off x="7401022" y="782320"/>
+                <a:ext cx="2" cy="231140"/>
+              </a:xfrm>
+              <a:prstGeom prst="straightConnector1">
+                <a:avLst/>
+              </a:prstGeom>
+              <a:ln w="28575">
+                <a:solidFill>
+                  <a:srgbClr val="00B050"/>
+                </a:solidFill>
+                <a:tailEnd type="triangle"/>
+              </a:ln>
+            </p:spPr>
+            <p:style>
+              <a:lnRef idx="1">
+                <a:schemeClr val="accent1"/>
+              </a:lnRef>
+              <a:fillRef idx="0">
+                <a:schemeClr val="accent1"/>
+              </a:fillRef>
+              <a:effectRef idx="0">
+                <a:schemeClr val="accent1"/>
+              </a:effectRef>
+              <a:fontRef idx="minor">
+                <a:schemeClr val="tx1"/>
+              </a:fontRef>
+            </p:style>
+          </p:cxnSp>
           <p:sp>
             <p:nvSpPr>
-              <p:cNvPr id="53" name="Freeform: Shape 52">
+              <p:cNvPr id="94" name="TextBox 93">
                 <a:extLst>
                   <a:ext uri="{FF2B5EF4-FFF2-40B4-BE49-F238E27FC236}">
-                    <a16:creationId xmlns:a16="http://schemas.microsoft.com/office/drawing/2014/main" id="{B5BF7532-3195-46C9-8F35-F212F4233C72}"/>
+                    <a16:creationId xmlns:a16="http://schemas.microsoft.com/office/drawing/2014/main" id="{3DEFB653-C809-4F1D-ACEB-9DD9B7DF1AE7}"/>
+                  </a:ext>
+                </a:extLst>
+              </p:cNvPr>
+              <p:cNvSpPr txBox="1"/>
+              <p:nvPr/>
+            </p:nvSpPr>
+            <p:spPr>
+              <a:xfrm>
+                <a:off x="2951846" y="509275"/>
+                <a:ext cx="1746694" cy="276999"/>
+              </a:xfrm>
+              <a:prstGeom prst="rect">
+                <a:avLst/>
+              </a:prstGeom>
+              <a:noFill/>
+            </p:spPr>
+            <p:txBody>
+              <a:bodyPr wrap="square" rtlCol="0">
+                <a:spAutoFit/>
+              </a:bodyPr>
+              <a:lstStyle/>
+              <a:p>
+                <a:pPr algn="ctr"/>
+                <a:r>
+                  <a:rPr lang="en-US" sz="1200" dirty="0">
+                    <a:solidFill>
+                      <a:srgbClr val="00B0F0"/>
+                    </a:solidFill>
+                    <a:latin typeface="Times New Roman" panose="02020603050405020304" pitchFamily="18" charset="0"/>
+                    <a:cs typeface="Times New Roman" panose="02020603050405020304" pitchFamily="18" charset="0"/>
+                  </a:rPr>
+                  <a:t>Gaseous Oxygen Input</a:t>
+                </a:r>
+              </a:p>
+            </p:txBody>
+          </p:sp>
+          <p:sp>
+            <p:nvSpPr>
+              <p:cNvPr id="95" name="TextBox 94">
+                <a:extLst>
+                  <a:ext uri="{FF2B5EF4-FFF2-40B4-BE49-F238E27FC236}">
+                    <a16:creationId xmlns:a16="http://schemas.microsoft.com/office/drawing/2014/main" id="{969CC644-45D3-4578-AE7C-14F0D2FC4EE2}"/>
+                  </a:ext>
+                </a:extLst>
+              </p:cNvPr>
+              <p:cNvSpPr txBox="1"/>
+              <p:nvPr/>
+            </p:nvSpPr>
+            <p:spPr>
+              <a:xfrm>
+                <a:off x="6486782" y="521689"/>
+                <a:ext cx="1904092" cy="276999"/>
+              </a:xfrm>
+              <a:prstGeom prst="rect">
+                <a:avLst/>
+              </a:prstGeom>
+              <a:noFill/>
+            </p:spPr>
+            <p:txBody>
+              <a:bodyPr wrap="square" rtlCol="0">
+                <a:spAutoFit/>
+              </a:bodyPr>
+              <a:lstStyle/>
+              <a:p>
+                <a:pPr algn="ctr"/>
+                <a:r>
+                  <a:rPr lang="en-US" sz="1200" dirty="0">
+                    <a:solidFill>
+                      <a:srgbClr val="00B050"/>
+                    </a:solidFill>
+                    <a:latin typeface="Times New Roman" panose="02020603050405020304" pitchFamily="18" charset="0"/>
+                    <a:cs typeface="Times New Roman" panose="02020603050405020304" pitchFamily="18" charset="0"/>
+                  </a:rPr>
+                  <a:t>Substrate Feed (Glucose)</a:t>
+                </a:r>
+              </a:p>
+            </p:txBody>
+          </p:sp>
+          <p:sp>
+            <p:nvSpPr>
+              <p:cNvPr id="96" name="TextBox 95">
+                <a:extLst>
+                  <a:ext uri="{FF2B5EF4-FFF2-40B4-BE49-F238E27FC236}">
+                    <a16:creationId xmlns:a16="http://schemas.microsoft.com/office/drawing/2014/main" id="{E5639229-113F-461E-9B2C-F9E23CB7FD1F}"/>
+                  </a:ext>
+                </a:extLst>
+              </p:cNvPr>
+              <p:cNvSpPr txBox="1"/>
+              <p:nvPr/>
+            </p:nvSpPr>
+            <p:spPr>
+              <a:xfrm>
+                <a:off x="4716232" y="937434"/>
+                <a:ext cx="1904092" cy="276999"/>
+              </a:xfrm>
+              <a:prstGeom prst="rect">
+                <a:avLst/>
+              </a:prstGeom>
+              <a:noFill/>
+            </p:spPr>
+            <p:txBody>
+              <a:bodyPr wrap="square" rtlCol="0">
+                <a:spAutoFit/>
+              </a:bodyPr>
+              <a:lstStyle/>
+              <a:p>
+                <a:pPr algn="ctr"/>
+                <a:r>
+                  <a:rPr lang="en-US" sz="1200" dirty="0">
+                    <a:solidFill>
+                      <a:schemeClr val="accent1"/>
+                    </a:solidFill>
+                    <a:latin typeface="Times New Roman" panose="02020603050405020304" pitchFamily="18" charset="0"/>
+                    <a:cs typeface="Times New Roman" panose="02020603050405020304" pitchFamily="18" charset="0"/>
+                  </a:rPr>
+                  <a:t>Agitator Motor</a:t>
+                </a:r>
+              </a:p>
+            </p:txBody>
+          </p:sp>
+          <p:sp>
+            <p:nvSpPr>
+              <p:cNvPr id="97" name="TextBox 96">
+                <a:extLst>
+                  <a:ext uri="{FF2B5EF4-FFF2-40B4-BE49-F238E27FC236}">
+                    <a16:creationId xmlns:a16="http://schemas.microsoft.com/office/drawing/2014/main" id="{AD41684C-E4B8-46CF-BA4B-4507AA901565}"/>
+                  </a:ext>
+                </a:extLst>
+              </p:cNvPr>
+              <p:cNvSpPr txBox="1"/>
+              <p:nvPr/>
+            </p:nvSpPr>
+            <p:spPr>
+              <a:xfrm rot="5400000">
+                <a:off x="7500068" y="4419413"/>
+                <a:ext cx="1904092" cy="276999"/>
+              </a:xfrm>
+              <a:prstGeom prst="rect">
+                <a:avLst/>
+              </a:prstGeom>
+              <a:noFill/>
+            </p:spPr>
+            <p:txBody>
+              <a:bodyPr wrap="square" rtlCol="0">
+                <a:spAutoFit/>
+              </a:bodyPr>
+              <a:lstStyle/>
+              <a:p>
+                <a:pPr algn="ctr"/>
+                <a:r>
+                  <a:rPr lang="en-US" sz="1200" dirty="0">
+                    <a:solidFill>
+                      <a:srgbClr val="FF0000"/>
+                    </a:solidFill>
+                    <a:latin typeface="Times New Roman" panose="02020603050405020304" pitchFamily="18" charset="0"/>
+                    <a:cs typeface="Times New Roman" panose="02020603050405020304" pitchFamily="18" charset="0"/>
+                  </a:rPr>
+                  <a:t>Peltier Heat</a:t>
+                </a:r>
+              </a:p>
+            </p:txBody>
+          </p:sp>
+          <p:sp>
+            <p:nvSpPr>
+              <p:cNvPr id="98" name="TextBox 97">
+                <a:extLst>
+                  <a:ext uri="{FF2B5EF4-FFF2-40B4-BE49-F238E27FC236}">
+                    <a16:creationId xmlns:a16="http://schemas.microsoft.com/office/drawing/2014/main" id="{4591192C-EEE2-4914-9D75-64206F464EC5}"/>
+                  </a:ext>
+                </a:extLst>
+              </p:cNvPr>
+              <p:cNvSpPr txBox="1"/>
+              <p:nvPr/>
+            </p:nvSpPr>
+            <p:spPr>
+              <a:xfrm rot="16200000">
+                <a:off x="1882402" y="4355053"/>
+                <a:ext cx="1904092" cy="276999"/>
+              </a:xfrm>
+              <a:prstGeom prst="rect">
+                <a:avLst/>
+              </a:prstGeom>
+              <a:noFill/>
+            </p:spPr>
+            <p:txBody>
+              <a:bodyPr wrap="square" rtlCol="0">
+                <a:spAutoFit/>
+              </a:bodyPr>
+              <a:lstStyle/>
+              <a:p>
+                <a:pPr algn="ctr"/>
+                <a:r>
+                  <a:rPr lang="en-US" sz="1200" dirty="0">
+                    <a:solidFill>
+                      <a:srgbClr val="FF0000"/>
+                    </a:solidFill>
+                    <a:latin typeface="Times New Roman" panose="02020603050405020304" pitchFamily="18" charset="0"/>
+                    <a:cs typeface="Times New Roman" panose="02020603050405020304" pitchFamily="18" charset="0"/>
+                  </a:rPr>
+                  <a:t>Peltier Heat</a:t>
+                </a:r>
+              </a:p>
+            </p:txBody>
+          </p:sp>
+          <p:grpSp>
+            <p:nvGrpSpPr>
+              <p:cNvPr id="101" name="Group 100">
+                <a:extLst>
+                  <a:ext uri="{FF2B5EF4-FFF2-40B4-BE49-F238E27FC236}">
+                    <a16:creationId xmlns:a16="http://schemas.microsoft.com/office/drawing/2014/main" id="{81F76A85-6DEC-4926-84D2-B6B850242D8E}"/>
+                  </a:ext>
+                </a:extLst>
+              </p:cNvPr>
+              <p:cNvGrpSpPr/>
+              <p:nvPr/>
+            </p:nvGrpSpPr>
+            <p:grpSpPr>
+              <a:xfrm>
+                <a:off x="2976142" y="1454699"/>
+                <a:ext cx="472022" cy="1056497"/>
+                <a:chOff x="3219982" y="1475019"/>
+                <a:chExt cx="472022" cy="1056497"/>
+              </a:xfrm>
+            </p:grpSpPr>
+            <p:sp>
+              <p:nvSpPr>
+                <p:cNvPr id="99" name="Freeform: Shape 98">
+                  <a:extLst>
+                    <a:ext uri="{FF2B5EF4-FFF2-40B4-BE49-F238E27FC236}">
+                      <a16:creationId xmlns:a16="http://schemas.microsoft.com/office/drawing/2014/main" id="{907E71F0-142F-47A8-B406-FA3D3B01C7AC}"/>
+                    </a:ext>
+                  </a:extLst>
+                </p:cNvPr>
+                <p:cNvSpPr/>
+                <p:nvPr/>
+              </p:nvSpPr>
+              <p:spPr>
+                <a:xfrm rot="13738936">
+                  <a:off x="2923059" y="2121429"/>
+                  <a:ext cx="707010" cy="113163"/>
+                </a:xfrm>
+                <a:custGeom>
+                  <a:avLst/>
+                  <a:gdLst>
+                    <a:gd name="connsiteX0" fmla="*/ 0 w 707010"/>
+                    <a:gd name="connsiteY0" fmla="*/ 277168 h 456318"/>
+                    <a:gd name="connsiteX1" fmla="*/ 179109 w 707010"/>
+                    <a:gd name="connsiteY1" fmla="*/ 3790 h 456318"/>
+                    <a:gd name="connsiteX2" fmla="*/ 311084 w 707010"/>
+                    <a:gd name="connsiteY2" fmla="*/ 456277 h 456318"/>
+                    <a:gd name="connsiteX3" fmla="*/ 471340 w 707010"/>
+                    <a:gd name="connsiteY3" fmla="*/ 32071 h 456318"/>
+                    <a:gd name="connsiteX4" fmla="*/ 612742 w 707010"/>
+                    <a:gd name="connsiteY4" fmla="*/ 296021 h 456318"/>
+                    <a:gd name="connsiteX5" fmla="*/ 707010 w 707010"/>
+                    <a:gd name="connsiteY5" fmla="*/ 314875 h 456318"/>
+                  </a:gdLst>
+                  <a:ahLst/>
+                  <a:cxnLst>
+                    <a:cxn ang="0">
+                      <a:pos x="connsiteX0" y="connsiteY0"/>
+                    </a:cxn>
+                    <a:cxn ang="0">
+                      <a:pos x="connsiteX1" y="connsiteY1"/>
+                    </a:cxn>
+                    <a:cxn ang="0">
+                      <a:pos x="connsiteX2" y="connsiteY2"/>
+                    </a:cxn>
+                    <a:cxn ang="0">
+                      <a:pos x="connsiteX3" y="connsiteY3"/>
+                    </a:cxn>
+                    <a:cxn ang="0">
+                      <a:pos x="connsiteX4" y="connsiteY4"/>
+                    </a:cxn>
+                    <a:cxn ang="0">
+                      <a:pos x="connsiteX5" y="connsiteY5"/>
+                    </a:cxn>
+                  </a:cxnLst>
+                  <a:rect l="l" t="t" r="r" b="b"/>
+                  <a:pathLst>
+                    <a:path w="707010" h="456318">
+                      <a:moveTo>
+                        <a:pt x="0" y="277168"/>
+                      </a:moveTo>
+                      <a:cubicBezTo>
+                        <a:pt x="63631" y="125553"/>
+                        <a:pt x="127262" y="-26061"/>
+                        <a:pt x="179109" y="3790"/>
+                      </a:cubicBezTo>
+                      <a:cubicBezTo>
+                        <a:pt x="230956" y="33641"/>
+                        <a:pt x="262379" y="451564"/>
+                        <a:pt x="311084" y="456277"/>
+                      </a:cubicBezTo>
+                      <a:cubicBezTo>
+                        <a:pt x="359789" y="460991"/>
+                        <a:pt x="421064" y="58780"/>
+                        <a:pt x="471340" y="32071"/>
+                      </a:cubicBezTo>
+                      <a:cubicBezTo>
+                        <a:pt x="521616" y="5362"/>
+                        <a:pt x="573464" y="248887"/>
+                        <a:pt x="612742" y="296021"/>
+                      </a:cubicBezTo>
+                      <a:cubicBezTo>
+                        <a:pt x="652020" y="343155"/>
+                        <a:pt x="642594" y="311733"/>
+                        <a:pt x="707010" y="314875"/>
+                      </a:cubicBezTo>
+                    </a:path>
+                  </a:pathLst>
+                </a:custGeom>
+                <a:noFill/>
+                <a:ln w="19050">
+                  <a:solidFill>
+                    <a:schemeClr val="accent2"/>
+                  </a:solidFill>
+                  <a:headEnd type="none" w="med" len="med"/>
+                  <a:tailEnd type="arrow" w="med" len="med"/>
+                </a:ln>
+              </p:spPr>
+              <p:style>
+                <a:lnRef idx="2">
+                  <a:schemeClr val="accent1">
+                    <a:shade val="50000"/>
+                  </a:schemeClr>
+                </a:lnRef>
+                <a:fillRef idx="1">
+                  <a:schemeClr val="accent1"/>
+                </a:fillRef>
+                <a:effectRef idx="0">
+                  <a:schemeClr val="accent1"/>
+                </a:effectRef>
+                <a:fontRef idx="minor">
+                  <a:schemeClr val="lt1"/>
+                </a:fontRef>
+              </p:style>
+              <p:txBody>
+                <a:bodyPr rtlCol="0" anchor="ctr"/>
+                <a:lstStyle/>
+                <a:p>
+                  <a:pPr algn="ctr"/>
+                  <a:endParaRPr lang="en-US"/>
+                </a:p>
+              </p:txBody>
+            </p:sp>
+            <p:sp>
+              <p:nvSpPr>
+                <p:cNvPr id="100" name="Freeform: Shape 99">
+                  <a:extLst>
+                    <a:ext uri="{FF2B5EF4-FFF2-40B4-BE49-F238E27FC236}">
+                      <a16:creationId xmlns:a16="http://schemas.microsoft.com/office/drawing/2014/main" id="{E8A579E6-CA84-4073-A928-7A4C8710A610}"/>
+                    </a:ext>
+                  </a:extLst>
+                </p:cNvPr>
+                <p:cNvSpPr/>
+                <p:nvPr/>
+              </p:nvSpPr>
+              <p:spPr>
+                <a:xfrm rot="14629301">
+                  <a:off x="3281918" y="1771942"/>
+                  <a:ext cx="707010" cy="113163"/>
+                </a:xfrm>
+                <a:custGeom>
+                  <a:avLst/>
+                  <a:gdLst>
+                    <a:gd name="connsiteX0" fmla="*/ 0 w 707010"/>
+                    <a:gd name="connsiteY0" fmla="*/ 277168 h 456318"/>
+                    <a:gd name="connsiteX1" fmla="*/ 179109 w 707010"/>
+                    <a:gd name="connsiteY1" fmla="*/ 3790 h 456318"/>
+                    <a:gd name="connsiteX2" fmla="*/ 311084 w 707010"/>
+                    <a:gd name="connsiteY2" fmla="*/ 456277 h 456318"/>
+                    <a:gd name="connsiteX3" fmla="*/ 471340 w 707010"/>
+                    <a:gd name="connsiteY3" fmla="*/ 32071 h 456318"/>
+                    <a:gd name="connsiteX4" fmla="*/ 612742 w 707010"/>
+                    <a:gd name="connsiteY4" fmla="*/ 296021 h 456318"/>
+                    <a:gd name="connsiteX5" fmla="*/ 707010 w 707010"/>
+                    <a:gd name="connsiteY5" fmla="*/ 314875 h 456318"/>
+                  </a:gdLst>
+                  <a:ahLst/>
+                  <a:cxnLst>
+                    <a:cxn ang="0">
+                      <a:pos x="connsiteX0" y="connsiteY0"/>
+                    </a:cxn>
+                    <a:cxn ang="0">
+                      <a:pos x="connsiteX1" y="connsiteY1"/>
+                    </a:cxn>
+                    <a:cxn ang="0">
+                      <a:pos x="connsiteX2" y="connsiteY2"/>
+                    </a:cxn>
+                    <a:cxn ang="0">
+                      <a:pos x="connsiteX3" y="connsiteY3"/>
+                    </a:cxn>
+                    <a:cxn ang="0">
+                      <a:pos x="connsiteX4" y="connsiteY4"/>
+                    </a:cxn>
+                    <a:cxn ang="0">
+                      <a:pos x="connsiteX5" y="connsiteY5"/>
+                    </a:cxn>
+                  </a:cxnLst>
+                  <a:rect l="l" t="t" r="r" b="b"/>
+                  <a:pathLst>
+                    <a:path w="707010" h="456318">
+                      <a:moveTo>
+                        <a:pt x="0" y="277168"/>
+                      </a:moveTo>
+                      <a:cubicBezTo>
+                        <a:pt x="63631" y="125553"/>
+                        <a:pt x="127262" y="-26061"/>
+                        <a:pt x="179109" y="3790"/>
+                      </a:cubicBezTo>
+                      <a:cubicBezTo>
+                        <a:pt x="230956" y="33641"/>
+                        <a:pt x="262379" y="451564"/>
+                        <a:pt x="311084" y="456277"/>
+                      </a:cubicBezTo>
+                      <a:cubicBezTo>
+                        <a:pt x="359789" y="460991"/>
+                        <a:pt x="421064" y="58780"/>
+                        <a:pt x="471340" y="32071"/>
+                      </a:cubicBezTo>
+                      <a:cubicBezTo>
+                        <a:pt x="521616" y="5362"/>
+                        <a:pt x="573464" y="248887"/>
+                        <a:pt x="612742" y="296021"/>
+                      </a:cubicBezTo>
+                      <a:cubicBezTo>
+                        <a:pt x="652020" y="343155"/>
+                        <a:pt x="642594" y="311733"/>
+                        <a:pt x="707010" y="314875"/>
+                      </a:cubicBezTo>
+                    </a:path>
+                  </a:pathLst>
+                </a:custGeom>
+                <a:noFill/>
+                <a:ln w="19050">
+                  <a:solidFill>
+                    <a:schemeClr val="accent2"/>
+                  </a:solidFill>
+                  <a:headEnd type="none" w="med" len="med"/>
+                  <a:tailEnd type="arrow" w="med" len="med"/>
+                </a:ln>
+              </p:spPr>
+              <p:style>
+                <a:lnRef idx="2">
+                  <a:schemeClr val="accent1">
+                    <a:shade val="50000"/>
+                  </a:schemeClr>
+                </a:lnRef>
+                <a:fillRef idx="1">
+                  <a:schemeClr val="accent1"/>
+                </a:fillRef>
+                <a:effectRef idx="0">
+                  <a:schemeClr val="accent1"/>
+                </a:effectRef>
+                <a:fontRef idx="minor">
+                  <a:schemeClr val="lt1"/>
+                </a:fontRef>
+              </p:style>
+              <p:txBody>
+                <a:bodyPr rtlCol="0" anchor="ctr"/>
+                <a:lstStyle/>
+                <a:p>
+                  <a:pPr algn="ctr"/>
+                  <a:endParaRPr lang="en-US"/>
+                </a:p>
+              </p:txBody>
+            </p:sp>
+          </p:grpSp>
+          <p:grpSp>
+            <p:nvGrpSpPr>
+              <p:cNvPr id="102" name="Group 101">
+                <a:extLst>
+                  <a:ext uri="{FF2B5EF4-FFF2-40B4-BE49-F238E27FC236}">
+                    <a16:creationId xmlns:a16="http://schemas.microsoft.com/office/drawing/2014/main" id="{D0B27053-F4AE-4C04-B046-7AA06E96D5F9}"/>
+                  </a:ext>
+                </a:extLst>
+              </p:cNvPr>
+              <p:cNvGrpSpPr/>
+              <p:nvPr/>
+            </p:nvGrpSpPr>
+            <p:grpSpPr>
+              <a:xfrm flipH="1">
+                <a:off x="7859992" y="1472230"/>
+                <a:ext cx="472022" cy="1056497"/>
+                <a:chOff x="3219982" y="1475019"/>
+                <a:chExt cx="472022" cy="1056497"/>
+              </a:xfrm>
+            </p:grpSpPr>
+            <p:sp>
+              <p:nvSpPr>
+                <p:cNvPr id="103" name="Freeform: Shape 102">
+                  <a:extLst>
+                    <a:ext uri="{FF2B5EF4-FFF2-40B4-BE49-F238E27FC236}">
+                      <a16:creationId xmlns:a16="http://schemas.microsoft.com/office/drawing/2014/main" id="{F29A3E11-9C3D-4846-B610-76D20EECA6DF}"/>
+                    </a:ext>
+                  </a:extLst>
+                </p:cNvPr>
+                <p:cNvSpPr/>
+                <p:nvPr/>
+              </p:nvSpPr>
+              <p:spPr>
+                <a:xfrm rot="13738936">
+                  <a:off x="2923059" y="2121429"/>
+                  <a:ext cx="707010" cy="113163"/>
+                </a:xfrm>
+                <a:custGeom>
+                  <a:avLst/>
+                  <a:gdLst>
+                    <a:gd name="connsiteX0" fmla="*/ 0 w 707010"/>
+                    <a:gd name="connsiteY0" fmla="*/ 277168 h 456318"/>
+                    <a:gd name="connsiteX1" fmla="*/ 179109 w 707010"/>
+                    <a:gd name="connsiteY1" fmla="*/ 3790 h 456318"/>
+                    <a:gd name="connsiteX2" fmla="*/ 311084 w 707010"/>
+                    <a:gd name="connsiteY2" fmla="*/ 456277 h 456318"/>
+                    <a:gd name="connsiteX3" fmla="*/ 471340 w 707010"/>
+                    <a:gd name="connsiteY3" fmla="*/ 32071 h 456318"/>
+                    <a:gd name="connsiteX4" fmla="*/ 612742 w 707010"/>
+                    <a:gd name="connsiteY4" fmla="*/ 296021 h 456318"/>
+                    <a:gd name="connsiteX5" fmla="*/ 707010 w 707010"/>
+                    <a:gd name="connsiteY5" fmla="*/ 314875 h 456318"/>
+                  </a:gdLst>
+                  <a:ahLst/>
+                  <a:cxnLst>
+                    <a:cxn ang="0">
+                      <a:pos x="connsiteX0" y="connsiteY0"/>
+                    </a:cxn>
+                    <a:cxn ang="0">
+                      <a:pos x="connsiteX1" y="connsiteY1"/>
+                    </a:cxn>
+                    <a:cxn ang="0">
+                      <a:pos x="connsiteX2" y="connsiteY2"/>
+                    </a:cxn>
+                    <a:cxn ang="0">
+                      <a:pos x="connsiteX3" y="connsiteY3"/>
+                    </a:cxn>
+                    <a:cxn ang="0">
+                      <a:pos x="connsiteX4" y="connsiteY4"/>
+                    </a:cxn>
+                    <a:cxn ang="0">
+                      <a:pos x="connsiteX5" y="connsiteY5"/>
+                    </a:cxn>
+                  </a:cxnLst>
+                  <a:rect l="l" t="t" r="r" b="b"/>
+                  <a:pathLst>
+                    <a:path w="707010" h="456318">
+                      <a:moveTo>
+                        <a:pt x="0" y="277168"/>
+                      </a:moveTo>
+                      <a:cubicBezTo>
+                        <a:pt x="63631" y="125553"/>
+                        <a:pt x="127262" y="-26061"/>
+                        <a:pt x="179109" y="3790"/>
+                      </a:cubicBezTo>
+                      <a:cubicBezTo>
+                        <a:pt x="230956" y="33641"/>
+                        <a:pt x="262379" y="451564"/>
+                        <a:pt x="311084" y="456277"/>
+                      </a:cubicBezTo>
+                      <a:cubicBezTo>
+                        <a:pt x="359789" y="460991"/>
+                        <a:pt x="421064" y="58780"/>
+                        <a:pt x="471340" y="32071"/>
+                      </a:cubicBezTo>
+                      <a:cubicBezTo>
+                        <a:pt x="521616" y="5362"/>
+                        <a:pt x="573464" y="248887"/>
+                        <a:pt x="612742" y="296021"/>
+                      </a:cubicBezTo>
+                      <a:cubicBezTo>
+                        <a:pt x="652020" y="343155"/>
+                        <a:pt x="642594" y="311733"/>
+                        <a:pt x="707010" y="314875"/>
+                      </a:cubicBezTo>
+                    </a:path>
+                  </a:pathLst>
+                </a:custGeom>
+                <a:noFill/>
+                <a:ln w="19050">
+                  <a:solidFill>
+                    <a:schemeClr val="accent2"/>
+                  </a:solidFill>
+                  <a:headEnd type="none" w="med" len="med"/>
+                  <a:tailEnd type="arrow" w="med" len="med"/>
+                </a:ln>
+              </p:spPr>
+              <p:style>
+                <a:lnRef idx="2">
+                  <a:schemeClr val="accent1">
+                    <a:shade val="50000"/>
+                  </a:schemeClr>
+                </a:lnRef>
+                <a:fillRef idx="1">
+                  <a:schemeClr val="accent1"/>
+                </a:fillRef>
+                <a:effectRef idx="0">
+                  <a:schemeClr val="accent1"/>
+                </a:effectRef>
+                <a:fontRef idx="minor">
+                  <a:schemeClr val="lt1"/>
+                </a:fontRef>
+              </p:style>
+              <p:txBody>
+                <a:bodyPr rtlCol="0" anchor="ctr"/>
+                <a:lstStyle/>
+                <a:p>
+                  <a:pPr algn="ctr"/>
+                  <a:endParaRPr lang="en-US"/>
+                </a:p>
+              </p:txBody>
+            </p:sp>
+            <p:sp>
+              <p:nvSpPr>
+                <p:cNvPr id="104" name="Freeform: Shape 103">
+                  <a:extLst>
+                    <a:ext uri="{FF2B5EF4-FFF2-40B4-BE49-F238E27FC236}">
+                      <a16:creationId xmlns:a16="http://schemas.microsoft.com/office/drawing/2014/main" id="{7764E822-2FFF-4119-830D-FA56C18217BF}"/>
+                    </a:ext>
+                  </a:extLst>
+                </p:cNvPr>
+                <p:cNvSpPr/>
+                <p:nvPr/>
+              </p:nvSpPr>
+              <p:spPr>
+                <a:xfrm rot="14629301">
+                  <a:off x="3281918" y="1771942"/>
+                  <a:ext cx="707010" cy="113163"/>
+                </a:xfrm>
+                <a:custGeom>
+                  <a:avLst/>
+                  <a:gdLst>
+                    <a:gd name="connsiteX0" fmla="*/ 0 w 707010"/>
+                    <a:gd name="connsiteY0" fmla="*/ 277168 h 456318"/>
+                    <a:gd name="connsiteX1" fmla="*/ 179109 w 707010"/>
+                    <a:gd name="connsiteY1" fmla="*/ 3790 h 456318"/>
+                    <a:gd name="connsiteX2" fmla="*/ 311084 w 707010"/>
+                    <a:gd name="connsiteY2" fmla="*/ 456277 h 456318"/>
+                    <a:gd name="connsiteX3" fmla="*/ 471340 w 707010"/>
+                    <a:gd name="connsiteY3" fmla="*/ 32071 h 456318"/>
+                    <a:gd name="connsiteX4" fmla="*/ 612742 w 707010"/>
+                    <a:gd name="connsiteY4" fmla="*/ 296021 h 456318"/>
+                    <a:gd name="connsiteX5" fmla="*/ 707010 w 707010"/>
+                    <a:gd name="connsiteY5" fmla="*/ 314875 h 456318"/>
+                  </a:gdLst>
+                  <a:ahLst/>
+                  <a:cxnLst>
+                    <a:cxn ang="0">
+                      <a:pos x="connsiteX0" y="connsiteY0"/>
+                    </a:cxn>
+                    <a:cxn ang="0">
+                      <a:pos x="connsiteX1" y="connsiteY1"/>
+                    </a:cxn>
+                    <a:cxn ang="0">
+                      <a:pos x="connsiteX2" y="connsiteY2"/>
+                    </a:cxn>
+                    <a:cxn ang="0">
+                      <a:pos x="connsiteX3" y="connsiteY3"/>
+                    </a:cxn>
+                    <a:cxn ang="0">
+                      <a:pos x="connsiteX4" y="connsiteY4"/>
+                    </a:cxn>
+                    <a:cxn ang="0">
+                      <a:pos x="connsiteX5" y="connsiteY5"/>
+                    </a:cxn>
+                  </a:cxnLst>
+                  <a:rect l="l" t="t" r="r" b="b"/>
+                  <a:pathLst>
+                    <a:path w="707010" h="456318">
+                      <a:moveTo>
+                        <a:pt x="0" y="277168"/>
+                      </a:moveTo>
+                      <a:cubicBezTo>
+                        <a:pt x="63631" y="125553"/>
+                        <a:pt x="127262" y="-26061"/>
+                        <a:pt x="179109" y="3790"/>
+                      </a:cubicBezTo>
+                      <a:cubicBezTo>
+                        <a:pt x="230956" y="33641"/>
+                        <a:pt x="262379" y="451564"/>
+                        <a:pt x="311084" y="456277"/>
+                      </a:cubicBezTo>
+                      <a:cubicBezTo>
+                        <a:pt x="359789" y="460991"/>
+                        <a:pt x="421064" y="58780"/>
+                        <a:pt x="471340" y="32071"/>
+                      </a:cubicBezTo>
+                      <a:cubicBezTo>
+                        <a:pt x="521616" y="5362"/>
+                        <a:pt x="573464" y="248887"/>
+                        <a:pt x="612742" y="296021"/>
+                      </a:cubicBezTo>
+                      <a:cubicBezTo>
+                        <a:pt x="652020" y="343155"/>
+                        <a:pt x="642594" y="311733"/>
+                        <a:pt x="707010" y="314875"/>
+                      </a:cubicBezTo>
+                    </a:path>
+                  </a:pathLst>
+                </a:custGeom>
+                <a:noFill/>
+                <a:ln w="19050">
+                  <a:solidFill>
+                    <a:schemeClr val="accent2"/>
+                  </a:solidFill>
+                  <a:headEnd type="none" w="med" len="med"/>
+                  <a:tailEnd type="arrow" w="med" len="med"/>
+                </a:ln>
+              </p:spPr>
+              <p:style>
+                <a:lnRef idx="2">
+                  <a:schemeClr val="accent1">
+                    <a:shade val="50000"/>
+                  </a:schemeClr>
+                </a:lnRef>
+                <a:fillRef idx="1">
+                  <a:schemeClr val="accent1"/>
+                </a:fillRef>
+                <a:effectRef idx="0">
+                  <a:schemeClr val="accent1"/>
+                </a:effectRef>
+                <a:fontRef idx="minor">
+                  <a:schemeClr val="lt1"/>
+                </a:fontRef>
+              </p:style>
+              <p:txBody>
+                <a:bodyPr rtlCol="0" anchor="ctr"/>
+                <a:lstStyle/>
+                <a:p>
+                  <a:pPr algn="ctr"/>
+                  <a:endParaRPr lang="en-US"/>
+                </a:p>
+              </p:txBody>
+            </p:sp>
+          </p:grpSp>
+          <p:sp>
+            <p:nvSpPr>
+              <p:cNvPr id="105" name="TextBox 104">
+                <a:extLst>
+                  <a:ext uri="{FF2B5EF4-FFF2-40B4-BE49-F238E27FC236}">
+                    <a16:creationId xmlns:a16="http://schemas.microsoft.com/office/drawing/2014/main" id="{6470C4F3-3468-4B33-A0AA-8C6509405460}"/>
+                  </a:ext>
+                </a:extLst>
+              </p:cNvPr>
+              <p:cNvSpPr txBox="1"/>
+              <p:nvPr/>
+            </p:nvSpPr>
+            <p:spPr>
+              <a:xfrm rot="19414378">
+                <a:off x="1842695" y="1490469"/>
+                <a:ext cx="1904092" cy="276999"/>
+              </a:xfrm>
+              <a:prstGeom prst="rect">
+                <a:avLst/>
+              </a:prstGeom>
+              <a:noFill/>
+            </p:spPr>
+            <p:txBody>
+              <a:bodyPr wrap="square" rtlCol="0">
+                <a:spAutoFit/>
+              </a:bodyPr>
+              <a:lstStyle/>
+              <a:p>
+                <a:pPr algn="ctr"/>
+                <a:r>
+                  <a:rPr lang="en-US" sz="1200" dirty="0">
+                    <a:solidFill>
+                      <a:schemeClr val="accent2"/>
+                    </a:solidFill>
+                    <a:latin typeface="Times New Roman" panose="02020603050405020304" pitchFamily="18" charset="0"/>
+                    <a:cs typeface="Times New Roman" panose="02020603050405020304" pitchFamily="18" charset="0"/>
+                  </a:rPr>
+                  <a:t>Environmental Heat Loss</a:t>
+                </a:r>
+              </a:p>
+            </p:txBody>
+          </p:sp>
+          <p:sp>
+            <p:nvSpPr>
+              <p:cNvPr id="106" name="TextBox 105">
+                <a:extLst>
+                  <a:ext uri="{FF2B5EF4-FFF2-40B4-BE49-F238E27FC236}">
+                    <a16:creationId xmlns:a16="http://schemas.microsoft.com/office/drawing/2014/main" id="{F49FDA9D-147E-4BC6-A536-F1A68ABDC69A}"/>
+                  </a:ext>
+                </a:extLst>
+              </p:cNvPr>
+              <p:cNvSpPr txBox="1"/>
+              <p:nvPr/>
+            </p:nvSpPr>
+            <p:spPr>
+              <a:xfrm rot="2462155">
+                <a:off x="7531736" y="1528454"/>
+                <a:ext cx="1904092" cy="276999"/>
+              </a:xfrm>
+              <a:prstGeom prst="rect">
+                <a:avLst/>
+              </a:prstGeom>
+              <a:noFill/>
+            </p:spPr>
+            <p:txBody>
+              <a:bodyPr wrap="square" rtlCol="0">
+                <a:spAutoFit/>
+              </a:bodyPr>
+              <a:lstStyle/>
+              <a:p>
+                <a:pPr algn="ctr"/>
+                <a:r>
+                  <a:rPr lang="en-US" sz="1200" dirty="0">
+                    <a:solidFill>
+                      <a:schemeClr val="accent2"/>
+                    </a:solidFill>
+                    <a:latin typeface="Times New Roman" panose="02020603050405020304" pitchFamily="18" charset="0"/>
+                    <a:cs typeface="Times New Roman" panose="02020603050405020304" pitchFamily="18" charset="0"/>
+                  </a:rPr>
+                  <a:t>Environmental Heat Loss</a:t>
+                </a:r>
+              </a:p>
+            </p:txBody>
+          </p:sp>
+          <p:grpSp>
+            <p:nvGrpSpPr>
+              <p:cNvPr id="112" name="Group 111">
+                <a:extLst>
+                  <a:ext uri="{FF2B5EF4-FFF2-40B4-BE49-F238E27FC236}">
+                    <a16:creationId xmlns:a16="http://schemas.microsoft.com/office/drawing/2014/main" id="{8F38AE0D-CFA6-4619-B118-C3603DE815FB}"/>
+                  </a:ext>
+                </a:extLst>
+              </p:cNvPr>
+              <p:cNvGrpSpPr/>
+              <p:nvPr/>
+            </p:nvGrpSpPr>
+            <p:grpSpPr>
+              <a:xfrm>
+                <a:off x="3965072" y="3977583"/>
+                <a:ext cx="1069802" cy="948922"/>
+                <a:chOff x="3965072" y="3977583"/>
+                <a:chExt cx="1069802" cy="948922"/>
+              </a:xfrm>
+            </p:grpSpPr>
+            <p:sp>
+              <p:nvSpPr>
+                <p:cNvPr id="109" name="Freeform: Shape 108">
+                  <a:extLst>
+                    <a:ext uri="{FF2B5EF4-FFF2-40B4-BE49-F238E27FC236}">
+                      <a16:creationId xmlns:a16="http://schemas.microsoft.com/office/drawing/2014/main" id="{56B21AD3-F659-4512-AC8B-9622BF4D000C}"/>
+                    </a:ext>
+                  </a:extLst>
+                </p:cNvPr>
+                <p:cNvSpPr/>
+                <p:nvPr/>
+              </p:nvSpPr>
+              <p:spPr>
+                <a:xfrm rot="14194995" flipV="1">
+                  <a:off x="3818959" y="4734672"/>
+                  <a:ext cx="337946" cy="45719"/>
+                </a:xfrm>
+                <a:custGeom>
+                  <a:avLst/>
+                  <a:gdLst>
+                    <a:gd name="connsiteX0" fmla="*/ 0 w 707010"/>
+                    <a:gd name="connsiteY0" fmla="*/ 277168 h 456318"/>
+                    <a:gd name="connsiteX1" fmla="*/ 179109 w 707010"/>
+                    <a:gd name="connsiteY1" fmla="*/ 3790 h 456318"/>
+                    <a:gd name="connsiteX2" fmla="*/ 311084 w 707010"/>
+                    <a:gd name="connsiteY2" fmla="*/ 456277 h 456318"/>
+                    <a:gd name="connsiteX3" fmla="*/ 471340 w 707010"/>
+                    <a:gd name="connsiteY3" fmla="*/ 32071 h 456318"/>
+                    <a:gd name="connsiteX4" fmla="*/ 612742 w 707010"/>
+                    <a:gd name="connsiteY4" fmla="*/ 296021 h 456318"/>
+                    <a:gd name="connsiteX5" fmla="*/ 707010 w 707010"/>
+                    <a:gd name="connsiteY5" fmla="*/ 314875 h 456318"/>
+                  </a:gdLst>
+                  <a:ahLst/>
+                  <a:cxnLst>
+                    <a:cxn ang="0">
+                      <a:pos x="connsiteX0" y="connsiteY0"/>
+                    </a:cxn>
+                    <a:cxn ang="0">
+                      <a:pos x="connsiteX1" y="connsiteY1"/>
+                    </a:cxn>
+                    <a:cxn ang="0">
+                      <a:pos x="connsiteX2" y="connsiteY2"/>
+                    </a:cxn>
+                    <a:cxn ang="0">
+                      <a:pos x="connsiteX3" y="connsiteY3"/>
+                    </a:cxn>
+                    <a:cxn ang="0">
+                      <a:pos x="connsiteX4" y="connsiteY4"/>
+                    </a:cxn>
+                    <a:cxn ang="0">
+                      <a:pos x="connsiteX5" y="connsiteY5"/>
+                    </a:cxn>
+                  </a:cxnLst>
+                  <a:rect l="l" t="t" r="r" b="b"/>
+                  <a:pathLst>
+                    <a:path w="707010" h="456318">
+                      <a:moveTo>
+                        <a:pt x="0" y="277168"/>
+                      </a:moveTo>
+                      <a:cubicBezTo>
+                        <a:pt x="63631" y="125553"/>
+                        <a:pt x="127262" y="-26061"/>
+                        <a:pt x="179109" y="3790"/>
+                      </a:cubicBezTo>
+                      <a:cubicBezTo>
+                        <a:pt x="230956" y="33641"/>
+                        <a:pt x="262379" y="451564"/>
+                        <a:pt x="311084" y="456277"/>
+                      </a:cubicBezTo>
+                      <a:cubicBezTo>
+                        <a:pt x="359789" y="460991"/>
+                        <a:pt x="421064" y="58780"/>
+                        <a:pt x="471340" y="32071"/>
+                      </a:cubicBezTo>
+                      <a:cubicBezTo>
+                        <a:pt x="521616" y="5362"/>
+                        <a:pt x="573464" y="248887"/>
+                        <a:pt x="612742" y="296021"/>
+                      </a:cubicBezTo>
+                      <a:cubicBezTo>
+                        <a:pt x="652020" y="343155"/>
+                        <a:pt x="642594" y="311733"/>
+                        <a:pt x="707010" y="314875"/>
+                      </a:cubicBezTo>
+                    </a:path>
+                  </a:pathLst>
+                </a:custGeom>
+                <a:noFill/>
+                <a:ln w="9525">
+                  <a:solidFill>
+                    <a:srgbClr val="FF0000"/>
+                  </a:solidFill>
+                  <a:headEnd type="none" w="med" len="med"/>
+                  <a:tailEnd type="arrow" w="med" len="med"/>
+                </a:ln>
+              </p:spPr>
+              <p:style>
+                <a:lnRef idx="2">
+                  <a:schemeClr val="accent1">
+                    <a:shade val="50000"/>
+                  </a:schemeClr>
+                </a:lnRef>
+                <a:fillRef idx="1">
+                  <a:schemeClr val="accent1"/>
+                </a:fillRef>
+                <a:effectRef idx="0">
+                  <a:schemeClr val="accent1"/>
+                </a:effectRef>
+                <a:fontRef idx="minor">
+                  <a:schemeClr val="lt1"/>
+                </a:fontRef>
+              </p:style>
+              <p:txBody>
+                <a:bodyPr rtlCol="0" anchor="ctr"/>
+                <a:lstStyle/>
+                <a:p>
+                  <a:pPr algn="ctr"/>
+                  <a:endParaRPr lang="en-US"/>
+                </a:p>
+              </p:txBody>
+            </p:sp>
+            <p:sp>
+              <p:nvSpPr>
+                <p:cNvPr id="110" name="Freeform: Shape 109">
+                  <a:extLst>
+                    <a:ext uri="{FF2B5EF4-FFF2-40B4-BE49-F238E27FC236}">
+                      <a16:creationId xmlns:a16="http://schemas.microsoft.com/office/drawing/2014/main" id="{86A4A932-4633-4919-91B8-D1731E308FDC}"/>
+                    </a:ext>
+                  </a:extLst>
+                </p:cNvPr>
+                <p:cNvSpPr/>
+                <p:nvPr/>
+              </p:nvSpPr>
+              <p:spPr>
+                <a:xfrm rot="14194995" flipV="1">
+                  <a:off x="4323292" y="4430955"/>
+                  <a:ext cx="337946" cy="45719"/>
+                </a:xfrm>
+                <a:custGeom>
+                  <a:avLst/>
+                  <a:gdLst>
+                    <a:gd name="connsiteX0" fmla="*/ 0 w 707010"/>
+                    <a:gd name="connsiteY0" fmla="*/ 277168 h 456318"/>
+                    <a:gd name="connsiteX1" fmla="*/ 179109 w 707010"/>
+                    <a:gd name="connsiteY1" fmla="*/ 3790 h 456318"/>
+                    <a:gd name="connsiteX2" fmla="*/ 311084 w 707010"/>
+                    <a:gd name="connsiteY2" fmla="*/ 456277 h 456318"/>
+                    <a:gd name="connsiteX3" fmla="*/ 471340 w 707010"/>
+                    <a:gd name="connsiteY3" fmla="*/ 32071 h 456318"/>
+                    <a:gd name="connsiteX4" fmla="*/ 612742 w 707010"/>
+                    <a:gd name="connsiteY4" fmla="*/ 296021 h 456318"/>
+                    <a:gd name="connsiteX5" fmla="*/ 707010 w 707010"/>
+                    <a:gd name="connsiteY5" fmla="*/ 314875 h 456318"/>
+                  </a:gdLst>
+                  <a:ahLst/>
+                  <a:cxnLst>
+                    <a:cxn ang="0">
+                      <a:pos x="connsiteX0" y="connsiteY0"/>
+                    </a:cxn>
+                    <a:cxn ang="0">
+                      <a:pos x="connsiteX1" y="connsiteY1"/>
+                    </a:cxn>
+                    <a:cxn ang="0">
+                      <a:pos x="connsiteX2" y="connsiteY2"/>
+                    </a:cxn>
+                    <a:cxn ang="0">
+                      <a:pos x="connsiteX3" y="connsiteY3"/>
+                    </a:cxn>
+                    <a:cxn ang="0">
+                      <a:pos x="connsiteX4" y="connsiteY4"/>
+                    </a:cxn>
+                    <a:cxn ang="0">
+                      <a:pos x="connsiteX5" y="connsiteY5"/>
+                    </a:cxn>
+                  </a:cxnLst>
+                  <a:rect l="l" t="t" r="r" b="b"/>
+                  <a:pathLst>
+                    <a:path w="707010" h="456318">
+                      <a:moveTo>
+                        <a:pt x="0" y="277168"/>
+                      </a:moveTo>
+                      <a:cubicBezTo>
+                        <a:pt x="63631" y="125553"/>
+                        <a:pt x="127262" y="-26061"/>
+                        <a:pt x="179109" y="3790"/>
+                      </a:cubicBezTo>
+                      <a:cubicBezTo>
+                        <a:pt x="230956" y="33641"/>
+                        <a:pt x="262379" y="451564"/>
+                        <a:pt x="311084" y="456277"/>
+                      </a:cubicBezTo>
+                      <a:cubicBezTo>
+                        <a:pt x="359789" y="460991"/>
+                        <a:pt x="421064" y="58780"/>
+                        <a:pt x="471340" y="32071"/>
+                      </a:cubicBezTo>
+                      <a:cubicBezTo>
+                        <a:pt x="521616" y="5362"/>
+                        <a:pt x="573464" y="248887"/>
+                        <a:pt x="612742" y="296021"/>
+                      </a:cubicBezTo>
+                      <a:cubicBezTo>
+                        <a:pt x="652020" y="343155"/>
+                        <a:pt x="642594" y="311733"/>
+                        <a:pt x="707010" y="314875"/>
+                      </a:cubicBezTo>
+                    </a:path>
+                  </a:pathLst>
+                </a:custGeom>
+                <a:noFill/>
+                <a:ln w="9525">
+                  <a:solidFill>
+                    <a:srgbClr val="FF0000"/>
+                  </a:solidFill>
+                  <a:headEnd type="none" w="med" len="med"/>
+                  <a:tailEnd type="arrow" w="med" len="med"/>
+                </a:ln>
+              </p:spPr>
+              <p:style>
+                <a:lnRef idx="2">
+                  <a:schemeClr val="accent1">
+                    <a:shade val="50000"/>
+                  </a:schemeClr>
+                </a:lnRef>
+                <a:fillRef idx="1">
+                  <a:schemeClr val="accent1"/>
+                </a:fillRef>
+                <a:effectRef idx="0">
+                  <a:schemeClr val="accent1"/>
+                </a:effectRef>
+                <a:fontRef idx="minor">
+                  <a:schemeClr val="lt1"/>
+                </a:fontRef>
+              </p:style>
+              <p:txBody>
+                <a:bodyPr rtlCol="0" anchor="ctr"/>
+                <a:lstStyle/>
+                <a:p>
+                  <a:pPr algn="ctr"/>
+                  <a:endParaRPr lang="en-US"/>
+                </a:p>
+              </p:txBody>
+            </p:sp>
+            <p:sp>
+              <p:nvSpPr>
+                <p:cNvPr id="111" name="Freeform: Shape 110">
+                  <a:extLst>
+                    <a:ext uri="{FF2B5EF4-FFF2-40B4-BE49-F238E27FC236}">
+                      <a16:creationId xmlns:a16="http://schemas.microsoft.com/office/drawing/2014/main" id="{B911B986-B78B-4EB4-97D7-548C13E348D3}"/>
+                    </a:ext>
+                  </a:extLst>
+                </p:cNvPr>
+                <p:cNvSpPr/>
+                <p:nvPr/>
+              </p:nvSpPr>
+              <p:spPr>
+                <a:xfrm rot="14194995" flipV="1">
+                  <a:off x="4843042" y="4123696"/>
+                  <a:ext cx="337946" cy="45719"/>
+                </a:xfrm>
+                <a:custGeom>
+                  <a:avLst/>
+                  <a:gdLst>
+                    <a:gd name="connsiteX0" fmla="*/ 0 w 707010"/>
+                    <a:gd name="connsiteY0" fmla="*/ 277168 h 456318"/>
+                    <a:gd name="connsiteX1" fmla="*/ 179109 w 707010"/>
+                    <a:gd name="connsiteY1" fmla="*/ 3790 h 456318"/>
+                    <a:gd name="connsiteX2" fmla="*/ 311084 w 707010"/>
+                    <a:gd name="connsiteY2" fmla="*/ 456277 h 456318"/>
+                    <a:gd name="connsiteX3" fmla="*/ 471340 w 707010"/>
+                    <a:gd name="connsiteY3" fmla="*/ 32071 h 456318"/>
+                    <a:gd name="connsiteX4" fmla="*/ 612742 w 707010"/>
+                    <a:gd name="connsiteY4" fmla="*/ 296021 h 456318"/>
+                    <a:gd name="connsiteX5" fmla="*/ 707010 w 707010"/>
+                    <a:gd name="connsiteY5" fmla="*/ 314875 h 456318"/>
+                  </a:gdLst>
+                  <a:ahLst/>
+                  <a:cxnLst>
+                    <a:cxn ang="0">
+                      <a:pos x="connsiteX0" y="connsiteY0"/>
+                    </a:cxn>
+                    <a:cxn ang="0">
+                      <a:pos x="connsiteX1" y="connsiteY1"/>
+                    </a:cxn>
+                    <a:cxn ang="0">
+                      <a:pos x="connsiteX2" y="connsiteY2"/>
+                    </a:cxn>
+                    <a:cxn ang="0">
+                      <a:pos x="connsiteX3" y="connsiteY3"/>
+                    </a:cxn>
+                    <a:cxn ang="0">
+                      <a:pos x="connsiteX4" y="connsiteY4"/>
+                    </a:cxn>
+                    <a:cxn ang="0">
+                      <a:pos x="connsiteX5" y="connsiteY5"/>
+                    </a:cxn>
+                  </a:cxnLst>
+                  <a:rect l="l" t="t" r="r" b="b"/>
+                  <a:pathLst>
+                    <a:path w="707010" h="456318">
+                      <a:moveTo>
+                        <a:pt x="0" y="277168"/>
+                      </a:moveTo>
+                      <a:cubicBezTo>
+                        <a:pt x="63631" y="125553"/>
+                        <a:pt x="127262" y="-26061"/>
+                        <a:pt x="179109" y="3790"/>
+                      </a:cubicBezTo>
+                      <a:cubicBezTo>
+                        <a:pt x="230956" y="33641"/>
+                        <a:pt x="262379" y="451564"/>
+                        <a:pt x="311084" y="456277"/>
+                      </a:cubicBezTo>
+                      <a:cubicBezTo>
+                        <a:pt x="359789" y="460991"/>
+                        <a:pt x="421064" y="58780"/>
+                        <a:pt x="471340" y="32071"/>
+                      </a:cubicBezTo>
+                      <a:cubicBezTo>
+                        <a:pt x="521616" y="5362"/>
+                        <a:pt x="573464" y="248887"/>
+                        <a:pt x="612742" y="296021"/>
+                      </a:cubicBezTo>
+                      <a:cubicBezTo>
+                        <a:pt x="652020" y="343155"/>
+                        <a:pt x="642594" y="311733"/>
+                        <a:pt x="707010" y="314875"/>
+                      </a:cubicBezTo>
+                    </a:path>
+                  </a:pathLst>
+                </a:custGeom>
+                <a:noFill/>
+                <a:ln w="9525">
+                  <a:solidFill>
+                    <a:srgbClr val="FF0000"/>
+                  </a:solidFill>
+                  <a:headEnd type="none" w="med" len="med"/>
+                  <a:tailEnd type="arrow" w="med" len="med"/>
+                </a:ln>
+              </p:spPr>
+              <p:style>
+                <a:lnRef idx="2">
+                  <a:schemeClr val="accent1">
+                    <a:shade val="50000"/>
+                  </a:schemeClr>
+                </a:lnRef>
+                <a:fillRef idx="1">
+                  <a:schemeClr val="accent1"/>
+                </a:fillRef>
+                <a:effectRef idx="0">
+                  <a:schemeClr val="accent1"/>
+                </a:effectRef>
+                <a:fontRef idx="minor">
+                  <a:schemeClr val="lt1"/>
+                </a:fontRef>
+              </p:style>
+              <p:txBody>
+                <a:bodyPr rtlCol="0" anchor="ctr"/>
+                <a:lstStyle/>
+                <a:p>
+                  <a:pPr algn="ctr"/>
+                  <a:endParaRPr lang="en-US"/>
+                </a:p>
+              </p:txBody>
+            </p:sp>
+          </p:grpSp>
+          <p:grpSp>
+            <p:nvGrpSpPr>
+              <p:cNvPr id="113" name="Group 112">
+                <a:extLst>
+                  <a:ext uri="{FF2B5EF4-FFF2-40B4-BE49-F238E27FC236}">
+                    <a16:creationId xmlns:a16="http://schemas.microsoft.com/office/drawing/2014/main" id="{FAC66519-A8DE-495F-8A71-CB1912AAEC39}"/>
+                  </a:ext>
+                </a:extLst>
+              </p:cNvPr>
+              <p:cNvGrpSpPr/>
+              <p:nvPr/>
+            </p:nvGrpSpPr>
+            <p:grpSpPr>
+              <a:xfrm flipH="1">
+                <a:off x="6258719" y="3978040"/>
+                <a:ext cx="1069802" cy="948922"/>
+                <a:chOff x="3965072" y="3977583"/>
+                <a:chExt cx="1069802" cy="948922"/>
+              </a:xfrm>
+            </p:grpSpPr>
+            <p:sp>
+              <p:nvSpPr>
+                <p:cNvPr id="114" name="Freeform: Shape 113">
+                  <a:extLst>
+                    <a:ext uri="{FF2B5EF4-FFF2-40B4-BE49-F238E27FC236}">
+                      <a16:creationId xmlns:a16="http://schemas.microsoft.com/office/drawing/2014/main" id="{CCC06FF3-7850-4A71-85A2-6394D9BE1322}"/>
+                    </a:ext>
+                  </a:extLst>
+                </p:cNvPr>
+                <p:cNvSpPr/>
+                <p:nvPr/>
+              </p:nvSpPr>
+              <p:spPr>
+                <a:xfrm rot="14194995" flipV="1">
+                  <a:off x="3818959" y="4734672"/>
+                  <a:ext cx="337946" cy="45719"/>
+                </a:xfrm>
+                <a:custGeom>
+                  <a:avLst/>
+                  <a:gdLst>
+                    <a:gd name="connsiteX0" fmla="*/ 0 w 707010"/>
+                    <a:gd name="connsiteY0" fmla="*/ 277168 h 456318"/>
+                    <a:gd name="connsiteX1" fmla="*/ 179109 w 707010"/>
+                    <a:gd name="connsiteY1" fmla="*/ 3790 h 456318"/>
+                    <a:gd name="connsiteX2" fmla="*/ 311084 w 707010"/>
+                    <a:gd name="connsiteY2" fmla="*/ 456277 h 456318"/>
+                    <a:gd name="connsiteX3" fmla="*/ 471340 w 707010"/>
+                    <a:gd name="connsiteY3" fmla="*/ 32071 h 456318"/>
+                    <a:gd name="connsiteX4" fmla="*/ 612742 w 707010"/>
+                    <a:gd name="connsiteY4" fmla="*/ 296021 h 456318"/>
+                    <a:gd name="connsiteX5" fmla="*/ 707010 w 707010"/>
+                    <a:gd name="connsiteY5" fmla="*/ 314875 h 456318"/>
+                  </a:gdLst>
+                  <a:ahLst/>
+                  <a:cxnLst>
+                    <a:cxn ang="0">
+                      <a:pos x="connsiteX0" y="connsiteY0"/>
+                    </a:cxn>
+                    <a:cxn ang="0">
+                      <a:pos x="connsiteX1" y="connsiteY1"/>
+                    </a:cxn>
+                    <a:cxn ang="0">
+                      <a:pos x="connsiteX2" y="connsiteY2"/>
+                    </a:cxn>
+                    <a:cxn ang="0">
+                      <a:pos x="connsiteX3" y="connsiteY3"/>
+                    </a:cxn>
+                    <a:cxn ang="0">
+                      <a:pos x="connsiteX4" y="connsiteY4"/>
+                    </a:cxn>
+                    <a:cxn ang="0">
+                      <a:pos x="connsiteX5" y="connsiteY5"/>
+                    </a:cxn>
+                  </a:cxnLst>
+                  <a:rect l="l" t="t" r="r" b="b"/>
+                  <a:pathLst>
+                    <a:path w="707010" h="456318">
+                      <a:moveTo>
+                        <a:pt x="0" y="277168"/>
+                      </a:moveTo>
+                      <a:cubicBezTo>
+                        <a:pt x="63631" y="125553"/>
+                        <a:pt x="127262" y="-26061"/>
+                        <a:pt x="179109" y="3790"/>
+                      </a:cubicBezTo>
+                      <a:cubicBezTo>
+                        <a:pt x="230956" y="33641"/>
+                        <a:pt x="262379" y="451564"/>
+                        <a:pt x="311084" y="456277"/>
+                      </a:cubicBezTo>
+                      <a:cubicBezTo>
+                        <a:pt x="359789" y="460991"/>
+                        <a:pt x="421064" y="58780"/>
+                        <a:pt x="471340" y="32071"/>
+                      </a:cubicBezTo>
+                      <a:cubicBezTo>
+                        <a:pt x="521616" y="5362"/>
+                        <a:pt x="573464" y="248887"/>
+                        <a:pt x="612742" y="296021"/>
+                      </a:cubicBezTo>
+                      <a:cubicBezTo>
+                        <a:pt x="652020" y="343155"/>
+                        <a:pt x="642594" y="311733"/>
+                        <a:pt x="707010" y="314875"/>
+                      </a:cubicBezTo>
+                    </a:path>
+                  </a:pathLst>
+                </a:custGeom>
+                <a:noFill/>
+                <a:ln w="9525">
+                  <a:solidFill>
+                    <a:srgbClr val="FF0000"/>
+                  </a:solidFill>
+                  <a:headEnd type="none" w="med" len="med"/>
+                  <a:tailEnd type="arrow" w="med" len="med"/>
+                </a:ln>
+              </p:spPr>
+              <p:style>
+                <a:lnRef idx="2">
+                  <a:schemeClr val="accent1">
+                    <a:shade val="50000"/>
+                  </a:schemeClr>
+                </a:lnRef>
+                <a:fillRef idx="1">
+                  <a:schemeClr val="accent1"/>
+                </a:fillRef>
+                <a:effectRef idx="0">
+                  <a:schemeClr val="accent1"/>
+                </a:effectRef>
+                <a:fontRef idx="minor">
+                  <a:schemeClr val="lt1"/>
+                </a:fontRef>
+              </p:style>
+              <p:txBody>
+                <a:bodyPr rtlCol="0" anchor="ctr"/>
+                <a:lstStyle/>
+                <a:p>
+                  <a:pPr algn="ctr"/>
+                  <a:endParaRPr lang="en-US"/>
+                </a:p>
+              </p:txBody>
+            </p:sp>
+            <p:sp>
+              <p:nvSpPr>
+                <p:cNvPr id="115" name="Freeform: Shape 114">
+                  <a:extLst>
+                    <a:ext uri="{FF2B5EF4-FFF2-40B4-BE49-F238E27FC236}">
+                      <a16:creationId xmlns:a16="http://schemas.microsoft.com/office/drawing/2014/main" id="{228A342F-612E-413C-950C-6F7895A495B5}"/>
+                    </a:ext>
+                  </a:extLst>
+                </p:cNvPr>
+                <p:cNvSpPr/>
+                <p:nvPr/>
+              </p:nvSpPr>
+              <p:spPr>
+                <a:xfrm rot="14194995" flipV="1">
+                  <a:off x="4323292" y="4430955"/>
+                  <a:ext cx="337946" cy="45719"/>
+                </a:xfrm>
+                <a:custGeom>
+                  <a:avLst/>
+                  <a:gdLst>
+                    <a:gd name="connsiteX0" fmla="*/ 0 w 707010"/>
+                    <a:gd name="connsiteY0" fmla="*/ 277168 h 456318"/>
+                    <a:gd name="connsiteX1" fmla="*/ 179109 w 707010"/>
+                    <a:gd name="connsiteY1" fmla="*/ 3790 h 456318"/>
+                    <a:gd name="connsiteX2" fmla="*/ 311084 w 707010"/>
+                    <a:gd name="connsiteY2" fmla="*/ 456277 h 456318"/>
+                    <a:gd name="connsiteX3" fmla="*/ 471340 w 707010"/>
+                    <a:gd name="connsiteY3" fmla="*/ 32071 h 456318"/>
+                    <a:gd name="connsiteX4" fmla="*/ 612742 w 707010"/>
+                    <a:gd name="connsiteY4" fmla="*/ 296021 h 456318"/>
+                    <a:gd name="connsiteX5" fmla="*/ 707010 w 707010"/>
+                    <a:gd name="connsiteY5" fmla="*/ 314875 h 456318"/>
+                  </a:gdLst>
+                  <a:ahLst/>
+                  <a:cxnLst>
+                    <a:cxn ang="0">
+                      <a:pos x="connsiteX0" y="connsiteY0"/>
+                    </a:cxn>
+                    <a:cxn ang="0">
+                      <a:pos x="connsiteX1" y="connsiteY1"/>
+                    </a:cxn>
+                    <a:cxn ang="0">
+                      <a:pos x="connsiteX2" y="connsiteY2"/>
+                    </a:cxn>
+                    <a:cxn ang="0">
+                      <a:pos x="connsiteX3" y="connsiteY3"/>
+                    </a:cxn>
+                    <a:cxn ang="0">
+                      <a:pos x="connsiteX4" y="connsiteY4"/>
+                    </a:cxn>
+                    <a:cxn ang="0">
+                      <a:pos x="connsiteX5" y="connsiteY5"/>
+                    </a:cxn>
+                  </a:cxnLst>
+                  <a:rect l="l" t="t" r="r" b="b"/>
+                  <a:pathLst>
+                    <a:path w="707010" h="456318">
+                      <a:moveTo>
+                        <a:pt x="0" y="277168"/>
+                      </a:moveTo>
+                      <a:cubicBezTo>
+                        <a:pt x="63631" y="125553"/>
+                        <a:pt x="127262" y="-26061"/>
+                        <a:pt x="179109" y="3790"/>
+                      </a:cubicBezTo>
+                      <a:cubicBezTo>
+                        <a:pt x="230956" y="33641"/>
+                        <a:pt x="262379" y="451564"/>
+                        <a:pt x="311084" y="456277"/>
+                      </a:cubicBezTo>
+                      <a:cubicBezTo>
+                        <a:pt x="359789" y="460991"/>
+                        <a:pt x="421064" y="58780"/>
+                        <a:pt x="471340" y="32071"/>
+                      </a:cubicBezTo>
+                      <a:cubicBezTo>
+                        <a:pt x="521616" y="5362"/>
+                        <a:pt x="573464" y="248887"/>
+                        <a:pt x="612742" y="296021"/>
+                      </a:cubicBezTo>
+                      <a:cubicBezTo>
+                        <a:pt x="652020" y="343155"/>
+                        <a:pt x="642594" y="311733"/>
+                        <a:pt x="707010" y="314875"/>
+                      </a:cubicBezTo>
+                    </a:path>
+                  </a:pathLst>
+                </a:custGeom>
+                <a:noFill/>
+                <a:ln w="9525">
+                  <a:solidFill>
+                    <a:srgbClr val="FF0000"/>
+                  </a:solidFill>
+                  <a:headEnd type="none" w="med" len="med"/>
+                  <a:tailEnd type="arrow" w="med" len="med"/>
+                </a:ln>
+              </p:spPr>
+              <p:style>
+                <a:lnRef idx="2">
+                  <a:schemeClr val="accent1">
+                    <a:shade val="50000"/>
+                  </a:schemeClr>
+                </a:lnRef>
+                <a:fillRef idx="1">
+                  <a:schemeClr val="accent1"/>
+                </a:fillRef>
+                <a:effectRef idx="0">
+                  <a:schemeClr val="accent1"/>
+                </a:effectRef>
+                <a:fontRef idx="minor">
+                  <a:schemeClr val="lt1"/>
+                </a:fontRef>
+              </p:style>
+              <p:txBody>
+                <a:bodyPr rtlCol="0" anchor="ctr"/>
+                <a:lstStyle/>
+                <a:p>
+                  <a:pPr algn="ctr"/>
+                  <a:endParaRPr lang="en-US"/>
+                </a:p>
+              </p:txBody>
+            </p:sp>
+            <p:sp>
+              <p:nvSpPr>
+                <p:cNvPr id="116" name="Freeform: Shape 115">
+                  <a:extLst>
+                    <a:ext uri="{FF2B5EF4-FFF2-40B4-BE49-F238E27FC236}">
+                      <a16:creationId xmlns:a16="http://schemas.microsoft.com/office/drawing/2014/main" id="{1CEA0BB8-5611-4F60-874A-15A802167F6A}"/>
+                    </a:ext>
+                  </a:extLst>
+                </p:cNvPr>
+                <p:cNvSpPr/>
+                <p:nvPr/>
+              </p:nvSpPr>
+              <p:spPr>
+                <a:xfrm rot="14194995" flipV="1">
+                  <a:off x="4843042" y="4123696"/>
+                  <a:ext cx="337946" cy="45719"/>
+                </a:xfrm>
+                <a:custGeom>
+                  <a:avLst/>
+                  <a:gdLst>
+                    <a:gd name="connsiteX0" fmla="*/ 0 w 707010"/>
+                    <a:gd name="connsiteY0" fmla="*/ 277168 h 456318"/>
+                    <a:gd name="connsiteX1" fmla="*/ 179109 w 707010"/>
+                    <a:gd name="connsiteY1" fmla="*/ 3790 h 456318"/>
+                    <a:gd name="connsiteX2" fmla="*/ 311084 w 707010"/>
+                    <a:gd name="connsiteY2" fmla="*/ 456277 h 456318"/>
+                    <a:gd name="connsiteX3" fmla="*/ 471340 w 707010"/>
+                    <a:gd name="connsiteY3" fmla="*/ 32071 h 456318"/>
+                    <a:gd name="connsiteX4" fmla="*/ 612742 w 707010"/>
+                    <a:gd name="connsiteY4" fmla="*/ 296021 h 456318"/>
+                    <a:gd name="connsiteX5" fmla="*/ 707010 w 707010"/>
+                    <a:gd name="connsiteY5" fmla="*/ 314875 h 456318"/>
+                  </a:gdLst>
+                  <a:ahLst/>
+                  <a:cxnLst>
+                    <a:cxn ang="0">
+                      <a:pos x="connsiteX0" y="connsiteY0"/>
+                    </a:cxn>
+                    <a:cxn ang="0">
+                      <a:pos x="connsiteX1" y="connsiteY1"/>
+                    </a:cxn>
+                    <a:cxn ang="0">
+                      <a:pos x="connsiteX2" y="connsiteY2"/>
+                    </a:cxn>
+                    <a:cxn ang="0">
+                      <a:pos x="connsiteX3" y="connsiteY3"/>
+                    </a:cxn>
+                    <a:cxn ang="0">
+                      <a:pos x="connsiteX4" y="connsiteY4"/>
+                    </a:cxn>
+                    <a:cxn ang="0">
+                      <a:pos x="connsiteX5" y="connsiteY5"/>
+                    </a:cxn>
+                  </a:cxnLst>
+                  <a:rect l="l" t="t" r="r" b="b"/>
+                  <a:pathLst>
+                    <a:path w="707010" h="456318">
+                      <a:moveTo>
+                        <a:pt x="0" y="277168"/>
+                      </a:moveTo>
+                      <a:cubicBezTo>
+                        <a:pt x="63631" y="125553"/>
+                        <a:pt x="127262" y="-26061"/>
+                        <a:pt x="179109" y="3790"/>
+                      </a:cubicBezTo>
+                      <a:cubicBezTo>
+                        <a:pt x="230956" y="33641"/>
+                        <a:pt x="262379" y="451564"/>
+                        <a:pt x="311084" y="456277"/>
+                      </a:cubicBezTo>
+                      <a:cubicBezTo>
+                        <a:pt x="359789" y="460991"/>
+                        <a:pt x="421064" y="58780"/>
+                        <a:pt x="471340" y="32071"/>
+                      </a:cubicBezTo>
+                      <a:cubicBezTo>
+                        <a:pt x="521616" y="5362"/>
+                        <a:pt x="573464" y="248887"/>
+                        <a:pt x="612742" y="296021"/>
+                      </a:cubicBezTo>
+                      <a:cubicBezTo>
+                        <a:pt x="652020" y="343155"/>
+                        <a:pt x="642594" y="311733"/>
+                        <a:pt x="707010" y="314875"/>
+                      </a:cubicBezTo>
+                    </a:path>
+                  </a:pathLst>
+                </a:custGeom>
+                <a:noFill/>
+                <a:ln w="9525">
+                  <a:solidFill>
+                    <a:srgbClr val="FF0000"/>
+                  </a:solidFill>
+                  <a:headEnd type="none" w="med" len="med"/>
+                  <a:tailEnd type="arrow" w="med" len="med"/>
+                </a:ln>
+              </p:spPr>
+              <p:style>
+                <a:lnRef idx="2">
+                  <a:schemeClr val="accent1">
+                    <a:shade val="50000"/>
+                  </a:schemeClr>
+                </a:lnRef>
+                <a:fillRef idx="1">
+                  <a:schemeClr val="accent1"/>
+                </a:fillRef>
+                <a:effectRef idx="0">
+                  <a:schemeClr val="accent1"/>
+                </a:effectRef>
+                <a:fontRef idx="minor">
+                  <a:schemeClr val="lt1"/>
+                </a:fontRef>
+              </p:style>
+              <p:txBody>
+                <a:bodyPr rtlCol="0" anchor="ctr"/>
+                <a:lstStyle/>
+                <a:p>
+                  <a:pPr algn="ctr"/>
+                  <a:endParaRPr lang="en-US"/>
+                </a:p>
+              </p:txBody>
+            </p:sp>
+          </p:grpSp>
+          <p:sp>
+            <p:nvSpPr>
+              <p:cNvPr id="118" name="TextBox 117">
+                <a:extLst>
+                  <a:ext uri="{FF2B5EF4-FFF2-40B4-BE49-F238E27FC236}">
+                    <a16:creationId xmlns:a16="http://schemas.microsoft.com/office/drawing/2014/main" id="{EB96B73A-4FD9-477A-8BCC-4165D4FA7B3F}"/>
+                  </a:ext>
+                </a:extLst>
+              </p:cNvPr>
+              <p:cNvSpPr txBox="1"/>
+              <p:nvPr/>
+            </p:nvSpPr>
+            <p:spPr>
+              <a:xfrm rot="19729540">
+                <a:off x="3381216" y="4068293"/>
+                <a:ext cx="1904092" cy="276999"/>
+              </a:xfrm>
+              <a:prstGeom prst="rect">
+                <a:avLst/>
+              </a:prstGeom>
+              <a:noFill/>
+            </p:spPr>
+            <p:txBody>
+              <a:bodyPr wrap="square" rtlCol="0">
+                <a:spAutoFit/>
+              </a:bodyPr>
+              <a:lstStyle/>
+              <a:p>
+                <a:pPr algn="ctr"/>
+                <a:r>
+                  <a:rPr lang="en-US" sz="1200" dirty="0">
+                    <a:solidFill>
+                      <a:srgbClr val="FF0000"/>
+                    </a:solidFill>
+                    <a:latin typeface="Times New Roman" panose="02020603050405020304" pitchFamily="18" charset="0"/>
+                    <a:cs typeface="Times New Roman" panose="02020603050405020304" pitchFamily="18" charset="0"/>
+                  </a:rPr>
+                  <a:t>Stir-Friction Heating</a:t>
+                </a:r>
+              </a:p>
+            </p:txBody>
+          </p:sp>
+          <p:cxnSp>
+            <p:nvCxnSpPr>
+              <p:cNvPr id="66" name="Straight Connector 65">
+                <a:extLst>
+                  <a:ext uri="{FF2B5EF4-FFF2-40B4-BE49-F238E27FC236}">
+                    <a16:creationId xmlns:a16="http://schemas.microsoft.com/office/drawing/2014/main" id="{F678F1A7-A9D4-4DD4-B6F2-58596092BAEC}"/>
+                  </a:ext>
+                </a:extLst>
+              </p:cNvPr>
+              <p:cNvCxnSpPr>
+                <a:cxnSpLocks/>
+              </p:cNvCxnSpPr>
+              <p:nvPr/>
+            </p:nvCxnSpPr>
+            <p:spPr>
+              <a:xfrm>
+                <a:off x="3784600" y="3753428"/>
+                <a:ext cx="75840" cy="0"/>
+              </a:xfrm>
+              <a:prstGeom prst="line">
+                <a:avLst/>
+              </a:prstGeom>
+              <a:ln w="19050">
+                <a:solidFill>
+                  <a:schemeClr val="tx1"/>
+                </a:solidFill>
+              </a:ln>
+            </p:spPr>
+            <p:style>
+              <a:lnRef idx="1">
+                <a:schemeClr val="accent1"/>
+              </a:lnRef>
+              <a:fillRef idx="0">
+                <a:schemeClr val="accent1"/>
+              </a:fillRef>
+              <a:effectRef idx="0">
+                <a:schemeClr val="accent1"/>
+              </a:effectRef>
+              <a:fontRef idx="minor">
+                <a:schemeClr val="tx1"/>
+              </a:fontRef>
+            </p:style>
+          </p:cxnSp>
+          <p:sp>
+            <p:nvSpPr>
+              <p:cNvPr id="79" name="Rectangle 78">
+                <a:extLst>
+                  <a:ext uri="{FF2B5EF4-FFF2-40B4-BE49-F238E27FC236}">
+                    <a16:creationId xmlns:a16="http://schemas.microsoft.com/office/drawing/2014/main" id="{51649563-638A-4120-8740-22304B38E6D1}"/>
                   </a:ext>
                 </a:extLst>
               </p:cNvPr>
@@ -4214,8 +7698,170 @@
             </p:nvSpPr>
             <p:spPr>
               <a:xfrm>
-                <a:off x="2238868" y="4890701"/>
-                <a:ext cx="707010" cy="113163"/>
+                <a:off x="3773841" y="3285732"/>
+                <a:ext cx="101767" cy="45719"/>
+              </a:xfrm>
+              <a:prstGeom prst="rect">
+                <a:avLst/>
+              </a:prstGeom>
+              <a:solidFill>
+                <a:schemeClr val="bg2">
+                  <a:lumMod val="75000"/>
+                </a:schemeClr>
+              </a:solidFill>
+              <a:ln>
+                <a:noFill/>
+              </a:ln>
+            </p:spPr>
+            <p:style>
+              <a:lnRef idx="2">
+                <a:schemeClr val="accent1">
+                  <a:shade val="50000"/>
+                </a:schemeClr>
+              </a:lnRef>
+              <a:fillRef idx="1">
+                <a:schemeClr val="accent1"/>
+              </a:fillRef>
+              <a:effectRef idx="0">
+                <a:schemeClr val="accent1"/>
+              </a:effectRef>
+              <a:fontRef idx="minor">
+                <a:schemeClr val="lt1"/>
+              </a:fontRef>
+            </p:style>
+            <p:txBody>
+              <a:bodyPr rtlCol="0" anchor="ctr"/>
+              <a:lstStyle/>
+              <a:p>
+                <a:pPr algn="ctr"/>
+                <a:endParaRPr lang="en-US"/>
+              </a:p>
+            </p:txBody>
+          </p:sp>
+          <p:sp>
+            <p:nvSpPr>
+              <p:cNvPr id="82" name="Rectangle 81">
+                <a:extLst>
+                  <a:ext uri="{FF2B5EF4-FFF2-40B4-BE49-F238E27FC236}">
+                    <a16:creationId xmlns:a16="http://schemas.microsoft.com/office/drawing/2014/main" id="{E5A0C793-91D9-49E1-BBB9-ABBB3709DCD3}"/>
+                  </a:ext>
+                </a:extLst>
+              </p:cNvPr>
+              <p:cNvSpPr/>
+              <p:nvPr/>
+            </p:nvSpPr>
+            <p:spPr>
+              <a:xfrm>
+                <a:off x="3777632" y="3436160"/>
+                <a:ext cx="101768" cy="45719"/>
+              </a:xfrm>
+              <a:prstGeom prst="rect">
+                <a:avLst/>
+              </a:prstGeom>
+              <a:solidFill>
+                <a:schemeClr val="bg2">
+                  <a:lumMod val="75000"/>
+                </a:schemeClr>
+              </a:solidFill>
+              <a:ln>
+                <a:noFill/>
+              </a:ln>
+            </p:spPr>
+            <p:style>
+              <a:lnRef idx="2">
+                <a:schemeClr val="accent1">
+                  <a:shade val="50000"/>
+                </a:schemeClr>
+              </a:lnRef>
+              <a:fillRef idx="1">
+                <a:schemeClr val="accent1"/>
+              </a:fillRef>
+              <a:effectRef idx="0">
+                <a:schemeClr val="accent1"/>
+              </a:effectRef>
+              <a:fontRef idx="minor">
+                <a:schemeClr val="lt1"/>
+              </a:fontRef>
+            </p:style>
+            <p:txBody>
+              <a:bodyPr rtlCol="0" anchor="ctr"/>
+              <a:lstStyle/>
+              <a:p>
+                <a:pPr algn="ctr"/>
+                <a:endParaRPr lang="en-US"/>
+              </a:p>
+            </p:txBody>
+          </p:sp>
+          <p:sp>
+            <p:nvSpPr>
+              <p:cNvPr id="83" name="Rectangle 82">
+                <a:extLst>
+                  <a:ext uri="{FF2B5EF4-FFF2-40B4-BE49-F238E27FC236}">
+                    <a16:creationId xmlns:a16="http://schemas.microsoft.com/office/drawing/2014/main" id="{831AFD5B-191C-49BE-911C-A7A8CBCE8FD9}"/>
+                  </a:ext>
+                </a:extLst>
+              </p:cNvPr>
+              <p:cNvSpPr/>
+              <p:nvPr/>
+            </p:nvSpPr>
+            <p:spPr>
+              <a:xfrm>
+                <a:off x="3773841" y="3587190"/>
+                <a:ext cx="101768" cy="45719"/>
+              </a:xfrm>
+              <a:prstGeom prst="rect">
+                <a:avLst/>
+              </a:prstGeom>
+              <a:solidFill>
+                <a:schemeClr val="bg2">
+                  <a:lumMod val="75000"/>
+                </a:schemeClr>
+              </a:solidFill>
+              <a:ln>
+                <a:noFill/>
+              </a:ln>
+            </p:spPr>
+            <p:style>
+              <a:lnRef idx="2">
+                <a:schemeClr val="accent1">
+                  <a:shade val="50000"/>
+                </a:schemeClr>
+              </a:lnRef>
+              <a:fillRef idx="1">
+                <a:schemeClr val="accent1"/>
+              </a:fillRef>
+              <a:effectRef idx="0">
+                <a:schemeClr val="accent1"/>
+              </a:effectRef>
+              <a:fontRef idx="minor">
+                <a:schemeClr val="lt1"/>
+              </a:fontRef>
+            </p:style>
+            <p:txBody>
+              <a:bodyPr rtlCol="0" anchor="ctr"/>
+              <a:lstStyle/>
+              <a:p>
+                <a:pPr algn="ctr"/>
+                <a:endParaRPr lang="en-US"/>
+              </a:p>
+            </p:txBody>
+          </p:sp>
+          <p:sp>
+            <p:nvSpPr>
+              <p:cNvPr id="84" name="Freeform: Shape 83">
+                <a:extLst>
+                  <a:ext uri="{FF2B5EF4-FFF2-40B4-BE49-F238E27FC236}">
+                    <a16:creationId xmlns:a16="http://schemas.microsoft.com/office/drawing/2014/main" id="{C248B163-D330-4631-812E-FE7429150D32}"/>
+                  </a:ext>
+                </a:extLst>
+              </p:cNvPr>
+              <p:cNvSpPr/>
+              <p:nvPr/>
+            </p:nvSpPr>
+            <p:spPr>
+              <a:xfrm rot="11832415" flipH="1" flipV="1">
+                <a:off x="3871873" y="3475297"/>
+                <a:ext cx="342657" cy="45719"/>
               </a:xfrm>
               <a:custGeom>
                 <a:avLst/>
@@ -4289,9 +7935,9 @@
                 </a:pathLst>
               </a:custGeom>
               <a:noFill/>
-              <a:ln w="12700">
+              <a:ln w="6350">
                 <a:solidFill>
-                  <a:srgbClr val="FF0000"/>
+                  <a:srgbClr val="00B0F0"/>
                 </a:solidFill>
                 <a:headEnd type="none" w="med" len="med"/>
                 <a:tailEnd type="arrow" w="med" len="med"/>
@@ -4324,10 +7970,10 @@
           </p:sp>
           <p:sp>
             <p:nvSpPr>
-              <p:cNvPr id="54" name="Freeform: Shape 53">
+              <p:cNvPr id="85" name="Freeform: Shape 84">
                 <a:extLst>
                   <a:ext uri="{FF2B5EF4-FFF2-40B4-BE49-F238E27FC236}">
-                    <a16:creationId xmlns:a16="http://schemas.microsoft.com/office/drawing/2014/main" id="{24D15EB0-D62B-4DFB-983C-FF96007C6506}"/>
+                    <a16:creationId xmlns:a16="http://schemas.microsoft.com/office/drawing/2014/main" id="{FCB6C5EA-A2C2-4DF3-8C82-C54F7466565B}"/>
                   </a:ext>
                 </a:extLst>
               </p:cNvPr>
@@ -4335,9 +7981,9 @@
               <p:nvPr/>
             </p:nvSpPr>
             <p:spPr>
-              <a:xfrm>
-                <a:off x="2230881" y="4417552"/>
-                <a:ext cx="707010" cy="113163"/>
+              <a:xfrm rot="12813328" flipH="1" flipV="1">
+                <a:off x="3842577" y="3678037"/>
+                <a:ext cx="342657" cy="45719"/>
               </a:xfrm>
               <a:custGeom>
                 <a:avLst/>
@@ -4411,9 +8057,9 @@
                 </a:pathLst>
               </a:custGeom>
               <a:noFill/>
-              <a:ln w="12700">
+              <a:ln w="6350">
                 <a:solidFill>
-                  <a:srgbClr val="FF0000"/>
+                  <a:srgbClr val="00B0F0"/>
                 </a:solidFill>
                 <a:headEnd type="none" w="med" len="med"/>
                 <a:tailEnd type="arrow" w="med" len="med"/>
@@ -4446,10 +8092,10 @@
           </p:sp>
           <p:sp>
             <p:nvSpPr>
-              <p:cNvPr id="55" name="Freeform: Shape 54">
+              <p:cNvPr id="87" name="Freeform: Shape 86">
                 <a:extLst>
                   <a:ext uri="{FF2B5EF4-FFF2-40B4-BE49-F238E27FC236}">
-                    <a16:creationId xmlns:a16="http://schemas.microsoft.com/office/drawing/2014/main" id="{B607AE90-8C1A-49E1-9CA0-AD2203552A41}"/>
+                    <a16:creationId xmlns:a16="http://schemas.microsoft.com/office/drawing/2014/main" id="{91EF8A47-D5D6-43E6-9C5B-9656C3C3F969}"/>
                   </a:ext>
                 </a:extLst>
               </p:cNvPr>
@@ -4457,9 +8103,9 @@
               <p:nvPr/>
             </p:nvSpPr>
             <p:spPr>
-              <a:xfrm>
-                <a:off x="2233496" y="3971120"/>
-                <a:ext cx="707010" cy="113163"/>
+              <a:xfrm rot="21217865" flipH="1" flipV="1">
+                <a:off x="3444957" y="3314319"/>
+                <a:ext cx="342657" cy="45719"/>
               </a:xfrm>
               <a:custGeom>
                 <a:avLst/>
@@ -4533,9 +8179,9 @@
                 </a:pathLst>
               </a:custGeom>
               <a:noFill/>
-              <a:ln w="12700">
+              <a:ln w="6350">
                 <a:solidFill>
-                  <a:srgbClr val="FF0000"/>
+                  <a:srgbClr val="00B0F0"/>
                 </a:solidFill>
                 <a:headEnd type="none" w="med" len="med"/>
                 <a:tailEnd type="arrow" w="med" len="med"/>
@@ -4568,10 +8214,10 @@
           </p:sp>
           <p:sp>
             <p:nvSpPr>
-              <p:cNvPr id="56" name="Freeform: Shape 55">
+              <p:cNvPr id="89" name="Freeform: Shape 88">
                 <a:extLst>
                   <a:ext uri="{FF2B5EF4-FFF2-40B4-BE49-F238E27FC236}">
-                    <a16:creationId xmlns:a16="http://schemas.microsoft.com/office/drawing/2014/main" id="{DC747761-0C70-4270-A80F-FD2B85516817}"/>
+                    <a16:creationId xmlns:a16="http://schemas.microsoft.com/office/drawing/2014/main" id="{38716372-9EFA-4147-AA00-922158639239}"/>
                   </a:ext>
                 </a:extLst>
               </p:cNvPr>
@@ -4579,9 +8225,9 @@
               <p:nvPr/>
             </p:nvSpPr>
             <p:spPr>
-              <a:xfrm>
-                <a:off x="2234155" y="3471254"/>
-                <a:ext cx="707010" cy="113163"/>
+              <a:xfrm rot="20631930" flipH="1" flipV="1">
+                <a:off x="3444957" y="3478246"/>
+                <a:ext cx="342657" cy="45719"/>
               </a:xfrm>
               <a:custGeom>
                 <a:avLst/>
@@ -4655,9 +8301,9 @@
                 </a:pathLst>
               </a:custGeom>
               <a:noFill/>
-              <a:ln w="12700">
+              <a:ln w="6350">
                 <a:solidFill>
-                  <a:srgbClr val="FF0000"/>
+                  <a:srgbClr val="00B0F0"/>
                 </a:solidFill>
                 <a:headEnd type="none" w="med" len="med"/>
                 <a:tailEnd type="arrow" w="med" len="med"/>
@@ -4688,33 +8334,12 @@
               </a:p>
             </p:txBody>
           </p:sp>
-        </p:grpSp>
-        <p:grpSp>
-          <p:nvGrpSpPr>
-            <p:cNvPr id="58" name="Group 57">
-              <a:extLst>
-                <a:ext uri="{FF2B5EF4-FFF2-40B4-BE49-F238E27FC236}">
-                  <a16:creationId xmlns:a16="http://schemas.microsoft.com/office/drawing/2014/main" id="{44634F83-8F65-4DFE-97B2-3654827898FA}"/>
-                </a:ext>
-              </a:extLst>
-            </p:cNvPr>
-            <p:cNvGrpSpPr/>
-            <p:nvPr/>
-          </p:nvGrpSpPr>
-          <p:grpSpPr>
-            <a:xfrm flipH="1">
-              <a:off x="7826377" y="3657956"/>
-              <a:ext cx="509046" cy="2005759"/>
-              <a:chOff x="2230881" y="3471254"/>
-              <a:chExt cx="714997" cy="2005759"/>
-            </a:xfrm>
-          </p:grpSpPr>
           <p:sp>
             <p:nvSpPr>
-              <p:cNvPr id="59" name="Freeform: Shape 58">
+              <p:cNvPr id="90" name="Freeform: Shape 89">
                 <a:extLst>
                   <a:ext uri="{FF2B5EF4-FFF2-40B4-BE49-F238E27FC236}">
-                    <a16:creationId xmlns:a16="http://schemas.microsoft.com/office/drawing/2014/main" id="{43B9EE26-62ED-47A6-90CC-0737875C2951}"/>
+                    <a16:creationId xmlns:a16="http://schemas.microsoft.com/office/drawing/2014/main" id="{3F1E8433-3464-4909-943A-35C0CF7AA24E}"/>
                   </a:ext>
                 </a:extLst>
               </p:cNvPr>
@@ -4722,9 +8347,9 @@
               <p:nvPr/>
             </p:nvSpPr>
             <p:spPr>
-              <a:xfrm>
-                <a:off x="2234153" y="5363850"/>
-                <a:ext cx="707010" cy="113163"/>
+              <a:xfrm rot="19728869" flipH="1" flipV="1">
+                <a:off x="3475624" y="3672249"/>
+                <a:ext cx="342657" cy="45719"/>
               </a:xfrm>
               <a:custGeom>
                 <a:avLst/>
@@ -4798,9 +8423,9 @@
                 </a:pathLst>
               </a:custGeom>
               <a:noFill/>
-              <a:ln w="9525">
+              <a:ln w="6350">
                 <a:solidFill>
-                  <a:srgbClr val="FF0000"/>
+                  <a:srgbClr val="00B0F0"/>
                 </a:solidFill>
                 <a:headEnd type="none" w="med" len="med"/>
                 <a:tailEnd type="arrow" w="med" len="med"/>
@@ -4831,12 +8456,169 @@
               </a:p>
             </p:txBody>
           </p:sp>
+          <p:grpSp>
+            <p:nvGrpSpPr>
+              <p:cNvPr id="107" name="Group 106">
+                <a:extLst>
+                  <a:ext uri="{FF2B5EF4-FFF2-40B4-BE49-F238E27FC236}">
+                    <a16:creationId xmlns:a16="http://schemas.microsoft.com/office/drawing/2014/main" id="{05E899B7-FB85-475D-A7C2-4A285E42B170}"/>
+                  </a:ext>
+                </a:extLst>
+              </p:cNvPr>
+              <p:cNvGrpSpPr/>
+              <p:nvPr/>
+            </p:nvGrpSpPr>
+            <p:grpSpPr>
+              <a:xfrm>
+                <a:off x="4764482" y="1009226"/>
+                <a:ext cx="81084" cy="1215814"/>
+                <a:chOff x="4028440" y="1033780"/>
+                <a:chExt cx="82295" cy="1556506"/>
+              </a:xfrm>
+            </p:grpSpPr>
+            <p:sp>
+              <p:nvSpPr>
+                <p:cNvPr id="117" name="Rectangle 116">
+                  <a:extLst>
+                    <a:ext uri="{FF2B5EF4-FFF2-40B4-BE49-F238E27FC236}">
+                      <a16:creationId xmlns:a16="http://schemas.microsoft.com/office/drawing/2014/main" id="{A5BAD051-234D-46F8-8984-E37519531C4B}"/>
+                    </a:ext>
+                  </a:extLst>
+                </p:cNvPr>
+                <p:cNvSpPr/>
+                <p:nvPr/>
+              </p:nvSpPr>
+              <p:spPr>
+                <a:xfrm>
+                  <a:off x="4028440" y="1033780"/>
+                  <a:ext cx="82295" cy="1556506"/>
+                </a:xfrm>
+                <a:prstGeom prst="rect">
+                  <a:avLst/>
+                </a:prstGeom>
+                <a:solidFill>
+                  <a:schemeClr val="bg2">
+                    <a:lumMod val="75000"/>
+                  </a:schemeClr>
+                </a:solidFill>
+                <a:ln>
+                  <a:noFill/>
+                </a:ln>
+              </p:spPr>
+              <p:style>
+                <a:lnRef idx="2">
+                  <a:schemeClr val="accent1">
+                    <a:shade val="50000"/>
+                  </a:schemeClr>
+                </a:lnRef>
+                <a:fillRef idx="1">
+                  <a:schemeClr val="accent1"/>
+                </a:fillRef>
+                <a:effectRef idx="0">
+                  <a:schemeClr val="accent1"/>
+                </a:effectRef>
+                <a:fontRef idx="minor">
+                  <a:schemeClr val="lt1"/>
+                </a:fontRef>
+              </p:style>
+              <p:txBody>
+                <a:bodyPr rtlCol="0" anchor="ctr"/>
+                <a:lstStyle/>
+                <a:p>
+                  <a:pPr algn="ctr"/>
+                  <a:endParaRPr lang="en-US"/>
+                </a:p>
+              </p:txBody>
+            </p:sp>
+            <p:cxnSp>
+              <p:nvCxnSpPr>
+                <p:cNvPr id="120" name="Straight Connector 119">
+                  <a:extLst>
+                    <a:ext uri="{FF2B5EF4-FFF2-40B4-BE49-F238E27FC236}">
+                      <a16:creationId xmlns:a16="http://schemas.microsoft.com/office/drawing/2014/main" id="{F59DE13C-F4C9-4F06-8D82-F19A3D73FDA4}"/>
+                    </a:ext>
+                  </a:extLst>
+                </p:cNvPr>
+                <p:cNvCxnSpPr/>
+                <p:nvPr/>
+              </p:nvCxnSpPr>
+              <p:spPr>
+                <a:xfrm>
+                  <a:off x="4110735" y="1033780"/>
+                  <a:ext cx="0" cy="1556506"/>
+                </a:xfrm>
+                <a:prstGeom prst="line">
+                  <a:avLst/>
+                </a:prstGeom>
+                <a:ln w="19050">
+                  <a:solidFill>
+                    <a:schemeClr val="tx1"/>
+                  </a:solidFill>
+                </a:ln>
+              </p:spPr>
+              <p:style>
+                <a:lnRef idx="1">
+                  <a:schemeClr val="accent1"/>
+                </a:lnRef>
+                <a:fillRef idx="0">
+                  <a:schemeClr val="accent1"/>
+                </a:fillRef>
+                <a:effectRef idx="0">
+                  <a:schemeClr val="accent1"/>
+                </a:effectRef>
+                <a:fontRef idx="minor">
+                  <a:schemeClr val="tx1"/>
+                </a:fontRef>
+              </p:style>
+            </p:cxnSp>
+            <p:cxnSp>
+              <p:nvCxnSpPr>
+                <p:cNvPr id="121" name="Straight Connector 120">
+                  <a:extLst>
+                    <a:ext uri="{FF2B5EF4-FFF2-40B4-BE49-F238E27FC236}">
+                      <a16:creationId xmlns:a16="http://schemas.microsoft.com/office/drawing/2014/main" id="{C7B4B408-0CAC-4EDD-BAE9-A9E6FE2A4775}"/>
+                    </a:ext>
+                  </a:extLst>
+                </p:cNvPr>
+                <p:cNvCxnSpPr/>
+                <p:nvPr/>
+              </p:nvCxnSpPr>
+              <p:spPr>
+                <a:xfrm>
+                  <a:off x="4028440" y="1033780"/>
+                  <a:ext cx="0" cy="1556506"/>
+                </a:xfrm>
+                <a:prstGeom prst="line">
+                  <a:avLst/>
+                </a:prstGeom>
+                <a:ln w="19050">
+                  <a:solidFill>
+                    <a:schemeClr val="tx1"/>
+                  </a:solidFill>
+                </a:ln>
+              </p:spPr>
+              <p:style>
+                <a:lnRef idx="1">
+                  <a:schemeClr val="accent1"/>
+                </a:lnRef>
+                <a:fillRef idx="0">
+                  <a:schemeClr val="accent1"/>
+                </a:fillRef>
+                <a:effectRef idx="0">
+                  <a:schemeClr val="accent1"/>
+                </a:effectRef>
+                <a:fontRef idx="minor">
+                  <a:schemeClr val="tx1"/>
+                </a:fontRef>
+              </p:style>
+            </p:cxnSp>
+          </p:grpSp>
           <p:sp>
             <p:nvSpPr>
-              <p:cNvPr id="60" name="Freeform: Shape 59">
+              <p:cNvPr id="122" name="Freeform: Shape 121">
                 <a:extLst>
                   <a:ext uri="{FF2B5EF4-FFF2-40B4-BE49-F238E27FC236}">
-                    <a16:creationId xmlns:a16="http://schemas.microsoft.com/office/drawing/2014/main" id="{79656579-5552-4579-8C09-60301802CD0C}"/>
+                    <a16:creationId xmlns:a16="http://schemas.microsoft.com/office/drawing/2014/main" id="{5BBCA9EE-E08D-4F03-9032-2453ED19E97C}"/>
                   </a:ext>
                 </a:extLst>
               </p:cNvPr>
@@ -4844,9 +8626,9 @@
               <p:nvPr/>
             </p:nvSpPr>
             <p:spPr>
-              <a:xfrm>
-                <a:off x="2238868" y="4890701"/>
-                <a:ext cx="707010" cy="113163"/>
+              <a:xfrm rot="7931013" flipH="1" flipV="1">
+                <a:off x="4446826" y="2360585"/>
+                <a:ext cx="342657" cy="45719"/>
               </a:xfrm>
               <a:custGeom>
                 <a:avLst/>
@@ -4920,9 +8702,9 @@
                 </a:pathLst>
               </a:custGeom>
               <a:noFill/>
-              <a:ln w="9525">
+              <a:ln w="6350">
                 <a:solidFill>
-                  <a:srgbClr val="FF0000"/>
+                  <a:srgbClr val="00B0F0"/>
                 </a:solidFill>
                 <a:headEnd type="none" w="med" len="med"/>
                 <a:tailEnd type="arrow" w="med" len="med"/>
@@ -4955,10 +8737,10 @@
           </p:sp>
           <p:sp>
             <p:nvSpPr>
-              <p:cNvPr id="61" name="Freeform: Shape 60">
+              <p:cNvPr id="123" name="Freeform: Shape 122">
                 <a:extLst>
                   <a:ext uri="{FF2B5EF4-FFF2-40B4-BE49-F238E27FC236}">
-                    <a16:creationId xmlns:a16="http://schemas.microsoft.com/office/drawing/2014/main" id="{59D85B70-CD8C-4ACE-8CAE-582AFC603766}"/>
+                    <a16:creationId xmlns:a16="http://schemas.microsoft.com/office/drawing/2014/main" id="{72EA10B5-D462-4A66-81D8-1840A57AE600}"/>
                   </a:ext>
                 </a:extLst>
               </p:cNvPr>
@@ -4966,9 +8748,9 @@
               <p:nvPr/>
             </p:nvSpPr>
             <p:spPr>
-              <a:xfrm>
-                <a:off x="2230881" y="4417552"/>
-                <a:ext cx="707010" cy="113163"/>
+              <a:xfrm rot="5205043" flipH="1" flipV="1">
+                <a:off x="4642975" y="2419017"/>
+                <a:ext cx="342657" cy="45719"/>
               </a:xfrm>
               <a:custGeom>
                 <a:avLst/>
@@ -5042,9 +8824,9 @@
                 </a:pathLst>
               </a:custGeom>
               <a:noFill/>
-              <a:ln w="9525">
+              <a:ln w="6350">
                 <a:solidFill>
-                  <a:srgbClr val="FF0000"/>
+                  <a:srgbClr val="00B0F0"/>
                 </a:solidFill>
                 <a:headEnd type="none" w="med" len="med"/>
                 <a:tailEnd type="arrow" w="med" len="med"/>
@@ -5077,10 +8859,10 @@
           </p:sp>
           <p:sp>
             <p:nvSpPr>
-              <p:cNvPr id="62" name="Freeform: Shape 61">
+              <p:cNvPr id="124" name="Freeform: Shape 123">
                 <a:extLst>
                   <a:ext uri="{FF2B5EF4-FFF2-40B4-BE49-F238E27FC236}">
-                    <a16:creationId xmlns:a16="http://schemas.microsoft.com/office/drawing/2014/main" id="{D39B3354-61F5-40FA-AE13-DFB8EEAE4C7E}"/>
+                    <a16:creationId xmlns:a16="http://schemas.microsoft.com/office/drawing/2014/main" id="{620CF335-EDCD-4BC1-95A7-610142B0EDD3}"/>
                   </a:ext>
                 </a:extLst>
               </p:cNvPr>
@@ -5088,9 +8870,9 @@
               <p:nvPr/>
             </p:nvSpPr>
             <p:spPr>
-              <a:xfrm>
-                <a:off x="2233496" y="3971120"/>
-                <a:ext cx="707010" cy="113163"/>
+              <a:xfrm rot="2126412" flipH="1" flipV="1">
+                <a:off x="4837552" y="2360583"/>
+                <a:ext cx="342657" cy="45719"/>
               </a:xfrm>
               <a:custGeom>
                 <a:avLst/>
@@ -5164,9 +8946,9 @@
                 </a:pathLst>
               </a:custGeom>
               <a:noFill/>
-              <a:ln w="9525">
+              <a:ln w="6350">
                 <a:solidFill>
-                  <a:srgbClr val="FF0000"/>
+                  <a:srgbClr val="00B0F0"/>
                 </a:solidFill>
                 <a:headEnd type="none" w="med" len="med"/>
                 <a:tailEnd type="arrow" w="med" len="med"/>
@@ -5197,227 +8979,34 @@
               </a:p>
             </p:txBody>
           </p:sp>
-          <p:sp>
-            <p:nvSpPr>
-              <p:cNvPr id="63" name="Freeform: Shape 62">
+          <p:cxnSp>
+            <p:nvCxnSpPr>
+              <p:cNvPr id="125" name="Straight Arrow Connector 124">
                 <a:extLst>
                   <a:ext uri="{FF2B5EF4-FFF2-40B4-BE49-F238E27FC236}">
-                    <a16:creationId xmlns:a16="http://schemas.microsoft.com/office/drawing/2014/main" id="{5E87AC11-C4EE-438A-A8EC-475AE9A19606}"/>
+                    <a16:creationId xmlns:a16="http://schemas.microsoft.com/office/drawing/2014/main" id="{A0D0019B-9528-4B8B-9CEE-D2C4C8E98305}"/>
                   </a:ext>
                 </a:extLst>
               </p:cNvPr>
-              <p:cNvSpPr/>
-              <p:nvPr/>
-            </p:nvSpPr>
-            <p:spPr>
-              <a:xfrm>
-                <a:off x="2234155" y="3471254"/>
-                <a:ext cx="707010" cy="113163"/>
-              </a:xfrm>
-              <a:custGeom>
-                <a:avLst/>
-                <a:gdLst>
-                  <a:gd name="connsiteX0" fmla="*/ 0 w 707010"/>
-                  <a:gd name="connsiteY0" fmla="*/ 277168 h 456318"/>
-                  <a:gd name="connsiteX1" fmla="*/ 179109 w 707010"/>
-                  <a:gd name="connsiteY1" fmla="*/ 3790 h 456318"/>
-                  <a:gd name="connsiteX2" fmla="*/ 311084 w 707010"/>
-                  <a:gd name="connsiteY2" fmla="*/ 456277 h 456318"/>
-                  <a:gd name="connsiteX3" fmla="*/ 471340 w 707010"/>
-                  <a:gd name="connsiteY3" fmla="*/ 32071 h 456318"/>
-                  <a:gd name="connsiteX4" fmla="*/ 612742 w 707010"/>
-                  <a:gd name="connsiteY4" fmla="*/ 296021 h 456318"/>
-                  <a:gd name="connsiteX5" fmla="*/ 707010 w 707010"/>
-                  <a:gd name="connsiteY5" fmla="*/ 314875 h 456318"/>
-                </a:gdLst>
-                <a:ahLst/>
-                <a:cxnLst>
-                  <a:cxn ang="0">
-                    <a:pos x="connsiteX0" y="connsiteY0"/>
-                  </a:cxn>
-                  <a:cxn ang="0">
-                    <a:pos x="connsiteX1" y="connsiteY1"/>
-                  </a:cxn>
-                  <a:cxn ang="0">
-                    <a:pos x="connsiteX2" y="connsiteY2"/>
-                  </a:cxn>
-                  <a:cxn ang="0">
-                    <a:pos x="connsiteX3" y="connsiteY3"/>
-                  </a:cxn>
-                  <a:cxn ang="0">
-                    <a:pos x="connsiteX4" y="connsiteY4"/>
-                  </a:cxn>
-                  <a:cxn ang="0">
-                    <a:pos x="connsiteX5" y="connsiteY5"/>
-                  </a:cxn>
-                </a:cxnLst>
-                <a:rect l="l" t="t" r="r" b="b"/>
-                <a:pathLst>
-                  <a:path w="707010" h="456318">
-                    <a:moveTo>
-                      <a:pt x="0" y="277168"/>
-                    </a:moveTo>
-                    <a:cubicBezTo>
-                      <a:pt x="63631" y="125553"/>
-                      <a:pt x="127262" y="-26061"/>
-                      <a:pt x="179109" y="3790"/>
-                    </a:cubicBezTo>
-                    <a:cubicBezTo>
-                      <a:pt x="230956" y="33641"/>
-                      <a:pt x="262379" y="451564"/>
-                      <a:pt x="311084" y="456277"/>
-                    </a:cubicBezTo>
-                    <a:cubicBezTo>
-                      <a:pt x="359789" y="460991"/>
-                      <a:pt x="421064" y="58780"/>
-                      <a:pt x="471340" y="32071"/>
-                    </a:cubicBezTo>
-                    <a:cubicBezTo>
-                      <a:pt x="521616" y="5362"/>
-                      <a:pt x="573464" y="248887"/>
-                      <a:pt x="612742" y="296021"/>
-                    </a:cubicBezTo>
-                    <a:cubicBezTo>
-                      <a:pt x="652020" y="343155"/>
-                      <a:pt x="642594" y="311733"/>
-                      <a:pt x="707010" y="314875"/>
-                    </a:cubicBezTo>
-                  </a:path>
-                </a:pathLst>
-              </a:custGeom>
-              <a:noFill/>
-              <a:ln w="9525">
-                <a:solidFill>
-                  <a:srgbClr val="FF0000"/>
-                </a:solidFill>
-                <a:headEnd type="none" w="med" len="med"/>
-                <a:tailEnd type="arrow" w="med" len="med"/>
-              </a:ln>
-            </p:spPr>
-            <p:style>
-              <a:lnRef idx="2">
-                <a:schemeClr val="accent1">
-                  <a:shade val="50000"/>
-                </a:schemeClr>
-              </a:lnRef>
-              <a:fillRef idx="1">
-                <a:schemeClr val="accent1"/>
-              </a:fillRef>
-              <a:effectRef idx="0">
-                <a:schemeClr val="accent1"/>
-              </a:effectRef>
-              <a:fontRef idx="minor">
-                <a:schemeClr val="lt1"/>
-              </a:fontRef>
-            </p:style>
-            <p:txBody>
-              <a:bodyPr rtlCol="0" anchor="ctr"/>
-              <a:lstStyle/>
-              <a:p>
-                <a:pPr algn="ctr"/>
-                <a:endParaRPr lang="en-US"/>
-              </a:p>
-            </p:txBody>
-          </p:sp>
-        </p:grpSp>
-        <p:grpSp>
-          <p:nvGrpSpPr>
-            <p:cNvPr id="72" name="Group 71">
-              <a:extLst>
-                <a:ext uri="{FF2B5EF4-FFF2-40B4-BE49-F238E27FC236}">
-                  <a16:creationId xmlns:a16="http://schemas.microsoft.com/office/drawing/2014/main" id="{FEE009C3-680B-46E2-82F0-4FFAF0E288E9}"/>
-                </a:ext>
-              </a:extLst>
-            </p:cNvPr>
-            <p:cNvGrpSpPr/>
-            <p:nvPr/>
-          </p:nvGrpSpPr>
-          <p:grpSpPr>
-            <a:xfrm>
-              <a:off x="3784600" y="1013460"/>
-              <a:ext cx="82295" cy="2739968"/>
-              <a:chOff x="4028440" y="1033780"/>
-              <a:chExt cx="82295" cy="1556506"/>
-            </a:xfrm>
-          </p:grpSpPr>
-          <p:sp>
-            <p:nvSpPr>
-              <p:cNvPr id="65" name="Rectangle 64">
-                <a:extLst>
-                  <a:ext uri="{FF2B5EF4-FFF2-40B4-BE49-F238E27FC236}">
-                    <a16:creationId xmlns:a16="http://schemas.microsoft.com/office/drawing/2014/main" id="{868217F6-9EC6-4E35-9150-7120A688D524}"/>
-                  </a:ext>
-                </a:extLst>
-              </p:cNvPr>
-              <p:cNvSpPr/>
-              <p:nvPr/>
-            </p:nvSpPr>
-            <p:spPr>
-              <a:xfrm>
-                <a:off x="4028440" y="1033780"/>
-                <a:ext cx="82295" cy="1556506"/>
-              </a:xfrm>
-              <a:prstGeom prst="rect">
-                <a:avLst/>
-              </a:prstGeom>
-              <a:solidFill>
-                <a:schemeClr val="bg2">
-                  <a:lumMod val="75000"/>
-                </a:schemeClr>
-              </a:solidFill>
-              <a:ln>
-                <a:noFill/>
-              </a:ln>
-            </p:spPr>
-            <p:style>
-              <a:lnRef idx="2">
-                <a:schemeClr val="accent1">
-                  <a:shade val="50000"/>
-                </a:schemeClr>
-              </a:lnRef>
-              <a:fillRef idx="1">
-                <a:schemeClr val="accent1"/>
-              </a:fillRef>
-              <a:effectRef idx="0">
-                <a:schemeClr val="accent1"/>
-              </a:effectRef>
-              <a:fontRef idx="minor">
-                <a:schemeClr val="lt1"/>
-              </a:fontRef>
-            </p:style>
-            <p:txBody>
-              <a:bodyPr rtlCol="0" anchor="ctr"/>
-              <a:lstStyle/>
-              <a:p>
-                <a:pPr algn="ctr"/>
-                <a:endParaRPr lang="en-US"/>
-              </a:p>
-            </p:txBody>
-          </p:sp>
-          <p:cxnSp>
-            <p:nvCxnSpPr>
-              <p:cNvPr id="67" name="Straight Connector 66">
-                <a:extLst>
-                  <a:ext uri="{FF2B5EF4-FFF2-40B4-BE49-F238E27FC236}">
-                    <a16:creationId xmlns:a16="http://schemas.microsoft.com/office/drawing/2014/main" id="{0F61186D-03F0-48DF-A093-15EB856E9D57}"/>
-                  </a:ext>
-                </a:extLst>
-              </p:cNvPr>
-              <p:cNvCxnSpPr/>
+              <p:cNvCxnSpPr>
+                <a:cxnSpLocks/>
+                <a:stCxn id="117" idx="0"/>
+              </p:cNvCxnSpPr>
               <p:nvPr/>
             </p:nvCxnSpPr>
             <p:spPr>
-              <a:xfrm>
-                <a:off x="4110735" y="1033780"/>
-                <a:ext cx="0" cy="1556506"/>
+              <a:xfrm flipV="1">
+                <a:off x="4805024" y="569446"/>
+                <a:ext cx="0" cy="439780"/>
               </a:xfrm>
-              <a:prstGeom prst="line">
+              <a:prstGeom prst="straightConnector1">
                 <a:avLst/>
               </a:prstGeom>
-              <a:ln w="19050">
+              <a:ln w="28575">
                 <a:solidFill>
-                  <a:schemeClr val="tx1"/>
+                  <a:srgbClr val="00B0F0"/>
                 </a:solidFill>
+                <a:tailEnd type="triangle"/>
               </a:ln>
             </p:spPr>
             <p:style>
@@ -5435,558 +9024,55 @@
               </a:fontRef>
             </p:style>
           </p:cxnSp>
-          <p:cxnSp>
-            <p:nvCxnSpPr>
-              <p:cNvPr id="68" name="Straight Connector 67">
+          <p:sp>
+            <p:nvSpPr>
+              <p:cNvPr id="127" name="TextBox 126">
                 <a:extLst>
                   <a:ext uri="{FF2B5EF4-FFF2-40B4-BE49-F238E27FC236}">
-                    <a16:creationId xmlns:a16="http://schemas.microsoft.com/office/drawing/2014/main" id="{DA2EA3BA-DE5C-4906-AE4E-E67EFB3F6F9D}"/>
+                    <a16:creationId xmlns:a16="http://schemas.microsoft.com/office/drawing/2014/main" id="{87F14E51-438A-45D9-9A0B-8CAF71949AA8}"/>
                   </a:ext>
                 </a:extLst>
               </p:cNvPr>
-              <p:cNvCxnSpPr/>
-              <p:nvPr/>
-            </p:nvCxnSpPr>
-            <p:spPr>
-              <a:xfrm>
-                <a:off x="4028440" y="1033780"/>
-                <a:ext cx="0" cy="1556506"/>
-              </a:xfrm>
-              <a:prstGeom prst="line">
-                <a:avLst/>
-              </a:prstGeom>
-              <a:ln w="19050">
-                <a:solidFill>
-                  <a:schemeClr val="tx1"/>
-                </a:solidFill>
-              </a:ln>
-            </p:spPr>
-            <p:style>
-              <a:lnRef idx="1">
-                <a:schemeClr val="accent1"/>
-              </a:lnRef>
-              <a:fillRef idx="0">
-                <a:schemeClr val="accent1"/>
-              </a:fillRef>
-              <a:effectRef idx="0">
-                <a:schemeClr val="accent1"/>
-              </a:effectRef>
-              <a:fontRef idx="minor">
-                <a:schemeClr val="tx1"/>
-              </a:fontRef>
-            </p:style>
-          </p:cxnSp>
-        </p:grpSp>
-        <p:sp>
-          <p:nvSpPr>
-            <p:cNvPr id="70" name="Freeform: Shape 69">
-              <a:extLst>
-                <a:ext uri="{FF2B5EF4-FFF2-40B4-BE49-F238E27FC236}">
-                  <a16:creationId xmlns:a16="http://schemas.microsoft.com/office/drawing/2014/main" id="{FE9F76F0-1E28-49B4-87EB-9F1EDF1EE002}"/>
-                </a:ext>
-              </a:extLst>
-            </p:cNvPr>
-            <p:cNvSpPr/>
-            <p:nvPr/>
-          </p:nvSpPr>
-          <p:spPr>
-            <a:xfrm rot="10486998" flipH="1" flipV="1">
-              <a:off x="3862833" y="3302145"/>
-              <a:ext cx="342657" cy="45719"/>
-            </a:xfrm>
-            <a:custGeom>
-              <a:avLst/>
-              <a:gdLst>
-                <a:gd name="connsiteX0" fmla="*/ 0 w 707010"/>
-                <a:gd name="connsiteY0" fmla="*/ 277168 h 456318"/>
-                <a:gd name="connsiteX1" fmla="*/ 179109 w 707010"/>
-                <a:gd name="connsiteY1" fmla="*/ 3790 h 456318"/>
-                <a:gd name="connsiteX2" fmla="*/ 311084 w 707010"/>
-                <a:gd name="connsiteY2" fmla="*/ 456277 h 456318"/>
-                <a:gd name="connsiteX3" fmla="*/ 471340 w 707010"/>
-                <a:gd name="connsiteY3" fmla="*/ 32071 h 456318"/>
-                <a:gd name="connsiteX4" fmla="*/ 612742 w 707010"/>
-                <a:gd name="connsiteY4" fmla="*/ 296021 h 456318"/>
-                <a:gd name="connsiteX5" fmla="*/ 707010 w 707010"/>
-                <a:gd name="connsiteY5" fmla="*/ 314875 h 456318"/>
-              </a:gdLst>
-              <a:ahLst/>
-              <a:cxnLst>
-                <a:cxn ang="0">
-                  <a:pos x="connsiteX0" y="connsiteY0"/>
-                </a:cxn>
-                <a:cxn ang="0">
-                  <a:pos x="connsiteX1" y="connsiteY1"/>
-                </a:cxn>
-                <a:cxn ang="0">
-                  <a:pos x="connsiteX2" y="connsiteY2"/>
-                </a:cxn>
-                <a:cxn ang="0">
-                  <a:pos x="connsiteX3" y="connsiteY3"/>
-                </a:cxn>
-                <a:cxn ang="0">
-                  <a:pos x="connsiteX4" y="connsiteY4"/>
-                </a:cxn>
-                <a:cxn ang="0">
-                  <a:pos x="connsiteX5" y="connsiteY5"/>
-                </a:cxn>
-              </a:cxnLst>
-              <a:rect l="l" t="t" r="r" b="b"/>
-              <a:pathLst>
-                <a:path w="707010" h="456318">
-                  <a:moveTo>
-                    <a:pt x="0" y="277168"/>
-                  </a:moveTo>
-                  <a:cubicBezTo>
-                    <a:pt x="63631" y="125553"/>
-                    <a:pt x="127262" y="-26061"/>
-                    <a:pt x="179109" y="3790"/>
-                  </a:cubicBezTo>
-                  <a:cubicBezTo>
-                    <a:pt x="230956" y="33641"/>
-                    <a:pt x="262379" y="451564"/>
-                    <a:pt x="311084" y="456277"/>
-                  </a:cubicBezTo>
-                  <a:cubicBezTo>
-                    <a:pt x="359789" y="460991"/>
-                    <a:pt x="421064" y="58780"/>
-                    <a:pt x="471340" y="32071"/>
-                  </a:cubicBezTo>
-                  <a:cubicBezTo>
-                    <a:pt x="521616" y="5362"/>
-                    <a:pt x="573464" y="248887"/>
-                    <a:pt x="612742" y="296021"/>
-                  </a:cubicBezTo>
-                  <a:cubicBezTo>
-                    <a:pt x="652020" y="343155"/>
-                    <a:pt x="642594" y="311733"/>
-                    <a:pt x="707010" y="314875"/>
-                  </a:cubicBezTo>
-                </a:path>
-              </a:pathLst>
-            </a:custGeom>
-            <a:noFill/>
-            <a:ln w="6350">
-              <a:solidFill>
-                <a:srgbClr val="00B0F0"/>
-              </a:solidFill>
-              <a:headEnd type="none" w="med" len="med"/>
-              <a:tailEnd type="arrow" w="med" len="med"/>
-            </a:ln>
-          </p:spPr>
-          <p:style>
-            <a:lnRef idx="2">
-              <a:schemeClr val="accent1">
-                <a:shade val="50000"/>
-              </a:schemeClr>
-            </a:lnRef>
-            <a:fillRef idx="1">
-              <a:schemeClr val="accent1"/>
-            </a:fillRef>
-            <a:effectRef idx="0">
-              <a:schemeClr val="accent1"/>
-            </a:effectRef>
-            <a:fontRef idx="minor">
-              <a:schemeClr val="lt1"/>
-            </a:fontRef>
-          </p:style>
-          <p:txBody>
-            <a:bodyPr rtlCol="0" anchor="ctr"/>
-            <a:lstStyle/>
-            <a:p>
-              <a:pPr algn="ctr"/>
-              <a:endParaRPr lang="en-US"/>
-            </a:p>
-          </p:txBody>
-        </p:sp>
-        <p:grpSp>
-          <p:nvGrpSpPr>
-            <p:cNvPr id="73" name="Group 72">
-              <a:extLst>
-                <a:ext uri="{FF2B5EF4-FFF2-40B4-BE49-F238E27FC236}">
-                  <a16:creationId xmlns:a16="http://schemas.microsoft.com/office/drawing/2014/main" id="{D71E8256-CA90-4021-94A6-17CC6C76B56B}"/>
-                </a:ext>
-              </a:extLst>
-            </p:cNvPr>
-            <p:cNvGrpSpPr/>
-            <p:nvPr/>
-          </p:nvGrpSpPr>
-          <p:grpSpPr>
-            <a:xfrm>
-              <a:off x="7359875" y="1009226"/>
-              <a:ext cx="82294" cy="3147563"/>
-              <a:chOff x="4028440" y="1033780"/>
-              <a:chExt cx="82295" cy="1556506"/>
-            </a:xfrm>
-          </p:grpSpPr>
-          <p:sp>
-            <p:nvSpPr>
-              <p:cNvPr id="74" name="Rectangle 73">
-                <a:extLst>
-                  <a:ext uri="{FF2B5EF4-FFF2-40B4-BE49-F238E27FC236}">
-                    <a16:creationId xmlns:a16="http://schemas.microsoft.com/office/drawing/2014/main" id="{025086E7-EFDF-4ADE-B8E2-E9434692F08E}"/>
-                  </a:ext>
-                </a:extLst>
-              </p:cNvPr>
-              <p:cNvSpPr/>
+              <p:cNvSpPr txBox="1"/>
               <p:nvPr/>
             </p:nvSpPr>
             <p:spPr>
               <a:xfrm>
-                <a:off x="4028440" y="1033780"/>
-                <a:ext cx="82295" cy="1556506"/>
+                <a:off x="3931677" y="295514"/>
+                <a:ext cx="1746694" cy="276999"/>
               </a:xfrm>
               <a:prstGeom prst="rect">
                 <a:avLst/>
               </a:prstGeom>
-              <a:solidFill>
-                <a:schemeClr val="bg2">
-                  <a:lumMod val="75000"/>
-                </a:schemeClr>
-              </a:solidFill>
-              <a:ln>
-                <a:noFill/>
-              </a:ln>
+              <a:noFill/>
             </p:spPr>
-            <p:style>
-              <a:lnRef idx="2">
-                <a:schemeClr val="accent1">
-                  <a:shade val="50000"/>
-                </a:schemeClr>
-              </a:lnRef>
-              <a:fillRef idx="1">
-                <a:schemeClr val="accent1"/>
-              </a:fillRef>
-              <a:effectRef idx="0">
-                <a:schemeClr val="accent1"/>
-              </a:effectRef>
-              <a:fontRef idx="minor">
-                <a:schemeClr val="lt1"/>
-              </a:fontRef>
-            </p:style>
             <p:txBody>
-              <a:bodyPr rtlCol="0" anchor="ctr"/>
+              <a:bodyPr wrap="square" rtlCol="0">
+                <a:spAutoFit/>
+              </a:bodyPr>
               <a:lstStyle/>
               <a:p>
                 <a:pPr algn="ctr"/>
-                <a:endParaRPr lang="en-US"/>
+                <a:r>
+                  <a:rPr lang="en-US" sz="1200" dirty="0">
+                    <a:solidFill>
+                      <a:srgbClr val="00B0F0"/>
+                    </a:solidFill>
+                    <a:latin typeface="Times New Roman" panose="02020603050405020304" pitchFamily="18" charset="0"/>
+                    <a:cs typeface="Times New Roman" panose="02020603050405020304" pitchFamily="18" charset="0"/>
+                  </a:rPr>
+                  <a:t>Gaseous Oxygen Output</a:t>
+                </a:r>
               </a:p>
             </p:txBody>
           </p:sp>
-          <p:cxnSp>
-            <p:nvCxnSpPr>
-              <p:cNvPr id="75" name="Straight Connector 74">
-                <a:extLst>
-                  <a:ext uri="{FF2B5EF4-FFF2-40B4-BE49-F238E27FC236}">
-                    <a16:creationId xmlns:a16="http://schemas.microsoft.com/office/drawing/2014/main" id="{AE8C4D3D-957A-400B-A4F9-95ABD8292955}"/>
-                  </a:ext>
-                </a:extLst>
-              </p:cNvPr>
-              <p:cNvCxnSpPr/>
-              <p:nvPr/>
-            </p:nvCxnSpPr>
-            <p:spPr>
-              <a:xfrm>
-                <a:off x="4110735" y="1033780"/>
-                <a:ext cx="0" cy="1556506"/>
-              </a:xfrm>
-              <a:prstGeom prst="line">
-                <a:avLst/>
-              </a:prstGeom>
-              <a:ln w="19050">
-                <a:solidFill>
-                  <a:schemeClr val="tx1"/>
-                </a:solidFill>
-              </a:ln>
-            </p:spPr>
-            <p:style>
-              <a:lnRef idx="1">
-                <a:schemeClr val="accent1"/>
-              </a:lnRef>
-              <a:fillRef idx="0">
-                <a:schemeClr val="accent1"/>
-              </a:fillRef>
-              <a:effectRef idx="0">
-                <a:schemeClr val="accent1"/>
-              </a:effectRef>
-              <a:fontRef idx="minor">
-                <a:schemeClr val="tx1"/>
-              </a:fontRef>
-            </p:style>
-          </p:cxnSp>
-          <p:cxnSp>
-            <p:nvCxnSpPr>
-              <p:cNvPr id="76" name="Straight Connector 75">
-                <a:extLst>
-                  <a:ext uri="{FF2B5EF4-FFF2-40B4-BE49-F238E27FC236}">
-                    <a16:creationId xmlns:a16="http://schemas.microsoft.com/office/drawing/2014/main" id="{EE56F7EE-C322-47F0-A9C5-1B1E79D19A00}"/>
-                  </a:ext>
-                </a:extLst>
-              </p:cNvPr>
-              <p:cNvCxnSpPr/>
-              <p:nvPr/>
-            </p:nvCxnSpPr>
-            <p:spPr>
-              <a:xfrm>
-                <a:off x="4028440" y="1033780"/>
-                <a:ext cx="0" cy="1556506"/>
-              </a:xfrm>
-              <a:prstGeom prst="line">
-                <a:avLst/>
-              </a:prstGeom>
-              <a:ln w="19050">
-                <a:solidFill>
-                  <a:schemeClr val="tx1"/>
-                </a:solidFill>
-              </a:ln>
-            </p:spPr>
-            <p:style>
-              <a:lnRef idx="1">
-                <a:schemeClr val="accent1"/>
-              </a:lnRef>
-              <a:fillRef idx="0">
-                <a:schemeClr val="accent1"/>
-              </a:fillRef>
-              <a:effectRef idx="0">
-                <a:schemeClr val="accent1"/>
-              </a:effectRef>
-              <a:fontRef idx="minor">
-                <a:schemeClr val="tx1"/>
-              </a:fontRef>
-            </p:style>
-          </p:cxnSp>
         </p:grpSp>
-        <p:cxnSp>
-          <p:nvCxnSpPr>
-            <p:cNvPr id="78" name="Connector: Curved 77">
+        <p:sp>
+          <p:nvSpPr>
+            <p:cNvPr id="81" name="TextBox 80">
               <a:extLst>
                 <a:ext uri="{FF2B5EF4-FFF2-40B4-BE49-F238E27FC236}">
-                  <a16:creationId xmlns:a16="http://schemas.microsoft.com/office/drawing/2014/main" id="{A4AEBA4F-B7E2-4D60-9332-45A3604E4246}"/>
-                </a:ext>
-              </a:extLst>
-            </p:cNvPr>
-            <p:cNvCxnSpPr>
-              <a:cxnSpLocks/>
-            </p:cNvCxnSpPr>
-            <p:nvPr/>
-          </p:nvCxnSpPr>
-          <p:spPr>
-            <a:xfrm>
-              <a:off x="7401276" y="4156790"/>
-              <a:ext cx="411761" cy="395659"/>
-            </a:xfrm>
-            <a:prstGeom prst="curvedConnector3">
-              <a:avLst>
-                <a:gd name="adj1" fmla="val 20391"/>
-              </a:avLst>
-            </a:prstGeom>
-            <a:ln>
-              <a:solidFill>
-                <a:srgbClr val="00B050"/>
-              </a:solidFill>
-              <a:tailEnd type="triangle"/>
-            </a:ln>
-          </p:spPr>
-          <p:style>
-            <a:lnRef idx="1">
-              <a:schemeClr val="accent1"/>
-            </a:lnRef>
-            <a:fillRef idx="0">
-              <a:schemeClr val="accent1"/>
-            </a:fillRef>
-            <a:effectRef idx="0">
-              <a:schemeClr val="accent1"/>
-            </a:effectRef>
-            <a:fontRef idx="minor">
-              <a:schemeClr val="tx1"/>
-            </a:fontRef>
-          </p:style>
-        </p:cxnSp>
-        <p:cxnSp>
-          <p:nvCxnSpPr>
-            <p:cNvPr id="86" name="Connector: Curved 85">
-              <a:extLst>
-                <a:ext uri="{FF2B5EF4-FFF2-40B4-BE49-F238E27FC236}">
-                  <a16:creationId xmlns:a16="http://schemas.microsoft.com/office/drawing/2014/main" id="{503C4EFC-A307-4D53-A67D-E16BCE10A12F}"/>
-                </a:ext>
-              </a:extLst>
-            </p:cNvPr>
-            <p:cNvCxnSpPr>
-              <a:cxnSpLocks/>
-            </p:cNvCxnSpPr>
-            <p:nvPr/>
-          </p:nvCxnSpPr>
-          <p:spPr>
-            <a:xfrm flipH="1">
-              <a:off x="6995335" y="4137923"/>
-              <a:ext cx="411761" cy="395659"/>
-            </a:xfrm>
-            <a:prstGeom prst="curvedConnector3">
-              <a:avLst>
-                <a:gd name="adj1" fmla="val 20391"/>
-              </a:avLst>
-            </a:prstGeom>
-            <a:ln>
-              <a:solidFill>
-                <a:srgbClr val="00B050"/>
-              </a:solidFill>
-              <a:tailEnd type="triangle"/>
-            </a:ln>
-          </p:spPr>
-          <p:style>
-            <a:lnRef idx="1">
-              <a:schemeClr val="accent1"/>
-            </a:lnRef>
-            <a:fillRef idx="0">
-              <a:schemeClr val="accent1"/>
-            </a:fillRef>
-            <a:effectRef idx="0">
-              <a:schemeClr val="accent1"/>
-            </a:effectRef>
-            <a:fontRef idx="minor">
-              <a:schemeClr val="tx1"/>
-            </a:fontRef>
-          </p:style>
-        </p:cxnSp>
-        <p:cxnSp>
-          <p:nvCxnSpPr>
-            <p:cNvPr id="88" name="Connector: Curved 87">
-              <a:extLst>
-                <a:ext uri="{FF2B5EF4-FFF2-40B4-BE49-F238E27FC236}">
-                  <a16:creationId xmlns:a16="http://schemas.microsoft.com/office/drawing/2014/main" id="{B96A238B-583E-4505-8057-588E50FBE9C0}"/>
-                </a:ext>
-              </a:extLst>
-            </p:cNvPr>
-            <p:cNvCxnSpPr>
-              <a:cxnSpLocks/>
-              <a:stCxn id="74" idx="2"/>
-            </p:cNvCxnSpPr>
-            <p:nvPr/>
-          </p:nvCxnSpPr>
-          <p:spPr>
-            <a:xfrm rot="16200000" flipH="1">
-              <a:off x="7206320" y="4351490"/>
-              <a:ext cx="394779" cy="5375"/>
-            </a:xfrm>
-            <a:prstGeom prst="curvedConnector3">
-              <a:avLst>
-                <a:gd name="adj1" fmla="val 50000"/>
-              </a:avLst>
-            </a:prstGeom>
-            <a:ln>
-              <a:solidFill>
-                <a:srgbClr val="00B050"/>
-              </a:solidFill>
-              <a:tailEnd type="triangle"/>
-            </a:ln>
-          </p:spPr>
-          <p:style>
-            <a:lnRef idx="1">
-              <a:schemeClr val="accent1"/>
-            </a:lnRef>
-            <a:fillRef idx="0">
-              <a:schemeClr val="accent1"/>
-            </a:fillRef>
-            <a:effectRef idx="0">
-              <a:schemeClr val="accent1"/>
-            </a:effectRef>
-            <a:fontRef idx="minor">
-              <a:schemeClr val="tx1"/>
-            </a:fontRef>
-          </p:style>
-        </p:cxnSp>
-        <p:cxnSp>
-          <p:nvCxnSpPr>
-            <p:cNvPr id="92" name="Straight Arrow Connector 91">
-              <a:extLst>
-                <a:ext uri="{FF2B5EF4-FFF2-40B4-BE49-F238E27FC236}">
-                  <a16:creationId xmlns:a16="http://schemas.microsoft.com/office/drawing/2014/main" id="{4DCB1CDB-F033-40AA-8A21-2636709364E6}"/>
-                </a:ext>
-              </a:extLst>
-            </p:cNvPr>
-            <p:cNvCxnSpPr>
-              <a:endCxn id="65" idx="0"/>
-            </p:cNvCxnSpPr>
-            <p:nvPr/>
-          </p:nvCxnSpPr>
-          <p:spPr>
-            <a:xfrm>
-              <a:off x="3825746" y="782320"/>
-              <a:ext cx="2" cy="231140"/>
-            </a:xfrm>
-            <a:prstGeom prst="straightConnector1">
-              <a:avLst/>
-            </a:prstGeom>
-            <a:ln w="28575">
-              <a:solidFill>
-                <a:srgbClr val="00B0F0"/>
-              </a:solidFill>
-              <a:tailEnd type="triangle"/>
-            </a:ln>
-          </p:spPr>
-          <p:style>
-            <a:lnRef idx="1">
-              <a:schemeClr val="accent1"/>
-            </a:lnRef>
-            <a:fillRef idx="0">
-              <a:schemeClr val="accent1"/>
-            </a:fillRef>
-            <a:effectRef idx="0">
-              <a:schemeClr val="accent1"/>
-            </a:effectRef>
-            <a:fontRef idx="minor">
-              <a:schemeClr val="tx1"/>
-            </a:fontRef>
-          </p:style>
-        </p:cxnSp>
-        <p:cxnSp>
-          <p:nvCxnSpPr>
-            <p:cNvPr id="93" name="Straight Arrow Connector 92">
-              <a:extLst>
-                <a:ext uri="{FF2B5EF4-FFF2-40B4-BE49-F238E27FC236}">
-                  <a16:creationId xmlns:a16="http://schemas.microsoft.com/office/drawing/2014/main" id="{8A4B131D-E06C-4269-BCEF-FC1CDB8DE434}"/>
-                </a:ext>
-              </a:extLst>
-            </p:cNvPr>
-            <p:cNvCxnSpPr/>
-            <p:nvPr/>
-          </p:nvCxnSpPr>
-          <p:spPr>
-            <a:xfrm>
-              <a:off x="7401022" y="782320"/>
-              <a:ext cx="2" cy="231140"/>
-            </a:xfrm>
-            <a:prstGeom prst="straightConnector1">
-              <a:avLst/>
-            </a:prstGeom>
-            <a:ln w="28575">
-              <a:solidFill>
-                <a:srgbClr val="00B050"/>
-              </a:solidFill>
-              <a:tailEnd type="triangle"/>
-            </a:ln>
-          </p:spPr>
-          <p:style>
-            <a:lnRef idx="1">
-              <a:schemeClr val="accent1"/>
-            </a:lnRef>
-            <a:fillRef idx="0">
-              <a:schemeClr val="accent1"/>
-            </a:fillRef>
-            <a:effectRef idx="0">
-              <a:schemeClr val="accent1"/>
-            </a:effectRef>
-            <a:fontRef idx="minor">
-              <a:schemeClr val="tx1"/>
-            </a:fontRef>
-          </p:style>
-        </p:cxnSp>
-        <p:sp>
-          <p:nvSpPr>
-            <p:cNvPr id="94" name="TextBox 93">
-              <a:extLst>
-                <a:ext uri="{FF2B5EF4-FFF2-40B4-BE49-F238E27FC236}">
-                  <a16:creationId xmlns:a16="http://schemas.microsoft.com/office/drawing/2014/main" id="{3DEFB653-C809-4F1D-ACEB-9DD9B7DF1AE7}"/>
+                  <a16:creationId xmlns:a16="http://schemas.microsoft.com/office/drawing/2014/main" id="{D3115AEC-E38C-49B0-9162-B3CD66338345}"/>
                 </a:ext>
               </a:extLst>
             </p:cNvPr>
@@ -5995,8 +9081,8 @@
           </p:nvSpPr>
           <p:spPr>
             <a:xfrm>
-              <a:off x="2951846" y="509275"/>
-              <a:ext cx="1746694" cy="276999"/>
+              <a:off x="4052819" y="5548331"/>
+              <a:ext cx="3174915" cy="276999"/>
             </a:xfrm>
             <a:prstGeom prst="rect">
               <a:avLst/>
@@ -6013,3055 +9099,14 @@
               <a:r>
                 <a:rPr lang="en-US" sz="1200" dirty="0">
                   <a:solidFill>
-                    <a:srgbClr val="00B0F0"/>
+                    <a:schemeClr val="bg2">
+                      <a:lumMod val="50000"/>
+                    </a:schemeClr>
                   </a:solidFill>
                   <a:latin typeface="Times New Roman" panose="02020603050405020304" pitchFamily="18" charset="0"/>
                   <a:cs typeface="Times New Roman" panose="02020603050405020304" pitchFamily="18" charset="0"/>
                 </a:rPr>
-                <a:t>Gaseous Oxygen Input</a:t>
-              </a:r>
-            </a:p>
-          </p:txBody>
-        </p:sp>
-        <p:sp>
-          <p:nvSpPr>
-            <p:cNvPr id="95" name="TextBox 94">
-              <a:extLst>
-                <a:ext uri="{FF2B5EF4-FFF2-40B4-BE49-F238E27FC236}">
-                  <a16:creationId xmlns:a16="http://schemas.microsoft.com/office/drawing/2014/main" id="{969CC644-45D3-4578-AE7C-14F0D2FC4EE2}"/>
-                </a:ext>
-              </a:extLst>
-            </p:cNvPr>
-            <p:cNvSpPr txBox="1"/>
-            <p:nvPr/>
-          </p:nvSpPr>
-          <p:spPr>
-            <a:xfrm>
-              <a:off x="6486782" y="521689"/>
-              <a:ext cx="1904092" cy="276999"/>
-            </a:xfrm>
-            <a:prstGeom prst="rect">
-              <a:avLst/>
-            </a:prstGeom>
-            <a:noFill/>
-          </p:spPr>
-          <p:txBody>
-            <a:bodyPr wrap="square" rtlCol="0">
-              <a:spAutoFit/>
-            </a:bodyPr>
-            <a:lstStyle/>
-            <a:p>
-              <a:pPr algn="ctr"/>
-              <a:r>
-                <a:rPr lang="en-US" sz="1200" dirty="0">
-                  <a:solidFill>
-                    <a:srgbClr val="00B050"/>
-                  </a:solidFill>
-                  <a:latin typeface="Times New Roman" panose="02020603050405020304" pitchFamily="18" charset="0"/>
-                  <a:cs typeface="Times New Roman" panose="02020603050405020304" pitchFamily="18" charset="0"/>
-                </a:rPr>
-                <a:t>pH Balance Feed (NH</a:t>
-              </a:r>
-              <a:r>
-                <a:rPr lang="en-US" sz="1200" baseline="-25000" dirty="0">
-                  <a:solidFill>
-                    <a:srgbClr val="00B050"/>
-                  </a:solidFill>
-                  <a:latin typeface="Times New Roman" panose="02020603050405020304" pitchFamily="18" charset="0"/>
-                  <a:cs typeface="Times New Roman" panose="02020603050405020304" pitchFamily="18" charset="0"/>
-                </a:rPr>
-                <a:t>4</a:t>
-              </a:r>
-              <a:r>
-                <a:rPr lang="en-US" sz="1200" dirty="0">
-                  <a:solidFill>
-                    <a:srgbClr val="00B050"/>
-                  </a:solidFill>
-                  <a:latin typeface="Times New Roman" panose="02020603050405020304" pitchFamily="18" charset="0"/>
-                  <a:cs typeface="Times New Roman" panose="02020603050405020304" pitchFamily="18" charset="0"/>
-                </a:rPr>
-                <a:t>OH)</a:t>
-              </a:r>
-            </a:p>
-          </p:txBody>
-        </p:sp>
-        <p:sp>
-          <p:nvSpPr>
-            <p:cNvPr id="96" name="TextBox 95">
-              <a:extLst>
-                <a:ext uri="{FF2B5EF4-FFF2-40B4-BE49-F238E27FC236}">
-                  <a16:creationId xmlns:a16="http://schemas.microsoft.com/office/drawing/2014/main" id="{E5639229-113F-461E-9B2C-F9E23CB7FD1F}"/>
-                </a:ext>
-              </a:extLst>
-            </p:cNvPr>
-            <p:cNvSpPr txBox="1"/>
-            <p:nvPr/>
-          </p:nvSpPr>
-          <p:spPr>
-            <a:xfrm>
-              <a:off x="4716232" y="937434"/>
-              <a:ext cx="1904092" cy="276999"/>
-            </a:xfrm>
-            <a:prstGeom prst="rect">
-              <a:avLst/>
-            </a:prstGeom>
-            <a:noFill/>
-          </p:spPr>
-          <p:txBody>
-            <a:bodyPr wrap="square" rtlCol="0">
-              <a:spAutoFit/>
-            </a:bodyPr>
-            <a:lstStyle/>
-            <a:p>
-              <a:pPr algn="ctr"/>
-              <a:r>
-                <a:rPr lang="en-US" sz="1200" dirty="0">
-                  <a:solidFill>
-                    <a:schemeClr val="accent1"/>
-                  </a:solidFill>
-                  <a:latin typeface="Times New Roman" panose="02020603050405020304" pitchFamily="18" charset="0"/>
-                  <a:cs typeface="Times New Roman" panose="02020603050405020304" pitchFamily="18" charset="0"/>
-                </a:rPr>
-                <a:t>Agitator Motor</a:t>
-              </a:r>
-            </a:p>
-          </p:txBody>
-        </p:sp>
-        <p:sp>
-          <p:nvSpPr>
-            <p:cNvPr id="97" name="TextBox 96">
-              <a:extLst>
-                <a:ext uri="{FF2B5EF4-FFF2-40B4-BE49-F238E27FC236}">
-                  <a16:creationId xmlns:a16="http://schemas.microsoft.com/office/drawing/2014/main" id="{AD41684C-E4B8-46CF-BA4B-4507AA901565}"/>
-                </a:ext>
-              </a:extLst>
-            </p:cNvPr>
-            <p:cNvSpPr txBox="1"/>
-            <p:nvPr/>
-          </p:nvSpPr>
-          <p:spPr>
-            <a:xfrm rot="5400000">
-              <a:off x="7500068" y="4419413"/>
-              <a:ext cx="1904092" cy="276999"/>
-            </a:xfrm>
-            <a:prstGeom prst="rect">
-              <a:avLst/>
-            </a:prstGeom>
-            <a:noFill/>
-          </p:spPr>
-          <p:txBody>
-            <a:bodyPr wrap="square" rtlCol="0">
-              <a:spAutoFit/>
-            </a:bodyPr>
-            <a:lstStyle/>
-            <a:p>
-              <a:pPr algn="ctr"/>
-              <a:r>
-                <a:rPr lang="en-US" sz="1200" dirty="0">
-                  <a:solidFill>
-                    <a:srgbClr val="FF0000"/>
-                  </a:solidFill>
-                  <a:latin typeface="Times New Roman" panose="02020603050405020304" pitchFamily="18" charset="0"/>
-                  <a:cs typeface="Times New Roman" panose="02020603050405020304" pitchFamily="18" charset="0"/>
-                </a:rPr>
-                <a:t>Peltier Heat</a:t>
-              </a:r>
-            </a:p>
-          </p:txBody>
-        </p:sp>
-        <p:sp>
-          <p:nvSpPr>
-            <p:cNvPr id="98" name="TextBox 97">
-              <a:extLst>
-                <a:ext uri="{FF2B5EF4-FFF2-40B4-BE49-F238E27FC236}">
-                  <a16:creationId xmlns:a16="http://schemas.microsoft.com/office/drawing/2014/main" id="{4591192C-EEE2-4914-9D75-64206F464EC5}"/>
-                </a:ext>
-              </a:extLst>
-            </p:cNvPr>
-            <p:cNvSpPr txBox="1"/>
-            <p:nvPr/>
-          </p:nvSpPr>
-          <p:spPr>
-            <a:xfrm rot="16200000">
-              <a:off x="1882402" y="4355053"/>
-              <a:ext cx="1904092" cy="276999"/>
-            </a:xfrm>
-            <a:prstGeom prst="rect">
-              <a:avLst/>
-            </a:prstGeom>
-            <a:noFill/>
-          </p:spPr>
-          <p:txBody>
-            <a:bodyPr wrap="square" rtlCol="0">
-              <a:spAutoFit/>
-            </a:bodyPr>
-            <a:lstStyle/>
-            <a:p>
-              <a:pPr algn="ctr"/>
-              <a:r>
-                <a:rPr lang="en-US" sz="1200" dirty="0">
-                  <a:solidFill>
-                    <a:srgbClr val="FF0000"/>
-                  </a:solidFill>
-                  <a:latin typeface="Times New Roman" panose="02020603050405020304" pitchFamily="18" charset="0"/>
-                  <a:cs typeface="Times New Roman" panose="02020603050405020304" pitchFamily="18" charset="0"/>
-                </a:rPr>
-                <a:t>Peltier Heat</a:t>
-              </a:r>
-            </a:p>
-          </p:txBody>
-        </p:sp>
-        <p:grpSp>
-          <p:nvGrpSpPr>
-            <p:cNvPr id="101" name="Group 100">
-              <a:extLst>
-                <a:ext uri="{FF2B5EF4-FFF2-40B4-BE49-F238E27FC236}">
-                  <a16:creationId xmlns:a16="http://schemas.microsoft.com/office/drawing/2014/main" id="{81F76A85-6DEC-4926-84D2-B6B850242D8E}"/>
-                </a:ext>
-              </a:extLst>
-            </p:cNvPr>
-            <p:cNvGrpSpPr/>
-            <p:nvPr/>
-          </p:nvGrpSpPr>
-          <p:grpSpPr>
-            <a:xfrm>
-              <a:off x="2976142" y="1454699"/>
-              <a:ext cx="472022" cy="1056497"/>
-              <a:chOff x="3219982" y="1475019"/>
-              <a:chExt cx="472022" cy="1056497"/>
-            </a:xfrm>
-          </p:grpSpPr>
-          <p:sp>
-            <p:nvSpPr>
-              <p:cNvPr id="99" name="Freeform: Shape 98">
-                <a:extLst>
-                  <a:ext uri="{FF2B5EF4-FFF2-40B4-BE49-F238E27FC236}">
-                    <a16:creationId xmlns:a16="http://schemas.microsoft.com/office/drawing/2014/main" id="{907E71F0-142F-47A8-B406-FA3D3B01C7AC}"/>
-                  </a:ext>
-                </a:extLst>
-              </p:cNvPr>
-              <p:cNvSpPr/>
-              <p:nvPr/>
-            </p:nvSpPr>
-            <p:spPr>
-              <a:xfrm rot="13738936">
-                <a:off x="2923059" y="2121429"/>
-                <a:ext cx="707010" cy="113163"/>
-              </a:xfrm>
-              <a:custGeom>
-                <a:avLst/>
-                <a:gdLst>
-                  <a:gd name="connsiteX0" fmla="*/ 0 w 707010"/>
-                  <a:gd name="connsiteY0" fmla="*/ 277168 h 456318"/>
-                  <a:gd name="connsiteX1" fmla="*/ 179109 w 707010"/>
-                  <a:gd name="connsiteY1" fmla="*/ 3790 h 456318"/>
-                  <a:gd name="connsiteX2" fmla="*/ 311084 w 707010"/>
-                  <a:gd name="connsiteY2" fmla="*/ 456277 h 456318"/>
-                  <a:gd name="connsiteX3" fmla="*/ 471340 w 707010"/>
-                  <a:gd name="connsiteY3" fmla="*/ 32071 h 456318"/>
-                  <a:gd name="connsiteX4" fmla="*/ 612742 w 707010"/>
-                  <a:gd name="connsiteY4" fmla="*/ 296021 h 456318"/>
-                  <a:gd name="connsiteX5" fmla="*/ 707010 w 707010"/>
-                  <a:gd name="connsiteY5" fmla="*/ 314875 h 456318"/>
-                </a:gdLst>
-                <a:ahLst/>
-                <a:cxnLst>
-                  <a:cxn ang="0">
-                    <a:pos x="connsiteX0" y="connsiteY0"/>
-                  </a:cxn>
-                  <a:cxn ang="0">
-                    <a:pos x="connsiteX1" y="connsiteY1"/>
-                  </a:cxn>
-                  <a:cxn ang="0">
-                    <a:pos x="connsiteX2" y="connsiteY2"/>
-                  </a:cxn>
-                  <a:cxn ang="0">
-                    <a:pos x="connsiteX3" y="connsiteY3"/>
-                  </a:cxn>
-                  <a:cxn ang="0">
-                    <a:pos x="connsiteX4" y="connsiteY4"/>
-                  </a:cxn>
-                  <a:cxn ang="0">
-                    <a:pos x="connsiteX5" y="connsiteY5"/>
-                  </a:cxn>
-                </a:cxnLst>
-                <a:rect l="l" t="t" r="r" b="b"/>
-                <a:pathLst>
-                  <a:path w="707010" h="456318">
-                    <a:moveTo>
-                      <a:pt x="0" y="277168"/>
-                    </a:moveTo>
-                    <a:cubicBezTo>
-                      <a:pt x="63631" y="125553"/>
-                      <a:pt x="127262" y="-26061"/>
-                      <a:pt x="179109" y="3790"/>
-                    </a:cubicBezTo>
-                    <a:cubicBezTo>
-                      <a:pt x="230956" y="33641"/>
-                      <a:pt x="262379" y="451564"/>
-                      <a:pt x="311084" y="456277"/>
-                    </a:cubicBezTo>
-                    <a:cubicBezTo>
-                      <a:pt x="359789" y="460991"/>
-                      <a:pt x="421064" y="58780"/>
-                      <a:pt x="471340" y="32071"/>
-                    </a:cubicBezTo>
-                    <a:cubicBezTo>
-                      <a:pt x="521616" y="5362"/>
-                      <a:pt x="573464" y="248887"/>
-                      <a:pt x="612742" y="296021"/>
-                    </a:cubicBezTo>
-                    <a:cubicBezTo>
-                      <a:pt x="652020" y="343155"/>
-                      <a:pt x="642594" y="311733"/>
-                      <a:pt x="707010" y="314875"/>
-                    </a:cubicBezTo>
-                  </a:path>
-                </a:pathLst>
-              </a:custGeom>
-              <a:noFill/>
-              <a:ln w="19050">
-                <a:solidFill>
-                  <a:schemeClr val="accent2"/>
-                </a:solidFill>
-                <a:headEnd type="none" w="med" len="med"/>
-                <a:tailEnd type="arrow" w="med" len="med"/>
-              </a:ln>
-            </p:spPr>
-            <p:style>
-              <a:lnRef idx="2">
-                <a:schemeClr val="accent1">
-                  <a:shade val="50000"/>
-                </a:schemeClr>
-              </a:lnRef>
-              <a:fillRef idx="1">
-                <a:schemeClr val="accent1"/>
-              </a:fillRef>
-              <a:effectRef idx="0">
-                <a:schemeClr val="accent1"/>
-              </a:effectRef>
-              <a:fontRef idx="minor">
-                <a:schemeClr val="lt1"/>
-              </a:fontRef>
-            </p:style>
-            <p:txBody>
-              <a:bodyPr rtlCol="0" anchor="ctr"/>
-              <a:lstStyle/>
-              <a:p>
-                <a:pPr algn="ctr"/>
-                <a:endParaRPr lang="en-US"/>
-              </a:p>
-            </p:txBody>
-          </p:sp>
-          <p:sp>
-            <p:nvSpPr>
-              <p:cNvPr id="100" name="Freeform: Shape 99">
-                <a:extLst>
-                  <a:ext uri="{FF2B5EF4-FFF2-40B4-BE49-F238E27FC236}">
-                    <a16:creationId xmlns:a16="http://schemas.microsoft.com/office/drawing/2014/main" id="{E8A579E6-CA84-4073-A928-7A4C8710A610}"/>
-                  </a:ext>
-                </a:extLst>
-              </p:cNvPr>
-              <p:cNvSpPr/>
-              <p:nvPr/>
-            </p:nvSpPr>
-            <p:spPr>
-              <a:xfrm rot="14629301">
-                <a:off x="3281918" y="1771942"/>
-                <a:ext cx="707010" cy="113163"/>
-              </a:xfrm>
-              <a:custGeom>
-                <a:avLst/>
-                <a:gdLst>
-                  <a:gd name="connsiteX0" fmla="*/ 0 w 707010"/>
-                  <a:gd name="connsiteY0" fmla="*/ 277168 h 456318"/>
-                  <a:gd name="connsiteX1" fmla="*/ 179109 w 707010"/>
-                  <a:gd name="connsiteY1" fmla="*/ 3790 h 456318"/>
-                  <a:gd name="connsiteX2" fmla="*/ 311084 w 707010"/>
-                  <a:gd name="connsiteY2" fmla="*/ 456277 h 456318"/>
-                  <a:gd name="connsiteX3" fmla="*/ 471340 w 707010"/>
-                  <a:gd name="connsiteY3" fmla="*/ 32071 h 456318"/>
-                  <a:gd name="connsiteX4" fmla="*/ 612742 w 707010"/>
-                  <a:gd name="connsiteY4" fmla="*/ 296021 h 456318"/>
-                  <a:gd name="connsiteX5" fmla="*/ 707010 w 707010"/>
-                  <a:gd name="connsiteY5" fmla="*/ 314875 h 456318"/>
-                </a:gdLst>
-                <a:ahLst/>
-                <a:cxnLst>
-                  <a:cxn ang="0">
-                    <a:pos x="connsiteX0" y="connsiteY0"/>
-                  </a:cxn>
-                  <a:cxn ang="0">
-                    <a:pos x="connsiteX1" y="connsiteY1"/>
-                  </a:cxn>
-                  <a:cxn ang="0">
-                    <a:pos x="connsiteX2" y="connsiteY2"/>
-                  </a:cxn>
-                  <a:cxn ang="0">
-                    <a:pos x="connsiteX3" y="connsiteY3"/>
-                  </a:cxn>
-                  <a:cxn ang="0">
-                    <a:pos x="connsiteX4" y="connsiteY4"/>
-                  </a:cxn>
-                  <a:cxn ang="0">
-                    <a:pos x="connsiteX5" y="connsiteY5"/>
-                  </a:cxn>
-                </a:cxnLst>
-                <a:rect l="l" t="t" r="r" b="b"/>
-                <a:pathLst>
-                  <a:path w="707010" h="456318">
-                    <a:moveTo>
-                      <a:pt x="0" y="277168"/>
-                    </a:moveTo>
-                    <a:cubicBezTo>
-                      <a:pt x="63631" y="125553"/>
-                      <a:pt x="127262" y="-26061"/>
-                      <a:pt x="179109" y="3790"/>
-                    </a:cubicBezTo>
-                    <a:cubicBezTo>
-                      <a:pt x="230956" y="33641"/>
-                      <a:pt x="262379" y="451564"/>
-                      <a:pt x="311084" y="456277"/>
-                    </a:cubicBezTo>
-                    <a:cubicBezTo>
-                      <a:pt x="359789" y="460991"/>
-                      <a:pt x="421064" y="58780"/>
-                      <a:pt x="471340" y="32071"/>
-                    </a:cubicBezTo>
-                    <a:cubicBezTo>
-                      <a:pt x="521616" y="5362"/>
-                      <a:pt x="573464" y="248887"/>
-                      <a:pt x="612742" y="296021"/>
-                    </a:cubicBezTo>
-                    <a:cubicBezTo>
-                      <a:pt x="652020" y="343155"/>
-                      <a:pt x="642594" y="311733"/>
-                      <a:pt x="707010" y="314875"/>
-                    </a:cubicBezTo>
-                  </a:path>
-                </a:pathLst>
-              </a:custGeom>
-              <a:noFill/>
-              <a:ln w="19050">
-                <a:solidFill>
-                  <a:schemeClr val="accent2"/>
-                </a:solidFill>
-                <a:headEnd type="none" w="med" len="med"/>
-                <a:tailEnd type="arrow" w="med" len="med"/>
-              </a:ln>
-            </p:spPr>
-            <p:style>
-              <a:lnRef idx="2">
-                <a:schemeClr val="accent1">
-                  <a:shade val="50000"/>
-                </a:schemeClr>
-              </a:lnRef>
-              <a:fillRef idx="1">
-                <a:schemeClr val="accent1"/>
-              </a:fillRef>
-              <a:effectRef idx="0">
-                <a:schemeClr val="accent1"/>
-              </a:effectRef>
-              <a:fontRef idx="minor">
-                <a:schemeClr val="lt1"/>
-              </a:fontRef>
-            </p:style>
-            <p:txBody>
-              <a:bodyPr rtlCol="0" anchor="ctr"/>
-              <a:lstStyle/>
-              <a:p>
-                <a:pPr algn="ctr"/>
-                <a:endParaRPr lang="en-US"/>
-              </a:p>
-            </p:txBody>
-          </p:sp>
-        </p:grpSp>
-        <p:grpSp>
-          <p:nvGrpSpPr>
-            <p:cNvPr id="102" name="Group 101">
-              <a:extLst>
-                <a:ext uri="{FF2B5EF4-FFF2-40B4-BE49-F238E27FC236}">
-                  <a16:creationId xmlns:a16="http://schemas.microsoft.com/office/drawing/2014/main" id="{D0B27053-F4AE-4C04-B046-7AA06E96D5F9}"/>
-                </a:ext>
-              </a:extLst>
-            </p:cNvPr>
-            <p:cNvGrpSpPr/>
-            <p:nvPr/>
-          </p:nvGrpSpPr>
-          <p:grpSpPr>
-            <a:xfrm flipH="1">
-              <a:off x="7859992" y="1472230"/>
-              <a:ext cx="472022" cy="1056497"/>
-              <a:chOff x="3219982" y="1475019"/>
-              <a:chExt cx="472022" cy="1056497"/>
-            </a:xfrm>
-          </p:grpSpPr>
-          <p:sp>
-            <p:nvSpPr>
-              <p:cNvPr id="103" name="Freeform: Shape 102">
-                <a:extLst>
-                  <a:ext uri="{FF2B5EF4-FFF2-40B4-BE49-F238E27FC236}">
-                    <a16:creationId xmlns:a16="http://schemas.microsoft.com/office/drawing/2014/main" id="{F29A3E11-9C3D-4846-B610-76D20EECA6DF}"/>
-                  </a:ext>
-                </a:extLst>
-              </p:cNvPr>
-              <p:cNvSpPr/>
-              <p:nvPr/>
-            </p:nvSpPr>
-            <p:spPr>
-              <a:xfrm rot="13738936">
-                <a:off x="2923059" y="2121429"/>
-                <a:ext cx="707010" cy="113163"/>
-              </a:xfrm>
-              <a:custGeom>
-                <a:avLst/>
-                <a:gdLst>
-                  <a:gd name="connsiteX0" fmla="*/ 0 w 707010"/>
-                  <a:gd name="connsiteY0" fmla="*/ 277168 h 456318"/>
-                  <a:gd name="connsiteX1" fmla="*/ 179109 w 707010"/>
-                  <a:gd name="connsiteY1" fmla="*/ 3790 h 456318"/>
-                  <a:gd name="connsiteX2" fmla="*/ 311084 w 707010"/>
-                  <a:gd name="connsiteY2" fmla="*/ 456277 h 456318"/>
-                  <a:gd name="connsiteX3" fmla="*/ 471340 w 707010"/>
-                  <a:gd name="connsiteY3" fmla="*/ 32071 h 456318"/>
-                  <a:gd name="connsiteX4" fmla="*/ 612742 w 707010"/>
-                  <a:gd name="connsiteY4" fmla="*/ 296021 h 456318"/>
-                  <a:gd name="connsiteX5" fmla="*/ 707010 w 707010"/>
-                  <a:gd name="connsiteY5" fmla="*/ 314875 h 456318"/>
-                </a:gdLst>
-                <a:ahLst/>
-                <a:cxnLst>
-                  <a:cxn ang="0">
-                    <a:pos x="connsiteX0" y="connsiteY0"/>
-                  </a:cxn>
-                  <a:cxn ang="0">
-                    <a:pos x="connsiteX1" y="connsiteY1"/>
-                  </a:cxn>
-                  <a:cxn ang="0">
-                    <a:pos x="connsiteX2" y="connsiteY2"/>
-                  </a:cxn>
-                  <a:cxn ang="0">
-                    <a:pos x="connsiteX3" y="connsiteY3"/>
-                  </a:cxn>
-                  <a:cxn ang="0">
-                    <a:pos x="connsiteX4" y="connsiteY4"/>
-                  </a:cxn>
-                  <a:cxn ang="0">
-                    <a:pos x="connsiteX5" y="connsiteY5"/>
-                  </a:cxn>
-                </a:cxnLst>
-                <a:rect l="l" t="t" r="r" b="b"/>
-                <a:pathLst>
-                  <a:path w="707010" h="456318">
-                    <a:moveTo>
-                      <a:pt x="0" y="277168"/>
-                    </a:moveTo>
-                    <a:cubicBezTo>
-                      <a:pt x="63631" y="125553"/>
-                      <a:pt x="127262" y="-26061"/>
-                      <a:pt x="179109" y="3790"/>
-                    </a:cubicBezTo>
-                    <a:cubicBezTo>
-                      <a:pt x="230956" y="33641"/>
-                      <a:pt x="262379" y="451564"/>
-                      <a:pt x="311084" y="456277"/>
-                    </a:cubicBezTo>
-                    <a:cubicBezTo>
-                      <a:pt x="359789" y="460991"/>
-                      <a:pt x="421064" y="58780"/>
-                      <a:pt x="471340" y="32071"/>
-                    </a:cubicBezTo>
-                    <a:cubicBezTo>
-                      <a:pt x="521616" y="5362"/>
-                      <a:pt x="573464" y="248887"/>
-                      <a:pt x="612742" y="296021"/>
-                    </a:cubicBezTo>
-                    <a:cubicBezTo>
-                      <a:pt x="652020" y="343155"/>
-                      <a:pt x="642594" y="311733"/>
-                      <a:pt x="707010" y="314875"/>
-                    </a:cubicBezTo>
-                  </a:path>
-                </a:pathLst>
-              </a:custGeom>
-              <a:noFill/>
-              <a:ln w="19050">
-                <a:solidFill>
-                  <a:schemeClr val="accent2"/>
-                </a:solidFill>
-                <a:headEnd type="none" w="med" len="med"/>
-                <a:tailEnd type="arrow" w="med" len="med"/>
-              </a:ln>
-            </p:spPr>
-            <p:style>
-              <a:lnRef idx="2">
-                <a:schemeClr val="accent1">
-                  <a:shade val="50000"/>
-                </a:schemeClr>
-              </a:lnRef>
-              <a:fillRef idx="1">
-                <a:schemeClr val="accent1"/>
-              </a:fillRef>
-              <a:effectRef idx="0">
-                <a:schemeClr val="accent1"/>
-              </a:effectRef>
-              <a:fontRef idx="minor">
-                <a:schemeClr val="lt1"/>
-              </a:fontRef>
-            </p:style>
-            <p:txBody>
-              <a:bodyPr rtlCol="0" anchor="ctr"/>
-              <a:lstStyle/>
-              <a:p>
-                <a:pPr algn="ctr"/>
-                <a:endParaRPr lang="en-US"/>
-              </a:p>
-            </p:txBody>
-          </p:sp>
-          <p:sp>
-            <p:nvSpPr>
-              <p:cNvPr id="104" name="Freeform: Shape 103">
-                <a:extLst>
-                  <a:ext uri="{FF2B5EF4-FFF2-40B4-BE49-F238E27FC236}">
-                    <a16:creationId xmlns:a16="http://schemas.microsoft.com/office/drawing/2014/main" id="{7764E822-2FFF-4119-830D-FA56C18217BF}"/>
-                  </a:ext>
-                </a:extLst>
-              </p:cNvPr>
-              <p:cNvSpPr/>
-              <p:nvPr/>
-            </p:nvSpPr>
-            <p:spPr>
-              <a:xfrm rot="14629301">
-                <a:off x="3281918" y="1771942"/>
-                <a:ext cx="707010" cy="113163"/>
-              </a:xfrm>
-              <a:custGeom>
-                <a:avLst/>
-                <a:gdLst>
-                  <a:gd name="connsiteX0" fmla="*/ 0 w 707010"/>
-                  <a:gd name="connsiteY0" fmla="*/ 277168 h 456318"/>
-                  <a:gd name="connsiteX1" fmla="*/ 179109 w 707010"/>
-                  <a:gd name="connsiteY1" fmla="*/ 3790 h 456318"/>
-                  <a:gd name="connsiteX2" fmla="*/ 311084 w 707010"/>
-                  <a:gd name="connsiteY2" fmla="*/ 456277 h 456318"/>
-                  <a:gd name="connsiteX3" fmla="*/ 471340 w 707010"/>
-                  <a:gd name="connsiteY3" fmla="*/ 32071 h 456318"/>
-                  <a:gd name="connsiteX4" fmla="*/ 612742 w 707010"/>
-                  <a:gd name="connsiteY4" fmla="*/ 296021 h 456318"/>
-                  <a:gd name="connsiteX5" fmla="*/ 707010 w 707010"/>
-                  <a:gd name="connsiteY5" fmla="*/ 314875 h 456318"/>
-                </a:gdLst>
-                <a:ahLst/>
-                <a:cxnLst>
-                  <a:cxn ang="0">
-                    <a:pos x="connsiteX0" y="connsiteY0"/>
-                  </a:cxn>
-                  <a:cxn ang="0">
-                    <a:pos x="connsiteX1" y="connsiteY1"/>
-                  </a:cxn>
-                  <a:cxn ang="0">
-                    <a:pos x="connsiteX2" y="connsiteY2"/>
-                  </a:cxn>
-                  <a:cxn ang="0">
-                    <a:pos x="connsiteX3" y="connsiteY3"/>
-                  </a:cxn>
-                  <a:cxn ang="0">
-                    <a:pos x="connsiteX4" y="connsiteY4"/>
-                  </a:cxn>
-                  <a:cxn ang="0">
-                    <a:pos x="connsiteX5" y="connsiteY5"/>
-                  </a:cxn>
-                </a:cxnLst>
-                <a:rect l="l" t="t" r="r" b="b"/>
-                <a:pathLst>
-                  <a:path w="707010" h="456318">
-                    <a:moveTo>
-                      <a:pt x="0" y="277168"/>
-                    </a:moveTo>
-                    <a:cubicBezTo>
-                      <a:pt x="63631" y="125553"/>
-                      <a:pt x="127262" y="-26061"/>
-                      <a:pt x="179109" y="3790"/>
-                    </a:cubicBezTo>
-                    <a:cubicBezTo>
-                      <a:pt x="230956" y="33641"/>
-                      <a:pt x="262379" y="451564"/>
-                      <a:pt x="311084" y="456277"/>
-                    </a:cubicBezTo>
-                    <a:cubicBezTo>
-                      <a:pt x="359789" y="460991"/>
-                      <a:pt x="421064" y="58780"/>
-                      <a:pt x="471340" y="32071"/>
-                    </a:cubicBezTo>
-                    <a:cubicBezTo>
-                      <a:pt x="521616" y="5362"/>
-                      <a:pt x="573464" y="248887"/>
-                      <a:pt x="612742" y="296021"/>
-                    </a:cubicBezTo>
-                    <a:cubicBezTo>
-                      <a:pt x="652020" y="343155"/>
-                      <a:pt x="642594" y="311733"/>
-                      <a:pt x="707010" y="314875"/>
-                    </a:cubicBezTo>
-                  </a:path>
-                </a:pathLst>
-              </a:custGeom>
-              <a:noFill/>
-              <a:ln w="19050">
-                <a:solidFill>
-                  <a:schemeClr val="accent2"/>
-                </a:solidFill>
-                <a:headEnd type="none" w="med" len="med"/>
-                <a:tailEnd type="arrow" w="med" len="med"/>
-              </a:ln>
-            </p:spPr>
-            <p:style>
-              <a:lnRef idx="2">
-                <a:schemeClr val="accent1">
-                  <a:shade val="50000"/>
-                </a:schemeClr>
-              </a:lnRef>
-              <a:fillRef idx="1">
-                <a:schemeClr val="accent1"/>
-              </a:fillRef>
-              <a:effectRef idx="0">
-                <a:schemeClr val="accent1"/>
-              </a:effectRef>
-              <a:fontRef idx="minor">
-                <a:schemeClr val="lt1"/>
-              </a:fontRef>
-            </p:style>
-            <p:txBody>
-              <a:bodyPr rtlCol="0" anchor="ctr"/>
-              <a:lstStyle/>
-              <a:p>
-                <a:pPr algn="ctr"/>
-                <a:endParaRPr lang="en-US"/>
-              </a:p>
-            </p:txBody>
-          </p:sp>
-        </p:grpSp>
-        <p:sp>
-          <p:nvSpPr>
-            <p:cNvPr id="105" name="TextBox 104">
-              <a:extLst>
-                <a:ext uri="{FF2B5EF4-FFF2-40B4-BE49-F238E27FC236}">
-                  <a16:creationId xmlns:a16="http://schemas.microsoft.com/office/drawing/2014/main" id="{6470C4F3-3468-4B33-A0AA-8C6509405460}"/>
-                </a:ext>
-              </a:extLst>
-            </p:cNvPr>
-            <p:cNvSpPr txBox="1"/>
-            <p:nvPr/>
-          </p:nvSpPr>
-          <p:spPr>
-            <a:xfrm rot="19414378">
-              <a:off x="1842695" y="1490469"/>
-              <a:ext cx="1904092" cy="276999"/>
-            </a:xfrm>
-            <a:prstGeom prst="rect">
-              <a:avLst/>
-            </a:prstGeom>
-            <a:noFill/>
-          </p:spPr>
-          <p:txBody>
-            <a:bodyPr wrap="square" rtlCol="0">
-              <a:spAutoFit/>
-            </a:bodyPr>
-            <a:lstStyle/>
-            <a:p>
-              <a:pPr algn="ctr"/>
-              <a:r>
-                <a:rPr lang="en-US" sz="1200" dirty="0">
-                  <a:solidFill>
-                    <a:schemeClr val="accent2"/>
-                  </a:solidFill>
-                  <a:latin typeface="Times New Roman" panose="02020603050405020304" pitchFamily="18" charset="0"/>
-                  <a:cs typeface="Times New Roman" panose="02020603050405020304" pitchFamily="18" charset="0"/>
-                </a:rPr>
-                <a:t>Environmental Heat Loss</a:t>
-              </a:r>
-            </a:p>
-          </p:txBody>
-        </p:sp>
-        <p:sp>
-          <p:nvSpPr>
-            <p:cNvPr id="106" name="TextBox 105">
-              <a:extLst>
-                <a:ext uri="{FF2B5EF4-FFF2-40B4-BE49-F238E27FC236}">
-                  <a16:creationId xmlns:a16="http://schemas.microsoft.com/office/drawing/2014/main" id="{F49FDA9D-147E-4BC6-A536-F1A68ABDC69A}"/>
-                </a:ext>
-              </a:extLst>
-            </p:cNvPr>
-            <p:cNvSpPr txBox="1"/>
-            <p:nvPr/>
-          </p:nvSpPr>
-          <p:spPr>
-            <a:xfrm rot="2462155">
-              <a:off x="7531736" y="1528454"/>
-              <a:ext cx="1904092" cy="276999"/>
-            </a:xfrm>
-            <a:prstGeom prst="rect">
-              <a:avLst/>
-            </a:prstGeom>
-            <a:noFill/>
-          </p:spPr>
-          <p:txBody>
-            <a:bodyPr wrap="square" rtlCol="0">
-              <a:spAutoFit/>
-            </a:bodyPr>
-            <a:lstStyle/>
-            <a:p>
-              <a:pPr algn="ctr"/>
-              <a:r>
-                <a:rPr lang="en-US" sz="1200" dirty="0">
-                  <a:solidFill>
-                    <a:schemeClr val="accent2"/>
-                  </a:solidFill>
-                  <a:latin typeface="Times New Roman" panose="02020603050405020304" pitchFamily="18" charset="0"/>
-                  <a:cs typeface="Times New Roman" panose="02020603050405020304" pitchFamily="18" charset="0"/>
-                </a:rPr>
-                <a:t>Environmental Heat Loss</a:t>
-              </a:r>
-            </a:p>
-          </p:txBody>
-        </p:sp>
-        <p:grpSp>
-          <p:nvGrpSpPr>
-            <p:cNvPr id="112" name="Group 111">
-              <a:extLst>
-                <a:ext uri="{FF2B5EF4-FFF2-40B4-BE49-F238E27FC236}">
-                  <a16:creationId xmlns:a16="http://schemas.microsoft.com/office/drawing/2014/main" id="{8F38AE0D-CFA6-4619-B118-C3603DE815FB}"/>
-                </a:ext>
-              </a:extLst>
-            </p:cNvPr>
-            <p:cNvGrpSpPr/>
-            <p:nvPr/>
-          </p:nvGrpSpPr>
-          <p:grpSpPr>
-            <a:xfrm>
-              <a:off x="3965072" y="3977583"/>
-              <a:ext cx="1069802" cy="948922"/>
-              <a:chOff x="3965072" y="3977583"/>
-              <a:chExt cx="1069802" cy="948922"/>
-            </a:xfrm>
-          </p:grpSpPr>
-          <p:sp>
-            <p:nvSpPr>
-              <p:cNvPr id="109" name="Freeform: Shape 108">
-                <a:extLst>
-                  <a:ext uri="{FF2B5EF4-FFF2-40B4-BE49-F238E27FC236}">
-                    <a16:creationId xmlns:a16="http://schemas.microsoft.com/office/drawing/2014/main" id="{56B21AD3-F659-4512-AC8B-9622BF4D000C}"/>
-                  </a:ext>
-                </a:extLst>
-              </p:cNvPr>
-              <p:cNvSpPr/>
-              <p:nvPr/>
-            </p:nvSpPr>
-            <p:spPr>
-              <a:xfrm rot="14194995" flipV="1">
-                <a:off x="3818959" y="4734672"/>
-                <a:ext cx="337946" cy="45719"/>
-              </a:xfrm>
-              <a:custGeom>
-                <a:avLst/>
-                <a:gdLst>
-                  <a:gd name="connsiteX0" fmla="*/ 0 w 707010"/>
-                  <a:gd name="connsiteY0" fmla="*/ 277168 h 456318"/>
-                  <a:gd name="connsiteX1" fmla="*/ 179109 w 707010"/>
-                  <a:gd name="connsiteY1" fmla="*/ 3790 h 456318"/>
-                  <a:gd name="connsiteX2" fmla="*/ 311084 w 707010"/>
-                  <a:gd name="connsiteY2" fmla="*/ 456277 h 456318"/>
-                  <a:gd name="connsiteX3" fmla="*/ 471340 w 707010"/>
-                  <a:gd name="connsiteY3" fmla="*/ 32071 h 456318"/>
-                  <a:gd name="connsiteX4" fmla="*/ 612742 w 707010"/>
-                  <a:gd name="connsiteY4" fmla="*/ 296021 h 456318"/>
-                  <a:gd name="connsiteX5" fmla="*/ 707010 w 707010"/>
-                  <a:gd name="connsiteY5" fmla="*/ 314875 h 456318"/>
-                </a:gdLst>
-                <a:ahLst/>
-                <a:cxnLst>
-                  <a:cxn ang="0">
-                    <a:pos x="connsiteX0" y="connsiteY0"/>
-                  </a:cxn>
-                  <a:cxn ang="0">
-                    <a:pos x="connsiteX1" y="connsiteY1"/>
-                  </a:cxn>
-                  <a:cxn ang="0">
-                    <a:pos x="connsiteX2" y="connsiteY2"/>
-                  </a:cxn>
-                  <a:cxn ang="0">
-                    <a:pos x="connsiteX3" y="connsiteY3"/>
-                  </a:cxn>
-                  <a:cxn ang="0">
-                    <a:pos x="connsiteX4" y="connsiteY4"/>
-                  </a:cxn>
-                  <a:cxn ang="0">
-                    <a:pos x="connsiteX5" y="connsiteY5"/>
-                  </a:cxn>
-                </a:cxnLst>
-                <a:rect l="l" t="t" r="r" b="b"/>
-                <a:pathLst>
-                  <a:path w="707010" h="456318">
-                    <a:moveTo>
-                      <a:pt x="0" y="277168"/>
-                    </a:moveTo>
-                    <a:cubicBezTo>
-                      <a:pt x="63631" y="125553"/>
-                      <a:pt x="127262" y="-26061"/>
-                      <a:pt x="179109" y="3790"/>
-                    </a:cubicBezTo>
-                    <a:cubicBezTo>
-                      <a:pt x="230956" y="33641"/>
-                      <a:pt x="262379" y="451564"/>
-                      <a:pt x="311084" y="456277"/>
-                    </a:cubicBezTo>
-                    <a:cubicBezTo>
-                      <a:pt x="359789" y="460991"/>
-                      <a:pt x="421064" y="58780"/>
-                      <a:pt x="471340" y="32071"/>
-                    </a:cubicBezTo>
-                    <a:cubicBezTo>
-                      <a:pt x="521616" y="5362"/>
-                      <a:pt x="573464" y="248887"/>
-                      <a:pt x="612742" y="296021"/>
-                    </a:cubicBezTo>
-                    <a:cubicBezTo>
-                      <a:pt x="652020" y="343155"/>
-                      <a:pt x="642594" y="311733"/>
-                      <a:pt x="707010" y="314875"/>
-                    </a:cubicBezTo>
-                  </a:path>
-                </a:pathLst>
-              </a:custGeom>
-              <a:noFill/>
-              <a:ln w="9525">
-                <a:solidFill>
-                  <a:srgbClr val="FF0000"/>
-                </a:solidFill>
-                <a:headEnd type="none" w="med" len="med"/>
-                <a:tailEnd type="arrow" w="med" len="med"/>
-              </a:ln>
-            </p:spPr>
-            <p:style>
-              <a:lnRef idx="2">
-                <a:schemeClr val="accent1">
-                  <a:shade val="50000"/>
-                </a:schemeClr>
-              </a:lnRef>
-              <a:fillRef idx="1">
-                <a:schemeClr val="accent1"/>
-              </a:fillRef>
-              <a:effectRef idx="0">
-                <a:schemeClr val="accent1"/>
-              </a:effectRef>
-              <a:fontRef idx="minor">
-                <a:schemeClr val="lt1"/>
-              </a:fontRef>
-            </p:style>
-            <p:txBody>
-              <a:bodyPr rtlCol="0" anchor="ctr"/>
-              <a:lstStyle/>
-              <a:p>
-                <a:pPr algn="ctr"/>
-                <a:endParaRPr lang="en-US"/>
-              </a:p>
-            </p:txBody>
-          </p:sp>
-          <p:sp>
-            <p:nvSpPr>
-              <p:cNvPr id="110" name="Freeform: Shape 109">
-                <a:extLst>
-                  <a:ext uri="{FF2B5EF4-FFF2-40B4-BE49-F238E27FC236}">
-                    <a16:creationId xmlns:a16="http://schemas.microsoft.com/office/drawing/2014/main" id="{86A4A932-4633-4919-91B8-D1731E308FDC}"/>
-                  </a:ext>
-                </a:extLst>
-              </p:cNvPr>
-              <p:cNvSpPr/>
-              <p:nvPr/>
-            </p:nvSpPr>
-            <p:spPr>
-              <a:xfrm rot="14194995" flipV="1">
-                <a:off x="4323292" y="4430955"/>
-                <a:ext cx="337946" cy="45719"/>
-              </a:xfrm>
-              <a:custGeom>
-                <a:avLst/>
-                <a:gdLst>
-                  <a:gd name="connsiteX0" fmla="*/ 0 w 707010"/>
-                  <a:gd name="connsiteY0" fmla="*/ 277168 h 456318"/>
-                  <a:gd name="connsiteX1" fmla="*/ 179109 w 707010"/>
-                  <a:gd name="connsiteY1" fmla="*/ 3790 h 456318"/>
-                  <a:gd name="connsiteX2" fmla="*/ 311084 w 707010"/>
-                  <a:gd name="connsiteY2" fmla="*/ 456277 h 456318"/>
-                  <a:gd name="connsiteX3" fmla="*/ 471340 w 707010"/>
-                  <a:gd name="connsiteY3" fmla="*/ 32071 h 456318"/>
-                  <a:gd name="connsiteX4" fmla="*/ 612742 w 707010"/>
-                  <a:gd name="connsiteY4" fmla="*/ 296021 h 456318"/>
-                  <a:gd name="connsiteX5" fmla="*/ 707010 w 707010"/>
-                  <a:gd name="connsiteY5" fmla="*/ 314875 h 456318"/>
-                </a:gdLst>
-                <a:ahLst/>
-                <a:cxnLst>
-                  <a:cxn ang="0">
-                    <a:pos x="connsiteX0" y="connsiteY0"/>
-                  </a:cxn>
-                  <a:cxn ang="0">
-                    <a:pos x="connsiteX1" y="connsiteY1"/>
-                  </a:cxn>
-                  <a:cxn ang="0">
-                    <a:pos x="connsiteX2" y="connsiteY2"/>
-                  </a:cxn>
-                  <a:cxn ang="0">
-                    <a:pos x="connsiteX3" y="connsiteY3"/>
-                  </a:cxn>
-                  <a:cxn ang="0">
-                    <a:pos x="connsiteX4" y="connsiteY4"/>
-                  </a:cxn>
-                  <a:cxn ang="0">
-                    <a:pos x="connsiteX5" y="connsiteY5"/>
-                  </a:cxn>
-                </a:cxnLst>
-                <a:rect l="l" t="t" r="r" b="b"/>
-                <a:pathLst>
-                  <a:path w="707010" h="456318">
-                    <a:moveTo>
-                      <a:pt x="0" y="277168"/>
-                    </a:moveTo>
-                    <a:cubicBezTo>
-                      <a:pt x="63631" y="125553"/>
-                      <a:pt x="127262" y="-26061"/>
-                      <a:pt x="179109" y="3790"/>
-                    </a:cubicBezTo>
-                    <a:cubicBezTo>
-                      <a:pt x="230956" y="33641"/>
-                      <a:pt x="262379" y="451564"/>
-                      <a:pt x="311084" y="456277"/>
-                    </a:cubicBezTo>
-                    <a:cubicBezTo>
-                      <a:pt x="359789" y="460991"/>
-                      <a:pt x="421064" y="58780"/>
-                      <a:pt x="471340" y="32071"/>
-                    </a:cubicBezTo>
-                    <a:cubicBezTo>
-                      <a:pt x="521616" y="5362"/>
-                      <a:pt x="573464" y="248887"/>
-                      <a:pt x="612742" y="296021"/>
-                    </a:cubicBezTo>
-                    <a:cubicBezTo>
-                      <a:pt x="652020" y="343155"/>
-                      <a:pt x="642594" y="311733"/>
-                      <a:pt x="707010" y="314875"/>
-                    </a:cubicBezTo>
-                  </a:path>
-                </a:pathLst>
-              </a:custGeom>
-              <a:noFill/>
-              <a:ln w="9525">
-                <a:solidFill>
-                  <a:srgbClr val="FF0000"/>
-                </a:solidFill>
-                <a:headEnd type="none" w="med" len="med"/>
-                <a:tailEnd type="arrow" w="med" len="med"/>
-              </a:ln>
-            </p:spPr>
-            <p:style>
-              <a:lnRef idx="2">
-                <a:schemeClr val="accent1">
-                  <a:shade val="50000"/>
-                </a:schemeClr>
-              </a:lnRef>
-              <a:fillRef idx="1">
-                <a:schemeClr val="accent1"/>
-              </a:fillRef>
-              <a:effectRef idx="0">
-                <a:schemeClr val="accent1"/>
-              </a:effectRef>
-              <a:fontRef idx="minor">
-                <a:schemeClr val="lt1"/>
-              </a:fontRef>
-            </p:style>
-            <p:txBody>
-              <a:bodyPr rtlCol="0" anchor="ctr"/>
-              <a:lstStyle/>
-              <a:p>
-                <a:pPr algn="ctr"/>
-                <a:endParaRPr lang="en-US"/>
-              </a:p>
-            </p:txBody>
-          </p:sp>
-          <p:sp>
-            <p:nvSpPr>
-              <p:cNvPr id="111" name="Freeform: Shape 110">
-                <a:extLst>
-                  <a:ext uri="{FF2B5EF4-FFF2-40B4-BE49-F238E27FC236}">
-                    <a16:creationId xmlns:a16="http://schemas.microsoft.com/office/drawing/2014/main" id="{B911B986-B78B-4EB4-97D7-548C13E348D3}"/>
-                  </a:ext>
-                </a:extLst>
-              </p:cNvPr>
-              <p:cNvSpPr/>
-              <p:nvPr/>
-            </p:nvSpPr>
-            <p:spPr>
-              <a:xfrm rot="14194995" flipV="1">
-                <a:off x="4843042" y="4123696"/>
-                <a:ext cx="337946" cy="45719"/>
-              </a:xfrm>
-              <a:custGeom>
-                <a:avLst/>
-                <a:gdLst>
-                  <a:gd name="connsiteX0" fmla="*/ 0 w 707010"/>
-                  <a:gd name="connsiteY0" fmla="*/ 277168 h 456318"/>
-                  <a:gd name="connsiteX1" fmla="*/ 179109 w 707010"/>
-                  <a:gd name="connsiteY1" fmla="*/ 3790 h 456318"/>
-                  <a:gd name="connsiteX2" fmla="*/ 311084 w 707010"/>
-                  <a:gd name="connsiteY2" fmla="*/ 456277 h 456318"/>
-                  <a:gd name="connsiteX3" fmla="*/ 471340 w 707010"/>
-                  <a:gd name="connsiteY3" fmla="*/ 32071 h 456318"/>
-                  <a:gd name="connsiteX4" fmla="*/ 612742 w 707010"/>
-                  <a:gd name="connsiteY4" fmla="*/ 296021 h 456318"/>
-                  <a:gd name="connsiteX5" fmla="*/ 707010 w 707010"/>
-                  <a:gd name="connsiteY5" fmla="*/ 314875 h 456318"/>
-                </a:gdLst>
-                <a:ahLst/>
-                <a:cxnLst>
-                  <a:cxn ang="0">
-                    <a:pos x="connsiteX0" y="connsiteY0"/>
-                  </a:cxn>
-                  <a:cxn ang="0">
-                    <a:pos x="connsiteX1" y="connsiteY1"/>
-                  </a:cxn>
-                  <a:cxn ang="0">
-                    <a:pos x="connsiteX2" y="connsiteY2"/>
-                  </a:cxn>
-                  <a:cxn ang="0">
-                    <a:pos x="connsiteX3" y="connsiteY3"/>
-                  </a:cxn>
-                  <a:cxn ang="0">
-                    <a:pos x="connsiteX4" y="connsiteY4"/>
-                  </a:cxn>
-                  <a:cxn ang="0">
-                    <a:pos x="connsiteX5" y="connsiteY5"/>
-                  </a:cxn>
-                </a:cxnLst>
-                <a:rect l="l" t="t" r="r" b="b"/>
-                <a:pathLst>
-                  <a:path w="707010" h="456318">
-                    <a:moveTo>
-                      <a:pt x="0" y="277168"/>
-                    </a:moveTo>
-                    <a:cubicBezTo>
-                      <a:pt x="63631" y="125553"/>
-                      <a:pt x="127262" y="-26061"/>
-                      <a:pt x="179109" y="3790"/>
-                    </a:cubicBezTo>
-                    <a:cubicBezTo>
-                      <a:pt x="230956" y="33641"/>
-                      <a:pt x="262379" y="451564"/>
-                      <a:pt x="311084" y="456277"/>
-                    </a:cubicBezTo>
-                    <a:cubicBezTo>
-                      <a:pt x="359789" y="460991"/>
-                      <a:pt x="421064" y="58780"/>
-                      <a:pt x="471340" y="32071"/>
-                    </a:cubicBezTo>
-                    <a:cubicBezTo>
-                      <a:pt x="521616" y="5362"/>
-                      <a:pt x="573464" y="248887"/>
-                      <a:pt x="612742" y="296021"/>
-                    </a:cubicBezTo>
-                    <a:cubicBezTo>
-                      <a:pt x="652020" y="343155"/>
-                      <a:pt x="642594" y="311733"/>
-                      <a:pt x="707010" y="314875"/>
-                    </a:cubicBezTo>
-                  </a:path>
-                </a:pathLst>
-              </a:custGeom>
-              <a:noFill/>
-              <a:ln w="9525">
-                <a:solidFill>
-                  <a:srgbClr val="FF0000"/>
-                </a:solidFill>
-                <a:headEnd type="none" w="med" len="med"/>
-                <a:tailEnd type="arrow" w="med" len="med"/>
-              </a:ln>
-            </p:spPr>
-            <p:style>
-              <a:lnRef idx="2">
-                <a:schemeClr val="accent1">
-                  <a:shade val="50000"/>
-                </a:schemeClr>
-              </a:lnRef>
-              <a:fillRef idx="1">
-                <a:schemeClr val="accent1"/>
-              </a:fillRef>
-              <a:effectRef idx="0">
-                <a:schemeClr val="accent1"/>
-              </a:effectRef>
-              <a:fontRef idx="minor">
-                <a:schemeClr val="lt1"/>
-              </a:fontRef>
-            </p:style>
-            <p:txBody>
-              <a:bodyPr rtlCol="0" anchor="ctr"/>
-              <a:lstStyle/>
-              <a:p>
-                <a:pPr algn="ctr"/>
-                <a:endParaRPr lang="en-US"/>
-              </a:p>
-            </p:txBody>
-          </p:sp>
-        </p:grpSp>
-        <p:grpSp>
-          <p:nvGrpSpPr>
-            <p:cNvPr id="113" name="Group 112">
-              <a:extLst>
-                <a:ext uri="{FF2B5EF4-FFF2-40B4-BE49-F238E27FC236}">
-                  <a16:creationId xmlns:a16="http://schemas.microsoft.com/office/drawing/2014/main" id="{FAC66519-A8DE-495F-8A71-CB1912AAEC39}"/>
-                </a:ext>
-              </a:extLst>
-            </p:cNvPr>
-            <p:cNvGrpSpPr/>
-            <p:nvPr/>
-          </p:nvGrpSpPr>
-          <p:grpSpPr>
-            <a:xfrm flipH="1">
-              <a:off x="6258719" y="3978040"/>
-              <a:ext cx="1069802" cy="948922"/>
-              <a:chOff x="3965072" y="3977583"/>
-              <a:chExt cx="1069802" cy="948922"/>
-            </a:xfrm>
-          </p:grpSpPr>
-          <p:sp>
-            <p:nvSpPr>
-              <p:cNvPr id="114" name="Freeform: Shape 113">
-                <a:extLst>
-                  <a:ext uri="{FF2B5EF4-FFF2-40B4-BE49-F238E27FC236}">
-                    <a16:creationId xmlns:a16="http://schemas.microsoft.com/office/drawing/2014/main" id="{CCC06FF3-7850-4A71-85A2-6394D9BE1322}"/>
-                  </a:ext>
-                </a:extLst>
-              </p:cNvPr>
-              <p:cNvSpPr/>
-              <p:nvPr/>
-            </p:nvSpPr>
-            <p:spPr>
-              <a:xfrm rot="14194995" flipV="1">
-                <a:off x="3818959" y="4734672"/>
-                <a:ext cx="337946" cy="45719"/>
-              </a:xfrm>
-              <a:custGeom>
-                <a:avLst/>
-                <a:gdLst>
-                  <a:gd name="connsiteX0" fmla="*/ 0 w 707010"/>
-                  <a:gd name="connsiteY0" fmla="*/ 277168 h 456318"/>
-                  <a:gd name="connsiteX1" fmla="*/ 179109 w 707010"/>
-                  <a:gd name="connsiteY1" fmla="*/ 3790 h 456318"/>
-                  <a:gd name="connsiteX2" fmla="*/ 311084 w 707010"/>
-                  <a:gd name="connsiteY2" fmla="*/ 456277 h 456318"/>
-                  <a:gd name="connsiteX3" fmla="*/ 471340 w 707010"/>
-                  <a:gd name="connsiteY3" fmla="*/ 32071 h 456318"/>
-                  <a:gd name="connsiteX4" fmla="*/ 612742 w 707010"/>
-                  <a:gd name="connsiteY4" fmla="*/ 296021 h 456318"/>
-                  <a:gd name="connsiteX5" fmla="*/ 707010 w 707010"/>
-                  <a:gd name="connsiteY5" fmla="*/ 314875 h 456318"/>
-                </a:gdLst>
-                <a:ahLst/>
-                <a:cxnLst>
-                  <a:cxn ang="0">
-                    <a:pos x="connsiteX0" y="connsiteY0"/>
-                  </a:cxn>
-                  <a:cxn ang="0">
-                    <a:pos x="connsiteX1" y="connsiteY1"/>
-                  </a:cxn>
-                  <a:cxn ang="0">
-                    <a:pos x="connsiteX2" y="connsiteY2"/>
-                  </a:cxn>
-                  <a:cxn ang="0">
-                    <a:pos x="connsiteX3" y="connsiteY3"/>
-                  </a:cxn>
-                  <a:cxn ang="0">
-                    <a:pos x="connsiteX4" y="connsiteY4"/>
-                  </a:cxn>
-                  <a:cxn ang="0">
-                    <a:pos x="connsiteX5" y="connsiteY5"/>
-                  </a:cxn>
-                </a:cxnLst>
-                <a:rect l="l" t="t" r="r" b="b"/>
-                <a:pathLst>
-                  <a:path w="707010" h="456318">
-                    <a:moveTo>
-                      <a:pt x="0" y="277168"/>
-                    </a:moveTo>
-                    <a:cubicBezTo>
-                      <a:pt x="63631" y="125553"/>
-                      <a:pt x="127262" y="-26061"/>
-                      <a:pt x="179109" y="3790"/>
-                    </a:cubicBezTo>
-                    <a:cubicBezTo>
-                      <a:pt x="230956" y="33641"/>
-                      <a:pt x="262379" y="451564"/>
-                      <a:pt x="311084" y="456277"/>
-                    </a:cubicBezTo>
-                    <a:cubicBezTo>
-                      <a:pt x="359789" y="460991"/>
-                      <a:pt x="421064" y="58780"/>
-                      <a:pt x="471340" y="32071"/>
-                    </a:cubicBezTo>
-                    <a:cubicBezTo>
-                      <a:pt x="521616" y="5362"/>
-                      <a:pt x="573464" y="248887"/>
-                      <a:pt x="612742" y="296021"/>
-                    </a:cubicBezTo>
-                    <a:cubicBezTo>
-                      <a:pt x="652020" y="343155"/>
-                      <a:pt x="642594" y="311733"/>
-                      <a:pt x="707010" y="314875"/>
-                    </a:cubicBezTo>
-                  </a:path>
-                </a:pathLst>
-              </a:custGeom>
-              <a:noFill/>
-              <a:ln w="9525">
-                <a:solidFill>
-                  <a:srgbClr val="FF0000"/>
-                </a:solidFill>
-                <a:headEnd type="none" w="med" len="med"/>
-                <a:tailEnd type="arrow" w="med" len="med"/>
-              </a:ln>
-            </p:spPr>
-            <p:style>
-              <a:lnRef idx="2">
-                <a:schemeClr val="accent1">
-                  <a:shade val="50000"/>
-                </a:schemeClr>
-              </a:lnRef>
-              <a:fillRef idx="1">
-                <a:schemeClr val="accent1"/>
-              </a:fillRef>
-              <a:effectRef idx="0">
-                <a:schemeClr val="accent1"/>
-              </a:effectRef>
-              <a:fontRef idx="minor">
-                <a:schemeClr val="lt1"/>
-              </a:fontRef>
-            </p:style>
-            <p:txBody>
-              <a:bodyPr rtlCol="0" anchor="ctr"/>
-              <a:lstStyle/>
-              <a:p>
-                <a:pPr algn="ctr"/>
-                <a:endParaRPr lang="en-US"/>
-              </a:p>
-            </p:txBody>
-          </p:sp>
-          <p:sp>
-            <p:nvSpPr>
-              <p:cNvPr id="115" name="Freeform: Shape 114">
-                <a:extLst>
-                  <a:ext uri="{FF2B5EF4-FFF2-40B4-BE49-F238E27FC236}">
-                    <a16:creationId xmlns:a16="http://schemas.microsoft.com/office/drawing/2014/main" id="{228A342F-612E-413C-950C-6F7895A495B5}"/>
-                  </a:ext>
-                </a:extLst>
-              </p:cNvPr>
-              <p:cNvSpPr/>
-              <p:nvPr/>
-            </p:nvSpPr>
-            <p:spPr>
-              <a:xfrm rot="14194995" flipV="1">
-                <a:off x="4323292" y="4430955"/>
-                <a:ext cx="337946" cy="45719"/>
-              </a:xfrm>
-              <a:custGeom>
-                <a:avLst/>
-                <a:gdLst>
-                  <a:gd name="connsiteX0" fmla="*/ 0 w 707010"/>
-                  <a:gd name="connsiteY0" fmla="*/ 277168 h 456318"/>
-                  <a:gd name="connsiteX1" fmla="*/ 179109 w 707010"/>
-                  <a:gd name="connsiteY1" fmla="*/ 3790 h 456318"/>
-                  <a:gd name="connsiteX2" fmla="*/ 311084 w 707010"/>
-                  <a:gd name="connsiteY2" fmla="*/ 456277 h 456318"/>
-                  <a:gd name="connsiteX3" fmla="*/ 471340 w 707010"/>
-                  <a:gd name="connsiteY3" fmla="*/ 32071 h 456318"/>
-                  <a:gd name="connsiteX4" fmla="*/ 612742 w 707010"/>
-                  <a:gd name="connsiteY4" fmla="*/ 296021 h 456318"/>
-                  <a:gd name="connsiteX5" fmla="*/ 707010 w 707010"/>
-                  <a:gd name="connsiteY5" fmla="*/ 314875 h 456318"/>
-                </a:gdLst>
-                <a:ahLst/>
-                <a:cxnLst>
-                  <a:cxn ang="0">
-                    <a:pos x="connsiteX0" y="connsiteY0"/>
-                  </a:cxn>
-                  <a:cxn ang="0">
-                    <a:pos x="connsiteX1" y="connsiteY1"/>
-                  </a:cxn>
-                  <a:cxn ang="0">
-                    <a:pos x="connsiteX2" y="connsiteY2"/>
-                  </a:cxn>
-                  <a:cxn ang="0">
-                    <a:pos x="connsiteX3" y="connsiteY3"/>
-                  </a:cxn>
-                  <a:cxn ang="0">
-                    <a:pos x="connsiteX4" y="connsiteY4"/>
-                  </a:cxn>
-                  <a:cxn ang="0">
-                    <a:pos x="connsiteX5" y="connsiteY5"/>
-                  </a:cxn>
-                </a:cxnLst>
-                <a:rect l="l" t="t" r="r" b="b"/>
-                <a:pathLst>
-                  <a:path w="707010" h="456318">
-                    <a:moveTo>
-                      <a:pt x="0" y="277168"/>
-                    </a:moveTo>
-                    <a:cubicBezTo>
-                      <a:pt x="63631" y="125553"/>
-                      <a:pt x="127262" y="-26061"/>
-                      <a:pt x="179109" y="3790"/>
-                    </a:cubicBezTo>
-                    <a:cubicBezTo>
-                      <a:pt x="230956" y="33641"/>
-                      <a:pt x="262379" y="451564"/>
-                      <a:pt x="311084" y="456277"/>
-                    </a:cubicBezTo>
-                    <a:cubicBezTo>
-                      <a:pt x="359789" y="460991"/>
-                      <a:pt x="421064" y="58780"/>
-                      <a:pt x="471340" y="32071"/>
-                    </a:cubicBezTo>
-                    <a:cubicBezTo>
-                      <a:pt x="521616" y="5362"/>
-                      <a:pt x="573464" y="248887"/>
-                      <a:pt x="612742" y="296021"/>
-                    </a:cubicBezTo>
-                    <a:cubicBezTo>
-                      <a:pt x="652020" y="343155"/>
-                      <a:pt x="642594" y="311733"/>
-                      <a:pt x="707010" y="314875"/>
-                    </a:cubicBezTo>
-                  </a:path>
-                </a:pathLst>
-              </a:custGeom>
-              <a:noFill/>
-              <a:ln w="9525">
-                <a:solidFill>
-                  <a:srgbClr val="FF0000"/>
-                </a:solidFill>
-                <a:headEnd type="none" w="med" len="med"/>
-                <a:tailEnd type="arrow" w="med" len="med"/>
-              </a:ln>
-            </p:spPr>
-            <p:style>
-              <a:lnRef idx="2">
-                <a:schemeClr val="accent1">
-                  <a:shade val="50000"/>
-                </a:schemeClr>
-              </a:lnRef>
-              <a:fillRef idx="1">
-                <a:schemeClr val="accent1"/>
-              </a:fillRef>
-              <a:effectRef idx="0">
-                <a:schemeClr val="accent1"/>
-              </a:effectRef>
-              <a:fontRef idx="minor">
-                <a:schemeClr val="lt1"/>
-              </a:fontRef>
-            </p:style>
-            <p:txBody>
-              <a:bodyPr rtlCol="0" anchor="ctr"/>
-              <a:lstStyle/>
-              <a:p>
-                <a:pPr algn="ctr"/>
-                <a:endParaRPr lang="en-US"/>
-              </a:p>
-            </p:txBody>
-          </p:sp>
-          <p:sp>
-            <p:nvSpPr>
-              <p:cNvPr id="116" name="Freeform: Shape 115">
-                <a:extLst>
-                  <a:ext uri="{FF2B5EF4-FFF2-40B4-BE49-F238E27FC236}">
-                    <a16:creationId xmlns:a16="http://schemas.microsoft.com/office/drawing/2014/main" id="{1CEA0BB8-5611-4F60-874A-15A802167F6A}"/>
-                  </a:ext>
-                </a:extLst>
-              </p:cNvPr>
-              <p:cNvSpPr/>
-              <p:nvPr/>
-            </p:nvSpPr>
-            <p:spPr>
-              <a:xfrm rot="14194995" flipV="1">
-                <a:off x="4843042" y="4123696"/>
-                <a:ext cx="337946" cy="45719"/>
-              </a:xfrm>
-              <a:custGeom>
-                <a:avLst/>
-                <a:gdLst>
-                  <a:gd name="connsiteX0" fmla="*/ 0 w 707010"/>
-                  <a:gd name="connsiteY0" fmla="*/ 277168 h 456318"/>
-                  <a:gd name="connsiteX1" fmla="*/ 179109 w 707010"/>
-                  <a:gd name="connsiteY1" fmla="*/ 3790 h 456318"/>
-                  <a:gd name="connsiteX2" fmla="*/ 311084 w 707010"/>
-                  <a:gd name="connsiteY2" fmla="*/ 456277 h 456318"/>
-                  <a:gd name="connsiteX3" fmla="*/ 471340 w 707010"/>
-                  <a:gd name="connsiteY3" fmla="*/ 32071 h 456318"/>
-                  <a:gd name="connsiteX4" fmla="*/ 612742 w 707010"/>
-                  <a:gd name="connsiteY4" fmla="*/ 296021 h 456318"/>
-                  <a:gd name="connsiteX5" fmla="*/ 707010 w 707010"/>
-                  <a:gd name="connsiteY5" fmla="*/ 314875 h 456318"/>
-                </a:gdLst>
-                <a:ahLst/>
-                <a:cxnLst>
-                  <a:cxn ang="0">
-                    <a:pos x="connsiteX0" y="connsiteY0"/>
-                  </a:cxn>
-                  <a:cxn ang="0">
-                    <a:pos x="connsiteX1" y="connsiteY1"/>
-                  </a:cxn>
-                  <a:cxn ang="0">
-                    <a:pos x="connsiteX2" y="connsiteY2"/>
-                  </a:cxn>
-                  <a:cxn ang="0">
-                    <a:pos x="connsiteX3" y="connsiteY3"/>
-                  </a:cxn>
-                  <a:cxn ang="0">
-                    <a:pos x="connsiteX4" y="connsiteY4"/>
-                  </a:cxn>
-                  <a:cxn ang="0">
-                    <a:pos x="connsiteX5" y="connsiteY5"/>
-                  </a:cxn>
-                </a:cxnLst>
-                <a:rect l="l" t="t" r="r" b="b"/>
-                <a:pathLst>
-                  <a:path w="707010" h="456318">
-                    <a:moveTo>
-                      <a:pt x="0" y="277168"/>
-                    </a:moveTo>
-                    <a:cubicBezTo>
-                      <a:pt x="63631" y="125553"/>
-                      <a:pt x="127262" y="-26061"/>
-                      <a:pt x="179109" y="3790"/>
-                    </a:cubicBezTo>
-                    <a:cubicBezTo>
-                      <a:pt x="230956" y="33641"/>
-                      <a:pt x="262379" y="451564"/>
-                      <a:pt x="311084" y="456277"/>
-                    </a:cubicBezTo>
-                    <a:cubicBezTo>
-                      <a:pt x="359789" y="460991"/>
-                      <a:pt x="421064" y="58780"/>
-                      <a:pt x="471340" y="32071"/>
-                    </a:cubicBezTo>
-                    <a:cubicBezTo>
-                      <a:pt x="521616" y="5362"/>
-                      <a:pt x="573464" y="248887"/>
-                      <a:pt x="612742" y="296021"/>
-                    </a:cubicBezTo>
-                    <a:cubicBezTo>
-                      <a:pt x="652020" y="343155"/>
-                      <a:pt x="642594" y="311733"/>
-                      <a:pt x="707010" y="314875"/>
-                    </a:cubicBezTo>
-                  </a:path>
-                </a:pathLst>
-              </a:custGeom>
-              <a:noFill/>
-              <a:ln w="9525">
-                <a:solidFill>
-                  <a:srgbClr val="FF0000"/>
-                </a:solidFill>
-                <a:headEnd type="none" w="med" len="med"/>
-                <a:tailEnd type="arrow" w="med" len="med"/>
-              </a:ln>
-            </p:spPr>
-            <p:style>
-              <a:lnRef idx="2">
-                <a:schemeClr val="accent1">
-                  <a:shade val="50000"/>
-                </a:schemeClr>
-              </a:lnRef>
-              <a:fillRef idx="1">
-                <a:schemeClr val="accent1"/>
-              </a:fillRef>
-              <a:effectRef idx="0">
-                <a:schemeClr val="accent1"/>
-              </a:effectRef>
-              <a:fontRef idx="minor">
-                <a:schemeClr val="lt1"/>
-              </a:fontRef>
-            </p:style>
-            <p:txBody>
-              <a:bodyPr rtlCol="0" anchor="ctr"/>
-              <a:lstStyle/>
-              <a:p>
-                <a:pPr algn="ctr"/>
-                <a:endParaRPr lang="en-US"/>
-              </a:p>
-            </p:txBody>
-          </p:sp>
-        </p:grpSp>
-        <p:sp>
-          <p:nvSpPr>
-            <p:cNvPr id="118" name="TextBox 117">
-              <a:extLst>
-                <a:ext uri="{FF2B5EF4-FFF2-40B4-BE49-F238E27FC236}">
-                  <a16:creationId xmlns:a16="http://schemas.microsoft.com/office/drawing/2014/main" id="{EB96B73A-4FD9-477A-8BCC-4165D4FA7B3F}"/>
-                </a:ext>
-              </a:extLst>
-            </p:cNvPr>
-            <p:cNvSpPr txBox="1"/>
-            <p:nvPr/>
-          </p:nvSpPr>
-          <p:spPr>
-            <a:xfrm rot="19729540">
-              <a:off x="3381216" y="4068293"/>
-              <a:ext cx="1904092" cy="276999"/>
-            </a:xfrm>
-            <a:prstGeom prst="rect">
-              <a:avLst/>
-            </a:prstGeom>
-            <a:noFill/>
-          </p:spPr>
-          <p:txBody>
-            <a:bodyPr wrap="square" rtlCol="0">
-              <a:spAutoFit/>
-            </a:bodyPr>
-            <a:lstStyle/>
-            <a:p>
-              <a:pPr algn="ctr"/>
-              <a:r>
-                <a:rPr lang="en-US" sz="1200" dirty="0">
-                  <a:solidFill>
-                    <a:srgbClr val="FF0000"/>
-                  </a:solidFill>
-                  <a:latin typeface="Times New Roman" panose="02020603050405020304" pitchFamily="18" charset="0"/>
-                  <a:cs typeface="Times New Roman" panose="02020603050405020304" pitchFamily="18" charset="0"/>
-                </a:rPr>
-                <a:t>Stir-Friction Heating</a:t>
-              </a:r>
-            </a:p>
-          </p:txBody>
-        </p:sp>
-        <p:cxnSp>
-          <p:nvCxnSpPr>
-            <p:cNvPr id="66" name="Straight Connector 65">
-              <a:extLst>
-                <a:ext uri="{FF2B5EF4-FFF2-40B4-BE49-F238E27FC236}">
-                  <a16:creationId xmlns:a16="http://schemas.microsoft.com/office/drawing/2014/main" id="{F678F1A7-A9D4-4DD4-B6F2-58596092BAEC}"/>
-                </a:ext>
-              </a:extLst>
-            </p:cNvPr>
-            <p:cNvCxnSpPr>
-              <a:cxnSpLocks/>
-            </p:cNvCxnSpPr>
-            <p:nvPr/>
-          </p:nvCxnSpPr>
-          <p:spPr>
-            <a:xfrm>
-              <a:off x="3784600" y="3753428"/>
-              <a:ext cx="75840" cy="0"/>
-            </a:xfrm>
-            <a:prstGeom prst="line">
-              <a:avLst/>
-            </a:prstGeom>
-            <a:ln w="19050">
-              <a:solidFill>
-                <a:schemeClr val="tx1"/>
-              </a:solidFill>
-            </a:ln>
-          </p:spPr>
-          <p:style>
-            <a:lnRef idx="1">
-              <a:schemeClr val="accent1"/>
-            </a:lnRef>
-            <a:fillRef idx="0">
-              <a:schemeClr val="accent1"/>
-            </a:fillRef>
-            <a:effectRef idx="0">
-              <a:schemeClr val="accent1"/>
-            </a:effectRef>
-            <a:fontRef idx="minor">
-              <a:schemeClr val="tx1"/>
-            </a:fontRef>
-          </p:style>
-        </p:cxnSp>
-        <p:sp>
-          <p:nvSpPr>
-            <p:cNvPr id="79" name="Rectangle 78">
-              <a:extLst>
-                <a:ext uri="{FF2B5EF4-FFF2-40B4-BE49-F238E27FC236}">
-                  <a16:creationId xmlns:a16="http://schemas.microsoft.com/office/drawing/2014/main" id="{51649563-638A-4120-8740-22304B38E6D1}"/>
-                </a:ext>
-              </a:extLst>
-            </p:cNvPr>
-            <p:cNvSpPr/>
-            <p:nvPr/>
-          </p:nvSpPr>
-          <p:spPr>
-            <a:xfrm>
-              <a:off x="3773841" y="3285732"/>
-              <a:ext cx="101767" cy="45719"/>
-            </a:xfrm>
-            <a:prstGeom prst="rect">
-              <a:avLst/>
-            </a:prstGeom>
-            <a:solidFill>
-              <a:schemeClr val="bg2">
-                <a:lumMod val="75000"/>
-              </a:schemeClr>
-            </a:solidFill>
-            <a:ln>
-              <a:noFill/>
-            </a:ln>
-          </p:spPr>
-          <p:style>
-            <a:lnRef idx="2">
-              <a:schemeClr val="accent1">
-                <a:shade val="50000"/>
-              </a:schemeClr>
-            </a:lnRef>
-            <a:fillRef idx="1">
-              <a:schemeClr val="accent1"/>
-            </a:fillRef>
-            <a:effectRef idx="0">
-              <a:schemeClr val="accent1"/>
-            </a:effectRef>
-            <a:fontRef idx="minor">
-              <a:schemeClr val="lt1"/>
-            </a:fontRef>
-          </p:style>
-          <p:txBody>
-            <a:bodyPr rtlCol="0" anchor="ctr"/>
-            <a:lstStyle/>
-            <a:p>
-              <a:pPr algn="ctr"/>
-              <a:endParaRPr lang="en-US"/>
-            </a:p>
-          </p:txBody>
-        </p:sp>
-        <p:sp>
-          <p:nvSpPr>
-            <p:cNvPr id="82" name="Rectangle 81">
-              <a:extLst>
-                <a:ext uri="{FF2B5EF4-FFF2-40B4-BE49-F238E27FC236}">
-                  <a16:creationId xmlns:a16="http://schemas.microsoft.com/office/drawing/2014/main" id="{E5A0C793-91D9-49E1-BBB9-ABBB3709DCD3}"/>
-                </a:ext>
-              </a:extLst>
-            </p:cNvPr>
-            <p:cNvSpPr/>
-            <p:nvPr/>
-          </p:nvSpPr>
-          <p:spPr>
-            <a:xfrm>
-              <a:off x="3777632" y="3436160"/>
-              <a:ext cx="101768" cy="45719"/>
-            </a:xfrm>
-            <a:prstGeom prst="rect">
-              <a:avLst/>
-            </a:prstGeom>
-            <a:solidFill>
-              <a:schemeClr val="bg2">
-                <a:lumMod val="75000"/>
-              </a:schemeClr>
-            </a:solidFill>
-            <a:ln>
-              <a:noFill/>
-            </a:ln>
-          </p:spPr>
-          <p:style>
-            <a:lnRef idx="2">
-              <a:schemeClr val="accent1">
-                <a:shade val="50000"/>
-              </a:schemeClr>
-            </a:lnRef>
-            <a:fillRef idx="1">
-              <a:schemeClr val="accent1"/>
-            </a:fillRef>
-            <a:effectRef idx="0">
-              <a:schemeClr val="accent1"/>
-            </a:effectRef>
-            <a:fontRef idx="minor">
-              <a:schemeClr val="lt1"/>
-            </a:fontRef>
-          </p:style>
-          <p:txBody>
-            <a:bodyPr rtlCol="0" anchor="ctr"/>
-            <a:lstStyle/>
-            <a:p>
-              <a:pPr algn="ctr"/>
-              <a:endParaRPr lang="en-US"/>
-            </a:p>
-          </p:txBody>
-        </p:sp>
-        <p:sp>
-          <p:nvSpPr>
-            <p:cNvPr id="83" name="Rectangle 82">
-              <a:extLst>
-                <a:ext uri="{FF2B5EF4-FFF2-40B4-BE49-F238E27FC236}">
-                  <a16:creationId xmlns:a16="http://schemas.microsoft.com/office/drawing/2014/main" id="{831AFD5B-191C-49BE-911C-A7A8CBCE8FD9}"/>
-                </a:ext>
-              </a:extLst>
-            </p:cNvPr>
-            <p:cNvSpPr/>
-            <p:nvPr/>
-          </p:nvSpPr>
-          <p:spPr>
-            <a:xfrm>
-              <a:off x="3773841" y="3587190"/>
-              <a:ext cx="101768" cy="45719"/>
-            </a:xfrm>
-            <a:prstGeom prst="rect">
-              <a:avLst/>
-            </a:prstGeom>
-            <a:solidFill>
-              <a:schemeClr val="bg2">
-                <a:lumMod val="75000"/>
-              </a:schemeClr>
-            </a:solidFill>
-            <a:ln>
-              <a:noFill/>
-            </a:ln>
-          </p:spPr>
-          <p:style>
-            <a:lnRef idx="2">
-              <a:schemeClr val="accent1">
-                <a:shade val="50000"/>
-              </a:schemeClr>
-            </a:lnRef>
-            <a:fillRef idx="1">
-              <a:schemeClr val="accent1"/>
-            </a:fillRef>
-            <a:effectRef idx="0">
-              <a:schemeClr val="accent1"/>
-            </a:effectRef>
-            <a:fontRef idx="minor">
-              <a:schemeClr val="lt1"/>
-            </a:fontRef>
-          </p:style>
-          <p:txBody>
-            <a:bodyPr rtlCol="0" anchor="ctr"/>
-            <a:lstStyle/>
-            <a:p>
-              <a:pPr algn="ctr"/>
-              <a:endParaRPr lang="en-US"/>
-            </a:p>
-          </p:txBody>
-        </p:sp>
-        <p:sp>
-          <p:nvSpPr>
-            <p:cNvPr id="84" name="Freeform: Shape 83">
-              <a:extLst>
-                <a:ext uri="{FF2B5EF4-FFF2-40B4-BE49-F238E27FC236}">
-                  <a16:creationId xmlns:a16="http://schemas.microsoft.com/office/drawing/2014/main" id="{C248B163-D330-4631-812E-FE7429150D32}"/>
-                </a:ext>
-              </a:extLst>
-            </p:cNvPr>
-            <p:cNvSpPr/>
-            <p:nvPr/>
-          </p:nvSpPr>
-          <p:spPr>
-            <a:xfrm rot="11832415" flipH="1" flipV="1">
-              <a:off x="3871873" y="3475297"/>
-              <a:ext cx="342657" cy="45719"/>
-            </a:xfrm>
-            <a:custGeom>
-              <a:avLst/>
-              <a:gdLst>
-                <a:gd name="connsiteX0" fmla="*/ 0 w 707010"/>
-                <a:gd name="connsiteY0" fmla="*/ 277168 h 456318"/>
-                <a:gd name="connsiteX1" fmla="*/ 179109 w 707010"/>
-                <a:gd name="connsiteY1" fmla="*/ 3790 h 456318"/>
-                <a:gd name="connsiteX2" fmla="*/ 311084 w 707010"/>
-                <a:gd name="connsiteY2" fmla="*/ 456277 h 456318"/>
-                <a:gd name="connsiteX3" fmla="*/ 471340 w 707010"/>
-                <a:gd name="connsiteY3" fmla="*/ 32071 h 456318"/>
-                <a:gd name="connsiteX4" fmla="*/ 612742 w 707010"/>
-                <a:gd name="connsiteY4" fmla="*/ 296021 h 456318"/>
-                <a:gd name="connsiteX5" fmla="*/ 707010 w 707010"/>
-                <a:gd name="connsiteY5" fmla="*/ 314875 h 456318"/>
-              </a:gdLst>
-              <a:ahLst/>
-              <a:cxnLst>
-                <a:cxn ang="0">
-                  <a:pos x="connsiteX0" y="connsiteY0"/>
-                </a:cxn>
-                <a:cxn ang="0">
-                  <a:pos x="connsiteX1" y="connsiteY1"/>
-                </a:cxn>
-                <a:cxn ang="0">
-                  <a:pos x="connsiteX2" y="connsiteY2"/>
-                </a:cxn>
-                <a:cxn ang="0">
-                  <a:pos x="connsiteX3" y="connsiteY3"/>
-                </a:cxn>
-                <a:cxn ang="0">
-                  <a:pos x="connsiteX4" y="connsiteY4"/>
-                </a:cxn>
-                <a:cxn ang="0">
-                  <a:pos x="connsiteX5" y="connsiteY5"/>
-                </a:cxn>
-              </a:cxnLst>
-              <a:rect l="l" t="t" r="r" b="b"/>
-              <a:pathLst>
-                <a:path w="707010" h="456318">
-                  <a:moveTo>
-                    <a:pt x="0" y="277168"/>
-                  </a:moveTo>
-                  <a:cubicBezTo>
-                    <a:pt x="63631" y="125553"/>
-                    <a:pt x="127262" y="-26061"/>
-                    <a:pt x="179109" y="3790"/>
-                  </a:cubicBezTo>
-                  <a:cubicBezTo>
-                    <a:pt x="230956" y="33641"/>
-                    <a:pt x="262379" y="451564"/>
-                    <a:pt x="311084" y="456277"/>
-                  </a:cubicBezTo>
-                  <a:cubicBezTo>
-                    <a:pt x="359789" y="460991"/>
-                    <a:pt x="421064" y="58780"/>
-                    <a:pt x="471340" y="32071"/>
-                  </a:cubicBezTo>
-                  <a:cubicBezTo>
-                    <a:pt x="521616" y="5362"/>
-                    <a:pt x="573464" y="248887"/>
-                    <a:pt x="612742" y="296021"/>
-                  </a:cubicBezTo>
-                  <a:cubicBezTo>
-                    <a:pt x="652020" y="343155"/>
-                    <a:pt x="642594" y="311733"/>
-                    <a:pt x="707010" y="314875"/>
-                  </a:cubicBezTo>
-                </a:path>
-              </a:pathLst>
-            </a:custGeom>
-            <a:noFill/>
-            <a:ln w="6350">
-              <a:solidFill>
-                <a:srgbClr val="00B0F0"/>
-              </a:solidFill>
-              <a:headEnd type="none" w="med" len="med"/>
-              <a:tailEnd type="arrow" w="med" len="med"/>
-            </a:ln>
-          </p:spPr>
-          <p:style>
-            <a:lnRef idx="2">
-              <a:schemeClr val="accent1">
-                <a:shade val="50000"/>
-              </a:schemeClr>
-            </a:lnRef>
-            <a:fillRef idx="1">
-              <a:schemeClr val="accent1"/>
-            </a:fillRef>
-            <a:effectRef idx="0">
-              <a:schemeClr val="accent1"/>
-            </a:effectRef>
-            <a:fontRef idx="minor">
-              <a:schemeClr val="lt1"/>
-            </a:fontRef>
-          </p:style>
-          <p:txBody>
-            <a:bodyPr rtlCol="0" anchor="ctr"/>
-            <a:lstStyle/>
-            <a:p>
-              <a:pPr algn="ctr"/>
-              <a:endParaRPr lang="en-US"/>
-            </a:p>
-          </p:txBody>
-        </p:sp>
-        <p:sp>
-          <p:nvSpPr>
-            <p:cNvPr id="85" name="Freeform: Shape 84">
-              <a:extLst>
-                <a:ext uri="{FF2B5EF4-FFF2-40B4-BE49-F238E27FC236}">
-                  <a16:creationId xmlns:a16="http://schemas.microsoft.com/office/drawing/2014/main" id="{FCB6C5EA-A2C2-4DF3-8C82-C54F7466565B}"/>
-                </a:ext>
-              </a:extLst>
-            </p:cNvPr>
-            <p:cNvSpPr/>
-            <p:nvPr/>
-          </p:nvSpPr>
-          <p:spPr>
-            <a:xfrm rot="12813328" flipH="1" flipV="1">
-              <a:off x="3842577" y="3678037"/>
-              <a:ext cx="342657" cy="45719"/>
-            </a:xfrm>
-            <a:custGeom>
-              <a:avLst/>
-              <a:gdLst>
-                <a:gd name="connsiteX0" fmla="*/ 0 w 707010"/>
-                <a:gd name="connsiteY0" fmla="*/ 277168 h 456318"/>
-                <a:gd name="connsiteX1" fmla="*/ 179109 w 707010"/>
-                <a:gd name="connsiteY1" fmla="*/ 3790 h 456318"/>
-                <a:gd name="connsiteX2" fmla="*/ 311084 w 707010"/>
-                <a:gd name="connsiteY2" fmla="*/ 456277 h 456318"/>
-                <a:gd name="connsiteX3" fmla="*/ 471340 w 707010"/>
-                <a:gd name="connsiteY3" fmla="*/ 32071 h 456318"/>
-                <a:gd name="connsiteX4" fmla="*/ 612742 w 707010"/>
-                <a:gd name="connsiteY4" fmla="*/ 296021 h 456318"/>
-                <a:gd name="connsiteX5" fmla="*/ 707010 w 707010"/>
-                <a:gd name="connsiteY5" fmla="*/ 314875 h 456318"/>
-              </a:gdLst>
-              <a:ahLst/>
-              <a:cxnLst>
-                <a:cxn ang="0">
-                  <a:pos x="connsiteX0" y="connsiteY0"/>
-                </a:cxn>
-                <a:cxn ang="0">
-                  <a:pos x="connsiteX1" y="connsiteY1"/>
-                </a:cxn>
-                <a:cxn ang="0">
-                  <a:pos x="connsiteX2" y="connsiteY2"/>
-                </a:cxn>
-                <a:cxn ang="0">
-                  <a:pos x="connsiteX3" y="connsiteY3"/>
-                </a:cxn>
-                <a:cxn ang="0">
-                  <a:pos x="connsiteX4" y="connsiteY4"/>
-                </a:cxn>
-                <a:cxn ang="0">
-                  <a:pos x="connsiteX5" y="connsiteY5"/>
-                </a:cxn>
-              </a:cxnLst>
-              <a:rect l="l" t="t" r="r" b="b"/>
-              <a:pathLst>
-                <a:path w="707010" h="456318">
-                  <a:moveTo>
-                    <a:pt x="0" y="277168"/>
-                  </a:moveTo>
-                  <a:cubicBezTo>
-                    <a:pt x="63631" y="125553"/>
-                    <a:pt x="127262" y="-26061"/>
-                    <a:pt x="179109" y="3790"/>
-                  </a:cubicBezTo>
-                  <a:cubicBezTo>
-                    <a:pt x="230956" y="33641"/>
-                    <a:pt x="262379" y="451564"/>
-                    <a:pt x="311084" y="456277"/>
-                  </a:cubicBezTo>
-                  <a:cubicBezTo>
-                    <a:pt x="359789" y="460991"/>
-                    <a:pt x="421064" y="58780"/>
-                    <a:pt x="471340" y="32071"/>
-                  </a:cubicBezTo>
-                  <a:cubicBezTo>
-                    <a:pt x="521616" y="5362"/>
-                    <a:pt x="573464" y="248887"/>
-                    <a:pt x="612742" y="296021"/>
-                  </a:cubicBezTo>
-                  <a:cubicBezTo>
-                    <a:pt x="652020" y="343155"/>
-                    <a:pt x="642594" y="311733"/>
-                    <a:pt x="707010" y="314875"/>
-                  </a:cubicBezTo>
-                </a:path>
-              </a:pathLst>
-            </a:custGeom>
-            <a:noFill/>
-            <a:ln w="6350">
-              <a:solidFill>
-                <a:srgbClr val="00B0F0"/>
-              </a:solidFill>
-              <a:headEnd type="none" w="med" len="med"/>
-              <a:tailEnd type="arrow" w="med" len="med"/>
-            </a:ln>
-          </p:spPr>
-          <p:style>
-            <a:lnRef idx="2">
-              <a:schemeClr val="accent1">
-                <a:shade val="50000"/>
-              </a:schemeClr>
-            </a:lnRef>
-            <a:fillRef idx="1">
-              <a:schemeClr val="accent1"/>
-            </a:fillRef>
-            <a:effectRef idx="0">
-              <a:schemeClr val="accent1"/>
-            </a:effectRef>
-            <a:fontRef idx="minor">
-              <a:schemeClr val="lt1"/>
-            </a:fontRef>
-          </p:style>
-          <p:txBody>
-            <a:bodyPr rtlCol="0" anchor="ctr"/>
-            <a:lstStyle/>
-            <a:p>
-              <a:pPr algn="ctr"/>
-              <a:endParaRPr lang="en-US"/>
-            </a:p>
-          </p:txBody>
-        </p:sp>
-        <p:sp>
-          <p:nvSpPr>
-            <p:cNvPr id="87" name="Freeform: Shape 86">
-              <a:extLst>
-                <a:ext uri="{FF2B5EF4-FFF2-40B4-BE49-F238E27FC236}">
-                  <a16:creationId xmlns:a16="http://schemas.microsoft.com/office/drawing/2014/main" id="{91EF8A47-D5D6-43E6-9C5B-9656C3C3F969}"/>
-                </a:ext>
-              </a:extLst>
-            </p:cNvPr>
-            <p:cNvSpPr/>
-            <p:nvPr/>
-          </p:nvSpPr>
-          <p:spPr>
-            <a:xfrm rot="21217865" flipH="1" flipV="1">
-              <a:off x="3444957" y="3314319"/>
-              <a:ext cx="342657" cy="45719"/>
-            </a:xfrm>
-            <a:custGeom>
-              <a:avLst/>
-              <a:gdLst>
-                <a:gd name="connsiteX0" fmla="*/ 0 w 707010"/>
-                <a:gd name="connsiteY0" fmla="*/ 277168 h 456318"/>
-                <a:gd name="connsiteX1" fmla="*/ 179109 w 707010"/>
-                <a:gd name="connsiteY1" fmla="*/ 3790 h 456318"/>
-                <a:gd name="connsiteX2" fmla="*/ 311084 w 707010"/>
-                <a:gd name="connsiteY2" fmla="*/ 456277 h 456318"/>
-                <a:gd name="connsiteX3" fmla="*/ 471340 w 707010"/>
-                <a:gd name="connsiteY3" fmla="*/ 32071 h 456318"/>
-                <a:gd name="connsiteX4" fmla="*/ 612742 w 707010"/>
-                <a:gd name="connsiteY4" fmla="*/ 296021 h 456318"/>
-                <a:gd name="connsiteX5" fmla="*/ 707010 w 707010"/>
-                <a:gd name="connsiteY5" fmla="*/ 314875 h 456318"/>
-              </a:gdLst>
-              <a:ahLst/>
-              <a:cxnLst>
-                <a:cxn ang="0">
-                  <a:pos x="connsiteX0" y="connsiteY0"/>
-                </a:cxn>
-                <a:cxn ang="0">
-                  <a:pos x="connsiteX1" y="connsiteY1"/>
-                </a:cxn>
-                <a:cxn ang="0">
-                  <a:pos x="connsiteX2" y="connsiteY2"/>
-                </a:cxn>
-                <a:cxn ang="0">
-                  <a:pos x="connsiteX3" y="connsiteY3"/>
-                </a:cxn>
-                <a:cxn ang="0">
-                  <a:pos x="connsiteX4" y="connsiteY4"/>
-                </a:cxn>
-                <a:cxn ang="0">
-                  <a:pos x="connsiteX5" y="connsiteY5"/>
-                </a:cxn>
-              </a:cxnLst>
-              <a:rect l="l" t="t" r="r" b="b"/>
-              <a:pathLst>
-                <a:path w="707010" h="456318">
-                  <a:moveTo>
-                    <a:pt x="0" y="277168"/>
-                  </a:moveTo>
-                  <a:cubicBezTo>
-                    <a:pt x="63631" y="125553"/>
-                    <a:pt x="127262" y="-26061"/>
-                    <a:pt x="179109" y="3790"/>
-                  </a:cubicBezTo>
-                  <a:cubicBezTo>
-                    <a:pt x="230956" y="33641"/>
-                    <a:pt x="262379" y="451564"/>
-                    <a:pt x="311084" y="456277"/>
-                  </a:cubicBezTo>
-                  <a:cubicBezTo>
-                    <a:pt x="359789" y="460991"/>
-                    <a:pt x="421064" y="58780"/>
-                    <a:pt x="471340" y="32071"/>
-                  </a:cubicBezTo>
-                  <a:cubicBezTo>
-                    <a:pt x="521616" y="5362"/>
-                    <a:pt x="573464" y="248887"/>
-                    <a:pt x="612742" y="296021"/>
-                  </a:cubicBezTo>
-                  <a:cubicBezTo>
-                    <a:pt x="652020" y="343155"/>
-                    <a:pt x="642594" y="311733"/>
-                    <a:pt x="707010" y="314875"/>
-                  </a:cubicBezTo>
-                </a:path>
-              </a:pathLst>
-            </a:custGeom>
-            <a:noFill/>
-            <a:ln w="6350">
-              <a:solidFill>
-                <a:srgbClr val="00B0F0"/>
-              </a:solidFill>
-              <a:headEnd type="none" w="med" len="med"/>
-              <a:tailEnd type="arrow" w="med" len="med"/>
-            </a:ln>
-          </p:spPr>
-          <p:style>
-            <a:lnRef idx="2">
-              <a:schemeClr val="accent1">
-                <a:shade val="50000"/>
-              </a:schemeClr>
-            </a:lnRef>
-            <a:fillRef idx="1">
-              <a:schemeClr val="accent1"/>
-            </a:fillRef>
-            <a:effectRef idx="0">
-              <a:schemeClr val="accent1"/>
-            </a:effectRef>
-            <a:fontRef idx="minor">
-              <a:schemeClr val="lt1"/>
-            </a:fontRef>
-          </p:style>
-          <p:txBody>
-            <a:bodyPr rtlCol="0" anchor="ctr"/>
-            <a:lstStyle/>
-            <a:p>
-              <a:pPr algn="ctr"/>
-              <a:endParaRPr lang="en-US"/>
-            </a:p>
-          </p:txBody>
-        </p:sp>
-        <p:sp>
-          <p:nvSpPr>
-            <p:cNvPr id="89" name="Freeform: Shape 88">
-              <a:extLst>
-                <a:ext uri="{FF2B5EF4-FFF2-40B4-BE49-F238E27FC236}">
-                  <a16:creationId xmlns:a16="http://schemas.microsoft.com/office/drawing/2014/main" id="{38716372-9EFA-4147-AA00-922158639239}"/>
-                </a:ext>
-              </a:extLst>
-            </p:cNvPr>
-            <p:cNvSpPr/>
-            <p:nvPr/>
-          </p:nvSpPr>
-          <p:spPr>
-            <a:xfrm rot="20631930" flipH="1" flipV="1">
-              <a:off x="3444957" y="3478246"/>
-              <a:ext cx="342657" cy="45719"/>
-            </a:xfrm>
-            <a:custGeom>
-              <a:avLst/>
-              <a:gdLst>
-                <a:gd name="connsiteX0" fmla="*/ 0 w 707010"/>
-                <a:gd name="connsiteY0" fmla="*/ 277168 h 456318"/>
-                <a:gd name="connsiteX1" fmla="*/ 179109 w 707010"/>
-                <a:gd name="connsiteY1" fmla="*/ 3790 h 456318"/>
-                <a:gd name="connsiteX2" fmla="*/ 311084 w 707010"/>
-                <a:gd name="connsiteY2" fmla="*/ 456277 h 456318"/>
-                <a:gd name="connsiteX3" fmla="*/ 471340 w 707010"/>
-                <a:gd name="connsiteY3" fmla="*/ 32071 h 456318"/>
-                <a:gd name="connsiteX4" fmla="*/ 612742 w 707010"/>
-                <a:gd name="connsiteY4" fmla="*/ 296021 h 456318"/>
-                <a:gd name="connsiteX5" fmla="*/ 707010 w 707010"/>
-                <a:gd name="connsiteY5" fmla="*/ 314875 h 456318"/>
-              </a:gdLst>
-              <a:ahLst/>
-              <a:cxnLst>
-                <a:cxn ang="0">
-                  <a:pos x="connsiteX0" y="connsiteY0"/>
-                </a:cxn>
-                <a:cxn ang="0">
-                  <a:pos x="connsiteX1" y="connsiteY1"/>
-                </a:cxn>
-                <a:cxn ang="0">
-                  <a:pos x="connsiteX2" y="connsiteY2"/>
-                </a:cxn>
-                <a:cxn ang="0">
-                  <a:pos x="connsiteX3" y="connsiteY3"/>
-                </a:cxn>
-                <a:cxn ang="0">
-                  <a:pos x="connsiteX4" y="connsiteY4"/>
-                </a:cxn>
-                <a:cxn ang="0">
-                  <a:pos x="connsiteX5" y="connsiteY5"/>
-                </a:cxn>
-              </a:cxnLst>
-              <a:rect l="l" t="t" r="r" b="b"/>
-              <a:pathLst>
-                <a:path w="707010" h="456318">
-                  <a:moveTo>
-                    <a:pt x="0" y="277168"/>
-                  </a:moveTo>
-                  <a:cubicBezTo>
-                    <a:pt x="63631" y="125553"/>
-                    <a:pt x="127262" y="-26061"/>
-                    <a:pt x="179109" y="3790"/>
-                  </a:cubicBezTo>
-                  <a:cubicBezTo>
-                    <a:pt x="230956" y="33641"/>
-                    <a:pt x="262379" y="451564"/>
-                    <a:pt x="311084" y="456277"/>
-                  </a:cubicBezTo>
-                  <a:cubicBezTo>
-                    <a:pt x="359789" y="460991"/>
-                    <a:pt x="421064" y="58780"/>
-                    <a:pt x="471340" y="32071"/>
-                  </a:cubicBezTo>
-                  <a:cubicBezTo>
-                    <a:pt x="521616" y="5362"/>
-                    <a:pt x="573464" y="248887"/>
-                    <a:pt x="612742" y="296021"/>
-                  </a:cubicBezTo>
-                  <a:cubicBezTo>
-                    <a:pt x="652020" y="343155"/>
-                    <a:pt x="642594" y="311733"/>
-                    <a:pt x="707010" y="314875"/>
-                  </a:cubicBezTo>
-                </a:path>
-              </a:pathLst>
-            </a:custGeom>
-            <a:noFill/>
-            <a:ln w="6350">
-              <a:solidFill>
-                <a:srgbClr val="00B0F0"/>
-              </a:solidFill>
-              <a:headEnd type="none" w="med" len="med"/>
-              <a:tailEnd type="arrow" w="med" len="med"/>
-            </a:ln>
-          </p:spPr>
-          <p:style>
-            <a:lnRef idx="2">
-              <a:schemeClr val="accent1">
-                <a:shade val="50000"/>
-              </a:schemeClr>
-            </a:lnRef>
-            <a:fillRef idx="1">
-              <a:schemeClr val="accent1"/>
-            </a:fillRef>
-            <a:effectRef idx="0">
-              <a:schemeClr val="accent1"/>
-            </a:effectRef>
-            <a:fontRef idx="minor">
-              <a:schemeClr val="lt1"/>
-            </a:fontRef>
-          </p:style>
-          <p:txBody>
-            <a:bodyPr rtlCol="0" anchor="ctr"/>
-            <a:lstStyle/>
-            <a:p>
-              <a:pPr algn="ctr"/>
-              <a:endParaRPr lang="en-US"/>
-            </a:p>
-          </p:txBody>
-        </p:sp>
-        <p:sp>
-          <p:nvSpPr>
-            <p:cNvPr id="90" name="Freeform: Shape 89">
-              <a:extLst>
-                <a:ext uri="{FF2B5EF4-FFF2-40B4-BE49-F238E27FC236}">
-                  <a16:creationId xmlns:a16="http://schemas.microsoft.com/office/drawing/2014/main" id="{3F1E8433-3464-4909-943A-35C0CF7AA24E}"/>
-                </a:ext>
-              </a:extLst>
-            </p:cNvPr>
-            <p:cNvSpPr/>
-            <p:nvPr/>
-          </p:nvSpPr>
-          <p:spPr>
-            <a:xfrm rot="19728869" flipH="1" flipV="1">
-              <a:off x="3475624" y="3672249"/>
-              <a:ext cx="342657" cy="45719"/>
-            </a:xfrm>
-            <a:custGeom>
-              <a:avLst/>
-              <a:gdLst>
-                <a:gd name="connsiteX0" fmla="*/ 0 w 707010"/>
-                <a:gd name="connsiteY0" fmla="*/ 277168 h 456318"/>
-                <a:gd name="connsiteX1" fmla="*/ 179109 w 707010"/>
-                <a:gd name="connsiteY1" fmla="*/ 3790 h 456318"/>
-                <a:gd name="connsiteX2" fmla="*/ 311084 w 707010"/>
-                <a:gd name="connsiteY2" fmla="*/ 456277 h 456318"/>
-                <a:gd name="connsiteX3" fmla="*/ 471340 w 707010"/>
-                <a:gd name="connsiteY3" fmla="*/ 32071 h 456318"/>
-                <a:gd name="connsiteX4" fmla="*/ 612742 w 707010"/>
-                <a:gd name="connsiteY4" fmla="*/ 296021 h 456318"/>
-                <a:gd name="connsiteX5" fmla="*/ 707010 w 707010"/>
-                <a:gd name="connsiteY5" fmla="*/ 314875 h 456318"/>
-              </a:gdLst>
-              <a:ahLst/>
-              <a:cxnLst>
-                <a:cxn ang="0">
-                  <a:pos x="connsiteX0" y="connsiteY0"/>
-                </a:cxn>
-                <a:cxn ang="0">
-                  <a:pos x="connsiteX1" y="connsiteY1"/>
-                </a:cxn>
-                <a:cxn ang="0">
-                  <a:pos x="connsiteX2" y="connsiteY2"/>
-                </a:cxn>
-                <a:cxn ang="0">
-                  <a:pos x="connsiteX3" y="connsiteY3"/>
-                </a:cxn>
-                <a:cxn ang="0">
-                  <a:pos x="connsiteX4" y="connsiteY4"/>
-                </a:cxn>
-                <a:cxn ang="0">
-                  <a:pos x="connsiteX5" y="connsiteY5"/>
-                </a:cxn>
-              </a:cxnLst>
-              <a:rect l="l" t="t" r="r" b="b"/>
-              <a:pathLst>
-                <a:path w="707010" h="456318">
-                  <a:moveTo>
-                    <a:pt x="0" y="277168"/>
-                  </a:moveTo>
-                  <a:cubicBezTo>
-                    <a:pt x="63631" y="125553"/>
-                    <a:pt x="127262" y="-26061"/>
-                    <a:pt x="179109" y="3790"/>
-                  </a:cubicBezTo>
-                  <a:cubicBezTo>
-                    <a:pt x="230956" y="33641"/>
-                    <a:pt x="262379" y="451564"/>
-                    <a:pt x="311084" y="456277"/>
-                  </a:cubicBezTo>
-                  <a:cubicBezTo>
-                    <a:pt x="359789" y="460991"/>
-                    <a:pt x="421064" y="58780"/>
-                    <a:pt x="471340" y="32071"/>
-                  </a:cubicBezTo>
-                  <a:cubicBezTo>
-                    <a:pt x="521616" y="5362"/>
-                    <a:pt x="573464" y="248887"/>
-                    <a:pt x="612742" y="296021"/>
-                  </a:cubicBezTo>
-                  <a:cubicBezTo>
-                    <a:pt x="652020" y="343155"/>
-                    <a:pt x="642594" y="311733"/>
-                    <a:pt x="707010" y="314875"/>
-                  </a:cubicBezTo>
-                </a:path>
-              </a:pathLst>
-            </a:custGeom>
-            <a:noFill/>
-            <a:ln w="6350">
-              <a:solidFill>
-                <a:srgbClr val="00B0F0"/>
-              </a:solidFill>
-              <a:headEnd type="none" w="med" len="med"/>
-              <a:tailEnd type="arrow" w="med" len="med"/>
-            </a:ln>
-          </p:spPr>
-          <p:style>
-            <a:lnRef idx="2">
-              <a:schemeClr val="accent1">
-                <a:shade val="50000"/>
-              </a:schemeClr>
-            </a:lnRef>
-            <a:fillRef idx="1">
-              <a:schemeClr val="accent1"/>
-            </a:fillRef>
-            <a:effectRef idx="0">
-              <a:schemeClr val="accent1"/>
-            </a:effectRef>
-            <a:fontRef idx="minor">
-              <a:schemeClr val="lt1"/>
-            </a:fontRef>
-          </p:style>
-          <p:txBody>
-            <a:bodyPr rtlCol="0" anchor="ctr"/>
-            <a:lstStyle/>
-            <a:p>
-              <a:pPr algn="ctr"/>
-              <a:endParaRPr lang="en-US"/>
-            </a:p>
-          </p:txBody>
-        </p:sp>
-        <p:grpSp>
-          <p:nvGrpSpPr>
-            <p:cNvPr id="107" name="Group 106">
-              <a:extLst>
-                <a:ext uri="{FF2B5EF4-FFF2-40B4-BE49-F238E27FC236}">
-                  <a16:creationId xmlns:a16="http://schemas.microsoft.com/office/drawing/2014/main" id="{05E899B7-FB85-475D-A7C2-4A285E42B170}"/>
-                </a:ext>
-              </a:extLst>
-            </p:cNvPr>
-            <p:cNvGrpSpPr/>
-            <p:nvPr/>
-          </p:nvGrpSpPr>
-          <p:grpSpPr>
-            <a:xfrm>
-              <a:off x="4764482" y="1009226"/>
-              <a:ext cx="81084" cy="1215814"/>
-              <a:chOff x="4028440" y="1033780"/>
-              <a:chExt cx="82295" cy="1556506"/>
-            </a:xfrm>
-          </p:grpSpPr>
-          <p:sp>
-            <p:nvSpPr>
-              <p:cNvPr id="117" name="Rectangle 116">
-                <a:extLst>
-                  <a:ext uri="{FF2B5EF4-FFF2-40B4-BE49-F238E27FC236}">
-                    <a16:creationId xmlns:a16="http://schemas.microsoft.com/office/drawing/2014/main" id="{A5BAD051-234D-46F8-8984-E37519531C4B}"/>
-                  </a:ext>
-                </a:extLst>
-              </p:cNvPr>
-              <p:cNvSpPr/>
-              <p:nvPr/>
-            </p:nvSpPr>
-            <p:spPr>
-              <a:xfrm>
-                <a:off x="4028440" y="1033780"/>
-                <a:ext cx="82295" cy="1556506"/>
-              </a:xfrm>
-              <a:prstGeom prst="rect">
-                <a:avLst/>
-              </a:prstGeom>
-              <a:solidFill>
-                <a:schemeClr val="bg2">
-                  <a:lumMod val="75000"/>
-                </a:schemeClr>
-              </a:solidFill>
-              <a:ln>
-                <a:noFill/>
-              </a:ln>
-            </p:spPr>
-            <p:style>
-              <a:lnRef idx="2">
-                <a:schemeClr val="accent1">
-                  <a:shade val="50000"/>
-                </a:schemeClr>
-              </a:lnRef>
-              <a:fillRef idx="1">
-                <a:schemeClr val="accent1"/>
-              </a:fillRef>
-              <a:effectRef idx="0">
-                <a:schemeClr val="accent1"/>
-              </a:effectRef>
-              <a:fontRef idx="minor">
-                <a:schemeClr val="lt1"/>
-              </a:fontRef>
-            </p:style>
-            <p:txBody>
-              <a:bodyPr rtlCol="0" anchor="ctr"/>
-              <a:lstStyle/>
-              <a:p>
-                <a:pPr algn="ctr"/>
-                <a:endParaRPr lang="en-US"/>
-              </a:p>
-            </p:txBody>
-          </p:sp>
-          <p:cxnSp>
-            <p:nvCxnSpPr>
-              <p:cNvPr id="120" name="Straight Connector 119">
-                <a:extLst>
-                  <a:ext uri="{FF2B5EF4-FFF2-40B4-BE49-F238E27FC236}">
-                    <a16:creationId xmlns:a16="http://schemas.microsoft.com/office/drawing/2014/main" id="{F59DE13C-F4C9-4F06-8D82-F19A3D73FDA4}"/>
-                  </a:ext>
-                </a:extLst>
-              </p:cNvPr>
-              <p:cNvCxnSpPr/>
-              <p:nvPr/>
-            </p:nvCxnSpPr>
-            <p:spPr>
-              <a:xfrm>
-                <a:off x="4110735" y="1033780"/>
-                <a:ext cx="0" cy="1556506"/>
-              </a:xfrm>
-              <a:prstGeom prst="line">
-                <a:avLst/>
-              </a:prstGeom>
-              <a:ln w="19050">
-                <a:solidFill>
-                  <a:schemeClr val="tx1"/>
-                </a:solidFill>
-              </a:ln>
-            </p:spPr>
-            <p:style>
-              <a:lnRef idx="1">
-                <a:schemeClr val="accent1"/>
-              </a:lnRef>
-              <a:fillRef idx="0">
-                <a:schemeClr val="accent1"/>
-              </a:fillRef>
-              <a:effectRef idx="0">
-                <a:schemeClr val="accent1"/>
-              </a:effectRef>
-              <a:fontRef idx="minor">
-                <a:schemeClr val="tx1"/>
-              </a:fontRef>
-            </p:style>
-          </p:cxnSp>
-          <p:cxnSp>
-            <p:nvCxnSpPr>
-              <p:cNvPr id="121" name="Straight Connector 120">
-                <a:extLst>
-                  <a:ext uri="{FF2B5EF4-FFF2-40B4-BE49-F238E27FC236}">
-                    <a16:creationId xmlns:a16="http://schemas.microsoft.com/office/drawing/2014/main" id="{C7B4B408-0CAC-4EDD-BAE9-A9E6FE2A4775}"/>
-                  </a:ext>
-                </a:extLst>
-              </p:cNvPr>
-              <p:cNvCxnSpPr/>
-              <p:nvPr/>
-            </p:nvCxnSpPr>
-            <p:spPr>
-              <a:xfrm>
-                <a:off x="4028440" y="1033780"/>
-                <a:ext cx="0" cy="1556506"/>
-              </a:xfrm>
-              <a:prstGeom prst="line">
-                <a:avLst/>
-              </a:prstGeom>
-              <a:ln w="19050">
-                <a:solidFill>
-                  <a:schemeClr val="tx1"/>
-                </a:solidFill>
-              </a:ln>
-            </p:spPr>
-            <p:style>
-              <a:lnRef idx="1">
-                <a:schemeClr val="accent1"/>
-              </a:lnRef>
-              <a:fillRef idx="0">
-                <a:schemeClr val="accent1"/>
-              </a:fillRef>
-              <a:effectRef idx="0">
-                <a:schemeClr val="accent1"/>
-              </a:effectRef>
-              <a:fontRef idx="minor">
-                <a:schemeClr val="tx1"/>
-              </a:fontRef>
-            </p:style>
-          </p:cxnSp>
-        </p:grpSp>
-        <p:sp>
-          <p:nvSpPr>
-            <p:cNvPr id="122" name="Freeform: Shape 121">
-              <a:extLst>
-                <a:ext uri="{FF2B5EF4-FFF2-40B4-BE49-F238E27FC236}">
-                  <a16:creationId xmlns:a16="http://schemas.microsoft.com/office/drawing/2014/main" id="{5BBCA9EE-E08D-4F03-9032-2453ED19E97C}"/>
-                </a:ext>
-              </a:extLst>
-            </p:cNvPr>
-            <p:cNvSpPr/>
-            <p:nvPr/>
-          </p:nvSpPr>
-          <p:spPr>
-            <a:xfrm rot="7931013" flipH="1" flipV="1">
-              <a:off x="4446826" y="2360585"/>
-              <a:ext cx="342657" cy="45719"/>
-            </a:xfrm>
-            <a:custGeom>
-              <a:avLst/>
-              <a:gdLst>
-                <a:gd name="connsiteX0" fmla="*/ 0 w 707010"/>
-                <a:gd name="connsiteY0" fmla="*/ 277168 h 456318"/>
-                <a:gd name="connsiteX1" fmla="*/ 179109 w 707010"/>
-                <a:gd name="connsiteY1" fmla="*/ 3790 h 456318"/>
-                <a:gd name="connsiteX2" fmla="*/ 311084 w 707010"/>
-                <a:gd name="connsiteY2" fmla="*/ 456277 h 456318"/>
-                <a:gd name="connsiteX3" fmla="*/ 471340 w 707010"/>
-                <a:gd name="connsiteY3" fmla="*/ 32071 h 456318"/>
-                <a:gd name="connsiteX4" fmla="*/ 612742 w 707010"/>
-                <a:gd name="connsiteY4" fmla="*/ 296021 h 456318"/>
-                <a:gd name="connsiteX5" fmla="*/ 707010 w 707010"/>
-                <a:gd name="connsiteY5" fmla="*/ 314875 h 456318"/>
-              </a:gdLst>
-              <a:ahLst/>
-              <a:cxnLst>
-                <a:cxn ang="0">
-                  <a:pos x="connsiteX0" y="connsiteY0"/>
-                </a:cxn>
-                <a:cxn ang="0">
-                  <a:pos x="connsiteX1" y="connsiteY1"/>
-                </a:cxn>
-                <a:cxn ang="0">
-                  <a:pos x="connsiteX2" y="connsiteY2"/>
-                </a:cxn>
-                <a:cxn ang="0">
-                  <a:pos x="connsiteX3" y="connsiteY3"/>
-                </a:cxn>
-                <a:cxn ang="0">
-                  <a:pos x="connsiteX4" y="connsiteY4"/>
-                </a:cxn>
-                <a:cxn ang="0">
-                  <a:pos x="connsiteX5" y="connsiteY5"/>
-                </a:cxn>
-              </a:cxnLst>
-              <a:rect l="l" t="t" r="r" b="b"/>
-              <a:pathLst>
-                <a:path w="707010" h="456318">
-                  <a:moveTo>
-                    <a:pt x="0" y="277168"/>
-                  </a:moveTo>
-                  <a:cubicBezTo>
-                    <a:pt x="63631" y="125553"/>
-                    <a:pt x="127262" y="-26061"/>
-                    <a:pt x="179109" y="3790"/>
-                  </a:cubicBezTo>
-                  <a:cubicBezTo>
-                    <a:pt x="230956" y="33641"/>
-                    <a:pt x="262379" y="451564"/>
-                    <a:pt x="311084" y="456277"/>
-                  </a:cubicBezTo>
-                  <a:cubicBezTo>
-                    <a:pt x="359789" y="460991"/>
-                    <a:pt x="421064" y="58780"/>
-                    <a:pt x="471340" y="32071"/>
-                  </a:cubicBezTo>
-                  <a:cubicBezTo>
-                    <a:pt x="521616" y="5362"/>
-                    <a:pt x="573464" y="248887"/>
-                    <a:pt x="612742" y="296021"/>
-                  </a:cubicBezTo>
-                  <a:cubicBezTo>
-                    <a:pt x="652020" y="343155"/>
-                    <a:pt x="642594" y="311733"/>
-                    <a:pt x="707010" y="314875"/>
-                  </a:cubicBezTo>
-                </a:path>
-              </a:pathLst>
-            </a:custGeom>
-            <a:noFill/>
-            <a:ln w="6350">
-              <a:solidFill>
-                <a:srgbClr val="00B0F0"/>
-              </a:solidFill>
-              <a:headEnd type="none" w="med" len="med"/>
-              <a:tailEnd type="arrow" w="med" len="med"/>
-            </a:ln>
-          </p:spPr>
-          <p:style>
-            <a:lnRef idx="2">
-              <a:schemeClr val="accent1">
-                <a:shade val="50000"/>
-              </a:schemeClr>
-            </a:lnRef>
-            <a:fillRef idx="1">
-              <a:schemeClr val="accent1"/>
-            </a:fillRef>
-            <a:effectRef idx="0">
-              <a:schemeClr val="accent1"/>
-            </a:effectRef>
-            <a:fontRef idx="minor">
-              <a:schemeClr val="lt1"/>
-            </a:fontRef>
-          </p:style>
-          <p:txBody>
-            <a:bodyPr rtlCol="0" anchor="ctr"/>
-            <a:lstStyle/>
-            <a:p>
-              <a:pPr algn="ctr"/>
-              <a:endParaRPr lang="en-US"/>
-            </a:p>
-          </p:txBody>
-        </p:sp>
-        <p:sp>
-          <p:nvSpPr>
-            <p:cNvPr id="123" name="Freeform: Shape 122">
-              <a:extLst>
-                <a:ext uri="{FF2B5EF4-FFF2-40B4-BE49-F238E27FC236}">
-                  <a16:creationId xmlns:a16="http://schemas.microsoft.com/office/drawing/2014/main" id="{72EA10B5-D462-4A66-81D8-1840A57AE600}"/>
-                </a:ext>
-              </a:extLst>
-            </p:cNvPr>
-            <p:cNvSpPr/>
-            <p:nvPr/>
-          </p:nvSpPr>
-          <p:spPr>
-            <a:xfrm rot="5205043" flipH="1" flipV="1">
-              <a:off x="4642975" y="2419017"/>
-              <a:ext cx="342657" cy="45719"/>
-            </a:xfrm>
-            <a:custGeom>
-              <a:avLst/>
-              <a:gdLst>
-                <a:gd name="connsiteX0" fmla="*/ 0 w 707010"/>
-                <a:gd name="connsiteY0" fmla="*/ 277168 h 456318"/>
-                <a:gd name="connsiteX1" fmla="*/ 179109 w 707010"/>
-                <a:gd name="connsiteY1" fmla="*/ 3790 h 456318"/>
-                <a:gd name="connsiteX2" fmla="*/ 311084 w 707010"/>
-                <a:gd name="connsiteY2" fmla="*/ 456277 h 456318"/>
-                <a:gd name="connsiteX3" fmla="*/ 471340 w 707010"/>
-                <a:gd name="connsiteY3" fmla="*/ 32071 h 456318"/>
-                <a:gd name="connsiteX4" fmla="*/ 612742 w 707010"/>
-                <a:gd name="connsiteY4" fmla="*/ 296021 h 456318"/>
-                <a:gd name="connsiteX5" fmla="*/ 707010 w 707010"/>
-                <a:gd name="connsiteY5" fmla="*/ 314875 h 456318"/>
-              </a:gdLst>
-              <a:ahLst/>
-              <a:cxnLst>
-                <a:cxn ang="0">
-                  <a:pos x="connsiteX0" y="connsiteY0"/>
-                </a:cxn>
-                <a:cxn ang="0">
-                  <a:pos x="connsiteX1" y="connsiteY1"/>
-                </a:cxn>
-                <a:cxn ang="0">
-                  <a:pos x="connsiteX2" y="connsiteY2"/>
-                </a:cxn>
-                <a:cxn ang="0">
-                  <a:pos x="connsiteX3" y="connsiteY3"/>
-                </a:cxn>
-                <a:cxn ang="0">
-                  <a:pos x="connsiteX4" y="connsiteY4"/>
-                </a:cxn>
-                <a:cxn ang="0">
-                  <a:pos x="connsiteX5" y="connsiteY5"/>
-                </a:cxn>
-              </a:cxnLst>
-              <a:rect l="l" t="t" r="r" b="b"/>
-              <a:pathLst>
-                <a:path w="707010" h="456318">
-                  <a:moveTo>
-                    <a:pt x="0" y="277168"/>
-                  </a:moveTo>
-                  <a:cubicBezTo>
-                    <a:pt x="63631" y="125553"/>
-                    <a:pt x="127262" y="-26061"/>
-                    <a:pt x="179109" y="3790"/>
-                  </a:cubicBezTo>
-                  <a:cubicBezTo>
-                    <a:pt x="230956" y="33641"/>
-                    <a:pt x="262379" y="451564"/>
-                    <a:pt x="311084" y="456277"/>
-                  </a:cubicBezTo>
-                  <a:cubicBezTo>
-                    <a:pt x="359789" y="460991"/>
-                    <a:pt x="421064" y="58780"/>
-                    <a:pt x="471340" y="32071"/>
-                  </a:cubicBezTo>
-                  <a:cubicBezTo>
-                    <a:pt x="521616" y="5362"/>
-                    <a:pt x="573464" y="248887"/>
-                    <a:pt x="612742" y="296021"/>
-                  </a:cubicBezTo>
-                  <a:cubicBezTo>
-                    <a:pt x="652020" y="343155"/>
-                    <a:pt x="642594" y="311733"/>
-                    <a:pt x="707010" y="314875"/>
-                  </a:cubicBezTo>
-                </a:path>
-              </a:pathLst>
-            </a:custGeom>
-            <a:noFill/>
-            <a:ln w="6350">
-              <a:solidFill>
-                <a:srgbClr val="00B0F0"/>
-              </a:solidFill>
-              <a:headEnd type="none" w="med" len="med"/>
-              <a:tailEnd type="arrow" w="med" len="med"/>
-            </a:ln>
-          </p:spPr>
-          <p:style>
-            <a:lnRef idx="2">
-              <a:schemeClr val="accent1">
-                <a:shade val="50000"/>
-              </a:schemeClr>
-            </a:lnRef>
-            <a:fillRef idx="1">
-              <a:schemeClr val="accent1"/>
-            </a:fillRef>
-            <a:effectRef idx="0">
-              <a:schemeClr val="accent1"/>
-            </a:effectRef>
-            <a:fontRef idx="minor">
-              <a:schemeClr val="lt1"/>
-            </a:fontRef>
-          </p:style>
-          <p:txBody>
-            <a:bodyPr rtlCol="0" anchor="ctr"/>
-            <a:lstStyle/>
-            <a:p>
-              <a:pPr algn="ctr"/>
-              <a:endParaRPr lang="en-US"/>
-            </a:p>
-          </p:txBody>
-        </p:sp>
-        <p:sp>
-          <p:nvSpPr>
-            <p:cNvPr id="124" name="Freeform: Shape 123">
-              <a:extLst>
-                <a:ext uri="{FF2B5EF4-FFF2-40B4-BE49-F238E27FC236}">
-                  <a16:creationId xmlns:a16="http://schemas.microsoft.com/office/drawing/2014/main" id="{620CF335-EDCD-4BC1-95A7-610142B0EDD3}"/>
-                </a:ext>
-              </a:extLst>
-            </p:cNvPr>
-            <p:cNvSpPr/>
-            <p:nvPr/>
-          </p:nvSpPr>
-          <p:spPr>
-            <a:xfrm rot="2126412" flipH="1" flipV="1">
-              <a:off x="4837552" y="2360583"/>
-              <a:ext cx="342657" cy="45719"/>
-            </a:xfrm>
-            <a:custGeom>
-              <a:avLst/>
-              <a:gdLst>
-                <a:gd name="connsiteX0" fmla="*/ 0 w 707010"/>
-                <a:gd name="connsiteY0" fmla="*/ 277168 h 456318"/>
-                <a:gd name="connsiteX1" fmla="*/ 179109 w 707010"/>
-                <a:gd name="connsiteY1" fmla="*/ 3790 h 456318"/>
-                <a:gd name="connsiteX2" fmla="*/ 311084 w 707010"/>
-                <a:gd name="connsiteY2" fmla="*/ 456277 h 456318"/>
-                <a:gd name="connsiteX3" fmla="*/ 471340 w 707010"/>
-                <a:gd name="connsiteY3" fmla="*/ 32071 h 456318"/>
-                <a:gd name="connsiteX4" fmla="*/ 612742 w 707010"/>
-                <a:gd name="connsiteY4" fmla="*/ 296021 h 456318"/>
-                <a:gd name="connsiteX5" fmla="*/ 707010 w 707010"/>
-                <a:gd name="connsiteY5" fmla="*/ 314875 h 456318"/>
-              </a:gdLst>
-              <a:ahLst/>
-              <a:cxnLst>
-                <a:cxn ang="0">
-                  <a:pos x="connsiteX0" y="connsiteY0"/>
-                </a:cxn>
-                <a:cxn ang="0">
-                  <a:pos x="connsiteX1" y="connsiteY1"/>
-                </a:cxn>
-                <a:cxn ang="0">
-                  <a:pos x="connsiteX2" y="connsiteY2"/>
-                </a:cxn>
-                <a:cxn ang="0">
-                  <a:pos x="connsiteX3" y="connsiteY3"/>
-                </a:cxn>
-                <a:cxn ang="0">
-                  <a:pos x="connsiteX4" y="connsiteY4"/>
-                </a:cxn>
-                <a:cxn ang="0">
-                  <a:pos x="connsiteX5" y="connsiteY5"/>
-                </a:cxn>
-              </a:cxnLst>
-              <a:rect l="l" t="t" r="r" b="b"/>
-              <a:pathLst>
-                <a:path w="707010" h="456318">
-                  <a:moveTo>
-                    <a:pt x="0" y="277168"/>
-                  </a:moveTo>
-                  <a:cubicBezTo>
-                    <a:pt x="63631" y="125553"/>
-                    <a:pt x="127262" y="-26061"/>
-                    <a:pt x="179109" y="3790"/>
-                  </a:cubicBezTo>
-                  <a:cubicBezTo>
-                    <a:pt x="230956" y="33641"/>
-                    <a:pt x="262379" y="451564"/>
-                    <a:pt x="311084" y="456277"/>
-                  </a:cubicBezTo>
-                  <a:cubicBezTo>
-                    <a:pt x="359789" y="460991"/>
-                    <a:pt x="421064" y="58780"/>
-                    <a:pt x="471340" y="32071"/>
-                  </a:cubicBezTo>
-                  <a:cubicBezTo>
-                    <a:pt x="521616" y="5362"/>
-                    <a:pt x="573464" y="248887"/>
-                    <a:pt x="612742" y="296021"/>
-                  </a:cubicBezTo>
-                  <a:cubicBezTo>
-                    <a:pt x="652020" y="343155"/>
-                    <a:pt x="642594" y="311733"/>
-                    <a:pt x="707010" y="314875"/>
-                  </a:cubicBezTo>
-                </a:path>
-              </a:pathLst>
-            </a:custGeom>
-            <a:noFill/>
-            <a:ln w="6350">
-              <a:solidFill>
-                <a:srgbClr val="00B0F0"/>
-              </a:solidFill>
-              <a:headEnd type="none" w="med" len="med"/>
-              <a:tailEnd type="arrow" w="med" len="med"/>
-            </a:ln>
-          </p:spPr>
-          <p:style>
-            <a:lnRef idx="2">
-              <a:schemeClr val="accent1">
-                <a:shade val="50000"/>
-              </a:schemeClr>
-            </a:lnRef>
-            <a:fillRef idx="1">
-              <a:schemeClr val="accent1"/>
-            </a:fillRef>
-            <a:effectRef idx="0">
-              <a:schemeClr val="accent1"/>
-            </a:effectRef>
-            <a:fontRef idx="minor">
-              <a:schemeClr val="lt1"/>
-            </a:fontRef>
-          </p:style>
-          <p:txBody>
-            <a:bodyPr rtlCol="0" anchor="ctr"/>
-            <a:lstStyle/>
-            <a:p>
-              <a:pPr algn="ctr"/>
-              <a:endParaRPr lang="en-US"/>
-            </a:p>
-          </p:txBody>
-        </p:sp>
-        <p:cxnSp>
-          <p:nvCxnSpPr>
-            <p:cNvPr id="125" name="Straight Arrow Connector 124">
-              <a:extLst>
-                <a:ext uri="{FF2B5EF4-FFF2-40B4-BE49-F238E27FC236}">
-                  <a16:creationId xmlns:a16="http://schemas.microsoft.com/office/drawing/2014/main" id="{A0D0019B-9528-4B8B-9CEE-D2C4C8E98305}"/>
-                </a:ext>
-              </a:extLst>
-            </p:cNvPr>
-            <p:cNvCxnSpPr>
-              <a:cxnSpLocks/>
-              <a:stCxn id="117" idx="0"/>
-            </p:cNvCxnSpPr>
-            <p:nvPr/>
-          </p:nvCxnSpPr>
-          <p:spPr>
-            <a:xfrm flipV="1">
-              <a:off x="4805024" y="569446"/>
-              <a:ext cx="0" cy="439780"/>
-            </a:xfrm>
-            <a:prstGeom prst="straightConnector1">
-              <a:avLst/>
-            </a:prstGeom>
-            <a:ln w="28575">
-              <a:solidFill>
-                <a:srgbClr val="00B0F0"/>
-              </a:solidFill>
-              <a:tailEnd type="triangle"/>
-            </a:ln>
-          </p:spPr>
-          <p:style>
-            <a:lnRef idx="1">
-              <a:schemeClr val="accent1"/>
-            </a:lnRef>
-            <a:fillRef idx="0">
-              <a:schemeClr val="accent1"/>
-            </a:fillRef>
-            <a:effectRef idx="0">
-              <a:schemeClr val="accent1"/>
-            </a:effectRef>
-            <a:fontRef idx="minor">
-              <a:schemeClr val="tx1"/>
-            </a:fontRef>
-          </p:style>
-        </p:cxnSp>
-        <p:sp>
-          <p:nvSpPr>
-            <p:cNvPr id="127" name="TextBox 126">
-              <a:extLst>
-                <a:ext uri="{FF2B5EF4-FFF2-40B4-BE49-F238E27FC236}">
-                  <a16:creationId xmlns:a16="http://schemas.microsoft.com/office/drawing/2014/main" id="{87F14E51-438A-45D9-9A0B-8CAF71949AA8}"/>
-                </a:ext>
-              </a:extLst>
-            </p:cNvPr>
-            <p:cNvSpPr txBox="1"/>
-            <p:nvPr/>
-          </p:nvSpPr>
-          <p:spPr>
-            <a:xfrm>
-              <a:off x="3931677" y="295514"/>
-              <a:ext cx="1746694" cy="276999"/>
-            </a:xfrm>
-            <a:prstGeom prst="rect">
-              <a:avLst/>
-            </a:prstGeom>
-            <a:noFill/>
-          </p:spPr>
-          <p:txBody>
-            <a:bodyPr wrap="square" rtlCol="0">
-              <a:spAutoFit/>
-            </a:bodyPr>
-            <a:lstStyle/>
-            <a:p>
-              <a:pPr algn="ctr"/>
-              <a:r>
-                <a:rPr lang="en-US" sz="1200" dirty="0">
-                  <a:solidFill>
-                    <a:srgbClr val="00B0F0"/>
-                  </a:solidFill>
-                  <a:latin typeface="Times New Roman" panose="02020603050405020304" pitchFamily="18" charset="0"/>
-                  <a:cs typeface="Times New Roman" panose="02020603050405020304" pitchFamily="18" charset="0"/>
-                </a:rPr>
-                <a:t>Gaseous Oxygen Output</a:t>
+                <a:t>Batch Culture (Aqueous Substrate &amp; E. Coli)</a:t>
               </a:r>
             </a:p>
           </p:txBody>
